--- a/doc/presentation.pptx
+++ b/doc/presentation.pptx
@@ -6,10 +6,10 @@
     <p:sldMasterId id="2147483751" r:id="rId5"/>
   </p:sldMasterIdLst>
   <p:notesMasterIdLst>
-    <p:notesMasterId r:id="rId17"/>
+    <p:notesMasterId r:id="rId20"/>
   </p:notesMasterIdLst>
   <p:handoutMasterIdLst>
-    <p:handoutMasterId r:id="rId18"/>
+    <p:handoutMasterId r:id="rId21"/>
   </p:handoutMasterIdLst>
   <p:sldIdLst>
     <p:sldId id="256" r:id="rId6"/>
@@ -22,7 +22,10 @@
     <p:sldId id="310" r:id="rId13"/>
     <p:sldId id="303" r:id="rId14"/>
     <p:sldId id="311" r:id="rId15"/>
-    <p:sldId id="300" r:id="rId16"/>
+    <p:sldId id="312" r:id="rId16"/>
+    <p:sldId id="313" r:id="rId17"/>
+    <p:sldId id="314" r:id="rId18"/>
+    <p:sldId id="300" r:id="rId19"/>
   </p:sldIdLst>
   <p:sldSz cx="9144000" cy="6858000" type="screen4x3"/>
   <p:notesSz cx="6858000" cy="9144000"/>
@@ -1060,6 +1063,90 @@
     <p:extLst>
       <p:ext uri="{BB962C8B-B14F-4D97-AF65-F5344CB8AC3E}">
         <p14:creationId xmlns:p14="http://schemas.microsoft.com/office/powerpoint/2010/main" val="2339169595"/>
+      </p:ext>
+    </p:extLst>
+  </p:cSld>
+  <p:clrMapOvr>
+    <a:masterClrMapping/>
+  </p:clrMapOvr>
+</p:notes>
+</file>
+
+<file path=ppt/notesSlides/notesSlide4.xml><?xml version="1.0" encoding="utf-8"?>
+<p:notes xmlns:a="http://schemas.openxmlformats.org/drawingml/2006/main" xmlns:r="http://schemas.openxmlformats.org/officeDocument/2006/relationships" xmlns:p="http://schemas.openxmlformats.org/presentationml/2006/main">
+  <p:cSld>
+    <p:spTree>
+      <p:nvGrpSpPr>
+        <p:cNvPr id="1" name=""/>
+        <p:cNvGrpSpPr/>
+        <p:nvPr/>
+      </p:nvGrpSpPr>
+      <p:grpSpPr>
+        <a:xfrm>
+          <a:off x="0" y="0"/>
+          <a:ext cx="0" cy="0"/>
+          <a:chOff x="0" y="0"/>
+          <a:chExt cx="0" cy="0"/>
+        </a:xfrm>
+      </p:grpSpPr>
+      <p:sp>
+        <p:nvSpPr>
+          <p:cNvPr id="2" name="Slide Image Placeholder 1"/>
+          <p:cNvSpPr>
+            <a:spLocks noGrp="1" noRot="1" noChangeAspect="1"/>
+          </p:cNvSpPr>
+          <p:nvPr>
+            <p:ph type="sldImg"/>
+          </p:nvPr>
+        </p:nvSpPr>
+        <p:spPr/>
+      </p:sp>
+      <p:sp>
+        <p:nvSpPr>
+          <p:cNvPr id="3" name="Notes Placeholder 2"/>
+          <p:cNvSpPr>
+            <a:spLocks noGrp="1"/>
+          </p:cNvSpPr>
+          <p:nvPr>
+            <p:ph type="body" idx="1"/>
+          </p:nvPr>
+        </p:nvSpPr>
+        <p:spPr/>
+        <p:txBody>
+          <a:bodyPr/>
+          <a:lstStyle/>
+          <a:p>
+            <a:endParaRPr lang="en-US" dirty="0"/>
+          </a:p>
+        </p:txBody>
+      </p:sp>
+      <p:sp>
+        <p:nvSpPr>
+          <p:cNvPr id="4" name="Slide Number Placeholder 3"/>
+          <p:cNvSpPr>
+            <a:spLocks noGrp="1"/>
+          </p:cNvSpPr>
+          <p:nvPr>
+            <p:ph type="sldNum" sz="quarter" idx="5"/>
+          </p:nvPr>
+        </p:nvSpPr>
+        <p:spPr/>
+        <p:txBody>
+          <a:bodyPr/>
+          <a:lstStyle/>
+          <a:p>
+            <a:fld id="{D904D311-73F7-5D42-B843-E8305C73070F}" type="slidenum">
+              <a:rPr lang="en-US" smtClean="0"/>
+              <a:t>11</a:t>
+            </a:fld>
+            <a:endParaRPr lang="en-US" dirty="0"/>
+          </a:p>
+        </p:txBody>
+      </p:sp>
+    </p:spTree>
+    <p:extLst>
+      <p:ext uri="{BB962C8B-B14F-4D97-AF65-F5344CB8AC3E}">
+        <p14:creationId xmlns:p14="http://schemas.microsoft.com/office/powerpoint/2010/main" val="388213305"/>
       </p:ext>
     </p:extLst>
   </p:cSld>
@@ -4477,14 +4564,23 @@
             <p:ph idx="16"/>
           </p:nvPr>
         </p:nvSpPr>
-        <p:spPr/>
+        <p:spPr>
+          <a:xfrm>
+            <a:off x="306916" y="1734522"/>
+            <a:ext cx="8724068" cy="4417350"/>
+          </a:xfrm>
+        </p:spPr>
         <p:txBody>
           <a:bodyPr/>
           <a:lstStyle/>
           <a:p>
             <a:r>
-              <a:rPr lang="en-US" dirty="0"/>
-              <a:t>Hyper Text Markup Language</a:t>
+              <a:rPr lang="en-US" dirty="0">
+                <a:solidFill>
+                  <a:srgbClr val="C00000"/>
+                </a:solidFill>
+              </a:rPr>
+              <a:t>Hyper Text Markup Language (HTML)</a:t>
             </a:r>
           </a:p>
           <a:p>
@@ -4494,7 +4590,15 @@
             </a:pPr>
             <a:r>
               <a:rPr lang="en-US" dirty="0"/>
-              <a:t>Is essentially a rich-text file with some media</a:t>
+              <a:t>Is essentially a </a:t>
+            </a:r>
+            <a:r>
+              <a:rPr lang="en-US" dirty="0">
+                <a:solidFill>
+                  <a:srgbClr val="C00000"/>
+                </a:solidFill>
+              </a:rPr>
+              <a:t>rich-text file with some media</a:t>
             </a:r>
           </a:p>
           <a:p>
@@ -4504,12 +4608,25 @@
             </a:pPr>
             <a:r>
               <a:rPr lang="en-US" dirty="0"/>
-              <a:t>Very similar to a word document, </a:t>
-            </a:r>
-            <a:r>
-              <a:rPr lang="en-US"/>
-              <a:t>but written in codes</a:t>
-            </a:r>
+              <a:t>Like a word document, but written in codes</a:t>
+            </a:r>
+          </a:p>
+          <a:p>
+            <a:pPr marL="457200" indent="-457200">
+              <a:buFont typeface="Arial" panose="020B0604020202020204" pitchFamily="34" charset="0"/>
+              <a:buChar char="•"/>
+            </a:pPr>
+            <a:r>
+              <a:rPr lang="en-US" dirty="0"/>
+              <a:t>HTML is the foundation of the webpages</a:t>
+            </a:r>
+          </a:p>
+          <a:p>
+            <a:pPr marL="457200" indent="-457200">
+              <a:buFont typeface="Arial" panose="020B0604020202020204" pitchFamily="34" charset="0"/>
+              <a:buChar char="•"/>
+            </a:pPr>
+            <a:endParaRPr lang="en-US" dirty="0"/>
           </a:p>
           <a:p>
             <a:pPr marL="457200" indent="-457200">
@@ -4550,6 +4667,148 @@
           </a:p>
         </p:txBody>
       </p:sp>
+      <p:pic>
+        <p:nvPicPr>
+          <p:cNvPr id="9" name="Picture 8">
+            <a:extLst>
+              <a:ext uri="{FF2B5EF4-FFF2-40B4-BE49-F238E27FC236}">
+                <a16:creationId xmlns:a16="http://schemas.microsoft.com/office/drawing/2014/main" id="{1C9DFB37-E57D-4FB4-B6BF-2E49B08C2C00}"/>
+              </a:ext>
+            </a:extLst>
+          </p:cNvPr>
+          <p:cNvPicPr>
+            <a:picLocks noChangeAspect="1"/>
+          </p:cNvPicPr>
+          <p:nvPr/>
+        </p:nvPicPr>
+        <p:blipFill>
+          <a:blip r:embed="rId2"/>
+          <a:stretch>
+            <a:fillRect/>
+          </a:stretch>
+        </p:blipFill>
+        <p:spPr>
+          <a:xfrm>
+            <a:off x="195210" y="4140485"/>
+            <a:ext cx="3146772" cy="2643027"/>
+          </a:xfrm>
+          <a:prstGeom prst="rect">
+            <a:avLst/>
+          </a:prstGeom>
+        </p:spPr>
+      </p:pic>
+      <p:sp>
+        <p:nvSpPr>
+          <p:cNvPr id="10" name="Arrow: Right 9">
+            <a:extLst>
+              <a:ext uri="{FF2B5EF4-FFF2-40B4-BE49-F238E27FC236}">
+                <a16:creationId xmlns:a16="http://schemas.microsoft.com/office/drawing/2014/main" id="{B9580EE8-6A20-4A96-8971-8056C16EC96C}"/>
+              </a:ext>
+            </a:extLst>
+          </p:cNvPr>
+          <p:cNvSpPr/>
+          <p:nvPr/>
+        </p:nvSpPr>
+        <p:spPr>
+          <a:xfrm>
+            <a:off x="3791164" y="5649894"/>
+            <a:ext cx="986319" cy="683865"/>
+          </a:xfrm>
+          <a:prstGeom prst="rightArrow">
+            <a:avLst/>
+          </a:prstGeom>
+          <a:solidFill>
+            <a:srgbClr val="0070C0"/>
+          </a:solidFill>
+        </p:spPr>
+        <p:style>
+          <a:lnRef idx="1">
+            <a:schemeClr val="accent1"/>
+          </a:lnRef>
+          <a:fillRef idx="3">
+            <a:schemeClr val="accent1"/>
+          </a:fillRef>
+          <a:effectRef idx="2">
+            <a:schemeClr val="accent1"/>
+          </a:effectRef>
+          <a:fontRef idx="minor">
+            <a:schemeClr val="lt1"/>
+          </a:fontRef>
+        </p:style>
+        <p:txBody>
+          <a:bodyPr rtlCol="0" anchor="ctr"/>
+          <a:lstStyle/>
+          <a:p>
+            <a:pPr algn="ctr"/>
+            <a:endParaRPr lang="en-US"/>
+          </a:p>
+        </p:txBody>
+      </p:sp>
+      <p:sp>
+        <p:nvSpPr>
+          <p:cNvPr id="11" name="TextBox 10">
+            <a:extLst>
+              <a:ext uri="{FF2B5EF4-FFF2-40B4-BE49-F238E27FC236}">
+                <a16:creationId xmlns:a16="http://schemas.microsoft.com/office/drawing/2014/main" id="{EC2BC6F8-62E0-404D-BADA-5AF361C9FD8F}"/>
+              </a:ext>
+            </a:extLst>
+          </p:cNvPr>
+          <p:cNvSpPr txBox="1"/>
+          <p:nvPr/>
+        </p:nvSpPr>
+        <p:spPr>
+          <a:xfrm>
+            <a:off x="3670755" y="4583177"/>
+            <a:ext cx="1558791" cy="923330"/>
+          </a:xfrm>
+          <a:prstGeom prst="rect">
+            <a:avLst/>
+          </a:prstGeom>
+          <a:noFill/>
+        </p:spPr>
+        <p:txBody>
+          <a:bodyPr wrap="square" rtlCol="0">
+            <a:spAutoFit/>
+          </a:bodyPr>
+          <a:lstStyle/>
+          <a:p>
+            <a:r>
+              <a:rPr lang="en-US" dirty="0"/>
+              <a:t>Translate by your web browser</a:t>
+            </a:r>
+          </a:p>
+        </p:txBody>
+      </p:sp>
+      <p:pic>
+        <p:nvPicPr>
+          <p:cNvPr id="13" name="Picture 12">
+            <a:extLst>
+              <a:ext uri="{FF2B5EF4-FFF2-40B4-BE49-F238E27FC236}">
+                <a16:creationId xmlns:a16="http://schemas.microsoft.com/office/drawing/2014/main" id="{63496A4F-C1AE-4D4B-A112-D023D91417D7}"/>
+              </a:ext>
+            </a:extLst>
+          </p:cNvPr>
+          <p:cNvPicPr>
+            <a:picLocks noChangeAspect="1"/>
+          </p:cNvPicPr>
+          <p:nvPr/>
+        </p:nvPicPr>
+        <p:blipFill>
+          <a:blip r:embed="rId3"/>
+          <a:stretch>
+            <a:fillRect/>
+          </a:stretch>
+        </p:blipFill>
+        <p:spPr>
+          <a:xfrm>
+            <a:off x="5533591" y="4040553"/>
+            <a:ext cx="3024114" cy="2643027"/>
+          </a:xfrm>
+          <a:prstGeom prst="rect">
+            <a:avLst/>
+          </a:prstGeom>
+        </p:spPr>
+      </p:pic>
     </p:spTree>
     <p:extLst>
       <p:ext uri="{BB962C8B-B14F-4D97-AF65-F5344CB8AC3E}">
@@ -4567,6 +4826,942 @@
 </file>
 
 <file path=ppt/slides/slide11.xml><?xml version="1.0" encoding="utf-8"?>
+<p:sld xmlns:a="http://schemas.openxmlformats.org/drawingml/2006/main" xmlns:r="http://schemas.openxmlformats.org/officeDocument/2006/relationships" xmlns:p="http://schemas.openxmlformats.org/presentationml/2006/main">
+  <p:cSld>
+    <p:spTree>
+      <p:nvGrpSpPr>
+        <p:cNvPr id="1" name=""/>
+        <p:cNvGrpSpPr/>
+        <p:nvPr/>
+      </p:nvGrpSpPr>
+      <p:grpSpPr>
+        <a:xfrm>
+          <a:off x="0" y="0"/>
+          <a:ext cx="0" cy="0"/>
+          <a:chOff x="0" y="0"/>
+          <a:chExt cx="0" cy="0"/>
+        </a:xfrm>
+      </p:grpSpPr>
+      <p:sp>
+        <p:nvSpPr>
+          <p:cNvPr id="2" name="Content Placeholder 1">
+            <a:extLst>
+              <a:ext uri="{FF2B5EF4-FFF2-40B4-BE49-F238E27FC236}">
+                <a16:creationId xmlns:a16="http://schemas.microsoft.com/office/drawing/2014/main" id="{BD58CE5C-E30E-46E8-AA4C-A5EB7C967590}"/>
+              </a:ext>
+            </a:extLst>
+          </p:cNvPr>
+          <p:cNvSpPr>
+            <a:spLocks noGrp="1"/>
+          </p:cNvSpPr>
+          <p:nvPr>
+            <p:ph idx="16"/>
+          </p:nvPr>
+        </p:nvSpPr>
+        <p:spPr/>
+        <p:txBody>
+          <a:bodyPr/>
+          <a:lstStyle/>
+          <a:p>
+            <a:pPr marL="457200" indent="-457200">
+              <a:buFont typeface="Arial" panose="020B0604020202020204" pitchFamily="34" charset="0"/>
+              <a:buChar char="•"/>
+            </a:pPr>
+            <a:r>
+              <a:rPr lang="en-US" dirty="0"/>
+              <a:t>A webpage consists of different </a:t>
+            </a:r>
+            <a:r>
+              <a:rPr lang="en-US" b="1" dirty="0"/>
+              <a:t>elements </a:t>
+            </a:r>
+          </a:p>
+          <a:p>
+            <a:pPr marL="457200" indent="-457200">
+              <a:buFont typeface="Arial" panose="020B0604020202020204" pitchFamily="34" charset="0"/>
+              <a:buChar char="•"/>
+            </a:pPr>
+            <a:r>
+              <a:rPr lang="en-US" dirty="0"/>
+              <a:t>Indicated by a part of </a:t>
+            </a:r>
+            <a:r>
+              <a:rPr lang="en-US" b="1" dirty="0"/>
+              <a:t>tags, </a:t>
+            </a:r>
+            <a:r>
+              <a:rPr lang="en-US" dirty="0"/>
+              <a:t>represent its type</a:t>
+            </a:r>
+          </a:p>
+          <a:p>
+            <a:r>
+              <a:rPr lang="en-US" b="1" dirty="0"/>
+              <a:t>	&lt;button&gt;Click me&lt;/button&gt;</a:t>
+            </a:r>
+            <a:endParaRPr lang="en-US" dirty="0"/>
+          </a:p>
+          <a:p>
+            <a:r>
+              <a:rPr lang="en-US" dirty="0"/>
+              <a:t>	- </a:t>
+            </a:r>
+            <a:r>
+              <a:rPr lang="en-US" dirty="0">
+                <a:solidFill>
+                  <a:srgbClr val="C00000"/>
+                </a:solidFill>
+              </a:rPr>
+              <a:t>&lt;button&gt;</a:t>
+            </a:r>
+            <a:r>
+              <a:rPr lang="en-US" dirty="0"/>
+              <a:t> shows it is a button</a:t>
+            </a:r>
+          </a:p>
+          <a:p>
+            <a:r>
+              <a:rPr lang="en-US" dirty="0"/>
+              <a:t>	- </a:t>
+            </a:r>
+            <a:r>
+              <a:rPr lang="en-US" dirty="0">
+                <a:solidFill>
+                  <a:srgbClr val="C00000"/>
+                </a:solidFill>
+              </a:rPr>
+              <a:t>“Click me” </a:t>
+            </a:r>
+            <a:r>
+              <a:rPr lang="en-US" dirty="0"/>
+              <a:t>is the text on the element</a:t>
+            </a:r>
+          </a:p>
+          <a:p>
+            <a:pPr marL="457200" indent="-457200">
+              <a:buFont typeface="Arial" panose="020B0604020202020204" pitchFamily="34" charset="0"/>
+              <a:buChar char="•"/>
+            </a:pPr>
+            <a:r>
+              <a:rPr lang="en-US" dirty="0"/>
+              <a:t>Can include other elements, like onion</a:t>
+            </a:r>
+          </a:p>
+        </p:txBody>
+      </p:sp>
+      <p:sp>
+        <p:nvSpPr>
+          <p:cNvPr id="3" name="Title 2">
+            <a:extLst>
+              <a:ext uri="{FF2B5EF4-FFF2-40B4-BE49-F238E27FC236}">
+                <a16:creationId xmlns:a16="http://schemas.microsoft.com/office/drawing/2014/main" id="{EB41BDBC-3861-4862-ACFF-996A5F223E2B}"/>
+              </a:ext>
+            </a:extLst>
+          </p:cNvPr>
+          <p:cNvSpPr>
+            <a:spLocks noGrp="1"/>
+          </p:cNvSpPr>
+          <p:nvPr>
+            <p:ph type="title"/>
+          </p:nvPr>
+        </p:nvSpPr>
+        <p:spPr/>
+        <p:txBody>
+          <a:bodyPr>
+            <a:normAutofit fontScale="90000"/>
+          </a:bodyPr>
+          <a:lstStyle/>
+          <a:p>
+            <a:r>
+              <a:rPr lang="en-US" dirty="0"/>
+              <a:t>HTML element and tag</a:t>
+            </a:r>
+          </a:p>
+        </p:txBody>
+      </p:sp>
+      <p:sp>
+        <p:nvSpPr>
+          <p:cNvPr id="8" name="Arrow: Right 7">
+            <a:extLst>
+              <a:ext uri="{FF2B5EF4-FFF2-40B4-BE49-F238E27FC236}">
+                <a16:creationId xmlns:a16="http://schemas.microsoft.com/office/drawing/2014/main" id="{762E18DC-02FC-485F-9760-D2ABFE04F7A0}"/>
+              </a:ext>
+            </a:extLst>
+          </p:cNvPr>
+          <p:cNvSpPr/>
+          <p:nvPr/>
+        </p:nvSpPr>
+        <p:spPr>
+          <a:xfrm rot="855115">
+            <a:off x="5871036" y="3092918"/>
+            <a:ext cx="646843" cy="360940"/>
+          </a:xfrm>
+          <a:prstGeom prst="rightArrow">
+            <a:avLst/>
+          </a:prstGeom>
+          <a:solidFill>
+            <a:srgbClr val="0070C0"/>
+          </a:solidFill>
+        </p:spPr>
+        <p:style>
+          <a:lnRef idx="1">
+            <a:schemeClr val="accent1"/>
+          </a:lnRef>
+          <a:fillRef idx="3">
+            <a:schemeClr val="accent1"/>
+          </a:fillRef>
+          <a:effectRef idx="2">
+            <a:schemeClr val="accent1"/>
+          </a:effectRef>
+          <a:fontRef idx="minor">
+            <a:schemeClr val="lt1"/>
+          </a:fontRef>
+        </p:style>
+        <p:txBody>
+          <a:bodyPr rtlCol="0" anchor="ctr"/>
+          <a:lstStyle/>
+          <a:p>
+            <a:pPr algn="ctr"/>
+            <a:endParaRPr lang="en-US"/>
+          </a:p>
+        </p:txBody>
+      </p:sp>
+      <p:pic>
+        <p:nvPicPr>
+          <p:cNvPr id="11" name="Picture 10" descr="A picture containing onion, vegetable, plastic&#10;&#10;Description automatically generated">
+            <a:extLst>
+              <a:ext uri="{FF2B5EF4-FFF2-40B4-BE49-F238E27FC236}">
+                <a16:creationId xmlns:a16="http://schemas.microsoft.com/office/drawing/2014/main" id="{08F18F7C-D8FE-424C-AC96-262373509BCE}"/>
+              </a:ext>
+            </a:extLst>
+          </p:cNvPr>
+          <p:cNvPicPr>
+            <a:picLocks noChangeAspect="1"/>
+          </p:cNvPicPr>
+          <p:nvPr/>
+        </p:nvPicPr>
+        <p:blipFill>
+          <a:blip r:embed="rId3"/>
+          <a:stretch>
+            <a:fillRect/>
+          </a:stretch>
+        </p:blipFill>
+        <p:spPr>
+          <a:xfrm>
+            <a:off x="6194888" y="4956714"/>
+            <a:ext cx="2846370" cy="1901286"/>
+          </a:xfrm>
+          <a:prstGeom prst="rect">
+            <a:avLst/>
+          </a:prstGeom>
+        </p:spPr>
+      </p:pic>
+      <p:pic>
+        <p:nvPicPr>
+          <p:cNvPr id="13" name="Picture 12">
+            <a:extLst>
+              <a:ext uri="{FF2B5EF4-FFF2-40B4-BE49-F238E27FC236}">
+                <a16:creationId xmlns:a16="http://schemas.microsoft.com/office/drawing/2014/main" id="{530B8ACE-CFB7-4F8F-9929-53EDC8D5E942}"/>
+              </a:ext>
+            </a:extLst>
+          </p:cNvPr>
+          <p:cNvPicPr>
+            <a:picLocks noChangeAspect="1"/>
+          </p:cNvPicPr>
+          <p:nvPr/>
+        </p:nvPicPr>
+        <p:blipFill>
+          <a:blip r:embed="rId4"/>
+          <a:stretch>
+            <a:fillRect/>
+          </a:stretch>
+        </p:blipFill>
+        <p:spPr>
+          <a:xfrm>
+            <a:off x="497642" y="4966096"/>
+            <a:ext cx="5630239" cy="1882521"/>
+          </a:xfrm>
+          <a:prstGeom prst="rect">
+            <a:avLst/>
+          </a:prstGeom>
+        </p:spPr>
+      </p:pic>
+      <p:sp>
+        <p:nvSpPr>
+          <p:cNvPr id="14" name="TextBox 13">
+            <a:extLst>
+              <a:ext uri="{FF2B5EF4-FFF2-40B4-BE49-F238E27FC236}">
+                <a16:creationId xmlns:a16="http://schemas.microsoft.com/office/drawing/2014/main" id="{AD152969-972B-435B-B00B-7F6C906D2C69}"/>
+              </a:ext>
+            </a:extLst>
+          </p:cNvPr>
+          <p:cNvSpPr txBox="1"/>
+          <p:nvPr/>
+        </p:nvSpPr>
+        <p:spPr>
+          <a:xfrm>
+            <a:off x="194513" y="4956714"/>
+            <a:ext cx="269626" cy="1569660"/>
+          </a:xfrm>
+          <a:prstGeom prst="rect">
+            <a:avLst/>
+          </a:prstGeom>
+          <a:noFill/>
+        </p:spPr>
+        <p:txBody>
+          <a:bodyPr wrap="none" rtlCol="0">
+            <a:spAutoFit/>
+          </a:bodyPr>
+          <a:lstStyle/>
+          <a:p>
+            <a:r>
+              <a:rPr lang="en-US" sz="1200" dirty="0">
+                <a:solidFill>
+                  <a:srgbClr val="C00000"/>
+                </a:solidFill>
+              </a:rPr>
+              <a:t>1</a:t>
+            </a:r>
+          </a:p>
+          <a:p>
+            <a:r>
+              <a:rPr lang="en-US" sz="1200" dirty="0">
+                <a:solidFill>
+                  <a:srgbClr val="C00000"/>
+                </a:solidFill>
+              </a:rPr>
+              <a:t>2</a:t>
+            </a:r>
+          </a:p>
+          <a:p>
+            <a:r>
+              <a:rPr lang="en-US" sz="1200" dirty="0">
+                <a:solidFill>
+                  <a:srgbClr val="C00000"/>
+                </a:solidFill>
+              </a:rPr>
+              <a:t>3</a:t>
+            </a:r>
+          </a:p>
+          <a:p>
+            <a:r>
+              <a:rPr lang="en-US" sz="1200" dirty="0">
+                <a:solidFill>
+                  <a:srgbClr val="C00000"/>
+                </a:solidFill>
+              </a:rPr>
+              <a:t>4</a:t>
+            </a:r>
+          </a:p>
+          <a:p>
+            <a:r>
+              <a:rPr lang="en-US" sz="1200" dirty="0">
+                <a:solidFill>
+                  <a:srgbClr val="C00000"/>
+                </a:solidFill>
+              </a:rPr>
+              <a:t>5</a:t>
+            </a:r>
+          </a:p>
+          <a:p>
+            <a:endParaRPr lang="en-US" sz="1200" dirty="0">
+              <a:solidFill>
+                <a:srgbClr val="C00000"/>
+              </a:solidFill>
+            </a:endParaRPr>
+          </a:p>
+          <a:p>
+            <a:r>
+              <a:rPr lang="en-US" sz="1200" dirty="0">
+                <a:solidFill>
+                  <a:srgbClr val="C00000"/>
+                </a:solidFill>
+              </a:rPr>
+              <a:t>6</a:t>
+            </a:r>
+          </a:p>
+          <a:p>
+            <a:endParaRPr lang="en-US" sz="1200" dirty="0">
+              <a:solidFill>
+                <a:srgbClr val="C00000"/>
+              </a:solidFill>
+            </a:endParaRPr>
+          </a:p>
+        </p:txBody>
+      </p:sp>
+      <p:pic>
+        <p:nvPicPr>
+          <p:cNvPr id="16" name="Picture 15">
+            <a:extLst>
+              <a:ext uri="{FF2B5EF4-FFF2-40B4-BE49-F238E27FC236}">
+                <a16:creationId xmlns:a16="http://schemas.microsoft.com/office/drawing/2014/main" id="{73D7A42F-026A-48E1-B368-D843FA1C872D}"/>
+              </a:ext>
+            </a:extLst>
+          </p:cNvPr>
+          <p:cNvPicPr>
+            <a:picLocks noChangeAspect="1"/>
+          </p:cNvPicPr>
+          <p:nvPr/>
+        </p:nvPicPr>
+        <p:blipFill>
+          <a:blip r:embed="rId5"/>
+          <a:stretch>
+            <a:fillRect/>
+          </a:stretch>
+        </p:blipFill>
+        <p:spPr>
+          <a:xfrm>
+            <a:off x="6837975" y="3018850"/>
+            <a:ext cx="2105025" cy="1285875"/>
+          </a:xfrm>
+          <a:prstGeom prst="rect">
+            <a:avLst/>
+          </a:prstGeom>
+        </p:spPr>
+      </p:pic>
+    </p:spTree>
+    <p:extLst>
+      <p:ext uri="{BB962C8B-B14F-4D97-AF65-F5344CB8AC3E}">
+        <p14:creationId xmlns:p14="http://schemas.microsoft.com/office/powerpoint/2010/main" val="3739661453"/>
+      </p:ext>
+    </p:extLst>
+  </p:cSld>
+  <p:clrMapOvr>
+    <a:masterClrMapping/>
+  </p:clrMapOvr>
+  <p:transition spd="slow">
+    <p:fade/>
+  </p:transition>
+</p:sld>
+</file>
+
+<file path=ppt/slides/slide12.xml><?xml version="1.0" encoding="utf-8"?>
+<p:sld xmlns:a="http://schemas.openxmlformats.org/drawingml/2006/main" xmlns:r="http://schemas.openxmlformats.org/officeDocument/2006/relationships" xmlns:p="http://schemas.openxmlformats.org/presentationml/2006/main">
+  <p:cSld>
+    <p:spTree>
+      <p:nvGrpSpPr>
+        <p:cNvPr id="1" name=""/>
+        <p:cNvGrpSpPr/>
+        <p:nvPr/>
+      </p:nvGrpSpPr>
+      <p:grpSpPr>
+        <a:xfrm>
+          <a:off x="0" y="0"/>
+          <a:ext cx="0" cy="0"/>
+          <a:chOff x="0" y="0"/>
+          <a:chExt cx="0" cy="0"/>
+        </a:xfrm>
+      </p:grpSpPr>
+      <p:sp>
+        <p:nvSpPr>
+          <p:cNvPr id="2" name="Content Placeholder 1">
+            <a:extLst>
+              <a:ext uri="{FF2B5EF4-FFF2-40B4-BE49-F238E27FC236}">
+                <a16:creationId xmlns:a16="http://schemas.microsoft.com/office/drawing/2014/main" id="{B158E1D7-489C-4FD7-94D5-ED9B4977BB27}"/>
+              </a:ext>
+            </a:extLst>
+          </p:cNvPr>
+          <p:cNvSpPr>
+            <a:spLocks noGrp="1"/>
+          </p:cNvSpPr>
+          <p:nvPr>
+            <p:ph idx="16"/>
+          </p:nvPr>
+        </p:nvSpPr>
+        <p:spPr/>
+        <p:txBody>
+          <a:bodyPr/>
+          <a:lstStyle/>
+          <a:p>
+            <a:r>
+              <a:rPr lang="en-US" dirty="0"/>
+              <a:t>Like a record in shapefile, a tag also have attributes</a:t>
+            </a:r>
+          </a:p>
+          <a:p>
+            <a:r>
+              <a:rPr lang="en-US" sz="2000" b="0" dirty="0">
+                <a:solidFill>
+                  <a:srgbClr val="808080"/>
+                </a:solidFill>
+                <a:effectLst/>
+                <a:latin typeface="Consolas" panose="020B0609020204030204" pitchFamily="49" charset="0"/>
+              </a:rPr>
+              <a:t>&lt;</a:t>
+            </a:r>
+            <a:r>
+              <a:rPr lang="en-US" sz="2000" b="0" dirty="0">
+                <a:solidFill>
+                  <a:srgbClr val="569CD6"/>
+                </a:solidFill>
+                <a:effectLst/>
+                <a:latin typeface="Consolas" panose="020B0609020204030204" pitchFamily="49" charset="0"/>
+              </a:rPr>
+              <a:t>a</a:t>
+            </a:r>
+            <a:r>
+              <a:rPr lang="en-US" sz="2000" b="0" dirty="0">
+                <a:solidFill>
+                  <a:srgbClr val="D4D4D4"/>
+                </a:solidFill>
+                <a:effectLst/>
+                <a:latin typeface="Consolas" panose="020B0609020204030204" pitchFamily="49" charset="0"/>
+              </a:rPr>
+              <a:t> </a:t>
+            </a:r>
+            <a:r>
+              <a:rPr lang="en-US" sz="2000" b="0" dirty="0">
+                <a:solidFill>
+                  <a:srgbClr val="002060"/>
+                </a:solidFill>
+                <a:effectLst/>
+                <a:latin typeface="Consolas" panose="020B0609020204030204" pitchFamily="49" charset="0"/>
+              </a:rPr>
+              <a:t>class</a:t>
+            </a:r>
+            <a:r>
+              <a:rPr lang="en-US" sz="2000" b="0" dirty="0">
+                <a:solidFill>
+                  <a:srgbClr val="D4D4D4"/>
+                </a:solidFill>
+                <a:effectLst/>
+                <a:latin typeface="Consolas" panose="020B0609020204030204" pitchFamily="49" charset="0"/>
+              </a:rPr>
+              <a:t>=</a:t>
+            </a:r>
+            <a:r>
+              <a:rPr lang="en-US" sz="2000" b="0" dirty="0">
+                <a:solidFill>
+                  <a:srgbClr val="CE9178"/>
+                </a:solidFill>
+                <a:effectLst/>
+                <a:latin typeface="Consolas" panose="020B0609020204030204" pitchFamily="49" charset="0"/>
+              </a:rPr>
+              <a:t>"link"</a:t>
+            </a:r>
+            <a:r>
+              <a:rPr lang="en-US" sz="2000" b="0" dirty="0">
+                <a:solidFill>
+                  <a:srgbClr val="D4D4D4"/>
+                </a:solidFill>
+                <a:effectLst/>
+                <a:latin typeface="Consolas" panose="020B0609020204030204" pitchFamily="49" charset="0"/>
+              </a:rPr>
+              <a:t> </a:t>
+            </a:r>
+            <a:r>
+              <a:rPr lang="en-US" sz="2000" b="0" dirty="0">
+                <a:solidFill>
+                  <a:srgbClr val="002060"/>
+                </a:solidFill>
+                <a:effectLst/>
+                <a:latin typeface="Consolas" panose="020B0609020204030204" pitchFamily="49" charset="0"/>
+              </a:rPr>
+              <a:t>id</a:t>
+            </a:r>
+            <a:r>
+              <a:rPr lang="en-US" sz="2000" b="0" dirty="0">
+                <a:solidFill>
+                  <a:srgbClr val="D4D4D4"/>
+                </a:solidFill>
+                <a:effectLst/>
+                <a:latin typeface="Consolas" panose="020B0609020204030204" pitchFamily="49" charset="0"/>
+              </a:rPr>
+              <a:t>=</a:t>
+            </a:r>
+            <a:r>
+              <a:rPr lang="en-US" sz="2000" b="0" dirty="0">
+                <a:solidFill>
+                  <a:srgbClr val="CE9178"/>
+                </a:solidFill>
+                <a:effectLst/>
+                <a:latin typeface="Consolas" panose="020B0609020204030204" pitchFamily="49" charset="0"/>
+              </a:rPr>
+              <a:t>"this-link"</a:t>
+            </a:r>
+            <a:r>
+              <a:rPr lang="en-US" sz="2000" b="0" dirty="0">
+                <a:solidFill>
+                  <a:srgbClr val="D4D4D4"/>
+                </a:solidFill>
+                <a:effectLst/>
+                <a:latin typeface="Consolas" panose="020B0609020204030204" pitchFamily="49" charset="0"/>
+              </a:rPr>
+              <a:t> </a:t>
+            </a:r>
+            <a:r>
+              <a:rPr lang="en-US" sz="2000" b="0" dirty="0" err="1">
+                <a:solidFill>
+                  <a:srgbClr val="002060"/>
+                </a:solidFill>
+                <a:effectLst/>
+                <a:latin typeface="Consolas" panose="020B0609020204030204" pitchFamily="49" charset="0"/>
+              </a:rPr>
+              <a:t>href</a:t>
+            </a:r>
+            <a:r>
+              <a:rPr lang="en-US" sz="2000" b="0" dirty="0">
+                <a:solidFill>
+                  <a:srgbClr val="D4D4D4"/>
+                </a:solidFill>
+                <a:effectLst/>
+                <a:latin typeface="Consolas" panose="020B0609020204030204" pitchFamily="49" charset="0"/>
+              </a:rPr>
+              <a:t>=</a:t>
+            </a:r>
+            <a:r>
+              <a:rPr lang="en-US" sz="2000" b="0" dirty="0">
+                <a:solidFill>
+                  <a:srgbClr val="CE9178"/>
+                </a:solidFill>
+                <a:effectLst/>
+                <a:latin typeface="Consolas" panose="020B0609020204030204" pitchFamily="49" charset="0"/>
+              </a:rPr>
+              <a:t>"#"</a:t>
+            </a:r>
+            <a:r>
+              <a:rPr lang="en-US" sz="2000" b="0" dirty="0">
+                <a:solidFill>
+                  <a:srgbClr val="808080"/>
+                </a:solidFill>
+                <a:effectLst/>
+                <a:latin typeface="Consolas" panose="020B0609020204030204" pitchFamily="49" charset="0"/>
+              </a:rPr>
+              <a:t>&gt;</a:t>
+            </a:r>
+            <a:r>
+              <a:rPr lang="en-US" sz="2000" b="0" dirty="0">
+                <a:solidFill>
+                  <a:srgbClr val="D4D4D4"/>
+                </a:solidFill>
+                <a:effectLst/>
+                <a:latin typeface="Consolas" panose="020B0609020204030204" pitchFamily="49" charset="0"/>
+              </a:rPr>
+              <a:t>I am a link!</a:t>
+            </a:r>
+            <a:r>
+              <a:rPr lang="en-US" sz="2000" b="0" dirty="0">
+                <a:solidFill>
+                  <a:srgbClr val="808080"/>
+                </a:solidFill>
+                <a:effectLst/>
+                <a:latin typeface="Consolas" panose="020B0609020204030204" pitchFamily="49" charset="0"/>
+              </a:rPr>
+              <a:t>&lt;/</a:t>
+            </a:r>
+            <a:r>
+              <a:rPr lang="en-US" sz="2000" b="0" dirty="0">
+                <a:solidFill>
+                  <a:srgbClr val="569CD6"/>
+                </a:solidFill>
+                <a:effectLst/>
+                <a:latin typeface="Consolas" panose="020B0609020204030204" pitchFamily="49" charset="0"/>
+              </a:rPr>
+              <a:t>a</a:t>
+            </a:r>
+            <a:r>
+              <a:rPr lang="en-US" sz="2000" b="0" dirty="0">
+                <a:solidFill>
+                  <a:srgbClr val="808080"/>
+                </a:solidFill>
+                <a:effectLst/>
+                <a:latin typeface="Consolas" panose="020B0609020204030204" pitchFamily="49" charset="0"/>
+              </a:rPr>
+              <a:t>&gt;</a:t>
+            </a:r>
+            <a:endParaRPr lang="en-US" sz="2000" b="0" dirty="0">
+              <a:solidFill>
+                <a:srgbClr val="D4D4D4"/>
+              </a:solidFill>
+              <a:effectLst/>
+              <a:latin typeface="Consolas" panose="020B0609020204030204" pitchFamily="49" charset="0"/>
+            </a:endParaRPr>
+          </a:p>
+          <a:p>
+            <a:endParaRPr lang="en-US" dirty="0"/>
+          </a:p>
+          <a:p>
+            <a:pPr marL="457200" indent="-457200">
+              <a:buFont typeface="Arial" panose="020B0604020202020204" pitchFamily="34" charset="0"/>
+              <a:buChar char="•"/>
+            </a:pPr>
+            <a:r>
+              <a:rPr lang="en-US" dirty="0"/>
+              <a:t>Class -&gt; a name for a group of elements</a:t>
+            </a:r>
+          </a:p>
+          <a:p>
+            <a:pPr lvl="1"/>
+            <a:r>
+              <a:rPr lang="en-US" dirty="0"/>
+              <a:t>	Useful to select or apply settings on many elements</a:t>
+            </a:r>
+          </a:p>
+          <a:p>
+            <a:pPr marL="457200" indent="-457200">
+              <a:buFont typeface="Arial" panose="020B0604020202020204" pitchFamily="34" charset="0"/>
+              <a:buChar char="•"/>
+            </a:pPr>
+            <a:r>
+              <a:rPr lang="en-US" dirty="0"/>
+              <a:t>Id -&gt; a name for this specific element</a:t>
+            </a:r>
+          </a:p>
+          <a:p>
+            <a:pPr lvl="1"/>
+            <a:r>
+              <a:rPr lang="en-US" dirty="0"/>
+              <a:t>	Useful to select a specific element</a:t>
+            </a:r>
+          </a:p>
+          <a:p>
+            <a:pPr marL="457200" indent="-457200">
+              <a:buFont typeface="Arial" panose="020B0604020202020204" pitchFamily="34" charset="0"/>
+              <a:buChar char="•"/>
+            </a:pPr>
+            <a:r>
+              <a:rPr lang="en-US" dirty="0" err="1"/>
+              <a:t>Href</a:t>
+            </a:r>
+            <a:r>
+              <a:rPr lang="en-US" dirty="0"/>
+              <a:t> -&gt; the hyperlink attached to this element</a:t>
+            </a:r>
+          </a:p>
+          <a:p>
+            <a:pPr marL="457200" indent="-457200">
+              <a:buFont typeface="Arial" panose="020B0604020202020204" pitchFamily="34" charset="0"/>
+              <a:buChar char="•"/>
+            </a:pPr>
+            <a:endParaRPr lang="en-US" dirty="0"/>
+          </a:p>
+          <a:p>
+            <a:r>
+              <a:rPr lang="en-US" dirty="0"/>
+              <a:t>There are many other attributes for different uses</a:t>
+            </a:r>
+          </a:p>
+          <a:p>
+            <a:pPr marL="457200" indent="-457200">
+              <a:buFont typeface="Arial" panose="020B0604020202020204" pitchFamily="34" charset="0"/>
+              <a:buChar char="•"/>
+            </a:pPr>
+            <a:endParaRPr lang="en-US" dirty="0"/>
+          </a:p>
+          <a:p>
+            <a:pPr marL="457200" indent="-457200">
+              <a:buFont typeface="Arial" panose="020B0604020202020204" pitchFamily="34" charset="0"/>
+              <a:buChar char="•"/>
+            </a:pPr>
+            <a:endParaRPr lang="en-US" dirty="0"/>
+          </a:p>
+        </p:txBody>
+      </p:sp>
+      <p:sp>
+        <p:nvSpPr>
+          <p:cNvPr id="3" name="Title 2">
+            <a:extLst>
+              <a:ext uri="{FF2B5EF4-FFF2-40B4-BE49-F238E27FC236}">
+                <a16:creationId xmlns:a16="http://schemas.microsoft.com/office/drawing/2014/main" id="{F4C8F3B4-5C0C-4187-A083-0BA4B49B130B}"/>
+              </a:ext>
+            </a:extLst>
+          </p:cNvPr>
+          <p:cNvSpPr>
+            <a:spLocks noGrp="1"/>
+          </p:cNvSpPr>
+          <p:nvPr>
+            <p:ph type="title"/>
+          </p:nvPr>
+        </p:nvSpPr>
+        <p:spPr/>
+        <p:txBody>
+          <a:bodyPr>
+            <a:normAutofit fontScale="90000"/>
+          </a:bodyPr>
+          <a:lstStyle/>
+          <a:p>
+            <a:r>
+              <a:rPr lang="en-US" dirty="0"/>
+              <a:t>HTML tag attributes</a:t>
+            </a:r>
+          </a:p>
+        </p:txBody>
+      </p:sp>
+    </p:spTree>
+    <p:extLst>
+      <p:ext uri="{BB962C8B-B14F-4D97-AF65-F5344CB8AC3E}">
+        <p14:creationId xmlns:p14="http://schemas.microsoft.com/office/powerpoint/2010/main" val="3988603397"/>
+      </p:ext>
+    </p:extLst>
+  </p:cSld>
+  <p:clrMapOvr>
+    <a:masterClrMapping/>
+  </p:clrMapOvr>
+  <p:transition spd="slow">
+    <p:fade/>
+  </p:transition>
+</p:sld>
+</file>
+
+<file path=ppt/slides/slide13.xml><?xml version="1.0" encoding="utf-8"?>
+<p:sld xmlns:a="http://schemas.openxmlformats.org/drawingml/2006/main" xmlns:r="http://schemas.openxmlformats.org/officeDocument/2006/relationships" xmlns:p="http://schemas.openxmlformats.org/presentationml/2006/main">
+  <p:cSld>
+    <p:spTree>
+      <p:nvGrpSpPr>
+        <p:cNvPr id="1" name=""/>
+        <p:cNvGrpSpPr/>
+        <p:nvPr/>
+      </p:nvGrpSpPr>
+      <p:grpSpPr>
+        <a:xfrm>
+          <a:off x="0" y="0"/>
+          <a:ext cx="0" cy="0"/>
+          <a:chOff x="0" y="0"/>
+          <a:chExt cx="0" cy="0"/>
+        </a:xfrm>
+      </p:grpSpPr>
+      <p:sp>
+        <p:nvSpPr>
+          <p:cNvPr id="2" name="Content Placeholder 1">
+            <a:extLst>
+              <a:ext uri="{FF2B5EF4-FFF2-40B4-BE49-F238E27FC236}">
+                <a16:creationId xmlns:a16="http://schemas.microsoft.com/office/drawing/2014/main" id="{AE097777-C798-4ABC-B994-89113ADB900D}"/>
+              </a:ext>
+            </a:extLst>
+          </p:cNvPr>
+          <p:cNvSpPr>
+            <a:spLocks noGrp="1"/>
+          </p:cNvSpPr>
+          <p:nvPr>
+            <p:ph idx="16"/>
+          </p:nvPr>
+        </p:nvSpPr>
+        <p:spPr/>
+        <p:txBody>
+          <a:bodyPr/>
+          <a:lstStyle/>
+          <a:p>
+            <a:pPr marL="457200" indent="-457200">
+              <a:buFont typeface="Arial" panose="020B0604020202020204" pitchFamily="34" charset="0"/>
+              <a:buChar char="•"/>
+            </a:pPr>
+            <a:r>
+              <a:rPr lang="en-US" dirty="0"/>
+              <a:t>HTML alone is static</a:t>
+            </a:r>
+          </a:p>
+          <a:p>
+            <a:pPr lvl="1"/>
+            <a:r>
+              <a:rPr lang="en-US" dirty="0"/>
+              <a:t>	- Hard to interact</a:t>
+            </a:r>
+          </a:p>
+          <a:p>
+            <a:pPr lvl="1"/>
+            <a:r>
+              <a:rPr lang="en-US" dirty="0"/>
+              <a:t>	- Hard to read, write, and maintain</a:t>
+            </a:r>
+          </a:p>
+          <a:p>
+            <a:pPr lvl="1"/>
+            <a:r>
+              <a:rPr lang="en-US" dirty="0"/>
+              <a:t>	- However, HTML alone can still show videos and GIFs</a:t>
+            </a:r>
+          </a:p>
+          <a:p>
+            <a:pPr marL="457200" lvl="1" indent="-457200">
+              <a:buFont typeface="Arial" panose="020B0604020202020204" pitchFamily="34" charset="0"/>
+              <a:buChar char="•"/>
+            </a:pPr>
+            <a:r>
+              <a:rPr lang="en-US" sz="2800" dirty="0">
+                <a:solidFill>
+                  <a:schemeClr val="tx1">
+                    <a:lumMod val="95000"/>
+                    <a:lumOff val="5000"/>
+                  </a:schemeClr>
+                </a:solidFill>
+                <a:latin typeface="+mj-lt"/>
+              </a:rPr>
+              <a:t>HTML alone is </a:t>
+            </a:r>
+            <a:r>
+              <a:rPr lang="en-US" sz="2800">
+                <a:solidFill>
+                  <a:schemeClr val="tx1">
+                    <a:lumMod val="95000"/>
+                    <a:lumOff val="5000"/>
+                  </a:schemeClr>
+                </a:solidFill>
+                <a:latin typeface="+mj-lt"/>
+              </a:rPr>
+              <a:t>… ugly</a:t>
+            </a:r>
+          </a:p>
+          <a:p>
+            <a:pPr lvl="1"/>
+            <a:endParaRPr lang="en-US" sz="2800" dirty="0">
+              <a:solidFill>
+                <a:schemeClr val="tx1">
+                  <a:lumMod val="95000"/>
+                  <a:lumOff val="5000"/>
+                </a:schemeClr>
+              </a:solidFill>
+              <a:latin typeface="+mj-lt"/>
+            </a:endParaRPr>
+          </a:p>
+        </p:txBody>
+      </p:sp>
+      <p:sp>
+        <p:nvSpPr>
+          <p:cNvPr id="3" name="Title 2">
+            <a:extLst>
+              <a:ext uri="{FF2B5EF4-FFF2-40B4-BE49-F238E27FC236}">
+                <a16:creationId xmlns:a16="http://schemas.microsoft.com/office/drawing/2014/main" id="{45C03B26-DCFB-4DD3-B274-E95D508F2A5E}"/>
+              </a:ext>
+            </a:extLst>
+          </p:cNvPr>
+          <p:cNvSpPr>
+            <a:spLocks noGrp="1"/>
+          </p:cNvSpPr>
+          <p:nvPr>
+            <p:ph type="title"/>
+          </p:nvPr>
+        </p:nvSpPr>
+        <p:spPr/>
+        <p:txBody>
+          <a:bodyPr>
+            <a:normAutofit fontScale="90000"/>
+          </a:bodyPr>
+          <a:lstStyle/>
+          <a:p>
+            <a:r>
+              <a:rPr lang="en-US" dirty="0"/>
+              <a:t>HTML alone is not enough</a:t>
+            </a:r>
+          </a:p>
+        </p:txBody>
+      </p:sp>
+    </p:spTree>
+    <p:extLst>
+      <p:ext uri="{BB962C8B-B14F-4D97-AF65-F5344CB8AC3E}">
+        <p14:creationId xmlns:p14="http://schemas.microsoft.com/office/powerpoint/2010/main" val="123850120"/>
+      </p:ext>
+    </p:extLst>
+  </p:cSld>
+  <p:clrMapOvr>
+    <a:masterClrMapping/>
+  </p:clrMapOvr>
+  <p:transition spd="slow">
+    <p:fade/>
+  </p:transition>
+</p:sld>
+</file>
+
+<file path=ppt/slides/slide14.xml><?xml version="1.0" encoding="utf-8"?>
 <p:sld xmlns:a="http://schemas.openxmlformats.org/drawingml/2006/main" xmlns:r="http://schemas.openxmlformats.org/officeDocument/2006/relationships" xmlns:p="http://schemas.openxmlformats.org/presentationml/2006/main">
   <p:cSld>
     <p:spTree>
@@ -4708,7 +5903,7 @@
               <a:buChar char="•"/>
             </a:pPr>
             <a:r>
-              <a:rPr lang="en-US" sz="2400" dirty="0"/>
+              <a:rPr lang="en-US" dirty="0"/>
               <a:t>Explain the structure of web pages</a:t>
             </a:r>
           </a:p>
@@ -4718,7 +5913,7 @@
               <a:buChar char="•"/>
             </a:pPr>
             <a:r>
-              <a:rPr lang="en-US" sz="2400" dirty="0"/>
+              <a:rPr lang="en-US" dirty="0"/>
               <a:t>Report the functions of HTML, JavaScript, and CSS</a:t>
             </a:r>
           </a:p>
@@ -4728,7 +5923,7 @@
               <a:buChar char="•"/>
             </a:pPr>
             <a:r>
-              <a:rPr lang="en-US" sz="2400" dirty="0"/>
+              <a:rPr lang="en-US" dirty="0"/>
               <a:t>Define common JS libraries for mapping</a:t>
             </a:r>
           </a:p>
@@ -4738,14 +5933,14 @@
               <a:buChar char="•"/>
             </a:pPr>
             <a:r>
-              <a:rPr lang="en-US" sz="2400" dirty="0"/>
+              <a:rPr lang="en-US" dirty="0"/>
               <a:t>Reproduce a simple static </a:t>
             </a:r>
             <a:r>
-              <a:rPr lang="en-US" sz="2400" dirty="0" err="1"/>
+              <a:rPr lang="en-US" dirty="0" err="1"/>
               <a:t>webmap</a:t>
             </a:r>
-            <a:endParaRPr lang="en-US" sz="2400" dirty="0"/>
+            <a:endParaRPr lang="en-US" dirty="0"/>
           </a:p>
           <a:p>
             <a:pPr marL="457200" indent="-457200">
@@ -4753,15 +5948,15 @@
               <a:buChar char="•"/>
             </a:pPr>
             <a:r>
-              <a:rPr lang="en-US" sz="2400" dirty="0"/>
+              <a:rPr lang="en-US" dirty="0"/>
               <a:t>Share the </a:t>
             </a:r>
             <a:r>
-              <a:rPr lang="en-US" sz="2400" dirty="0" err="1"/>
+              <a:rPr lang="en-US" dirty="0" err="1"/>
               <a:t>webmap</a:t>
             </a:r>
             <a:r>
-              <a:rPr lang="en-US" sz="2400" dirty="0"/>
+              <a:rPr lang="en-US" dirty="0"/>
               <a:t> with GitHub Pages</a:t>
             </a:r>
           </a:p>
@@ -4771,11 +5966,11 @@
               <a:buChar char="•"/>
             </a:pPr>
             <a:r>
-              <a:rPr lang="en-US" sz="2400" dirty="0"/>
+              <a:rPr lang="en-US" dirty="0"/>
               <a:t>Reproduce a simple back-end with MongoDB and python-eve </a:t>
             </a:r>
             <a:r>
-              <a:rPr lang="en-US" sz="1600" dirty="0"/>
+              <a:rPr lang="en-US" sz="1800" dirty="0"/>
               <a:t>(for back-end part only)</a:t>
             </a:r>
           </a:p>
@@ -4876,10 +6071,7 @@
               <a:buFont typeface="+mj-lt"/>
               <a:buAutoNum type="arabicPeriod"/>
             </a:pPr>
-            <a:r>
-              <a:rPr lang="en-US" dirty="0"/>
-              <a:t>Minilecture (4:00 – 4:30pm EST)</a:t>
-            </a:r>
+            <a:endParaRPr lang="en-US" sz="3200" dirty="0"/>
           </a:p>
           <a:p>
             <a:pPr marL="514350" indent="-514350">
@@ -4887,8 +6079,8 @@
               <a:buAutoNum type="arabicPeriod"/>
             </a:pPr>
             <a:r>
-              <a:rPr lang="en-US" dirty="0"/>
-              <a:t>Front-end lab (4:30pm – 5:10pm)</a:t>
+              <a:rPr lang="en-US" sz="3200" dirty="0"/>
+              <a:t>Minilecture (4:00 – 4:30pm EST)</a:t>
             </a:r>
           </a:p>
           <a:p>
@@ -4897,8 +6089,8 @@
               <a:buAutoNum type="arabicPeriod"/>
             </a:pPr>
             <a:r>
-              <a:rPr lang="en-US" dirty="0"/>
-              <a:t>Short break and Q&amp;A for front-end part (5:10 – 5:20pm)</a:t>
+              <a:rPr lang="en-US" sz="3200" dirty="0"/>
+              <a:t>Front-end lab (4:30pm – 5:10pm)</a:t>
             </a:r>
           </a:p>
           <a:p>
@@ -4907,8 +6099,8 @@
               <a:buAutoNum type="arabicPeriod"/>
             </a:pPr>
             <a:r>
-              <a:rPr lang="en-US" dirty="0"/>
-              <a:t>Back-end lab (5:20pm – 5:50pm)</a:t>
+              <a:rPr lang="en-US" sz="3200" dirty="0"/>
+              <a:t>Short break and Q&amp;A for front-end part (5:10 – 5:20pm)</a:t>
             </a:r>
           </a:p>
           <a:p>
@@ -4917,7 +6109,17 @@
               <a:buAutoNum type="arabicPeriod"/>
             </a:pPr>
             <a:r>
-              <a:rPr lang="en-US" dirty="0"/>
+              <a:rPr lang="en-US" sz="3200" dirty="0"/>
+              <a:t>Back-end lab (5:20pm – 5:50pm)</a:t>
+            </a:r>
+          </a:p>
+          <a:p>
+            <a:pPr marL="514350" indent="-514350">
+              <a:buFont typeface="+mj-lt"/>
+              <a:buAutoNum type="arabicPeriod"/>
+            </a:pPr>
+            <a:r>
+              <a:rPr lang="en-US" sz="3200" dirty="0"/>
               <a:t>Free Q&amp;A time (5:50pm – 6:00pm)</a:t>
             </a:r>
           </a:p>
@@ -5014,6 +6216,9 @@
           <a:bodyPr/>
           <a:lstStyle/>
           <a:p>
+            <a:endParaRPr lang="en-US" dirty="0"/>
+          </a:p>
+          <a:p>
             <a:r>
               <a:rPr lang="en-US" dirty="0"/>
               <a:t>You should already install these software</a:t>
@@ -5134,7 +6339,7 @@
         </p:blipFill>
         <p:spPr>
           <a:xfrm>
-            <a:off x="821879" y="2362674"/>
+            <a:off x="739685" y="2943225"/>
             <a:ext cx="409575" cy="381000"/>
           </a:xfrm>
           <a:prstGeom prst="rect">
@@ -5164,7 +6369,7 @@
         </p:blipFill>
         <p:spPr>
           <a:xfrm>
-            <a:off x="802829" y="2943225"/>
+            <a:off x="720635" y="3523776"/>
             <a:ext cx="428625" cy="323850"/>
           </a:xfrm>
           <a:prstGeom prst="rect">
@@ -5193,7 +6398,7 @@
         </p:blipFill>
         <p:spPr>
           <a:xfrm>
-            <a:off x="802829" y="3429000"/>
+            <a:off x="720635" y="4009551"/>
             <a:ext cx="428625" cy="426244"/>
           </a:xfrm>
           <a:prstGeom prst="rect">
@@ -5924,10 +7129,18 @@
             <a:r>
               <a:rPr lang="en-US" dirty="0">
                 <a:solidFill>
+                  <a:schemeClr val="tx1"/>
+                </a:solidFill>
+              </a:rPr>
+              <a:t>Web page is essentially</a:t>
+            </a:r>
+            <a:r>
+              <a:rPr lang="en-US" dirty="0">
+                <a:solidFill>
                   <a:srgbClr val="C00000"/>
                 </a:solidFill>
               </a:rPr>
-              <a:t>Web page is essentially contents in web browser</a:t>
+              <a:t> contents in web browser</a:t>
             </a:r>
           </a:p>
           <a:p>
@@ -6497,22 +7710,68 @@
           </p:cNvPicPr>
           <p:nvPr/>
         </p:nvPicPr>
-        <p:blipFill>
+        <p:blipFill rotWithShape="1">
           <a:blip r:embed="rId3"/>
-          <a:stretch>
-            <a:fillRect/>
-          </a:stretch>
+          <a:srcRect l="16391" r="15920"/>
+          <a:stretch/>
         </p:blipFill>
         <p:spPr>
           <a:xfrm>
-            <a:off x="181827" y="4979658"/>
-            <a:ext cx="4281488" cy="1771650"/>
+            <a:off x="685345" y="5025286"/>
+            <a:ext cx="2898119" cy="1771650"/>
           </a:xfrm>
           <a:prstGeom prst="rect">
             <a:avLst/>
           </a:prstGeom>
         </p:spPr>
       </p:pic>
+      <p:sp>
+        <p:nvSpPr>
+          <p:cNvPr id="5" name="Arrow: Left-Right 4">
+            <a:extLst>
+              <a:ext uri="{FF2B5EF4-FFF2-40B4-BE49-F238E27FC236}">
+                <a16:creationId xmlns:a16="http://schemas.microsoft.com/office/drawing/2014/main" id="{6879BC82-FC4C-41C1-ABCA-98C1270948E0}"/>
+              </a:ext>
+            </a:extLst>
+          </p:cNvPr>
+          <p:cNvSpPr/>
+          <p:nvPr/>
+        </p:nvSpPr>
+        <p:spPr>
+          <a:xfrm>
+            <a:off x="3814130" y="5686062"/>
+            <a:ext cx="1193411" cy="520081"/>
+          </a:xfrm>
+          <a:prstGeom prst="leftRightArrow">
+            <a:avLst/>
+          </a:prstGeom>
+          <a:solidFill>
+            <a:srgbClr val="0070C0"/>
+          </a:solidFill>
+        </p:spPr>
+        <p:style>
+          <a:lnRef idx="1">
+            <a:schemeClr val="accent1"/>
+          </a:lnRef>
+          <a:fillRef idx="3">
+            <a:schemeClr val="accent1"/>
+          </a:fillRef>
+          <a:effectRef idx="2">
+            <a:schemeClr val="accent1"/>
+          </a:effectRef>
+          <a:fontRef idx="minor">
+            <a:schemeClr val="lt1"/>
+          </a:fontRef>
+        </p:style>
+        <p:txBody>
+          <a:bodyPr rtlCol="0" anchor="ctr"/>
+          <a:lstStyle/>
+          <a:p>
+            <a:pPr algn="ctr"/>
+            <a:endParaRPr lang="en-US"/>
+          </a:p>
+        </p:txBody>
+      </p:sp>
     </p:spTree>
     <p:extLst>
       <p:ext uri="{BB962C8B-B14F-4D97-AF65-F5344CB8AC3E}">
@@ -7808,6 +9067,21 @@
 </file>
 
 <file path=customXml/item1.xml><?xml version="1.0" encoding="utf-8"?>
+<p:properties xmlns:p="http://schemas.microsoft.com/office/2006/metadata/properties" xmlns:xsi="http://www.w3.org/2001/XMLSchema-instance" xmlns:pc="http://schemas.microsoft.com/office/infopath/2007/PartnerControls">
+  <documentManagement/>
+</p:properties>
+</file>
+
+<file path=customXml/item2.xml><?xml version="1.0" encoding="utf-8"?>
+<?mso-contentType ?>
+<FormTemplates xmlns="http://schemas.microsoft.com/sharepoint/v3/contenttype/forms">
+  <Display>DocumentLibraryForm</Display>
+  <Edit>DocumentLibraryForm</Edit>
+  <New>DocumentLibraryForm</New>
+</FormTemplates>
+</file>
+
+<file path=customXml/item3.xml><?xml version="1.0" encoding="utf-8"?>
 <ct:contentTypeSchema xmlns:ct="http://schemas.microsoft.com/office/2006/metadata/contentType" xmlns:ma="http://schemas.microsoft.com/office/2006/metadata/properties/metaAttributes" ct:_="" ma:_="" ma:contentTypeName="Document" ma:contentTypeID="0x010100E930CDF73BC53D41B7E133DF537BDA40" ma:contentTypeVersion="4" ma:contentTypeDescription="Create a new document." ma:contentTypeScope="" ma:versionID="9837b0592f411cf3688bf15e48e4d766">
   <xsd:schema xmlns:xsd="http://www.w3.org/2001/XMLSchema" xmlns:xs="http://www.w3.org/2001/XMLSchema" xmlns:p="http://schemas.microsoft.com/office/2006/metadata/properties" xmlns:ns2="ec0d9b4f-8739-43ee-a99c-7c904fd80ae7" targetNamespace="http://schemas.microsoft.com/office/2006/metadata/properties" ma:root="true" ma:fieldsID="63d497057f8bc113e15388da07a12c07" ns2:_="">
     <xsd:import namespace="ec0d9b4f-8739-43ee-a99c-7c904fd80ae7"/>
@@ -7953,22 +9227,24 @@
 </ct:contentTypeSchema>
 </file>
 
-<file path=customXml/item2.xml><?xml version="1.0" encoding="utf-8"?>
-<?mso-contentType ?>
-<FormTemplates xmlns="http://schemas.microsoft.com/sharepoint/v3/contenttype/forms">
-  <Display>DocumentLibraryForm</Display>
-  <Edit>DocumentLibraryForm</Edit>
-  <New>DocumentLibraryForm</New>
-</FormTemplates>
+<file path=customXml/itemProps1.xml><?xml version="1.0" encoding="utf-8"?>
+<ds:datastoreItem xmlns:ds="http://schemas.openxmlformats.org/officeDocument/2006/customXml" ds:itemID="{38D28F27-5C59-4CD4-8DF0-94A9CE9B5602}">
+  <ds:schemaRefs>
+    <ds:schemaRef ds:uri="http://schemas.microsoft.com/office/2006/metadata/properties"/>
+    <ds:schemaRef ds:uri="http://schemas.microsoft.com/office/infopath/2007/PartnerControls"/>
+  </ds:schemaRefs>
+</ds:datastoreItem>
 </file>
 
-<file path=customXml/item3.xml><?xml version="1.0" encoding="utf-8"?>
-<p:properties xmlns:p="http://schemas.microsoft.com/office/2006/metadata/properties" xmlns:xsi="http://www.w3.org/2001/XMLSchema-instance" xmlns:pc="http://schemas.microsoft.com/office/infopath/2007/PartnerControls">
-  <documentManagement/>
-</p:properties>
+<file path=customXml/itemProps2.xml><?xml version="1.0" encoding="utf-8"?>
+<ds:datastoreItem xmlns:ds="http://schemas.openxmlformats.org/officeDocument/2006/customXml" ds:itemID="{2235C39A-9318-4158-BB93-21D0B59CA321}">
+  <ds:schemaRefs>
+    <ds:schemaRef ds:uri="http://schemas.microsoft.com/sharepoint/v3/contenttype/forms"/>
+  </ds:schemaRefs>
+</ds:datastoreItem>
 </file>
 
-<file path=customXml/itemProps1.xml><?xml version="1.0" encoding="utf-8"?>
+<file path=customXml/itemProps3.xml><?xml version="1.0" encoding="utf-8"?>
 <ds:datastoreItem xmlns:ds="http://schemas.openxmlformats.org/officeDocument/2006/customXml" ds:itemID="{DFDDDCD3-9822-49C9-98E5-FB1DFD31C0B0}">
   <ds:schemaRefs>
     <ds:schemaRef ds:uri="http://schemas.microsoft.com/office/2006/metadata/contentType"/>
@@ -7984,21 +9260,4 @@
     <ds:schemaRef ds:uri="http://schemas.microsoft.com/internal/obd"/>
   </ds:schemaRefs>
 </ds:datastoreItem>
-</file>
-
-<file path=customXml/itemProps2.xml><?xml version="1.0" encoding="utf-8"?>
-<ds:datastoreItem xmlns:ds="http://schemas.openxmlformats.org/officeDocument/2006/customXml" ds:itemID="{2235C39A-9318-4158-BB93-21D0B59CA321}">
-  <ds:schemaRefs>
-    <ds:schemaRef ds:uri="http://schemas.microsoft.com/sharepoint/v3/contenttype/forms"/>
-  </ds:schemaRefs>
-</ds:datastoreItem>
-</file>
-
-<file path=customXml/itemProps3.xml><?xml version="1.0" encoding="utf-8"?>
-<ds:datastoreItem xmlns:ds="http://schemas.openxmlformats.org/officeDocument/2006/customXml" ds:itemID="{38D28F27-5C59-4CD4-8DF0-94A9CE9B5602}">
-  <ds:schemaRefs>
-    <ds:schemaRef ds:uri="http://schemas.microsoft.com/office/2006/metadata/properties"/>
-    <ds:schemaRef ds:uri="http://schemas.microsoft.com/office/infopath/2007/PartnerControls"/>
-  </ds:schemaRefs>
-</ds:datastoreItem>
 </file>
--- a/doc/presentation.pptx
+++ b/doc/presentation.pptx
@@ -6,10 +6,10 @@
     <p:sldMasterId id="2147483751" r:id="rId5"/>
   </p:sldMasterIdLst>
   <p:notesMasterIdLst>
-    <p:notesMasterId r:id="rId50"/>
+    <p:notesMasterId r:id="rId55"/>
   </p:notesMasterIdLst>
   <p:handoutMasterIdLst>
-    <p:handoutMasterId r:id="rId51"/>
+    <p:handoutMasterId r:id="rId56"/>
   </p:handoutMasterIdLst>
   <p:sldIdLst>
     <p:sldId id="256" r:id="rId6"/>
@@ -54,8 +54,13 @@
     <p:sldId id="335" r:id="rId45"/>
     <p:sldId id="344" r:id="rId46"/>
     <p:sldId id="341" r:id="rId47"/>
-    <p:sldId id="345" r:id="rId48"/>
-    <p:sldId id="300" r:id="rId49"/>
+    <p:sldId id="348" r:id="rId48"/>
+    <p:sldId id="349" r:id="rId49"/>
+    <p:sldId id="345" r:id="rId50"/>
+    <p:sldId id="347" r:id="rId51"/>
+    <p:sldId id="350" r:id="rId52"/>
+    <p:sldId id="351" r:id="rId53"/>
+    <p:sldId id="300" r:id="rId54"/>
   </p:sldIdLst>
   <p:sldSz cx="9144000" cy="6858000" type="screen4x3"/>
   <p:notesSz cx="6858000" cy="9144000"/>
@@ -389,7 +394,7 @@
           </a:lstStyle>
           <a:p>
             <a:fld id="{9A5B6E0F-1DB3-5A43-B8F9-5E1E696749DF}" type="datetimeFigureOut">
-              <a:t>4/12/2021</a:t>
+              <a:t>4/13/2021</a:t>
             </a:fld>
             <a:endParaRPr lang="en-US" dirty="0"/>
           </a:p>
@@ -552,7 +557,7 @@
           </a:lstStyle>
           <a:p>
             <a:fld id="{C61BC211-ACBD-CB48-B939-364088D2CD6D}" type="datetimeFigureOut">
-              <a:t>4/12/2021</a:t>
+              <a:t>4/13/2021</a:t>
             </a:fld>
             <a:endParaRPr lang="en-US" dirty="0"/>
           </a:p>
@@ -1018,6 +1023,90 @@
 </p:notes>
 </file>
 
+<file path=ppt/notesSlides/notesSlide11.xml><?xml version="1.0" encoding="utf-8"?>
+<p:notes xmlns:a="http://schemas.openxmlformats.org/drawingml/2006/main" xmlns:r="http://schemas.openxmlformats.org/officeDocument/2006/relationships" xmlns:p="http://schemas.openxmlformats.org/presentationml/2006/main">
+  <p:cSld>
+    <p:spTree>
+      <p:nvGrpSpPr>
+        <p:cNvPr id="1" name=""/>
+        <p:cNvGrpSpPr/>
+        <p:nvPr/>
+      </p:nvGrpSpPr>
+      <p:grpSpPr>
+        <a:xfrm>
+          <a:off x="0" y="0"/>
+          <a:ext cx="0" cy="0"/>
+          <a:chOff x="0" y="0"/>
+          <a:chExt cx="0" cy="0"/>
+        </a:xfrm>
+      </p:grpSpPr>
+      <p:sp>
+        <p:nvSpPr>
+          <p:cNvPr id="2" name="Slide Image Placeholder 1"/>
+          <p:cNvSpPr>
+            <a:spLocks noGrp="1" noRot="1" noChangeAspect="1"/>
+          </p:cNvSpPr>
+          <p:nvPr>
+            <p:ph type="sldImg"/>
+          </p:nvPr>
+        </p:nvSpPr>
+        <p:spPr/>
+      </p:sp>
+      <p:sp>
+        <p:nvSpPr>
+          <p:cNvPr id="3" name="Notes Placeholder 2"/>
+          <p:cNvSpPr>
+            <a:spLocks noGrp="1"/>
+          </p:cNvSpPr>
+          <p:nvPr>
+            <p:ph type="body" idx="1"/>
+          </p:nvPr>
+        </p:nvSpPr>
+        <p:spPr/>
+        <p:txBody>
+          <a:bodyPr/>
+          <a:lstStyle/>
+          <a:p>
+            <a:endParaRPr lang="en-US" dirty="0"/>
+          </a:p>
+        </p:txBody>
+      </p:sp>
+      <p:sp>
+        <p:nvSpPr>
+          <p:cNvPr id="4" name="Slide Number Placeholder 3"/>
+          <p:cNvSpPr>
+            <a:spLocks noGrp="1"/>
+          </p:cNvSpPr>
+          <p:nvPr>
+            <p:ph type="sldNum" sz="quarter" idx="5"/>
+          </p:nvPr>
+        </p:nvSpPr>
+        <p:spPr/>
+        <p:txBody>
+          <a:bodyPr/>
+          <a:lstStyle/>
+          <a:p>
+            <a:fld id="{D904D311-73F7-5D42-B843-E8305C73070F}" type="slidenum">
+              <a:rPr lang="en-US" smtClean="0"/>
+              <a:t>46</a:t>
+            </a:fld>
+            <a:endParaRPr lang="en-US" dirty="0"/>
+          </a:p>
+        </p:txBody>
+      </p:sp>
+    </p:spTree>
+    <p:extLst>
+      <p:ext uri="{BB962C8B-B14F-4D97-AF65-F5344CB8AC3E}">
+        <p14:creationId xmlns:p14="http://schemas.microsoft.com/office/powerpoint/2010/main" val="979767120"/>
+      </p:ext>
+    </p:extLst>
+  </p:cSld>
+  <p:clrMapOvr>
+    <a:masterClrMapping/>
+  </p:clrMapOvr>
+</p:notes>
+</file>
+
 <file path=ppt/notesSlides/notesSlide2.xml><?xml version="1.0" encoding="utf-8"?>
 <p:notes xmlns:a="http://schemas.openxmlformats.org/drawingml/2006/main" xmlns:r="http://schemas.openxmlformats.org/officeDocument/2006/relationships" xmlns:p="http://schemas.openxmlformats.org/presentationml/2006/main">
   <p:cSld>
@@ -3853,7 +3942,7 @@
             <a:fld id="{0F0D8E7B-AF3B-B444-8E74-E549FC814F53}" type="datetimeFigureOut">
               <a:rPr lang="en-US" smtClean="0"/>
               <a:pPr/>
-              <a:t>4/12/2021</a:t>
+              <a:t>4/13/2021</a:t>
             </a:fld>
             <a:endParaRPr lang="en-US" dirty="0"/>
           </a:p>
@@ -13396,7 +13485,7 @@
             </a:pPr>
             <a:r>
               <a:rPr lang="en-US" dirty="0"/>
-              <a:t>Fork the repository</a:t>
+              <a:t>Fork the repository in GitHub</a:t>
             </a:r>
           </a:p>
           <a:p>
@@ -13405,8 +13494,18 @@
               <a:buAutoNum type="arabicPeriod"/>
             </a:pPr>
             <a:r>
-              <a:rPr lang="en-US"/>
+              <a:rPr lang="en-US" dirty="0"/>
               <a:t>Open project in Visual Studio Code</a:t>
+            </a:r>
+          </a:p>
+          <a:p>
+            <a:pPr marL="514350" indent="-514350">
+              <a:buFont typeface="+mj-lt"/>
+              <a:buAutoNum type="arabicPeriod"/>
+            </a:pPr>
+            <a:r>
+              <a:rPr lang="en-US" dirty="0"/>
+              <a:t>Follow the frontend_instruction.docx or the video</a:t>
             </a:r>
           </a:p>
           <a:p>
@@ -13417,11 +13516,45 @@
             <a:endParaRPr lang="en-US" dirty="0"/>
           </a:p>
           <a:p>
-            <a:pPr marL="514350" indent="-514350">
-              <a:buFont typeface="+mj-lt"/>
-              <a:buAutoNum type="arabicPeriod"/>
+            <a:r>
+              <a:rPr lang="en-US" dirty="0"/>
+              <a:t>Goals:</a:t>
+            </a:r>
+          </a:p>
+          <a:p>
+            <a:pPr marL="457200" indent="-457200">
+              <a:buFont typeface="Arial" panose="020B0604020202020204" pitchFamily="34" charset="0"/>
+              <a:buChar char="•"/>
             </a:pPr>
+            <a:r>
+              <a:rPr lang="en-US" dirty="0"/>
+              <a:t>Host the demo on GitHub Page and confirm</a:t>
+            </a:r>
+          </a:p>
+          <a:p>
+            <a:pPr marL="457200" indent="-457200">
+              <a:buFont typeface="Arial" panose="020B0604020202020204" pitchFamily="34" charset="0"/>
+              <a:buChar char="•"/>
+            </a:pPr>
+            <a:r>
+              <a:rPr lang="en-US" dirty="0"/>
+              <a:t>Retrieve and visualize a </a:t>
+            </a:r>
+            <a:r>
+              <a:rPr lang="en-US" dirty="0" err="1"/>
+              <a:t>geoJSON</a:t>
+            </a:r>
             <a:endParaRPr lang="en-US" dirty="0"/>
+          </a:p>
+          <a:p>
+            <a:pPr marL="457200" indent="-457200">
+              <a:buFont typeface="Arial" panose="020B0604020202020204" pitchFamily="34" charset="0"/>
+              <a:buChar char="•"/>
+            </a:pPr>
+            <a:r>
+              <a:rPr lang="en-US" dirty="0"/>
+              <a:t>Host the updated web page</a:t>
+            </a:r>
           </a:p>
         </p:txBody>
       </p:sp>
@@ -14061,7 +14194,7 @@
           <a:p>
             <a:r>
               <a:rPr lang="en-US" dirty="0"/>
-              <a:t>To save your changes:</a:t>
+              <a:t>To save your changes on the online map:</a:t>
             </a:r>
           </a:p>
           <a:p>
@@ -14417,7 +14550,7 @@
           <p:cNvPr id="2" name="Content Placeholder 1">
             <a:extLst>
               <a:ext uri="{FF2B5EF4-FFF2-40B4-BE49-F238E27FC236}">
-                <a16:creationId xmlns:a16="http://schemas.microsoft.com/office/drawing/2014/main" id="{687F05AC-CD6A-4C56-98A1-A72A88E24D33}"/>
+                <a16:creationId xmlns:a16="http://schemas.microsoft.com/office/drawing/2014/main" id="{C638977C-2953-42B7-91E8-6A8F2FE72372}"/>
               </a:ext>
             </a:extLst>
           </p:cNvPr>
@@ -14433,7 +14566,44 @@
           <a:bodyPr/>
           <a:lstStyle/>
           <a:p>
-            <a:endParaRPr lang="en-US"/>
+            <a:pPr marL="457200" indent="-457200">
+              <a:buFont typeface="Arial" panose="020B0604020202020204" pitchFamily="34" charset="0"/>
+              <a:buChar char="•"/>
+            </a:pPr>
+            <a:r>
+              <a:rPr lang="en-US" dirty="0"/>
+              <a:t>Python 3</a:t>
+            </a:r>
+          </a:p>
+          <a:p>
+            <a:pPr marL="457200" indent="-457200">
+              <a:buFont typeface="Arial" panose="020B0604020202020204" pitchFamily="34" charset="0"/>
+              <a:buChar char="•"/>
+            </a:pPr>
+            <a:r>
+              <a:rPr lang="en-US" dirty="0"/>
+              <a:t>EVE library in Python: pip install eve</a:t>
+            </a:r>
+          </a:p>
+          <a:p>
+            <a:pPr marL="457200" indent="-457200">
+              <a:buFont typeface="Arial" panose="020B0604020202020204" pitchFamily="34" charset="0"/>
+              <a:buChar char="•"/>
+            </a:pPr>
+            <a:r>
+              <a:rPr lang="en-US" dirty="0"/>
+              <a:t>MongoDB</a:t>
+            </a:r>
+          </a:p>
+          <a:p>
+            <a:pPr marL="457200" indent="-457200">
+              <a:buFont typeface="Arial" panose="020B0604020202020204" pitchFamily="34" charset="0"/>
+              <a:buChar char="•"/>
+            </a:pPr>
+            <a:r>
+              <a:rPr lang="en-US" dirty="0"/>
+              <a:t>Robo3T: MongoDB </a:t>
+            </a:r>
           </a:p>
         </p:txBody>
       </p:sp>
@@ -14442,7 +14612,7 @@
           <p:cNvPr id="3" name="Title 2">
             <a:extLst>
               <a:ext uri="{FF2B5EF4-FFF2-40B4-BE49-F238E27FC236}">
-                <a16:creationId xmlns:a16="http://schemas.microsoft.com/office/drawing/2014/main" id="{196E01EB-F091-4AFD-B7AA-B68B53D4F9E3}"/>
+                <a16:creationId xmlns:a16="http://schemas.microsoft.com/office/drawing/2014/main" id="{070423B2-8052-43DC-97C5-B1C52CBD86F3}"/>
               </a:ext>
             </a:extLst>
           </p:cNvPr>
@@ -14462,11 +14632,646 @@
           <a:p>
             <a:r>
               <a:rPr lang="en-US" dirty="0"/>
+              <a:t>Backend checklist</a:t>
+            </a:r>
+          </a:p>
+        </p:txBody>
+      </p:sp>
+    </p:spTree>
+    <p:extLst>
+      <p:ext uri="{BB962C8B-B14F-4D97-AF65-F5344CB8AC3E}">
+        <p14:creationId xmlns:p14="http://schemas.microsoft.com/office/powerpoint/2010/main" val="3990155501"/>
+      </p:ext>
+    </p:extLst>
+  </p:cSld>
+  <p:clrMapOvr>
+    <a:masterClrMapping/>
+  </p:clrMapOvr>
+  <p:transition spd="slow">
+    <p:fade/>
+  </p:transition>
+</p:sld>
+</file>
+
+<file path=ppt/slides/slide44.xml><?xml version="1.0" encoding="utf-8"?>
+<p:sld xmlns:a="http://schemas.openxmlformats.org/drawingml/2006/main" xmlns:r="http://schemas.openxmlformats.org/officeDocument/2006/relationships" xmlns:p="http://schemas.openxmlformats.org/presentationml/2006/main">
+  <p:cSld>
+    <p:spTree>
+      <p:nvGrpSpPr>
+        <p:cNvPr id="1" name=""/>
+        <p:cNvGrpSpPr/>
+        <p:nvPr/>
+      </p:nvGrpSpPr>
+      <p:grpSpPr>
+        <a:xfrm>
+          <a:off x="0" y="0"/>
+          <a:ext cx="0" cy="0"/>
+          <a:chOff x="0" y="0"/>
+          <a:chExt cx="0" cy="0"/>
+        </a:xfrm>
+      </p:grpSpPr>
+      <p:sp>
+        <p:nvSpPr>
+          <p:cNvPr id="2" name="Content Placeholder 1">
+            <a:extLst>
+              <a:ext uri="{FF2B5EF4-FFF2-40B4-BE49-F238E27FC236}">
+                <a16:creationId xmlns:a16="http://schemas.microsoft.com/office/drawing/2014/main" id="{B3C1944E-69DF-45FA-92A0-C6C07CFDA350}"/>
+              </a:ext>
+            </a:extLst>
+          </p:cNvPr>
+          <p:cNvSpPr>
+            <a:spLocks noGrp="1"/>
+          </p:cNvSpPr>
+          <p:nvPr>
+            <p:ph idx="16"/>
+          </p:nvPr>
+        </p:nvSpPr>
+        <p:spPr/>
+        <p:txBody>
+          <a:bodyPr/>
+          <a:lstStyle/>
+          <a:p>
+            <a:pPr marL="457200" indent="-457200">
+              <a:buFont typeface="Arial" panose="020B0604020202020204" pitchFamily="34" charset="0"/>
+              <a:buChar char="•"/>
+            </a:pPr>
+            <a:r>
+              <a:rPr lang="en-US" sz="3200" dirty="0"/>
+              <a:t>Scales well for big data</a:t>
+            </a:r>
+          </a:p>
+          <a:p>
+            <a:pPr marL="457200" indent="-457200">
+              <a:buFont typeface="Arial" panose="020B0604020202020204" pitchFamily="34" charset="0"/>
+              <a:buChar char="•"/>
+            </a:pPr>
+            <a:r>
+              <a:rPr lang="en-US" sz="3200" dirty="0"/>
+              <a:t>Compatible for different platforms</a:t>
+            </a:r>
+          </a:p>
+          <a:p>
+            <a:r>
+              <a:rPr lang="en-US" dirty="0"/>
+              <a:t>	- Python, R, NodeJS, webpage...…</a:t>
+            </a:r>
+          </a:p>
+          <a:p>
+            <a:pPr marL="457200" indent="-457200">
+              <a:buFont typeface="Arial" panose="020B0604020202020204" pitchFamily="34" charset="0"/>
+              <a:buChar char="•"/>
+            </a:pPr>
+            <a:r>
+              <a:rPr lang="en-US" sz="3200" dirty="0"/>
+              <a:t>Easier to manage compared to separate files</a:t>
+            </a:r>
+          </a:p>
+          <a:p>
+            <a:pPr marL="457200" indent="-457200">
+              <a:buFont typeface="Arial" panose="020B0604020202020204" pitchFamily="34" charset="0"/>
+              <a:buChar char="•"/>
+            </a:pPr>
+            <a:r>
+              <a:rPr lang="en-US" sz="3200" dirty="0"/>
+              <a:t>Easy to use for different purposes</a:t>
+            </a:r>
+          </a:p>
+          <a:p>
+            <a:r>
+              <a:rPr lang="en-US" sz="3200" dirty="0"/>
+              <a:t>	</a:t>
+            </a:r>
+            <a:r>
+              <a:rPr lang="en-US" dirty="0"/>
+              <a:t>- Scientific calculation, visualization……</a:t>
+            </a:r>
+            <a:endParaRPr lang="en-US" sz="3200" dirty="0"/>
+          </a:p>
+        </p:txBody>
+      </p:sp>
+      <p:sp>
+        <p:nvSpPr>
+          <p:cNvPr id="3" name="Title 2">
+            <a:extLst>
+              <a:ext uri="{FF2B5EF4-FFF2-40B4-BE49-F238E27FC236}">
+                <a16:creationId xmlns:a16="http://schemas.microsoft.com/office/drawing/2014/main" id="{A0E02B5B-A226-4428-BB7A-366F23542D4C}"/>
+              </a:ext>
+            </a:extLst>
+          </p:cNvPr>
+          <p:cNvSpPr>
+            <a:spLocks noGrp="1"/>
+          </p:cNvSpPr>
+          <p:nvPr>
+            <p:ph type="title"/>
+          </p:nvPr>
+        </p:nvSpPr>
+        <p:spPr/>
+        <p:txBody>
+          <a:bodyPr>
+            <a:noAutofit/>
+          </a:bodyPr>
+          <a:lstStyle/>
+          <a:p>
+            <a:r>
+              <a:rPr lang="en-US" sz="3200" dirty="0"/>
+              <a:t>How a good backend support your research?</a:t>
+            </a:r>
+          </a:p>
+        </p:txBody>
+      </p:sp>
+    </p:spTree>
+    <p:extLst>
+      <p:ext uri="{BB962C8B-B14F-4D97-AF65-F5344CB8AC3E}">
+        <p14:creationId xmlns:p14="http://schemas.microsoft.com/office/powerpoint/2010/main" val="813955565"/>
+      </p:ext>
+    </p:extLst>
+  </p:cSld>
+  <p:clrMapOvr>
+    <a:masterClrMapping/>
+  </p:clrMapOvr>
+  <p:transition spd="slow">
+    <p:fade/>
+  </p:transition>
+</p:sld>
+</file>
+
+<file path=ppt/slides/slide45.xml><?xml version="1.0" encoding="utf-8"?>
+<p:sld xmlns:a="http://schemas.openxmlformats.org/drawingml/2006/main" xmlns:r="http://schemas.openxmlformats.org/officeDocument/2006/relationships" xmlns:p="http://schemas.openxmlformats.org/presentationml/2006/main">
+  <p:cSld>
+    <p:spTree>
+      <p:nvGrpSpPr>
+        <p:cNvPr id="1" name=""/>
+        <p:cNvGrpSpPr/>
+        <p:nvPr/>
+      </p:nvGrpSpPr>
+      <p:grpSpPr>
+        <a:xfrm>
+          <a:off x="0" y="0"/>
+          <a:ext cx="0" cy="0"/>
+          <a:chOff x="0" y="0"/>
+          <a:chExt cx="0" cy="0"/>
+        </a:xfrm>
+      </p:grpSpPr>
+      <p:sp>
+        <p:nvSpPr>
+          <p:cNvPr id="2" name="Content Placeholder 1">
+            <a:extLst>
+              <a:ext uri="{FF2B5EF4-FFF2-40B4-BE49-F238E27FC236}">
+                <a16:creationId xmlns:a16="http://schemas.microsoft.com/office/drawing/2014/main" id="{687F05AC-CD6A-4C56-98A1-A72A88E24D33}"/>
+              </a:ext>
+            </a:extLst>
+          </p:cNvPr>
+          <p:cNvSpPr>
+            <a:spLocks noGrp="1"/>
+          </p:cNvSpPr>
+          <p:nvPr>
+            <p:ph idx="16"/>
+          </p:nvPr>
+        </p:nvSpPr>
+        <p:spPr>
+          <a:xfrm>
+            <a:off x="163077" y="1837263"/>
+            <a:ext cx="4593857" cy="4417350"/>
+          </a:xfrm>
+        </p:spPr>
+        <p:txBody>
+          <a:bodyPr/>
+          <a:lstStyle/>
+          <a:p>
+            <a:r>
+              <a:rPr lang="en-US" dirty="0"/>
+              <a:t>Reasons to use a database</a:t>
+            </a:r>
+          </a:p>
+          <a:p>
+            <a:pPr marL="457200" indent="-457200">
+              <a:buFont typeface="Arial" panose="020B0604020202020204" pitchFamily="34" charset="0"/>
+              <a:buChar char="•"/>
+            </a:pPr>
+            <a:r>
+              <a:rPr lang="en-US" dirty="0"/>
+              <a:t>Scalable</a:t>
+            </a:r>
+          </a:p>
+          <a:p>
+            <a:pPr marL="457200" indent="-457200">
+              <a:buFont typeface="Arial" panose="020B0604020202020204" pitchFamily="34" charset="0"/>
+              <a:buChar char="•"/>
+            </a:pPr>
+            <a:r>
+              <a:rPr lang="en-US" dirty="0"/>
+              <a:t>Organized</a:t>
+            </a:r>
+          </a:p>
+          <a:p>
+            <a:pPr marL="457200" indent="-457200">
+              <a:buFont typeface="Arial" panose="020B0604020202020204" pitchFamily="34" charset="0"/>
+              <a:buChar char="•"/>
+            </a:pPr>
+            <a:r>
+              <a:rPr lang="en-US" dirty="0"/>
+              <a:t>Easy to read and write</a:t>
+            </a:r>
+          </a:p>
+          <a:p>
+            <a:pPr marL="457200" indent="-457200">
+              <a:buFont typeface="Arial" panose="020B0604020202020204" pitchFamily="34" charset="0"/>
+              <a:buChar char="•"/>
+            </a:pPr>
+            <a:r>
+              <a:rPr lang="en-US" dirty="0"/>
+              <a:t>Secure</a:t>
+            </a:r>
+          </a:p>
+          <a:p>
+            <a:pPr marL="457200" indent="-457200">
+              <a:buFont typeface="Arial" panose="020B0604020202020204" pitchFamily="34" charset="0"/>
+              <a:buChar char="•"/>
+            </a:pPr>
+            <a:r>
+              <a:rPr lang="en-US" dirty="0"/>
+              <a:t>……</a:t>
+            </a:r>
+          </a:p>
+          <a:p>
+            <a:endParaRPr lang="en-US" dirty="0"/>
+          </a:p>
+          <a:p>
+            <a:r>
+              <a:rPr lang="en-US" dirty="0"/>
+              <a:t>e.g. PostgreSQL, </a:t>
+            </a:r>
+            <a:r>
+              <a:rPr lang="en-US" dirty="0" err="1"/>
+              <a:t>mySQL</a:t>
+            </a:r>
+            <a:r>
+              <a:rPr lang="en-US" dirty="0"/>
+              <a:t>,</a:t>
+            </a:r>
+          </a:p>
+          <a:p>
+            <a:r>
+              <a:rPr lang="en-US" dirty="0"/>
+              <a:t>MC access</a:t>
+            </a:r>
+          </a:p>
+          <a:p>
+            <a:endParaRPr lang="en-US" dirty="0"/>
+          </a:p>
+        </p:txBody>
+      </p:sp>
+      <p:sp>
+        <p:nvSpPr>
+          <p:cNvPr id="3" name="Title 2">
+            <a:extLst>
+              <a:ext uri="{FF2B5EF4-FFF2-40B4-BE49-F238E27FC236}">
+                <a16:creationId xmlns:a16="http://schemas.microsoft.com/office/drawing/2014/main" id="{196E01EB-F091-4AFD-B7AA-B68B53D4F9E3}"/>
+              </a:ext>
+            </a:extLst>
+          </p:cNvPr>
+          <p:cNvSpPr>
+            <a:spLocks noGrp="1"/>
+          </p:cNvSpPr>
+          <p:nvPr>
+            <p:ph type="title"/>
+          </p:nvPr>
+        </p:nvSpPr>
+        <p:spPr>
+          <a:xfrm>
+            <a:off x="163077" y="1208106"/>
+            <a:ext cx="8537825" cy="508313"/>
+          </a:xfrm>
+        </p:spPr>
+        <p:txBody>
+          <a:bodyPr>
+            <a:normAutofit fontScale="90000"/>
+          </a:bodyPr>
+          <a:lstStyle/>
+          <a:p>
+            <a:r>
+              <a:rPr lang="en-US" dirty="0"/>
               <a:t>Database</a:t>
             </a:r>
           </a:p>
         </p:txBody>
       </p:sp>
+      <p:sp>
+        <p:nvSpPr>
+          <p:cNvPr id="4" name="Content Placeholder 1">
+            <a:extLst>
+              <a:ext uri="{FF2B5EF4-FFF2-40B4-BE49-F238E27FC236}">
+                <a16:creationId xmlns:a16="http://schemas.microsoft.com/office/drawing/2014/main" id="{C2F3F9C9-72EC-401F-A213-78FDFF4C45BE}"/>
+              </a:ext>
+            </a:extLst>
+          </p:cNvPr>
+          <p:cNvSpPr txBox="1">
+            <a:spLocks/>
+          </p:cNvSpPr>
+          <p:nvPr/>
+        </p:nvSpPr>
+        <p:spPr>
+          <a:xfrm>
+            <a:off x="4932905" y="2669470"/>
+            <a:ext cx="4048018" cy="4417350"/>
+          </a:xfrm>
+          <a:prstGeom prst="rect">
+            <a:avLst/>
+          </a:prstGeom>
+          <a:ln>
+            <a:solidFill>
+              <a:srgbClr val="FFFFFF"/>
+            </a:solidFill>
+          </a:ln>
+        </p:spPr>
+        <p:txBody>
+          <a:bodyPr/>
+          <a:lstStyle>
+            <a:lvl1pPr marL="0" indent="0" algn="l" defTabSz="457200" rtl="0" eaLnBrk="1" latinLnBrk="0" hangingPunct="1">
+              <a:lnSpc>
+                <a:spcPct val="125000"/>
+              </a:lnSpc>
+              <a:spcBef>
+                <a:spcPts val="0"/>
+              </a:spcBef>
+              <a:buFont typeface="Arial"/>
+              <a:buNone/>
+              <a:defRPr sz="2800" b="0" kern="1200" baseline="0">
+                <a:solidFill>
+                  <a:schemeClr val="tx1">
+                    <a:lumMod val="95000"/>
+                    <a:lumOff val="5000"/>
+                  </a:schemeClr>
+                </a:solidFill>
+                <a:latin typeface="+mj-lt"/>
+                <a:ea typeface="+mn-ea"/>
+                <a:cs typeface="+mn-cs"/>
+              </a:defRPr>
+            </a:lvl1pPr>
+            <a:lvl2pPr marL="0" indent="0" algn="l" defTabSz="457200" rtl="0" eaLnBrk="1" latinLnBrk="0" hangingPunct="1">
+              <a:spcBef>
+                <a:spcPts val="600"/>
+              </a:spcBef>
+              <a:buFont typeface="Arial"/>
+              <a:buNone/>
+              <a:defRPr sz="2400" kern="1200">
+                <a:solidFill>
+                  <a:schemeClr val="tx1">
+                    <a:lumMod val="65000"/>
+                    <a:lumOff val="35000"/>
+                  </a:schemeClr>
+                </a:solidFill>
+                <a:latin typeface="+mn-lt"/>
+                <a:ea typeface="+mn-ea"/>
+                <a:cs typeface="+mn-cs"/>
+              </a:defRPr>
+            </a:lvl2pPr>
+            <a:lvl3pPr marL="0" indent="-228600" algn="l" defTabSz="457200" rtl="0" eaLnBrk="1" latinLnBrk="0" hangingPunct="1">
+              <a:spcBef>
+                <a:spcPts val="0"/>
+              </a:spcBef>
+              <a:buFont typeface="Arial"/>
+              <a:buChar char="•"/>
+              <a:defRPr sz="2000" kern="1200">
+                <a:solidFill>
+                  <a:schemeClr val="tx1">
+                    <a:lumMod val="65000"/>
+                    <a:lumOff val="35000"/>
+                  </a:schemeClr>
+                </a:solidFill>
+                <a:latin typeface="+mn-lt"/>
+                <a:ea typeface="+mn-ea"/>
+                <a:cs typeface="+mn-cs"/>
+              </a:defRPr>
+            </a:lvl3pPr>
+            <a:lvl4pPr marL="548640" indent="0" algn="l" defTabSz="457200" rtl="0" eaLnBrk="1" latinLnBrk="0" hangingPunct="1">
+              <a:spcBef>
+                <a:spcPts val="0"/>
+              </a:spcBef>
+              <a:buFont typeface="Arial"/>
+              <a:buNone/>
+              <a:defRPr sz="2000" kern="1200">
+                <a:solidFill>
+                  <a:schemeClr val="tx1"/>
+                </a:solidFill>
+                <a:latin typeface="+mn-lt"/>
+                <a:ea typeface="+mn-ea"/>
+                <a:cs typeface="+mn-cs"/>
+              </a:defRPr>
+            </a:lvl4pPr>
+            <a:lvl5pPr marL="502920" indent="0" algn="l" defTabSz="457200" rtl="0" eaLnBrk="1" latinLnBrk="0" hangingPunct="1">
+              <a:spcBef>
+                <a:spcPts val="350"/>
+              </a:spcBef>
+              <a:buFont typeface="Arial"/>
+              <a:buNone/>
+              <a:defRPr sz="1600" kern="1200">
+                <a:solidFill>
+                  <a:schemeClr val="tx1">
+                    <a:lumMod val="65000"/>
+                    <a:lumOff val="35000"/>
+                  </a:schemeClr>
+                </a:solidFill>
+                <a:latin typeface="+mn-lt"/>
+                <a:ea typeface="+mn-ea"/>
+                <a:cs typeface="+mn-cs"/>
+              </a:defRPr>
+            </a:lvl5pPr>
+            <a:lvl6pPr marL="2514600" indent="-228600" algn="l" defTabSz="457200" rtl="0" eaLnBrk="1" latinLnBrk="0" hangingPunct="1">
+              <a:spcBef>
+                <a:spcPct val="20000"/>
+              </a:spcBef>
+              <a:buFont typeface="Arial"/>
+              <a:buChar char="•"/>
+              <a:defRPr sz="2000" kern="1200">
+                <a:solidFill>
+                  <a:schemeClr val="tx1"/>
+                </a:solidFill>
+                <a:latin typeface="+mn-lt"/>
+                <a:ea typeface="+mn-ea"/>
+                <a:cs typeface="+mn-cs"/>
+              </a:defRPr>
+            </a:lvl6pPr>
+            <a:lvl7pPr marL="2971800" indent="-228600" algn="l" defTabSz="457200" rtl="0" eaLnBrk="1" latinLnBrk="0" hangingPunct="1">
+              <a:spcBef>
+                <a:spcPct val="20000"/>
+              </a:spcBef>
+              <a:buFont typeface="Arial"/>
+              <a:buChar char="•"/>
+              <a:defRPr sz="2000" kern="1200">
+                <a:solidFill>
+                  <a:schemeClr val="tx1"/>
+                </a:solidFill>
+                <a:latin typeface="+mn-lt"/>
+                <a:ea typeface="+mn-ea"/>
+                <a:cs typeface="+mn-cs"/>
+              </a:defRPr>
+            </a:lvl7pPr>
+            <a:lvl8pPr marL="3429000" indent="-228600" algn="l" defTabSz="457200" rtl="0" eaLnBrk="1" latinLnBrk="0" hangingPunct="1">
+              <a:spcBef>
+                <a:spcPct val="20000"/>
+              </a:spcBef>
+              <a:buFont typeface="Arial"/>
+              <a:buChar char="•"/>
+              <a:defRPr sz="2000" kern="1200">
+                <a:solidFill>
+                  <a:schemeClr val="tx1"/>
+                </a:solidFill>
+                <a:latin typeface="+mn-lt"/>
+                <a:ea typeface="+mn-ea"/>
+                <a:cs typeface="+mn-cs"/>
+              </a:defRPr>
+            </a:lvl8pPr>
+            <a:lvl9pPr marL="3886200" indent="-228600" algn="l" defTabSz="457200" rtl="0" eaLnBrk="1" latinLnBrk="0" hangingPunct="1">
+              <a:spcBef>
+                <a:spcPct val="20000"/>
+              </a:spcBef>
+              <a:buFont typeface="Arial"/>
+              <a:buChar char="•"/>
+              <a:defRPr sz="2000" kern="1200">
+                <a:solidFill>
+                  <a:schemeClr val="tx1"/>
+                </a:solidFill>
+                <a:latin typeface="+mn-lt"/>
+                <a:ea typeface="+mn-ea"/>
+                <a:cs typeface="+mn-cs"/>
+              </a:defRPr>
+            </a:lvl9pPr>
+          </a:lstStyle>
+          <a:p>
+            <a:r>
+              <a:rPr lang="en-US" dirty="0"/>
+              <a:t>No-SQL: MongoDB</a:t>
+            </a:r>
+          </a:p>
+          <a:p>
+            <a:pPr marL="457200" indent="-457200">
+              <a:buFont typeface="Arial" panose="020B0604020202020204" pitchFamily="34" charset="0"/>
+              <a:buChar char="•"/>
+            </a:pPr>
+            <a:r>
+              <a:rPr lang="en-US" dirty="0"/>
+              <a:t>Not a SQL database</a:t>
+            </a:r>
+          </a:p>
+          <a:p>
+            <a:pPr marL="457200" indent="-457200">
+              <a:buFont typeface="Arial" panose="020B0604020202020204" pitchFamily="34" charset="0"/>
+              <a:buChar char="•"/>
+            </a:pPr>
+            <a:r>
+              <a:rPr lang="en-US" dirty="0"/>
+              <a:t>Not relational</a:t>
+            </a:r>
+          </a:p>
+          <a:p>
+            <a:pPr marL="457200" indent="-457200">
+              <a:buFont typeface="Arial" panose="020B0604020202020204" pitchFamily="34" charset="0"/>
+              <a:buChar char="•"/>
+            </a:pPr>
+            <a:r>
+              <a:rPr lang="en-US" dirty="0"/>
+              <a:t>Flexible</a:t>
+            </a:r>
+          </a:p>
+          <a:p>
+            <a:pPr marL="457200" indent="-457200">
+              <a:buFont typeface="Arial" panose="020B0604020202020204" pitchFamily="34" charset="0"/>
+              <a:buChar char="•"/>
+            </a:pPr>
+            <a:r>
+              <a:rPr lang="en-US" dirty="0"/>
+              <a:t>Fast</a:t>
+            </a:r>
+          </a:p>
+          <a:p>
+            <a:pPr marL="457200" indent="-457200">
+              <a:buFont typeface="Arial" panose="020B0604020202020204" pitchFamily="34" charset="0"/>
+              <a:buChar char="•"/>
+            </a:pPr>
+            <a:r>
+              <a:rPr lang="en-US" dirty="0"/>
+              <a:t>Distributed</a:t>
+            </a:r>
+          </a:p>
+          <a:p>
+            <a:pPr marL="457200" indent="-457200">
+              <a:buFont typeface="Arial" panose="020B0604020202020204" pitchFamily="34" charset="0"/>
+              <a:buChar char="•"/>
+            </a:pPr>
+            <a:r>
+              <a:rPr lang="en-US" dirty="0"/>
+              <a:t>“basically a csv file”</a:t>
+            </a:r>
+          </a:p>
+        </p:txBody>
+      </p:sp>
+      <p:cxnSp>
+        <p:nvCxnSpPr>
+          <p:cNvPr id="6" name="Straight Connector 5">
+            <a:extLst>
+              <a:ext uri="{FF2B5EF4-FFF2-40B4-BE49-F238E27FC236}">
+                <a16:creationId xmlns:a16="http://schemas.microsoft.com/office/drawing/2014/main" id="{C2FDFC83-56E3-47A5-815A-60B223836FD1}"/>
+              </a:ext>
+            </a:extLst>
+          </p:cNvPr>
+          <p:cNvCxnSpPr/>
+          <p:nvPr/>
+        </p:nvCxnSpPr>
+        <p:spPr>
+          <a:xfrm>
+            <a:off x="4756934" y="965771"/>
+            <a:ext cx="0" cy="5892229"/>
+          </a:xfrm>
+          <a:prstGeom prst="line">
+            <a:avLst/>
+          </a:prstGeom>
+        </p:spPr>
+        <p:style>
+          <a:lnRef idx="2">
+            <a:schemeClr val="dk1"/>
+          </a:lnRef>
+          <a:fillRef idx="0">
+            <a:schemeClr val="dk1"/>
+          </a:fillRef>
+          <a:effectRef idx="1">
+            <a:schemeClr val="dk1"/>
+          </a:effectRef>
+          <a:fontRef idx="minor">
+            <a:schemeClr val="tx1"/>
+          </a:fontRef>
+        </p:style>
+      </p:cxnSp>
+      <p:pic>
+        <p:nvPicPr>
+          <p:cNvPr id="8" name="Picture 7" descr="Logo&#10;&#10;Description automatically generated">
+            <a:extLst>
+              <a:ext uri="{FF2B5EF4-FFF2-40B4-BE49-F238E27FC236}">
+                <a16:creationId xmlns:a16="http://schemas.microsoft.com/office/drawing/2014/main" id="{6A8441D3-4B50-4708-8C4C-69D91EBE00F0}"/>
+              </a:ext>
+            </a:extLst>
+          </p:cNvPr>
+          <p:cNvPicPr>
+            <a:picLocks noChangeAspect="1"/>
+          </p:cNvPicPr>
+          <p:nvPr/>
+        </p:nvPicPr>
+        <p:blipFill>
+          <a:blip r:embed="rId2"/>
+          <a:stretch>
+            <a:fillRect/>
+          </a:stretch>
+        </p:blipFill>
+        <p:spPr>
+          <a:xfrm>
+            <a:off x="5644366" y="1683798"/>
+            <a:ext cx="2560833" cy="853611"/>
+          </a:xfrm>
+          <a:prstGeom prst="rect">
+            <a:avLst/>
+          </a:prstGeom>
+        </p:spPr>
+      </p:pic>
     </p:spTree>
     <p:extLst>
       <p:ext uri="{BB962C8B-B14F-4D97-AF65-F5344CB8AC3E}">
@@ -14483,7 +15288,1178 @@
 </p:sld>
 </file>
 
-<file path=ppt/slides/slide44.xml><?xml version="1.0" encoding="utf-8"?>
+<file path=ppt/slides/slide46.xml><?xml version="1.0" encoding="utf-8"?>
+<p:sld xmlns:a="http://schemas.openxmlformats.org/drawingml/2006/main" xmlns:r="http://schemas.openxmlformats.org/officeDocument/2006/relationships" xmlns:p="http://schemas.openxmlformats.org/presentationml/2006/main">
+  <p:cSld>
+    <p:spTree>
+      <p:nvGrpSpPr>
+        <p:cNvPr id="1" name=""/>
+        <p:cNvGrpSpPr/>
+        <p:nvPr/>
+      </p:nvGrpSpPr>
+      <p:grpSpPr>
+        <a:xfrm>
+          <a:off x="0" y="0"/>
+          <a:ext cx="0" cy="0"/>
+          <a:chOff x="0" y="0"/>
+          <a:chExt cx="0" cy="0"/>
+        </a:xfrm>
+      </p:grpSpPr>
+      <p:sp>
+        <p:nvSpPr>
+          <p:cNvPr id="2" name="Content Placeholder 1">
+            <a:extLst>
+              <a:ext uri="{FF2B5EF4-FFF2-40B4-BE49-F238E27FC236}">
+                <a16:creationId xmlns:a16="http://schemas.microsoft.com/office/drawing/2014/main" id="{B942FB5A-AB9A-4243-AD31-FB85745ED5C2}"/>
+              </a:ext>
+            </a:extLst>
+          </p:cNvPr>
+          <p:cNvSpPr>
+            <a:spLocks noGrp="1"/>
+          </p:cNvSpPr>
+          <p:nvPr>
+            <p:ph idx="16"/>
+          </p:nvPr>
+        </p:nvSpPr>
+        <p:spPr>
+          <a:xfrm>
+            <a:off x="132255" y="1734522"/>
+            <a:ext cx="6361012" cy="4417350"/>
+          </a:xfrm>
+        </p:spPr>
+        <p:txBody>
+          <a:bodyPr/>
+          <a:lstStyle/>
+          <a:p>
+            <a:r>
+              <a:rPr lang="en-US" sz="2400" dirty="0"/>
+              <a:t>API: </a:t>
+            </a:r>
+            <a:r>
+              <a:rPr lang="en-US" sz="2400" dirty="0">
+                <a:solidFill>
+                  <a:srgbClr val="FF0000"/>
+                </a:solidFill>
+              </a:rPr>
+              <a:t>application programming interface</a:t>
+            </a:r>
+          </a:p>
+          <a:p>
+            <a:pPr marL="457200" indent="-457200">
+              <a:buFont typeface="Arial" panose="020B0604020202020204" pitchFamily="34" charset="0"/>
+              <a:buChar char="•"/>
+            </a:pPr>
+            <a:r>
+              <a:rPr lang="en-US" sz="2400" dirty="0">
+                <a:solidFill>
+                  <a:schemeClr val="tx1"/>
+                </a:solidFill>
+              </a:rPr>
+              <a:t>A running service to feed the data in your database</a:t>
+            </a:r>
+          </a:p>
+          <a:p>
+            <a:pPr marL="457200" indent="-457200">
+              <a:buFont typeface="Arial" panose="020B0604020202020204" pitchFamily="34" charset="0"/>
+              <a:buChar char="•"/>
+            </a:pPr>
+            <a:r>
+              <a:rPr lang="en-US" sz="2400" dirty="0">
+                <a:solidFill>
+                  <a:schemeClr val="tx1"/>
+                </a:solidFill>
+              </a:rPr>
+              <a:t>Other services can access data by an http address (URL)</a:t>
+            </a:r>
+          </a:p>
+          <a:p>
+            <a:pPr marL="457200" indent="-457200">
+              <a:buFont typeface="Arial" panose="020B0604020202020204" pitchFamily="34" charset="0"/>
+              <a:buChar char="•"/>
+            </a:pPr>
+            <a:r>
+              <a:rPr lang="en-US" sz="2400" dirty="0">
+                <a:solidFill>
+                  <a:schemeClr val="tx1"/>
+                </a:solidFill>
+              </a:rPr>
+              <a:t>API returns data as a JSON or xml file</a:t>
+            </a:r>
+          </a:p>
+          <a:p>
+            <a:endParaRPr lang="en-US" sz="2400" dirty="0">
+              <a:solidFill>
+                <a:schemeClr val="tx1"/>
+              </a:solidFill>
+            </a:endParaRPr>
+          </a:p>
+          <a:p>
+            <a:endParaRPr lang="en-US" sz="2400" dirty="0">
+              <a:solidFill>
+                <a:schemeClr val="tx1"/>
+              </a:solidFill>
+            </a:endParaRPr>
+          </a:p>
+          <a:p>
+            <a:endParaRPr lang="en-US" dirty="0">
+              <a:solidFill>
+                <a:schemeClr val="tx1"/>
+              </a:solidFill>
+            </a:endParaRPr>
+          </a:p>
+          <a:p>
+            <a:pPr marL="457200" indent="-457200">
+              <a:buFont typeface="Arial" panose="020B0604020202020204" pitchFamily="34" charset="0"/>
+              <a:buChar char="•"/>
+            </a:pPr>
+            <a:endParaRPr lang="en-US" dirty="0">
+              <a:solidFill>
+                <a:schemeClr val="tx1"/>
+              </a:solidFill>
+            </a:endParaRPr>
+          </a:p>
+        </p:txBody>
+      </p:sp>
+      <p:sp>
+        <p:nvSpPr>
+          <p:cNvPr id="3" name="Title 2">
+            <a:extLst>
+              <a:ext uri="{FF2B5EF4-FFF2-40B4-BE49-F238E27FC236}">
+                <a16:creationId xmlns:a16="http://schemas.microsoft.com/office/drawing/2014/main" id="{D7042511-DD3E-4BFC-B5C2-57B6F0A09972}"/>
+              </a:ext>
+            </a:extLst>
+          </p:cNvPr>
+          <p:cNvSpPr>
+            <a:spLocks noGrp="1"/>
+          </p:cNvSpPr>
+          <p:nvPr>
+            <p:ph type="title"/>
+          </p:nvPr>
+        </p:nvSpPr>
+        <p:spPr>
+          <a:xfrm>
+            <a:off x="132255" y="1105364"/>
+            <a:ext cx="8537825" cy="508313"/>
+          </a:xfrm>
+        </p:spPr>
+        <p:txBody>
+          <a:bodyPr>
+            <a:normAutofit fontScale="90000"/>
+          </a:bodyPr>
+          <a:lstStyle/>
+          <a:p>
+            <a:r>
+              <a:rPr lang="en-US" dirty="0"/>
+              <a:t>REST API for database</a:t>
+            </a:r>
+          </a:p>
+        </p:txBody>
+      </p:sp>
+      <p:pic>
+        <p:nvPicPr>
+          <p:cNvPr id="5" name="Picture 4" descr="A picture containing calendar&#10;&#10;Description automatically generated">
+            <a:extLst>
+              <a:ext uri="{FF2B5EF4-FFF2-40B4-BE49-F238E27FC236}">
+                <a16:creationId xmlns:a16="http://schemas.microsoft.com/office/drawing/2014/main" id="{AE09F4E8-F635-4454-84A2-DFC041696015}"/>
+              </a:ext>
+            </a:extLst>
+          </p:cNvPr>
+          <p:cNvPicPr>
+            <a:picLocks noChangeAspect="1"/>
+          </p:cNvPicPr>
+          <p:nvPr/>
+        </p:nvPicPr>
+        <p:blipFill>
+          <a:blip r:embed="rId3"/>
+          <a:stretch>
+            <a:fillRect/>
+          </a:stretch>
+        </p:blipFill>
+        <p:spPr>
+          <a:xfrm>
+            <a:off x="6639066" y="1105364"/>
+            <a:ext cx="2504934" cy="5649894"/>
+          </a:xfrm>
+          <a:prstGeom prst="rect">
+            <a:avLst/>
+          </a:prstGeom>
+        </p:spPr>
+      </p:pic>
+      <p:pic>
+        <p:nvPicPr>
+          <p:cNvPr id="9" name="Picture 8">
+            <a:extLst>
+              <a:ext uri="{FF2B5EF4-FFF2-40B4-BE49-F238E27FC236}">
+                <a16:creationId xmlns:a16="http://schemas.microsoft.com/office/drawing/2014/main" id="{45394E71-E91E-461A-92D6-5C0B68AE343E}"/>
+              </a:ext>
+            </a:extLst>
+          </p:cNvPr>
+          <p:cNvPicPr>
+            <a:picLocks noChangeAspect="1"/>
+          </p:cNvPicPr>
+          <p:nvPr/>
+        </p:nvPicPr>
+        <p:blipFill rotWithShape="1">
+          <a:blip r:embed="rId4"/>
+          <a:srcRect l="35873" r="26962" b="90958"/>
+          <a:stretch/>
+        </p:blipFill>
+        <p:spPr>
+          <a:xfrm>
+            <a:off x="3051653" y="3625880"/>
+            <a:ext cx="3051196" cy="558587"/>
+          </a:xfrm>
+          <a:prstGeom prst="rect">
+            <a:avLst/>
+          </a:prstGeom>
+        </p:spPr>
+      </p:pic>
+      <p:pic>
+        <p:nvPicPr>
+          <p:cNvPr id="11" name="Picture 10">
+            <a:extLst>
+              <a:ext uri="{FF2B5EF4-FFF2-40B4-BE49-F238E27FC236}">
+                <a16:creationId xmlns:a16="http://schemas.microsoft.com/office/drawing/2014/main" id="{B4863433-91F1-42AF-9B80-5A567D045063}"/>
+              </a:ext>
+            </a:extLst>
+          </p:cNvPr>
+          <p:cNvPicPr>
+            <a:picLocks noChangeAspect="1"/>
+          </p:cNvPicPr>
+          <p:nvPr/>
+        </p:nvPicPr>
+        <p:blipFill rotWithShape="1">
+          <a:blip r:embed="rId4"/>
+          <a:srcRect t="24418" b="30345"/>
+          <a:stretch/>
+        </p:blipFill>
+        <p:spPr>
+          <a:xfrm>
+            <a:off x="689740" y="4831279"/>
+            <a:ext cx="5413109" cy="1842713"/>
+          </a:xfrm>
+          <a:prstGeom prst="rect">
+            <a:avLst/>
+          </a:prstGeom>
+        </p:spPr>
+      </p:pic>
+    </p:spTree>
+    <p:extLst>
+      <p:ext uri="{BB962C8B-B14F-4D97-AF65-F5344CB8AC3E}">
+        <p14:creationId xmlns:p14="http://schemas.microsoft.com/office/powerpoint/2010/main" val="2059099622"/>
+      </p:ext>
+    </p:extLst>
+  </p:cSld>
+  <p:clrMapOvr>
+    <a:masterClrMapping/>
+  </p:clrMapOvr>
+  <p:transition spd="slow">
+    <p:fade/>
+  </p:transition>
+</p:sld>
+</file>
+
+<file path=ppt/slides/slide47.xml><?xml version="1.0" encoding="utf-8"?>
+<p:sld xmlns:a="http://schemas.openxmlformats.org/drawingml/2006/main" xmlns:r="http://schemas.openxmlformats.org/officeDocument/2006/relationships" xmlns:p="http://schemas.openxmlformats.org/presentationml/2006/main">
+  <p:cSld>
+    <p:spTree>
+      <p:nvGrpSpPr>
+        <p:cNvPr id="1" name=""/>
+        <p:cNvGrpSpPr/>
+        <p:nvPr/>
+      </p:nvGrpSpPr>
+      <p:grpSpPr>
+        <a:xfrm>
+          <a:off x="0" y="0"/>
+          <a:ext cx="0" cy="0"/>
+          <a:chOff x="0" y="0"/>
+          <a:chExt cx="0" cy="0"/>
+        </a:xfrm>
+      </p:grpSpPr>
+      <p:sp>
+        <p:nvSpPr>
+          <p:cNvPr id="3" name="Title 2">
+            <a:extLst>
+              <a:ext uri="{FF2B5EF4-FFF2-40B4-BE49-F238E27FC236}">
+                <a16:creationId xmlns:a16="http://schemas.microsoft.com/office/drawing/2014/main" id="{A610F05C-3900-45D4-9435-131D8F4A2A18}"/>
+              </a:ext>
+            </a:extLst>
+          </p:cNvPr>
+          <p:cNvSpPr>
+            <a:spLocks noGrp="1"/>
+          </p:cNvSpPr>
+          <p:nvPr>
+            <p:ph type="title"/>
+          </p:nvPr>
+        </p:nvSpPr>
+        <p:spPr/>
+        <p:txBody>
+          <a:bodyPr>
+            <a:normAutofit fontScale="90000"/>
+          </a:bodyPr>
+          <a:lstStyle/>
+          <a:p>
+            <a:r>
+              <a:rPr lang="en-US" dirty="0"/>
+              <a:t>Structure</a:t>
+            </a:r>
+          </a:p>
+        </p:txBody>
+      </p:sp>
+      <p:sp>
+        <p:nvSpPr>
+          <p:cNvPr id="4" name="Rectangle 3">
+            <a:extLst>
+              <a:ext uri="{FF2B5EF4-FFF2-40B4-BE49-F238E27FC236}">
+                <a16:creationId xmlns:a16="http://schemas.microsoft.com/office/drawing/2014/main" id="{8C824DC3-E175-49AB-B1DC-49C873A75E28}"/>
+              </a:ext>
+            </a:extLst>
+          </p:cNvPr>
+          <p:cNvSpPr/>
+          <p:nvPr/>
+        </p:nvSpPr>
+        <p:spPr>
+          <a:xfrm>
+            <a:off x="5178175" y="1910993"/>
+            <a:ext cx="3666567" cy="3821987"/>
+          </a:xfrm>
+          <a:prstGeom prst="rect">
+            <a:avLst/>
+          </a:prstGeom>
+          <a:noFill/>
+          <a:ln w="50800">
+            <a:solidFill>
+              <a:srgbClr val="C00000"/>
+            </a:solidFill>
+          </a:ln>
+        </p:spPr>
+        <p:style>
+          <a:lnRef idx="1">
+            <a:schemeClr val="accent1"/>
+          </a:lnRef>
+          <a:fillRef idx="3">
+            <a:schemeClr val="accent1"/>
+          </a:fillRef>
+          <a:effectRef idx="2">
+            <a:schemeClr val="accent1"/>
+          </a:effectRef>
+          <a:fontRef idx="minor">
+            <a:schemeClr val="lt1"/>
+          </a:fontRef>
+        </p:style>
+        <p:txBody>
+          <a:bodyPr rtlCol="0" anchor="ctr"/>
+          <a:lstStyle/>
+          <a:p>
+            <a:pPr algn="ctr"/>
+            <a:endParaRPr lang="en-US"/>
+          </a:p>
+        </p:txBody>
+      </p:sp>
+      <p:sp>
+        <p:nvSpPr>
+          <p:cNvPr id="5" name="Rectangle 4">
+            <a:extLst>
+              <a:ext uri="{FF2B5EF4-FFF2-40B4-BE49-F238E27FC236}">
+                <a16:creationId xmlns:a16="http://schemas.microsoft.com/office/drawing/2014/main" id="{81FB1304-8A09-4A93-A052-DAF65EAB8384}"/>
+              </a:ext>
+            </a:extLst>
+          </p:cNvPr>
+          <p:cNvSpPr/>
+          <p:nvPr/>
+        </p:nvSpPr>
+        <p:spPr>
+          <a:xfrm>
+            <a:off x="3829491" y="2513036"/>
+            <a:ext cx="2499391" cy="2629365"/>
+          </a:xfrm>
+          <a:prstGeom prst="rect">
+            <a:avLst/>
+          </a:prstGeom>
+          <a:noFill/>
+          <a:ln w="50800">
+            <a:solidFill>
+              <a:srgbClr val="7030A0"/>
+            </a:solidFill>
+          </a:ln>
+        </p:spPr>
+        <p:style>
+          <a:lnRef idx="1">
+            <a:schemeClr val="accent1"/>
+          </a:lnRef>
+          <a:fillRef idx="3">
+            <a:schemeClr val="accent1"/>
+          </a:fillRef>
+          <a:effectRef idx="2">
+            <a:schemeClr val="accent1"/>
+          </a:effectRef>
+          <a:fontRef idx="minor">
+            <a:schemeClr val="lt1"/>
+          </a:fontRef>
+        </p:style>
+        <p:txBody>
+          <a:bodyPr rtlCol="0" anchor="ctr"/>
+          <a:lstStyle/>
+          <a:p>
+            <a:pPr algn="ctr"/>
+            <a:endParaRPr lang="en-US"/>
+          </a:p>
+        </p:txBody>
+      </p:sp>
+      <p:sp>
+        <p:nvSpPr>
+          <p:cNvPr id="6" name="Rectangle 5">
+            <a:extLst>
+              <a:ext uri="{FF2B5EF4-FFF2-40B4-BE49-F238E27FC236}">
+                <a16:creationId xmlns:a16="http://schemas.microsoft.com/office/drawing/2014/main" id="{7ECCC256-1B57-4F1F-8692-2049FC4D0C90}"/>
+              </a:ext>
+            </a:extLst>
+          </p:cNvPr>
+          <p:cNvSpPr/>
+          <p:nvPr/>
+        </p:nvSpPr>
+        <p:spPr>
+          <a:xfrm>
+            <a:off x="146936" y="1910993"/>
+            <a:ext cx="2668184" cy="3821987"/>
+          </a:xfrm>
+          <a:prstGeom prst="rect">
+            <a:avLst/>
+          </a:prstGeom>
+          <a:noFill/>
+          <a:ln w="50800">
+            <a:solidFill>
+              <a:srgbClr val="0070C0"/>
+            </a:solidFill>
+          </a:ln>
+        </p:spPr>
+        <p:style>
+          <a:lnRef idx="1">
+            <a:schemeClr val="accent1"/>
+          </a:lnRef>
+          <a:fillRef idx="3">
+            <a:schemeClr val="accent1"/>
+          </a:fillRef>
+          <a:effectRef idx="2">
+            <a:schemeClr val="accent1"/>
+          </a:effectRef>
+          <a:fontRef idx="minor">
+            <a:schemeClr val="lt1"/>
+          </a:fontRef>
+        </p:style>
+        <p:txBody>
+          <a:bodyPr rtlCol="0" anchor="ctr"/>
+          <a:lstStyle/>
+          <a:p>
+            <a:pPr algn="ctr"/>
+            <a:endParaRPr lang="en-US"/>
+          </a:p>
+        </p:txBody>
+      </p:sp>
+      <p:sp>
+        <p:nvSpPr>
+          <p:cNvPr id="8" name="Cylinder 7">
+            <a:extLst>
+              <a:ext uri="{FF2B5EF4-FFF2-40B4-BE49-F238E27FC236}">
+                <a16:creationId xmlns:a16="http://schemas.microsoft.com/office/drawing/2014/main" id="{A5B2CCF0-094F-4BB8-98DA-EB32FD53C69D}"/>
+              </a:ext>
+            </a:extLst>
+          </p:cNvPr>
+          <p:cNvSpPr/>
+          <p:nvPr/>
+        </p:nvSpPr>
+        <p:spPr>
+          <a:xfrm>
+            <a:off x="6615904" y="4109663"/>
+            <a:ext cx="1944585" cy="1273995"/>
+          </a:xfrm>
+          <a:prstGeom prst="can">
+            <a:avLst/>
+          </a:prstGeom>
+          <a:noFill/>
+          <a:ln w="31750">
+            <a:solidFill>
+              <a:srgbClr val="C00000"/>
+            </a:solidFill>
+          </a:ln>
+        </p:spPr>
+        <p:style>
+          <a:lnRef idx="1">
+            <a:schemeClr val="accent1"/>
+          </a:lnRef>
+          <a:fillRef idx="3">
+            <a:schemeClr val="accent1"/>
+          </a:fillRef>
+          <a:effectRef idx="2">
+            <a:schemeClr val="accent1"/>
+          </a:effectRef>
+          <a:fontRef idx="minor">
+            <a:schemeClr val="lt1"/>
+          </a:fontRef>
+        </p:style>
+        <p:txBody>
+          <a:bodyPr rtlCol="0" anchor="ctr"/>
+          <a:lstStyle/>
+          <a:p>
+            <a:pPr algn="ctr"/>
+            <a:endParaRPr lang="en-US"/>
+          </a:p>
+        </p:txBody>
+      </p:sp>
+      <p:sp>
+        <p:nvSpPr>
+          <p:cNvPr id="9" name="TextBox 8">
+            <a:extLst>
+              <a:ext uri="{FF2B5EF4-FFF2-40B4-BE49-F238E27FC236}">
+                <a16:creationId xmlns:a16="http://schemas.microsoft.com/office/drawing/2014/main" id="{4D495484-B446-4CB5-838D-C37C60050A1E}"/>
+              </a:ext>
+            </a:extLst>
+          </p:cNvPr>
+          <p:cNvSpPr txBox="1"/>
+          <p:nvPr/>
+        </p:nvSpPr>
+        <p:spPr>
+          <a:xfrm>
+            <a:off x="6865397" y="4638612"/>
+            <a:ext cx="1555234" cy="461665"/>
+          </a:xfrm>
+          <a:prstGeom prst="rect">
+            <a:avLst/>
+          </a:prstGeom>
+          <a:noFill/>
+        </p:spPr>
+        <p:txBody>
+          <a:bodyPr wrap="none" rtlCol="0">
+            <a:spAutoFit/>
+          </a:bodyPr>
+          <a:lstStyle/>
+          <a:p>
+            <a:r>
+              <a:rPr lang="en-US" sz="2400" dirty="0"/>
+              <a:t>MongoDB</a:t>
+            </a:r>
+          </a:p>
+        </p:txBody>
+      </p:sp>
+      <p:sp>
+        <p:nvSpPr>
+          <p:cNvPr id="10" name="Arrow: Left-Right 9">
+            <a:extLst>
+              <a:ext uri="{FF2B5EF4-FFF2-40B4-BE49-F238E27FC236}">
+                <a16:creationId xmlns:a16="http://schemas.microsoft.com/office/drawing/2014/main" id="{46865840-CBA7-48DF-BF83-96DAF6D590F3}"/>
+              </a:ext>
+            </a:extLst>
+          </p:cNvPr>
+          <p:cNvSpPr/>
+          <p:nvPr/>
+        </p:nvSpPr>
+        <p:spPr>
+          <a:xfrm>
+            <a:off x="5745515" y="4627496"/>
+            <a:ext cx="1119882" cy="400692"/>
+          </a:xfrm>
+          <a:prstGeom prst="leftRightArrow">
+            <a:avLst/>
+          </a:prstGeom>
+          <a:solidFill>
+            <a:srgbClr val="C00000"/>
+          </a:solidFill>
+        </p:spPr>
+        <p:style>
+          <a:lnRef idx="1">
+            <a:schemeClr val="accent1"/>
+          </a:lnRef>
+          <a:fillRef idx="3">
+            <a:schemeClr val="accent1"/>
+          </a:fillRef>
+          <a:effectRef idx="2">
+            <a:schemeClr val="accent1"/>
+          </a:effectRef>
+          <a:fontRef idx="minor">
+            <a:schemeClr val="lt1"/>
+          </a:fontRef>
+        </p:style>
+        <p:txBody>
+          <a:bodyPr rtlCol="0" anchor="ctr"/>
+          <a:lstStyle/>
+          <a:p>
+            <a:pPr algn="ctr"/>
+            <a:endParaRPr lang="en-US"/>
+          </a:p>
+        </p:txBody>
+      </p:sp>
+      <p:sp>
+        <p:nvSpPr>
+          <p:cNvPr id="11" name="TextBox 10">
+            <a:extLst>
+              <a:ext uri="{FF2B5EF4-FFF2-40B4-BE49-F238E27FC236}">
+                <a16:creationId xmlns:a16="http://schemas.microsoft.com/office/drawing/2014/main" id="{8D831E44-2E45-414F-9B84-23DBE354AF16}"/>
+              </a:ext>
+            </a:extLst>
+          </p:cNvPr>
+          <p:cNvSpPr txBox="1"/>
+          <p:nvPr/>
+        </p:nvSpPr>
+        <p:spPr>
+          <a:xfrm>
+            <a:off x="4191126" y="3560376"/>
+            <a:ext cx="761747" cy="523220"/>
+          </a:xfrm>
+          <a:prstGeom prst="rect">
+            <a:avLst/>
+          </a:prstGeom>
+          <a:noFill/>
+        </p:spPr>
+        <p:txBody>
+          <a:bodyPr wrap="none" rtlCol="0">
+            <a:spAutoFit/>
+          </a:bodyPr>
+          <a:lstStyle/>
+          <a:p>
+            <a:r>
+              <a:rPr lang="en-US" sz="2800" dirty="0"/>
+              <a:t>API</a:t>
+            </a:r>
+          </a:p>
+        </p:txBody>
+      </p:sp>
+      <p:sp>
+        <p:nvSpPr>
+          <p:cNvPr id="12" name="TextBox 11">
+            <a:extLst>
+              <a:ext uri="{FF2B5EF4-FFF2-40B4-BE49-F238E27FC236}">
+                <a16:creationId xmlns:a16="http://schemas.microsoft.com/office/drawing/2014/main" id="{E2E761FA-A5D5-4141-9B6C-DBB134F906B9}"/>
+              </a:ext>
+            </a:extLst>
+          </p:cNvPr>
+          <p:cNvSpPr txBox="1"/>
+          <p:nvPr/>
+        </p:nvSpPr>
+        <p:spPr>
+          <a:xfrm>
+            <a:off x="668145" y="5927554"/>
+            <a:ext cx="1625766" cy="523220"/>
+          </a:xfrm>
+          <a:prstGeom prst="rect">
+            <a:avLst/>
+          </a:prstGeom>
+          <a:noFill/>
+        </p:spPr>
+        <p:txBody>
+          <a:bodyPr wrap="none" rtlCol="0">
+            <a:spAutoFit/>
+          </a:bodyPr>
+          <a:lstStyle/>
+          <a:p>
+            <a:r>
+              <a:rPr lang="en-US" sz="2800" dirty="0"/>
+              <a:t>Frontend</a:t>
+            </a:r>
+          </a:p>
+        </p:txBody>
+      </p:sp>
+      <p:sp>
+        <p:nvSpPr>
+          <p:cNvPr id="13" name="TextBox 12">
+            <a:extLst>
+              <a:ext uri="{FF2B5EF4-FFF2-40B4-BE49-F238E27FC236}">
+                <a16:creationId xmlns:a16="http://schemas.microsoft.com/office/drawing/2014/main" id="{9A116608-A0BC-4D17-9A3A-48187F03DE19}"/>
+              </a:ext>
+            </a:extLst>
+          </p:cNvPr>
+          <p:cNvSpPr txBox="1"/>
+          <p:nvPr/>
+        </p:nvSpPr>
+        <p:spPr>
+          <a:xfrm>
+            <a:off x="6219414" y="5927554"/>
+            <a:ext cx="1584088" cy="523220"/>
+          </a:xfrm>
+          <a:prstGeom prst="rect">
+            <a:avLst/>
+          </a:prstGeom>
+          <a:noFill/>
+        </p:spPr>
+        <p:txBody>
+          <a:bodyPr wrap="none" rtlCol="0">
+            <a:spAutoFit/>
+          </a:bodyPr>
+          <a:lstStyle/>
+          <a:p>
+            <a:r>
+              <a:rPr lang="en-US" sz="2800" dirty="0"/>
+              <a:t>Backend</a:t>
+            </a:r>
+          </a:p>
+        </p:txBody>
+      </p:sp>
+      <p:sp>
+        <p:nvSpPr>
+          <p:cNvPr id="15" name="Rectangle: Rounded Corners 14">
+            <a:extLst>
+              <a:ext uri="{FF2B5EF4-FFF2-40B4-BE49-F238E27FC236}">
+                <a16:creationId xmlns:a16="http://schemas.microsoft.com/office/drawing/2014/main" id="{4E306568-8020-4FC0-B3A3-21183D16B050}"/>
+              </a:ext>
+            </a:extLst>
+          </p:cNvPr>
+          <p:cNvSpPr/>
+          <p:nvPr/>
+        </p:nvSpPr>
+        <p:spPr>
+          <a:xfrm>
+            <a:off x="441789" y="2085654"/>
+            <a:ext cx="2003460" cy="883577"/>
+          </a:xfrm>
+          <a:prstGeom prst="roundRect">
+            <a:avLst/>
+          </a:prstGeom>
+          <a:noFill/>
+          <a:ln w="25400">
+            <a:solidFill>
+              <a:srgbClr val="002060"/>
+            </a:solidFill>
+          </a:ln>
+        </p:spPr>
+        <p:style>
+          <a:lnRef idx="1">
+            <a:schemeClr val="accent1"/>
+          </a:lnRef>
+          <a:fillRef idx="3">
+            <a:schemeClr val="accent1"/>
+          </a:fillRef>
+          <a:effectRef idx="2">
+            <a:schemeClr val="accent1"/>
+          </a:effectRef>
+          <a:fontRef idx="minor">
+            <a:schemeClr val="lt1"/>
+          </a:fontRef>
+        </p:style>
+        <p:txBody>
+          <a:bodyPr rtlCol="0" anchor="ctr"/>
+          <a:lstStyle/>
+          <a:p>
+            <a:pPr algn="ctr"/>
+            <a:r>
+              <a:rPr lang="en-US" dirty="0">
+                <a:solidFill>
+                  <a:schemeClr val="tx1"/>
+                </a:solidFill>
+              </a:rPr>
+              <a:t>HTML</a:t>
+            </a:r>
+          </a:p>
+        </p:txBody>
+      </p:sp>
+      <p:sp>
+        <p:nvSpPr>
+          <p:cNvPr id="16" name="Rectangle: Rounded Corners 15">
+            <a:extLst>
+              <a:ext uri="{FF2B5EF4-FFF2-40B4-BE49-F238E27FC236}">
+                <a16:creationId xmlns:a16="http://schemas.microsoft.com/office/drawing/2014/main" id="{6220ED0F-5218-4F49-8649-6DFF79C073ED}"/>
+              </a:ext>
+            </a:extLst>
+          </p:cNvPr>
+          <p:cNvSpPr/>
+          <p:nvPr/>
+        </p:nvSpPr>
+        <p:spPr>
+          <a:xfrm>
+            <a:off x="437635" y="3380197"/>
+            <a:ext cx="2003460" cy="883577"/>
+          </a:xfrm>
+          <a:prstGeom prst="roundRect">
+            <a:avLst/>
+          </a:prstGeom>
+          <a:noFill/>
+          <a:ln w="25400">
+            <a:solidFill>
+              <a:srgbClr val="002060"/>
+            </a:solidFill>
+          </a:ln>
+        </p:spPr>
+        <p:style>
+          <a:lnRef idx="1">
+            <a:schemeClr val="accent1"/>
+          </a:lnRef>
+          <a:fillRef idx="3">
+            <a:schemeClr val="accent1"/>
+          </a:fillRef>
+          <a:effectRef idx="2">
+            <a:schemeClr val="accent1"/>
+          </a:effectRef>
+          <a:fontRef idx="minor">
+            <a:schemeClr val="lt1"/>
+          </a:fontRef>
+        </p:style>
+        <p:txBody>
+          <a:bodyPr rtlCol="0" anchor="ctr"/>
+          <a:lstStyle/>
+          <a:p>
+            <a:pPr algn="ctr"/>
+            <a:r>
+              <a:rPr lang="en-US" dirty="0">
+                <a:solidFill>
+                  <a:schemeClr val="tx1"/>
+                </a:solidFill>
+              </a:rPr>
+              <a:t>JavaScript</a:t>
+            </a:r>
+          </a:p>
+        </p:txBody>
+      </p:sp>
+      <p:sp>
+        <p:nvSpPr>
+          <p:cNvPr id="17" name="Rectangle: Rounded Corners 16">
+            <a:extLst>
+              <a:ext uri="{FF2B5EF4-FFF2-40B4-BE49-F238E27FC236}">
+                <a16:creationId xmlns:a16="http://schemas.microsoft.com/office/drawing/2014/main" id="{2E8E631F-5735-4BD1-BC14-B9E4E4DDBDFE}"/>
+              </a:ext>
+            </a:extLst>
+          </p:cNvPr>
+          <p:cNvSpPr/>
+          <p:nvPr/>
+        </p:nvSpPr>
+        <p:spPr>
+          <a:xfrm>
+            <a:off x="437635" y="4658381"/>
+            <a:ext cx="2003460" cy="883576"/>
+          </a:xfrm>
+          <a:prstGeom prst="roundRect">
+            <a:avLst/>
+          </a:prstGeom>
+          <a:noFill/>
+          <a:ln w="25400">
+            <a:solidFill>
+              <a:srgbClr val="002060"/>
+            </a:solidFill>
+          </a:ln>
+        </p:spPr>
+        <p:style>
+          <a:lnRef idx="1">
+            <a:schemeClr val="accent1"/>
+          </a:lnRef>
+          <a:fillRef idx="3">
+            <a:schemeClr val="accent1"/>
+          </a:fillRef>
+          <a:effectRef idx="2">
+            <a:schemeClr val="accent1"/>
+          </a:effectRef>
+          <a:fontRef idx="minor">
+            <a:schemeClr val="lt1"/>
+          </a:fontRef>
+        </p:style>
+        <p:txBody>
+          <a:bodyPr rtlCol="0" anchor="ctr"/>
+          <a:lstStyle/>
+          <a:p>
+            <a:pPr algn="ctr"/>
+            <a:r>
+              <a:rPr lang="en-US" dirty="0" err="1">
+                <a:solidFill>
+                  <a:schemeClr val="tx1"/>
+                </a:solidFill>
+              </a:rPr>
+              <a:t>Css</a:t>
+            </a:r>
+            <a:endParaRPr lang="en-US" dirty="0">
+              <a:solidFill>
+                <a:schemeClr val="tx1"/>
+              </a:solidFill>
+            </a:endParaRPr>
+          </a:p>
+        </p:txBody>
+      </p:sp>
+      <p:sp>
+        <p:nvSpPr>
+          <p:cNvPr id="19" name="Rectangle: Rounded Corners 18">
+            <a:extLst>
+              <a:ext uri="{FF2B5EF4-FFF2-40B4-BE49-F238E27FC236}">
+                <a16:creationId xmlns:a16="http://schemas.microsoft.com/office/drawing/2014/main" id="{9AA32140-40A2-4801-87ED-39DE369359EF}"/>
+              </a:ext>
+            </a:extLst>
+          </p:cNvPr>
+          <p:cNvSpPr/>
+          <p:nvPr/>
+        </p:nvSpPr>
+        <p:spPr>
+          <a:xfrm>
+            <a:off x="6615904" y="2245369"/>
+            <a:ext cx="2003460" cy="1273996"/>
+          </a:xfrm>
+          <a:prstGeom prst="roundRect">
+            <a:avLst/>
+          </a:prstGeom>
+          <a:noFill/>
+          <a:ln w="25400">
+            <a:solidFill>
+              <a:srgbClr val="C00000"/>
+            </a:solidFill>
+          </a:ln>
+        </p:spPr>
+        <p:style>
+          <a:lnRef idx="1">
+            <a:schemeClr val="accent1"/>
+          </a:lnRef>
+          <a:fillRef idx="3">
+            <a:schemeClr val="accent1"/>
+          </a:fillRef>
+          <a:effectRef idx="2">
+            <a:schemeClr val="accent1"/>
+          </a:effectRef>
+          <a:fontRef idx="minor">
+            <a:schemeClr val="lt1"/>
+          </a:fontRef>
+        </p:style>
+        <p:txBody>
+          <a:bodyPr rtlCol="0" anchor="ctr"/>
+          <a:lstStyle/>
+          <a:p>
+            <a:pPr algn="ctr"/>
+            <a:r>
+              <a:rPr lang="en-US" dirty="0">
+                <a:solidFill>
+                  <a:schemeClr val="tx1"/>
+                </a:solidFill>
+              </a:rPr>
+              <a:t>Other analysis codes</a:t>
+            </a:r>
+          </a:p>
+        </p:txBody>
+      </p:sp>
+      <p:sp>
+        <p:nvSpPr>
+          <p:cNvPr id="20" name="Arrow: Left-Right 19">
+            <a:extLst>
+              <a:ext uri="{FF2B5EF4-FFF2-40B4-BE49-F238E27FC236}">
+                <a16:creationId xmlns:a16="http://schemas.microsoft.com/office/drawing/2014/main" id="{9E601F50-278D-40C7-9280-013B97816A85}"/>
+              </a:ext>
+            </a:extLst>
+          </p:cNvPr>
+          <p:cNvSpPr/>
+          <p:nvPr/>
+        </p:nvSpPr>
+        <p:spPr>
+          <a:xfrm rot="16200000">
+            <a:off x="7043215" y="3583176"/>
+            <a:ext cx="1119882" cy="400692"/>
+          </a:xfrm>
+          <a:prstGeom prst="leftRightArrow">
+            <a:avLst/>
+          </a:prstGeom>
+          <a:solidFill>
+            <a:srgbClr val="C00000"/>
+          </a:solidFill>
+        </p:spPr>
+        <p:style>
+          <a:lnRef idx="1">
+            <a:schemeClr val="accent1"/>
+          </a:lnRef>
+          <a:fillRef idx="3">
+            <a:schemeClr val="accent1"/>
+          </a:fillRef>
+          <a:effectRef idx="2">
+            <a:schemeClr val="accent1"/>
+          </a:effectRef>
+          <a:fontRef idx="minor">
+            <a:schemeClr val="lt1"/>
+          </a:fontRef>
+        </p:style>
+        <p:txBody>
+          <a:bodyPr rtlCol="0" anchor="ctr"/>
+          <a:lstStyle/>
+          <a:p>
+            <a:pPr algn="ctr"/>
+            <a:endParaRPr lang="en-US"/>
+          </a:p>
+        </p:txBody>
+      </p:sp>
+      <p:sp>
+        <p:nvSpPr>
+          <p:cNvPr id="14" name="Arrow: Left-Right 13">
+            <a:extLst>
+              <a:ext uri="{FF2B5EF4-FFF2-40B4-BE49-F238E27FC236}">
+                <a16:creationId xmlns:a16="http://schemas.microsoft.com/office/drawing/2014/main" id="{922776DF-8CC6-4978-A46B-15AC43F16E05}"/>
+              </a:ext>
+            </a:extLst>
+          </p:cNvPr>
+          <p:cNvSpPr/>
+          <p:nvPr/>
+        </p:nvSpPr>
+        <p:spPr>
+          <a:xfrm>
+            <a:off x="2171852" y="3634007"/>
+            <a:ext cx="2003459" cy="400692"/>
+          </a:xfrm>
+          <a:prstGeom prst="leftRightArrow">
+            <a:avLst/>
+          </a:prstGeom>
+          <a:solidFill>
+            <a:srgbClr val="0070C0"/>
+          </a:solidFill>
+        </p:spPr>
+        <p:style>
+          <a:lnRef idx="1">
+            <a:schemeClr val="accent1"/>
+          </a:lnRef>
+          <a:fillRef idx="3">
+            <a:schemeClr val="accent1"/>
+          </a:fillRef>
+          <a:effectRef idx="2">
+            <a:schemeClr val="accent1"/>
+          </a:effectRef>
+          <a:fontRef idx="minor">
+            <a:schemeClr val="lt1"/>
+          </a:fontRef>
+        </p:style>
+        <p:txBody>
+          <a:bodyPr rtlCol="0" anchor="ctr"/>
+          <a:lstStyle/>
+          <a:p>
+            <a:pPr algn="ctr"/>
+            <a:endParaRPr lang="en-US"/>
+          </a:p>
+        </p:txBody>
+      </p:sp>
+    </p:spTree>
+    <p:extLst>
+      <p:ext uri="{BB962C8B-B14F-4D97-AF65-F5344CB8AC3E}">
+        <p14:creationId xmlns:p14="http://schemas.microsoft.com/office/powerpoint/2010/main" val="1748768514"/>
+      </p:ext>
+    </p:extLst>
+  </p:cSld>
+  <p:clrMapOvr>
+    <a:masterClrMapping/>
+  </p:clrMapOvr>
+  <p:transition spd="slow">
+    <p:fade/>
+  </p:transition>
+</p:sld>
+</file>
+
+<file path=ppt/slides/slide48.xml><?xml version="1.0" encoding="utf-8"?>
+<p:sld xmlns:a="http://schemas.openxmlformats.org/drawingml/2006/main" xmlns:r="http://schemas.openxmlformats.org/officeDocument/2006/relationships" xmlns:p="http://schemas.openxmlformats.org/presentationml/2006/main">
+  <p:cSld>
+    <p:spTree>
+      <p:nvGrpSpPr>
+        <p:cNvPr id="1" name=""/>
+        <p:cNvGrpSpPr/>
+        <p:nvPr/>
+      </p:nvGrpSpPr>
+      <p:grpSpPr>
+        <a:xfrm>
+          <a:off x="0" y="0"/>
+          <a:ext cx="0" cy="0"/>
+          <a:chOff x="0" y="0"/>
+          <a:chExt cx="0" cy="0"/>
+        </a:xfrm>
+      </p:grpSpPr>
+      <p:sp>
+        <p:nvSpPr>
+          <p:cNvPr id="2" name="Content Placeholder 1">
+            <a:extLst>
+              <a:ext uri="{FF2B5EF4-FFF2-40B4-BE49-F238E27FC236}">
+                <a16:creationId xmlns:a16="http://schemas.microsoft.com/office/drawing/2014/main" id="{BDB7A83F-1460-4D16-8C15-A7D30AE37E5B}"/>
+              </a:ext>
+            </a:extLst>
+          </p:cNvPr>
+          <p:cNvSpPr>
+            <a:spLocks noGrp="1"/>
+          </p:cNvSpPr>
+          <p:nvPr>
+            <p:ph idx="16"/>
+          </p:nvPr>
+        </p:nvSpPr>
+        <p:spPr/>
+        <p:txBody>
+          <a:bodyPr/>
+          <a:lstStyle/>
+          <a:p>
+            <a:pPr marL="457200" indent="-457200">
+              <a:buFont typeface="Arial" panose="020B0604020202020204" pitchFamily="34" charset="0"/>
+              <a:buChar char="•"/>
+            </a:pPr>
+            <a:r>
+              <a:rPr lang="en-US" dirty="0"/>
+              <a:t>Import the csv file to MongoDB</a:t>
+            </a:r>
+          </a:p>
+          <a:p>
+            <a:pPr marL="457200" indent="-457200">
+              <a:buFont typeface="Arial" panose="020B0604020202020204" pitchFamily="34" charset="0"/>
+              <a:buChar char="•"/>
+            </a:pPr>
+            <a:r>
+              <a:rPr lang="en-US" dirty="0"/>
+              <a:t>Reproduce an eve </a:t>
+            </a:r>
+            <a:r>
+              <a:rPr lang="en-US" dirty="0" err="1"/>
+              <a:t>mongoDB</a:t>
+            </a:r>
+            <a:r>
+              <a:rPr lang="en-US" dirty="0"/>
+              <a:t> REST API and run it locally</a:t>
+            </a:r>
+          </a:p>
+          <a:p>
+            <a:pPr marL="457200" indent="-457200">
+              <a:buFont typeface="Arial" panose="020B0604020202020204" pitchFamily="34" charset="0"/>
+              <a:buChar char="•"/>
+            </a:pPr>
+            <a:r>
+              <a:rPr lang="en-US" dirty="0"/>
+              <a:t>Connect the backend and frontend</a:t>
+            </a:r>
+          </a:p>
+        </p:txBody>
+      </p:sp>
+      <p:sp>
+        <p:nvSpPr>
+          <p:cNvPr id="3" name="Title 2">
+            <a:extLst>
+              <a:ext uri="{FF2B5EF4-FFF2-40B4-BE49-F238E27FC236}">
+                <a16:creationId xmlns:a16="http://schemas.microsoft.com/office/drawing/2014/main" id="{CC8D85C2-65F2-4DE1-8A86-73F90C3D7EC3}"/>
+              </a:ext>
+            </a:extLst>
+          </p:cNvPr>
+          <p:cNvSpPr>
+            <a:spLocks noGrp="1"/>
+          </p:cNvSpPr>
+          <p:nvPr>
+            <p:ph type="title"/>
+          </p:nvPr>
+        </p:nvSpPr>
+        <p:spPr/>
+        <p:txBody>
+          <a:bodyPr>
+            <a:normAutofit fontScale="90000"/>
+          </a:bodyPr>
+          <a:lstStyle/>
+          <a:p>
+            <a:r>
+              <a:rPr lang="en-US" dirty="0"/>
+              <a:t>Backend lab goals</a:t>
+            </a:r>
+          </a:p>
+        </p:txBody>
+      </p:sp>
+    </p:spTree>
+    <p:extLst>
+      <p:ext uri="{BB962C8B-B14F-4D97-AF65-F5344CB8AC3E}">
+        <p14:creationId xmlns:p14="http://schemas.microsoft.com/office/powerpoint/2010/main" val="1534559786"/>
+      </p:ext>
+    </p:extLst>
+  </p:cSld>
+  <p:clrMapOvr>
+    <a:masterClrMapping/>
+  </p:clrMapOvr>
+  <p:transition spd="slow">
+    <p:fade/>
+  </p:transition>
+</p:sld>
+</file>
+
+<file path=ppt/slides/slide49.xml><?xml version="1.0" encoding="utf-8"?>
 <p:sld xmlns:a="http://schemas.openxmlformats.org/drawingml/2006/main" xmlns:r="http://schemas.openxmlformats.org/officeDocument/2006/relationships" xmlns:p="http://schemas.openxmlformats.org/presentationml/2006/main">
   <p:cSld>
     <p:spTree>
@@ -16655,6 +18631,15 @@
 </file>
 
 <file path=customXml/item1.xml><?xml version="1.0" encoding="utf-8"?>
+<?mso-contentType ?>
+<FormTemplates xmlns="http://schemas.microsoft.com/sharepoint/v3/contenttype/forms">
+  <Display>DocumentLibraryForm</Display>
+  <Edit>DocumentLibraryForm</Edit>
+  <New>DocumentLibraryForm</New>
+</FormTemplates>
+</file>
+
+<file path=customXml/item2.xml><?xml version="1.0" encoding="utf-8"?>
 <ct:contentTypeSchema xmlns:ct="http://schemas.microsoft.com/office/2006/metadata/contentType" xmlns:ma="http://schemas.microsoft.com/office/2006/metadata/properties/metaAttributes" ct:_="" ma:_="" ma:contentTypeName="Document" ma:contentTypeID="0x010100E930CDF73BC53D41B7E133DF537BDA40" ma:contentTypeVersion="4" ma:contentTypeDescription="Create a new document." ma:contentTypeScope="" ma:versionID="9837b0592f411cf3688bf15e48e4d766">
   <xsd:schema xmlns:xsd="http://www.w3.org/2001/XMLSchema" xmlns:xs="http://www.w3.org/2001/XMLSchema" xmlns:p="http://schemas.microsoft.com/office/2006/metadata/properties" xmlns:ns2="ec0d9b4f-8739-43ee-a99c-7c904fd80ae7" targetNamespace="http://schemas.microsoft.com/office/2006/metadata/properties" ma:root="true" ma:fieldsID="63d497057f8bc113e15388da07a12c07" ns2:_="">
     <xsd:import namespace="ec0d9b4f-8739-43ee-a99c-7c904fd80ae7"/>
@@ -16800,15 +18785,6 @@
 </ct:contentTypeSchema>
 </file>
 
-<file path=customXml/item2.xml><?xml version="1.0" encoding="utf-8"?>
-<?mso-contentType ?>
-<FormTemplates xmlns="http://schemas.microsoft.com/sharepoint/v3/contenttype/forms">
-  <Display>DocumentLibraryForm</Display>
-  <Edit>DocumentLibraryForm</Edit>
-  <New>DocumentLibraryForm</New>
-</FormTemplates>
-</file>
-
 <file path=customXml/item3.xml><?xml version="1.0" encoding="utf-8"?>
 <p:properties xmlns:p="http://schemas.microsoft.com/office/2006/metadata/properties" xmlns:xsi="http://www.w3.org/2001/XMLSchema-instance" xmlns:pc="http://schemas.microsoft.com/office/infopath/2007/PartnerControls">
   <documentManagement/>
@@ -16816,6 +18792,14 @@
 </file>
 
 <file path=customXml/itemProps1.xml><?xml version="1.0" encoding="utf-8"?>
+<ds:datastoreItem xmlns:ds="http://schemas.openxmlformats.org/officeDocument/2006/customXml" ds:itemID="{2235C39A-9318-4158-BB93-21D0B59CA321}">
+  <ds:schemaRefs>
+    <ds:schemaRef ds:uri="http://schemas.microsoft.com/sharepoint/v3/contenttype/forms"/>
+  </ds:schemaRefs>
+</ds:datastoreItem>
+</file>
+
+<file path=customXml/itemProps2.xml><?xml version="1.0" encoding="utf-8"?>
 <ds:datastoreItem xmlns:ds="http://schemas.openxmlformats.org/officeDocument/2006/customXml" ds:itemID="{DFDDDCD3-9822-49C9-98E5-FB1DFD31C0B0}">
   <ds:schemaRefs>
     <ds:schemaRef ds:uri="http://schemas.microsoft.com/office/2006/metadata/contentType"/>
@@ -16833,14 +18817,6 @@
 </ds:datastoreItem>
 </file>
 
-<file path=customXml/itemProps2.xml><?xml version="1.0" encoding="utf-8"?>
-<ds:datastoreItem xmlns:ds="http://schemas.openxmlformats.org/officeDocument/2006/customXml" ds:itemID="{2235C39A-9318-4158-BB93-21D0B59CA321}">
-  <ds:schemaRefs>
-    <ds:schemaRef ds:uri="http://schemas.microsoft.com/sharepoint/v3/contenttype/forms"/>
-  </ds:schemaRefs>
-</ds:datastoreItem>
-</file>
-
 <file path=customXml/itemProps3.xml><?xml version="1.0" encoding="utf-8"?>
 <ds:datastoreItem xmlns:ds="http://schemas.openxmlformats.org/officeDocument/2006/customXml" ds:itemID="{38D28F27-5C59-4CD4-8DF0-94A9CE9B5602}">
   <ds:schemaRefs>

--- a/doc/presentation.pptx
+++ b/doc/presentation.pptx
@@ -6,61 +6,60 @@
     <p:sldMasterId id="2147483751" r:id="rId5"/>
   </p:sldMasterIdLst>
   <p:notesMasterIdLst>
-    <p:notesMasterId r:id="rId55"/>
+    <p:notesMasterId r:id="rId54"/>
   </p:notesMasterIdLst>
   <p:handoutMasterIdLst>
-    <p:handoutMasterId r:id="rId56"/>
+    <p:handoutMasterId r:id="rId55"/>
   </p:handoutMasterIdLst>
   <p:sldIdLst>
     <p:sldId id="256" r:id="rId6"/>
     <p:sldId id="306" r:id="rId7"/>
     <p:sldId id="301" r:id="rId8"/>
     <p:sldId id="305" r:id="rId9"/>
-    <p:sldId id="309" r:id="rId10"/>
-    <p:sldId id="343" r:id="rId11"/>
-    <p:sldId id="302" r:id="rId12"/>
-    <p:sldId id="342" r:id="rId13"/>
-    <p:sldId id="310" r:id="rId14"/>
-    <p:sldId id="303" r:id="rId15"/>
-    <p:sldId id="311" r:id="rId16"/>
-    <p:sldId id="312" r:id="rId17"/>
-    <p:sldId id="313" r:id="rId18"/>
-    <p:sldId id="314" r:id="rId19"/>
-    <p:sldId id="333" r:id="rId20"/>
-    <p:sldId id="315" r:id="rId21"/>
-    <p:sldId id="316" r:id="rId22"/>
-    <p:sldId id="317" r:id="rId23"/>
-    <p:sldId id="318" r:id="rId24"/>
-    <p:sldId id="321" r:id="rId25"/>
-    <p:sldId id="319" r:id="rId26"/>
-    <p:sldId id="320" r:id="rId27"/>
-    <p:sldId id="334" r:id="rId28"/>
-    <p:sldId id="322" r:id="rId29"/>
-    <p:sldId id="325" r:id="rId30"/>
-    <p:sldId id="324" r:id="rId31"/>
-    <p:sldId id="326" r:id="rId32"/>
-    <p:sldId id="323" r:id="rId33"/>
-    <p:sldId id="327" r:id="rId34"/>
-    <p:sldId id="328" r:id="rId35"/>
-    <p:sldId id="329" r:id="rId36"/>
-    <p:sldId id="332" r:id="rId37"/>
-    <p:sldId id="337" r:id="rId38"/>
-    <p:sldId id="336" r:id="rId39"/>
-    <p:sldId id="338" r:id="rId40"/>
-    <p:sldId id="339" r:id="rId41"/>
-    <p:sldId id="346" r:id="rId42"/>
-    <p:sldId id="331" r:id="rId43"/>
-    <p:sldId id="330" r:id="rId44"/>
-    <p:sldId id="335" r:id="rId45"/>
-    <p:sldId id="344" r:id="rId46"/>
-    <p:sldId id="341" r:id="rId47"/>
-    <p:sldId id="348" r:id="rId48"/>
-    <p:sldId id="349" r:id="rId49"/>
-    <p:sldId id="345" r:id="rId50"/>
-    <p:sldId id="347" r:id="rId51"/>
-    <p:sldId id="350" r:id="rId52"/>
-    <p:sldId id="351" r:id="rId53"/>
-    <p:sldId id="300" r:id="rId54"/>
+    <p:sldId id="343" r:id="rId10"/>
+    <p:sldId id="302" r:id="rId11"/>
+    <p:sldId id="342" r:id="rId12"/>
+    <p:sldId id="310" r:id="rId13"/>
+    <p:sldId id="303" r:id="rId14"/>
+    <p:sldId id="311" r:id="rId15"/>
+    <p:sldId id="312" r:id="rId16"/>
+    <p:sldId id="313" r:id="rId17"/>
+    <p:sldId id="314" r:id="rId18"/>
+    <p:sldId id="333" r:id="rId19"/>
+    <p:sldId id="315" r:id="rId20"/>
+    <p:sldId id="316" r:id="rId21"/>
+    <p:sldId id="317" r:id="rId22"/>
+    <p:sldId id="318" r:id="rId23"/>
+    <p:sldId id="321" r:id="rId24"/>
+    <p:sldId id="319" r:id="rId25"/>
+    <p:sldId id="320" r:id="rId26"/>
+    <p:sldId id="334" r:id="rId27"/>
+    <p:sldId id="322" r:id="rId28"/>
+    <p:sldId id="325" r:id="rId29"/>
+    <p:sldId id="324" r:id="rId30"/>
+    <p:sldId id="326" r:id="rId31"/>
+    <p:sldId id="323" r:id="rId32"/>
+    <p:sldId id="327" r:id="rId33"/>
+    <p:sldId id="328" r:id="rId34"/>
+    <p:sldId id="329" r:id="rId35"/>
+    <p:sldId id="332" r:id="rId36"/>
+    <p:sldId id="337" r:id="rId37"/>
+    <p:sldId id="336" r:id="rId38"/>
+    <p:sldId id="338" r:id="rId39"/>
+    <p:sldId id="339" r:id="rId40"/>
+    <p:sldId id="346" r:id="rId41"/>
+    <p:sldId id="331" r:id="rId42"/>
+    <p:sldId id="330" r:id="rId43"/>
+    <p:sldId id="335" r:id="rId44"/>
+    <p:sldId id="344" r:id="rId45"/>
+    <p:sldId id="341" r:id="rId46"/>
+    <p:sldId id="348" r:id="rId47"/>
+    <p:sldId id="349" r:id="rId48"/>
+    <p:sldId id="345" r:id="rId49"/>
+    <p:sldId id="347" r:id="rId50"/>
+    <p:sldId id="350" r:id="rId51"/>
+    <p:sldId id="351" r:id="rId52"/>
+    <p:sldId id="300" r:id="rId53"/>
   </p:sldIdLst>
   <p:sldSz cx="9144000" cy="6858000" type="screen4x3"/>
   <p:notesSz cx="6858000" cy="9144000"/>
@@ -394,7 +393,7 @@
           </a:lstStyle>
           <a:p>
             <a:fld id="{9A5B6E0F-1DB3-5A43-B8F9-5E1E696749DF}" type="datetimeFigureOut">
-              <a:t>4/13/2021</a:t>
+              <a:t>5/18/2021</a:t>
             </a:fld>
             <a:endParaRPr lang="en-US" dirty="0"/>
           </a:p>
@@ -557,7 +556,7 @@
           </a:lstStyle>
           <a:p>
             <a:fld id="{C61BC211-ACBD-CB48-B939-364088D2CD6D}" type="datetimeFigureOut">
-              <a:t>4/13/2021</a:t>
+              <a:t>5/18/2021</a:t>
             </a:fld>
             <a:endParaRPr lang="en-US" dirty="0"/>
           </a:p>
@@ -1004,91 +1003,7 @@
           <a:p>
             <a:fld id="{D904D311-73F7-5D42-B843-E8305C73070F}" type="slidenum">
               <a:rPr lang="en-US" smtClean="0"/>
-              <a:t>32</a:t>
-            </a:fld>
-            <a:endParaRPr lang="en-US" dirty="0"/>
-          </a:p>
-        </p:txBody>
-      </p:sp>
-    </p:spTree>
-    <p:extLst>
-      <p:ext uri="{BB962C8B-B14F-4D97-AF65-F5344CB8AC3E}">
-        <p14:creationId xmlns:p14="http://schemas.microsoft.com/office/powerpoint/2010/main" val="1290132846"/>
-      </p:ext>
-    </p:extLst>
-  </p:cSld>
-  <p:clrMapOvr>
-    <a:masterClrMapping/>
-  </p:clrMapOvr>
-</p:notes>
-</file>
-
-<file path=ppt/notesSlides/notesSlide11.xml><?xml version="1.0" encoding="utf-8"?>
-<p:notes xmlns:a="http://schemas.openxmlformats.org/drawingml/2006/main" xmlns:r="http://schemas.openxmlformats.org/officeDocument/2006/relationships" xmlns:p="http://schemas.openxmlformats.org/presentationml/2006/main">
-  <p:cSld>
-    <p:spTree>
-      <p:nvGrpSpPr>
-        <p:cNvPr id="1" name=""/>
-        <p:cNvGrpSpPr/>
-        <p:nvPr/>
-      </p:nvGrpSpPr>
-      <p:grpSpPr>
-        <a:xfrm>
-          <a:off x="0" y="0"/>
-          <a:ext cx="0" cy="0"/>
-          <a:chOff x="0" y="0"/>
-          <a:chExt cx="0" cy="0"/>
-        </a:xfrm>
-      </p:grpSpPr>
-      <p:sp>
-        <p:nvSpPr>
-          <p:cNvPr id="2" name="Slide Image Placeholder 1"/>
-          <p:cNvSpPr>
-            <a:spLocks noGrp="1" noRot="1" noChangeAspect="1"/>
-          </p:cNvSpPr>
-          <p:nvPr>
-            <p:ph type="sldImg"/>
-          </p:nvPr>
-        </p:nvSpPr>
-        <p:spPr/>
-      </p:sp>
-      <p:sp>
-        <p:nvSpPr>
-          <p:cNvPr id="3" name="Notes Placeholder 2"/>
-          <p:cNvSpPr>
-            <a:spLocks noGrp="1"/>
-          </p:cNvSpPr>
-          <p:nvPr>
-            <p:ph type="body" idx="1"/>
-          </p:nvPr>
-        </p:nvSpPr>
-        <p:spPr/>
-        <p:txBody>
-          <a:bodyPr/>
-          <a:lstStyle/>
-          <a:p>
-            <a:endParaRPr lang="en-US" dirty="0"/>
-          </a:p>
-        </p:txBody>
-      </p:sp>
-      <p:sp>
-        <p:nvSpPr>
-          <p:cNvPr id="4" name="Slide Number Placeholder 3"/>
-          <p:cNvSpPr>
-            <a:spLocks noGrp="1"/>
-          </p:cNvSpPr>
-          <p:nvPr>
-            <p:ph type="sldNum" sz="quarter" idx="5"/>
-          </p:nvPr>
-        </p:nvSpPr>
-        <p:spPr/>
-        <p:txBody>
-          <a:bodyPr/>
-          <a:lstStyle/>
-          <a:p>
-            <a:fld id="{D904D311-73F7-5D42-B843-E8305C73070F}" type="slidenum">
-              <a:rPr lang="en-US" smtClean="0"/>
-              <a:t>46</a:t>
+              <a:t>45</a:t>
             </a:fld>
             <a:endParaRPr lang="en-US" dirty="0"/>
           </a:p>
@@ -1340,7 +1255,7 @@
           <a:p>
             <a:fld id="{D904D311-73F7-5D42-B843-E8305C73070F}" type="slidenum">
               <a:rPr lang="en-US" smtClean="0"/>
-              <a:t>5</a:t>
+              <a:t>11</a:t>
             </a:fld>
             <a:endParaRPr lang="en-US" dirty="0"/>
           </a:p>
@@ -1349,7 +1264,7 @@
     </p:spTree>
     <p:extLst>
       <p:ext uri="{BB962C8B-B14F-4D97-AF65-F5344CB8AC3E}">
-        <p14:creationId xmlns:p14="http://schemas.microsoft.com/office/powerpoint/2010/main" val="2339169595"/>
+        <p14:creationId xmlns:p14="http://schemas.microsoft.com/office/powerpoint/2010/main" val="388213305"/>
       </p:ext>
     </p:extLst>
   </p:cSld>
@@ -1424,7 +1339,7 @@
           <a:p>
             <a:fld id="{D904D311-73F7-5D42-B843-E8305C73070F}" type="slidenum">
               <a:rPr lang="en-US" smtClean="0"/>
-              <a:t>12</a:t>
+              <a:t>19</a:t>
             </a:fld>
             <a:endParaRPr lang="en-US" dirty="0"/>
           </a:p>
@@ -1433,7 +1348,7 @@
     </p:spTree>
     <p:extLst>
       <p:ext uri="{BB962C8B-B14F-4D97-AF65-F5344CB8AC3E}">
-        <p14:creationId xmlns:p14="http://schemas.microsoft.com/office/powerpoint/2010/main" val="388213305"/>
+        <p14:creationId xmlns:p14="http://schemas.microsoft.com/office/powerpoint/2010/main" val="3572593190"/>
       </p:ext>
     </p:extLst>
   </p:cSld>
@@ -1517,7 +1432,7 @@
     </p:spTree>
     <p:extLst>
       <p:ext uri="{BB962C8B-B14F-4D97-AF65-F5344CB8AC3E}">
-        <p14:creationId xmlns:p14="http://schemas.microsoft.com/office/powerpoint/2010/main" val="3572593190"/>
+        <p14:creationId xmlns:p14="http://schemas.microsoft.com/office/powerpoint/2010/main" val="2274497573"/>
       </p:ext>
     </p:extLst>
   </p:cSld>
@@ -1592,7 +1507,7 @@
           <a:p>
             <a:fld id="{D904D311-73F7-5D42-B843-E8305C73070F}" type="slidenum">
               <a:rPr lang="en-US" smtClean="0"/>
-              <a:t>21</a:t>
+              <a:t>25</a:t>
             </a:fld>
             <a:endParaRPr lang="en-US" dirty="0"/>
           </a:p>
@@ -1601,7 +1516,7 @@
     </p:spTree>
     <p:extLst>
       <p:ext uri="{BB962C8B-B14F-4D97-AF65-F5344CB8AC3E}">
-        <p14:creationId xmlns:p14="http://schemas.microsoft.com/office/powerpoint/2010/main" val="2274497573"/>
+        <p14:creationId xmlns:p14="http://schemas.microsoft.com/office/powerpoint/2010/main" val="2154579451"/>
       </p:ext>
     </p:extLst>
   </p:cSld>
@@ -1676,7 +1591,7 @@
           <a:p>
             <a:fld id="{D904D311-73F7-5D42-B843-E8305C73070F}" type="slidenum">
               <a:rPr lang="en-US" smtClean="0"/>
-              <a:t>26</a:t>
+              <a:t>28</a:t>
             </a:fld>
             <a:endParaRPr lang="en-US" dirty="0"/>
           </a:p>
@@ -1685,7 +1600,7 @@
     </p:spTree>
     <p:extLst>
       <p:ext uri="{BB962C8B-B14F-4D97-AF65-F5344CB8AC3E}">
-        <p14:creationId xmlns:p14="http://schemas.microsoft.com/office/powerpoint/2010/main" val="2154579451"/>
+        <p14:creationId xmlns:p14="http://schemas.microsoft.com/office/powerpoint/2010/main" val="1604307552"/>
       </p:ext>
     </p:extLst>
   </p:cSld>
@@ -1760,7 +1675,7 @@
           <a:p>
             <a:fld id="{D904D311-73F7-5D42-B843-E8305C73070F}" type="slidenum">
               <a:rPr lang="en-US" smtClean="0"/>
-              <a:t>29</a:t>
+              <a:t>31</a:t>
             </a:fld>
             <a:endParaRPr lang="en-US" dirty="0"/>
           </a:p>
@@ -1769,7 +1684,7 @@
     </p:spTree>
     <p:extLst>
       <p:ext uri="{BB962C8B-B14F-4D97-AF65-F5344CB8AC3E}">
-        <p14:creationId xmlns:p14="http://schemas.microsoft.com/office/powerpoint/2010/main" val="1604307552"/>
+        <p14:creationId xmlns:p14="http://schemas.microsoft.com/office/powerpoint/2010/main" val="1290132846"/>
       </p:ext>
     </p:extLst>
   </p:cSld>
@@ -3942,7 +3857,7 @@
             <a:fld id="{0F0D8E7B-AF3B-B444-8E74-E549FC814F53}" type="datetimeFigureOut">
               <a:rPr lang="en-US" smtClean="0"/>
               <a:pPr/>
-              <a:t>4/13/2021</a:t>
+              <a:t>5/18/2021</a:t>
             </a:fld>
             <a:endParaRPr lang="en-US" dirty="0"/>
           </a:p>
@@ -5176,711 +5091,6 @@
           <p:cNvPr id="2" name="Content Placeholder 1">
             <a:extLst>
               <a:ext uri="{FF2B5EF4-FFF2-40B4-BE49-F238E27FC236}">
-                <a16:creationId xmlns:a16="http://schemas.microsoft.com/office/drawing/2014/main" id="{DB6D1B1B-F346-411F-892F-255DB956D4B3}"/>
-              </a:ext>
-            </a:extLst>
-          </p:cNvPr>
-          <p:cNvSpPr>
-            <a:spLocks noGrp="1"/>
-          </p:cNvSpPr>
-          <p:nvPr>
-            <p:ph idx="16"/>
-          </p:nvPr>
-        </p:nvSpPr>
-        <p:spPr>
-          <a:xfrm>
-            <a:off x="116341" y="1734522"/>
-            <a:ext cx="8374748" cy="4417350"/>
-          </a:xfrm>
-        </p:spPr>
-        <p:txBody>
-          <a:bodyPr/>
-          <a:lstStyle/>
-          <a:p>
-            <a:r>
-              <a:rPr lang="en-US" dirty="0">
-                <a:solidFill>
-                  <a:schemeClr val="tx1"/>
-                </a:solidFill>
-              </a:rPr>
-              <a:t>Web page is essentially</a:t>
-            </a:r>
-            <a:r>
-              <a:rPr lang="en-US" dirty="0">
-                <a:solidFill>
-                  <a:srgbClr val="C00000"/>
-                </a:solidFill>
-              </a:rPr>
-              <a:t> contents in web browser</a:t>
-            </a:r>
-          </a:p>
-          <a:p>
-            <a:endParaRPr lang="en-US" dirty="0">
-              <a:solidFill>
-                <a:srgbClr val="C00000"/>
-              </a:solidFill>
-            </a:endParaRPr>
-          </a:p>
-          <a:p>
-            <a:pPr marL="457200" indent="-457200">
-              <a:buFont typeface="Arial" panose="020B0604020202020204" pitchFamily="34" charset="0"/>
-              <a:buChar char="•"/>
-            </a:pPr>
-            <a:endParaRPr lang="en-US" dirty="0">
-              <a:solidFill>
-                <a:srgbClr val="C00000"/>
-              </a:solidFill>
-            </a:endParaRPr>
-          </a:p>
-        </p:txBody>
-      </p:sp>
-      <p:sp>
-        <p:nvSpPr>
-          <p:cNvPr id="7" name="Content Placeholder 1">
-            <a:extLst>
-              <a:ext uri="{FF2B5EF4-FFF2-40B4-BE49-F238E27FC236}">
-                <a16:creationId xmlns:a16="http://schemas.microsoft.com/office/drawing/2014/main" id="{A241D32F-8072-48FA-975B-F6F4E06A1A8F}"/>
-              </a:ext>
-            </a:extLst>
-          </p:cNvPr>
-          <p:cNvSpPr txBox="1">
-            <a:spLocks/>
-          </p:cNvSpPr>
-          <p:nvPr/>
-        </p:nvSpPr>
-        <p:spPr>
-          <a:xfrm>
-            <a:off x="116341" y="716499"/>
-            <a:ext cx="4488093" cy="4417350"/>
-          </a:xfrm>
-          <a:prstGeom prst="rect">
-            <a:avLst/>
-          </a:prstGeom>
-          <a:ln>
-            <a:noFill/>
-          </a:ln>
-        </p:spPr>
-        <p:txBody>
-          <a:bodyPr/>
-          <a:lstStyle>
-            <a:lvl1pPr marL="0" indent="0" algn="l" defTabSz="457200" rtl="0" eaLnBrk="1" latinLnBrk="0" hangingPunct="1">
-              <a:lnSpc>
-                <a:spcPct val="125000"/>
-              </a:lnSpc>
-              <a:spcBef>
-                <a:spcPts val="0"/>
-              </a:spcBef>
-              <a:buFont typeface="Arial"/>
-              <a:buNone/>
-              <a:defRPr sz="2800" b="0" kern="1200" baseline="0">
-                <a:solidFill>
-                  <a:schemeClr val="tx1">
-                    <a:lumMod val="95000"/>
-                    <a:lumOff val="5000"/>
-                  </a:schemeClr>
-                </a:solidFill>
-                <a:latin typeface="+mj-lt"/>
-                <a:ea typeface="+mn-ea"/>
-                <a:cs typeface="+mn-cs"/>
-              </a:defRPr>
-            </a:lvl1pPr>
-            <a:lvl2pPr marL="0" indent="0" algn="l" defTabSz="457200" rtl="0" eaLnBrk="1" latinLnBrk="0" hangingPunct="1">
-              <a:spcBef>
-                <a:spcPts val="600"/>
-              </a:spcBef>
-              <a:buFont typeface="Arial"/>
-              <a:buNone/>
-              <a:defRPr sz="2400" kern="1200">
-                <a:solidFill>
-                  <a:schemeClr val="tx1">
-                    <a:lumMod val="65000"/>
-                    <a:lumOff val="35000"/>
-                  </a:schemeClr>
-                </a:solidFill>
-                <a:latin typeface="+mn-lt"/>
-                <a:ea typeface="+mn-ea"/>
-                <a:cs typeface="+mn-cs"/>
-              </a:defRPr>
-            </a:lvl2pPr>
-            <a:lvl3pPr marL="0" indent="-228600" algn="l" defTabSz="457200" rtl="0" eaLnBrk="1" latinLnBrk="0" hangingPunct="1">
-              <a:spcBef>
-                <a:spcPts val="0"/>
-              </a:spcBef>
-              <a:buFont typeface="Arial"/>
-              <a:buChar char="•"/>
-              <a:defRPr sz="2000" kern="1200">
-                <a:solidFill>
-                  <a:schemeClr val="tx1">
-                    <a:lumMod val="65000"/>
-                    <a:lumOff val="35000"/>
-                  </a:schemeClr>
-                </a:solidFill>
-                <a:latin typeface="+mn-lt"/>
-                <a:ea typeface="+mn-ea"/>
-                <a:cs typeface="+mn-cs"/>
-              </a:defRPr>
-            </a:lvl3pPr>
-            <a:lvl4pPr marL="548640" indent="0" algn="l" defTabSz="457200" rtl="0" eaLnBrk="1" latinLnBrk="0" hangingPunct="1">
-              <a:spcBef>
-                <a:spcPts val="0"/>
-              </a:spcBef>
-              <a:buFont typeface="Arial"/>
-              <a:buNone/>
-              <a:defRPr sz="2000" kern="1200">
-                <a:solidFill>
-                  <a:schemeClr val="tx1"/>
-                </a:solidFill>
-                <a:latin typeface="+mn-lt"/>
-                <a:ea typeface="+mn-ea"/>
-                <a:cs typeface="+mn-cs"/>
-              </a:defRPr>
-            </a:lvl4pPr>
-            <a:lvl5pPr marL="502920" indent="0" algn="l" defTabSz="457200" rtl="0" eaLnBrk="1" latinLnBrk="0" hangingPunct="1">
-              <a:spcBef>
-                <a:spcPts val="350"/>
-              </a:spcBef>
-              <a:buFont typeface="Arial"/>
-              <a:buNone/>
-              <a:defRPr sz="1600" kern="1200">
-                <a:solidFill>
-                  <a:schemeClr val="tx1">
-                    <a:lumMod val="65000"/>
-                    <a:lumOff val="35000"/>
-                  </a:schemeClr>
-                </a:solidFill>
-                <a:latin typeface="+mn-lt"/>
-                <a:ea typeface="+mn-ea"/>
-                <a:cs typeface="+mn-cs"/>
-              </a:defRPr>
-            </a:lvl5pPr>
-            <a:lvl6pPr marL="2514600" indent="-228600" algn="l" defTabSz="457200" rtl="0" eaLnBrk="1" latinLnBrk="0" hangingPunct="1">
-              <a:spcBef>
-                <a:spcPct val="20000"/>
-              </a:spcBef>
-              <a:buFont typeface="Arial"/>
-              <a:buChar char="•"/>
-              <a:defRPr sz="2000" kern="1200">
-                <a:solidFill>
-                  <a:schemeClr val="tx1"/>
-                </a:solidFill>
-                <a:latin typeface="+mn-lt"/>
-                <a:ea typeface="+mn-ea"/>
-                <a:cs typeface="+mn-cs"/>
-              </a:defRPr>
-            </a:lvl6pPr>
-            <a:lvl7pPr marL="2971800" indent="-228600" algn="l" defTabSz="457200" rtl="0" eaLnBrk="1" latinLnBrk="0" hangingPunct="1">
-              <a:spcBef>
-                <a:spcPct val="20000"/>
-              </a:spcBef>
-              <a:buFont typeface="Arial"/>
-              <a:buChar char="•"/>
-              <a:defRPr sz="2000" kern="1200">
-                <a:solidFill>
-                  <a:schemeClr val="tx1"/>
-                </a:solidFill>
-                <a:latin typeface="+mn-lt"/>
-                <a:ea typeface="+mn-ea"/>
-                <a:cs typeface="+mn-cs"/>
-              </a:defRPr>
-            </a:lvl7pPr>
-            <a:lvl8pPr marL="3429000" indent="-228600" algn="l" defTabSz="457200" rtl="0" eaLnBrk="1" latinLnBrk="0" hangingPunct="1">
-              <a:spcBef>
-                <a:spcPct val="20000"/>
-              </a:spcBef>
-              <a:buFont typeface="Arial"/>
-              <a:buChar char="•"/>
-              <a:defRPr sz="2000" kern="1200">
-                <a:solidFill>
-                  <a:schemeClr val="tx1"/>
-                </a:solidFill>
-                <a:latin typeface="+mn-lt"/>
-                <a:ea typeface="+mn-ea"/>
-                <a:cs typeface="+mn-cs"/>
-              </a:defRPr>
-            </a:lvl8pPr>
-            <a:lvl9pPr marL="3886200" indent="-228600" algn="l" defTabSz="457200" rtl="0" eaLnBrk="1" latinLnBrk="0" hangingPunct="1">
-              <a:spcBef>
-                <a:spcPct val="20000"/>
-              </a:spcBef>
-              <a:buFont typeface="Arial"/>
-              <a:buChar char="•"/>
-              <a:defRPr sz="2000" kern="1200">
-                <a:solidFill>
-                  <a:schemeClr val="tx1"/>
-                </a:solidFill>
-                <a:latin typeface="+mn-lt"/>
-                <a:ea typeface="+mn-ea"/>
-                <a:cs typeface="+mn-cs"/>
-              </a:defRPr>
-            </a:lvl9pPr>
-          </a:lstStyle>
-          <a:p>
-            <a:endParaRPr lang="en-US" dirty="0"/>
-          </a:p>
-          <a:p>
-            <a:endParaRPr lang="en-US" dirty="0"/>
-          </a:p>
-          <a:p>
-            <a:endParaRPr lang="en-US" dirty="0"/>
-          </a:p>
-          <a:p>
-            <a:r>
-              <a:rPr lang="en-US" sz="2400" dirty="0"/>
-              <a:t>A typical web page consists of three parts:</a:t>
-            </a:r>
-          </a:p>
-          <a:p>
-            <a:pPr marL="457200" indent="-457200">
-              <a:buFont typeface="Arial" panose="020B0604020202020204" pitchFamily="34" charset="0"/>
-              <a:buChar char="•"/>
-            </a:pPr>
-            <a:r>
-              <a:rPr lang="en-US" dirty="0"/>
-              <a:t>HTML </a:t>
-            </a:r>
-          </a:p>
-          <a:p>
-            <a:pPr marL="457200" indent="-457200">
-              <a:buFont typeface="Arial" panose="020B0604020202020204" pitchFamily="34" charset="0"/>
-              <a:buChar char="•"/>
-            </a:pPr>
-            <a:r>
-              <a:rPr lang="en-US" dirty="0"/>
-              <a:t>JavaScript</a:t>
-            </a:r>
-          </a:p>
-          <a:p>
-            <a:pPr marL="457200" indent="-457200">
-              <a:buFont typeface="Arial" panose="020B0604020202020204" pitchFamily="34" charset="0"/>
-              <a:buChar char="•"/>
-            </a:pPr>
-            <a:r>
-              <a:rPr lang="en-US" dirty="0"/>
-              <a:t>CSS</a:t>
-            </a:r>
-          </a:p>
-          <a:p>
-            <a:pPr marL="457200" indent="-457200">
-              <a:buFont typeface="Arial" panose="020B0604020202020204" pitchFamily="34" charset="0"/>
-              <a:buChar char="•"/>
-            </a:pPr>
-            <a:endParaRPr lang="en-US" dirty="0"/>
-          </a:p>
-        </p:txBody>
-      </p:sp>
-      <p:sp>
-        <p:nvSpPr>
-          <p:cNvPr id="3" name="Title 2">
-            <a:extLst>
-              <a:ext uri="{FF2B5EF4-FFF2-40B4-BE49-F238E27FC236}">
-                <a16:creationId xmlns:a16="http://schemas.microsoft.com/office/drawing/2014/main" id="{91620D77-B09C-499F-94A0-FE169D5525E8}"/>
-              </a:ext>
-            </a:extLst>
-          </p:cNvPr>
-          <p:cNvSpPr>
-            <a:spLocks noGrp="1"/>
-          </p:cNvSpPr>
-          <p:nvPr>
-            <p:ph type="title"/>
-          </p:nvPr>
-        </p:nvSpPr>
-        <p:spPr>
-          <a:xfrm>
-            <a:off x="116341" y="1171938"/>
-            <a:ext cx="8537825" cy="508313"/>
-          </a:xfrm>
-        </p:spPr>
-        <p:txBody>
-          <a:bodyPr>
-            <a:normAutofit fontScale="90000"/>
-          </a:bodyPr>
-          <a:lstStyle/>
-          <a:p>
-            <a:r>
-              <a:rPr lang="en-US" dirty="0"/>
-              <a:t>Web page</a:t>
-            </a:r>
-          </a:p>
-        </p:txBody>
-      </p:sp>
-      <p:sp>
-        <p:nvSpPr>
-          <p:cNvPr id="4" name="Content Placeholder 1">
-            <a:extLst>
-              <a:ext uri="{FF2B5EF4-FFF2-40B4-BE49-F238E27FC236}">
-                <a16:creationId xmlns:a16="http://schemas.microsoft.com/office/drawing/2014/main" id="{79D885D0-3031-47AF-942D-DA026BFD2228}"/>
-              </a:ext>
-            </a:extLst>
-          </p:cNvPr>
-          <p:cNvSpPr txBox="1">
-            <a:spLocks/>
-          </p:cNvSpPr>
-          <p:nvPr/>
-        </p:nvSpPr>
-        <p:spPr>
-          <a:xfrm>
-            <a:off x="4572000" y="706128"/>
-            <a:ext cx="4572000" cy="4417350"/>
-          </a:xfrm>
-          <a:prstGeom prst="rect">
-            <a:avLst/>
-          </a:prstGeom>
-          <a:ln>
-            <a:noFill/>
-          </a:ln>
-        </p:spPr>
-        <p:txBody>
-          <a:bodyPr/>
-          <a:lstStyle>
-            <a:lvl1pPr marL="0" indent="0" algn="l" defTabSz="457200" rtl="0" eaLnBrk="1" latinLnBrk="0" hangingPunct="1">
-              <a:lnSpc>
-                <a:spcPct val="125000"/>
-              </a:lnSpc>
-              <a:spcBef>
-                <a:spcPts val="0"/>
-              </a:spcBef>
-              <a:buFont typeface="Arial"/>
-              <a:buNone/>
-              <a:defRPr sz="2800" b="0" kern="1200" baseline="0">
-                <a:solidFill>
-                  <a:schemeClr val="tx1">
-                    <a:lumMod val="95000"/>
-                    <a:lumOff val="5000"/>
-                  </a:schemeClr>
-                </a:solidFill>
-                <a:latin typeface="+mj-lt"/>
-                <a:ea typeface="+mn-ea"/>
-                <a:cs typeface="+mn-cs"/>
-              </a:defRPr>
-            </a:lvl1pPr>
-            <a:lvl2pPr marL="0" indent="0" algn="l" defTabSz="457200" rtl="0" eaLnBrk="1" latinLnBrk="0" hangingPunct="1">
-              <a:spcBef>
-                <a:spcPts val="600"/>
-              </a:spcBef>
-              <a:buFont typeface="Arial"/>
-              <a:buNone/>
-              <a:defRPr sz="2400" kern="1200">
-                <a:solidFill>
-                  <a:schemeClr val="tx1">
-                    <a:lumMod val="65000"/>
-                    <a:lumOff val="35000"/>
-                  </a:schemeClr>
-                </a:solidFill>
-                <a:latin typeface="+mn-lt"/>
-                <a:ea typeface="+mn-ea"/>
-                <a:cs typeface="+mn-cs"/>
-              </a:defRPr>
-            </a:lvl2pPr>
-            <a:lvl3pPr marL="0" indent="-228600" algn="l" defTabSz="457200" rtl="0" eaLnBrk="1" latinLnBrk="0" hangingPunct="1">
-              <a:spcBef>
-                <a:spcPts val="0"/>
-              </a:spcBef>
-              <a:buFont typeface="Arial"/>
-              <a:buChar char="•"/>
-              <a:defRPr sz="2000" kern="1200">
-                <a:solidFill>
-                  <a:schemeClr val="tx1">
-                    <a:lumMod val="65000"/>
-                    <a:lumOff val="35000"/>
-                  </a:schemeClr>
-                </a:solidFill>
-                <a:latin typeface="+mn-lt"/>
-                <a:ea typeface="+mn-ea"/>
-                <a:cs typeface="+mn-cs"/>
-              </a:defRPr>
-            </a:lvl3pPr>
-            <a:lvl4pPr marL="548640" indent="0" algn="l" defTabSz="457200" rtl="0" eaLnBrk="1" latinLnBrk="0" hangingPunct="1">
-              <a:spcBef>
-                <a:spcPts val="0"/>
-              </a:spcBef>
-              <a:buFont typeface="Arial"/>
-              <a:buNone/>
-              <a:defRPr sz="2000" kern="1200">
-                <a:solidFill>
-                  <a:schemeClr val="tx1"/>
-                </a:solidFill>
-                <a:latin typeface="+mn-lt"/>
-                <a:ea typeface="+mn-ea"/>
-                <a:cs typeface="+mn-cs"/>
-              </a:defRPr>
-            </a:lvl4pPr>
-            <a:lvl5pPr marL="502920" indent="0" algn="l" defTabSz="457200" rtl="0" eaLnBrk="1" latinLnBrk="0" hangingPunct="1">
-              <a:spcBef>
-                <a:spcPts val="350"/>
-              </a:spcBef>
-              <a:buFont typeface="Arial"/>
-              <a:buNone/>
-              <a:defRPr sz="1600" kern="1200">
-                <a:solidFill>
-                  <a:schemeClr val="tx1">
-                    <a:lumMod val="65000"/>
-                    <a:lumOff val="35000"/>
-                  </a:schemeClr>
-                </a:solidFill>
-                <a:latin typeface="+mn-lt"/>
-                <a:ea typeface="+mn-ea"/>
-                <a:cs typeface="+mn-cs"/>
-              </a:defRPr>
-            </a:lvl5pPr>
-            <a:lvl6pPr marL="2514600" indent="-228600" algn="l" defTabSz="457200" rtl="0" eaLnBrk="1" latinLnBrk="0" hangingPunct="1">
-              <a:spcBef>
-                <a:spcPct val="20000"/>
-              </a:spcBef>
-              <a:buFont typeface="Arial"/>
-              <a:buChar char="•"/>
-              <a:defRPr sz="2000" kern="1200">
-                <a:solidFill>
-                  <a:schemeClr val="tx1"/>
-                </a:solidFill>
-                <a:latin typeface="+mn-lt"/>
-                <a:ea typeface="+mn-ea"/>
-                <a:cs typeface="+mn-cs"/>
-              </a:defRPr>
-            </a:lvl6pPr>
-            <a:lvl7pPr marL="2971800" indent="-228600" algn="l" defTabSz="457200" rtl="0" eaLnBrk="1" latinLnBrk="0" hangingPunct="1">
-              <a:spcBef>
-                <a:spcPct val="20000"/>
-              </a:spcBef>
-              <a:buFont typeface="Arial"/>
-              <a:buChar char="•"/>
-              <a:defRPr sz="2000" kern="1200">
-                <a:solidFill>
-                  <a:schemeClr val="tx1"/>
-                </a:solidFill>
-                <a:latin typeface="+mn-lt"/>
-                <a:ea typeface="+mn-ea"/>
-                <a:cs typeface="+mn-cs"/>
-              </a:defRPr>
-            </a:lvl7pPr>
-            <a:lvl8pPr marL="3429000" indent="-228600" algn="l" defTabSz="457200" rtl="0" eaLnBrk="1" latinLnBrk="0" hangingPunct="1">
-              <a:spcBef>
-                <a:spcPct val="20000"/>
-              </a:spcBef>
-              <a:buFont typeface="Arial"/>
-              <a:buChar char="•"/>
-              <a:defRPr sz="2000" kern="1200">
-                <a:solidFill>
-                  <a:schemeClr val="tx1"/>
-                </a:solidFill>
-                <a:latin typeface="+mn-lt"/>
-                <a:ea typeface="+mn-ea"/>
-                <a:cs typeface="+mn-cs"/>
-              </a:defRPr>
-            </a:lvl8pPr>
-            <a:lvl9pPr marL="3886200" indent="-228600" algn="l" defTabSz="457200" rtl="0" eaLnBrk="1" latinLnBrk="0" hangingPunct="1">
-              <a:spcBef>
-                <a:spcPct val="20000"/>
-              </a:spcBef>
-              <a:buFont typeface="Arial"/>
-              <a:buChar char="•"/>
-              <a:defRPr sz="2000" kern="1200">
-                <a:solidFill>
-                  <a:schemeClr val="tx1"/>
-                </a:solidFill>
-                <a:latin typeface="+mn-lt"/>
-                <a:ea typeface="+mn-ea"/>
-                <a:cs typeface="+mn-cs"/>
-              </a:defRPr>
-            </a:lvl9pPr>
-          </a:lstStyle>
-          <a:p>
-            <a:endParaRPr lang="en-US" dirty="0"/>
-          </a:p>
-          <a:p>
-            <a:endParaRPr lang="en-US" dirty="0"/>
-          </a:p>
-          <a:p>
-            <a:endParaRPr lang="en-US" dirty="0"/>
-          </a:p>
-          <a:p>
-            <a:r>
-              <a:rPr lang="en-US" sz="2400" dirty="0"/>
-              <a:t>We can think this webpage as a human’s face:</a:t>
-            </a:r>
-          </a:p>
-          <a:p>
-            <a:pPr marL="457200" indent="-457200">
-              <a:buFont typeface="Arial" panose="020B0604020202020204" pitchFamily="34" charset="0"/>
-              <a:buChar char="•"/>
-            </a:pPr>
-            <a:r>
-              <a:rPr lang="en-US" dirty="0"/>
-              <a:t>Bone </a:t>
-            </a:r>
-          </a:p>
-          <a:p>
-            <a:pPr marL="457200" indent="-457200">
-              <a:buFont typeface="Arial" panose="020B0604020202020204" pitchFamily="34" charset="0"/>
-              <a:buChar char="•"/>
-            </a:pPr>
-            <a:r>
-              <a:rPr lang="en-US" dirty="0"/>
-              <a:t>Muscle and skin</a:t>
-            </a:r>
-          </a:p>
-          <a:p>
-            <a:pPr marL="457200" indent="-457200">
-              <a:buFont typeface="Arial" panose="020B0604020202020204" pitchFamily="34" charset="0"/>
-              <a:buChar char="•"/>
-            </a:pPr>
-            <a:r>
-              <a:rPr lang="en-US" dirty="0"/>
-              <a:t>Make-up</a:t>
-            </a:r>
-          </a:p>
-          <a:p>
-            <a:pPr marL="457200" indent="-457200">
-              <a:buFont typeface="Arial" panose="020B0604020202020204" pitchFamily="34" charset="0"/>
-              <a:buChar char="•"/>
-            </a:pPr>
-            <a:endParaRPr lang="en-US" dirty="0"/>
-          </a:p>
-        </p:txBody>
-      </p:sp>
-      <p:pic>
-        <p:nvPicPr>
-          <p:cNvPr id="9" name="Picture 8" descr="A picture containing person&#10;&#10;Description automatically generated">
-            <a:extLst>
-              <a:ext uri="{FF2B5EF4-FFF2-40B4-BE49-F238E27FC236}">
-                <a16:creationId xmlns:a16="http://schemas.microsoft.com/office/drawing/2014/main" id="{B9F51BAE-AFED-4824-BE35-9A83B45FAD3B}"/>
-              </a:ext>
-            </a:extLst>
-          </p:cNvPr>
-          <p:cNvPicPr>
-            <a:picLocks noChangeAspect="1"/>
-          </p:cNvPicPr>
-          <p:nvPr/>
-        </p:nvPicPr>
-        <p:blipFill>
-          <a:blip r:embed="rId2"/>
-          <a:stretch>
-            <a:fillRect/>
-          </a:stretch>
-        </p:blipFill>
-        <p:spPr>
-          <a:xfrm>
-            <a:off x="5362304" y="4979658"/>
-            <a:ext cx="2774022" cy="1862906"/>
-          </a:xfrm>
-          <a:prstGeom prst="rect">
-            <a:avLst/>
-          </a:prstGeom>
-        </p:spPr>
-      </p:pic>
-      <p:pic>
-        <p:nvPicPr>
-          <p:cNvPr id="11" name="Picture 10">
-            <a:extLst>
-              <a:ext uri="{FF2B5EF4-FFF2-40B4-BE49-F238E27FC236}">
-                <a16:creationId xmlns:a16="http://schemas.microsoft.com/office/drawing/2014/main" id="{63151639-FE40-48F1-9D87-E7D29A787B7B}"/>
-              </a:ext>
-            </a:extLst>
-          </p:cNvPr>
-          <p:cNvPicPr>
-            <a:picLocks noChangeAspect="1"/>
-          </p:cNvPicPr>
-          <p:nvPr/>
-        </p:nvPicPr>
-        <p:blipFill rotWithShape="1">
-          <a:blip r:embed="rId3"/>
-          <a:srcRect l="16391" r="15920"/>
-          <a:stretch/>
-        </p:blipFill>
-        <p:spPr>
-          <a:xfrm>
-            <a:off x="685345" y="5025286"/>
-            <a:ext cx="2898119" cy="1771650"/>
-          </a:xfrm>
-          <a:prstGeom prst="rect">
-            <a:avLst/>
-          </a:prstGeom>
-        </p:spPr>
-      </p:pic>
-      <p:sp>
-        <p:nvSpPr>
-          <p:cNvPr id="5" name="Arrow: Left-Right 4">
-            <a:extLst>
-              <a:ext uri="{FF2B5EF4-FFF2-40B4-BE49-F238E27FC236}">
-                <a16:creationId xmlns:a16="http://schemas.microsoft.com/office/drawing/2014/main" id="{6879BC82-FC4C-41C1-ABCA-98C1270948E0}"/>
-              </a:ext>
-            </a:extLst>
-          </p:cNvPr>
-          <p:cNvSpPr/>
-          <p:nvPr/>
-        </p:nvSpPr>
-        <p:spPr>
-          <a:xfrm>
-            <a:off x="3814130" y="5686062"/>
-            <a:ext cx="1193411" cy="520081"/>
-          </a:xfrm>
-          <a:prstGeom prst="leftRightArrow">
-            <a:avLst/>
-          </a:prstGeom>
-          <a:solidFill>
-            <a:srgbClr val="0070C0"/>
-          </a:solidFill>
-        </p:spPr>
-        <p:style>
-          <a:lnRef idx="1">
-            <a:schemeClr val="accent1"/>
-          </a:lnRef>
-          <a:fillRef idx="3">
-            <a:schemeClr val="accent1"/>
-          </a:fillRef>
-          <a:effectRef idx="2">
-            <a:schemeClr val="accent1"/>
-          </a:effectRef>
-          <a:fontRef idx="minor">
-            <a:schemeClr val="lt1"/>
-          </a:fontRef>
-        </p:style>
-        <p:txBody>
-          <a:bodyPr rtlCol="0" anchor="ctr"/>
-          <a:lstStyle/>
-          <a:p>
-            <a:pPr algn="ctr"/>
-            <a:endParaRPr lang="en-US"/>
-          </a:p>
-        </p:txBody>
-      </p:sp>
-    </p:spTree>
-    <p:extLst>
-      <p:ext uri="{BB962C8B-B14F-4D97-AF65-F5344CB8AC3E}">
-        <p14:creationId xmlns:p14="http://schemas.microsoft.com/office/powerpoint/2010/main" val="3869313647"/>
-      </p:ext>
-    </p:extLst>
-  </p:cSld>
-  <p:clrMapOvr>
-    <a:masterClrMapping/>
-  </p:clrMapOvr>
-  <p:transition spd="slow">
-    <p:fade/>
-  </p:transition>
-</p:sld>
-</file>
-
-<file path=ppt/slides/slide11.xml><?xml version="1.0" encoding="utf-8"?>
-<p:sld xmlns:a="http://schemas.openxmlformats.org/drawingml/2006/main" xmlns:r="http://schemas.openxmlformats.org/officeDocument/2006/relationships" xmlns:p="http://schemas.openxmlformats.org/presentationml/2006/main">
-  <p:cSld>
-    <p:spTree>
-      <p:nvGrpSpPr>
-        <p:cNvPr id="1" name=""/>
-        <p:cNvGrpSpPr/>
-        <p:nvPr/>
-      </p:nvGrpSpPr>
-      <p:grpSpPr>
-        <a:xfrm>
-          <a:off x="0" y="0"/>
-          <a:ext cx="0" cy="0"/>
-          <a:chOff x="0" y="0"/>
-          <a:chExt cx="0" cy="0"/>
-        </a:xfrm>
-      </p:grpSpPr>
-      <p:sp>
-        <p:nvSpPr>
-          <p:cNvPr id="2" name="Content Placeholder 1">
-            <a:extLst>
-              <a:ext uri="{FF2B5EF4-FFF2-40B4-BE49-F238E27FC236}">
                 <a16:creationId xmlns:a16="http://schemas.microsoft.com/office/drawing/2014/main" id="{A7D909A5-64C9-434F-B6A0-00DB9D83083F}"/>
               </a:ext>
             </a:extLst>
@@ -6153,7 +5363,7 @@
 </p:sld>
 </file>
 
-<file path=ppt/slides/slide12.xml><?xml version="1.0" encoding="utf-8"?>
+<file path=ppt/slides/slide11.xml><?xml version="1.0" encoding="utf-8"?>
 <p:sld xmlns:a="http://schemas.openxmlformats.org/drawingml/2006/main" xmlns:r="http://schemas.openxmlformats.org/officeDocument/2006/relationships" xmlns:p="http://schemas.openxmlformats.org/presentationml/2006/main">
   <p:cSld>
     <p:spTree>
@@ -6568,6 +5778,374 @@
 </p:sld>
 </file>
 
+<file path=ppt/slides/slide12.xml><?xml version="1.0" encoding="utf-8"?>
+<p:sld xmlns:a="http://schemas.openxmlformats.org/drawingml/2006/main" xmlns:r="http://schemas.openxmlformats.org/officeDocument/2006/relationships" xmlns:p="http://schemas.openxmlformats.org/presentationml/2006/main">
+  <p:cSld>
+    <p:spTree>
+      <p:nvGrpSpPr>
+        <p:cNvPr id="1" name=""/>
+        <p:cNvGrpSpPr/>
+        <p:nvPr/>
+      </p:nvGrpSpPr>
+      <p:grpSpPr>
+        <a:xfrm>
+          <a:off x="0" y="0"/>
+          <a:ext cx="0" cy="0"/>
+          <a:chOff x="0" y="0"/>
+          <a:chExt cx="0" cy="0"/>
+        </a:xfrm>
+      </p:grpSpPr>
+      <p:sp>
+        <p:nvSpPr>
+          <p:cNvPr id="2" name="Content Placeholder 1">
+            <a:extLst>
+              <a:ext uri="{FF2B5EF4-FFF2-40B4-BE49-F238E27FC236}">
+                <a16:creationId xmlns:a16="http://schemas.microsoft.com/office/drawing/2014/main" id="{B158E1D7-489C-4FD7-94D5-ED9B4977BB27}"/>
+              </a:ext>
+            </a:extLst>
+          </p:cNvPr>
+          <p:cNvSpPr>
+            <a:spLocks noGrp="1"/>
+          </p:cNvSpPr>
+          <p:nvPr>
+            <p:ph idx="16"/>
+          </p:nvPr>
+        </p:nvSpPr>
+        <p:spPr/>
+        <p:txBody>
+          <a:bodyPr/>
+          <a:lstStyle/>
+          <a:p>
+            <a:r>
+              <a:rPr lang="en-US" dirty="0"/>
+              <a:t>Like a record in shapefile, a tag also have attributes</a:t>
+            </a:r>
+          </a:p>
+          <a:p>
+            <a:r>
+              <a:rPr lang="en-US" sz="2000" b="0" dirty="0">
+                <a:solidFill>
+                  <a:srgbClr val="808080"/>
+                </a:solidFill>
+                <a:effectLst/>
+                <a:latin typeface="Consolas" panose="020B0609020204030204" pitchFamily="49" charset="0"/>
+              </a:rPr>
+              <a:t>&lt;</a:t>
+            </a:r>
+            <a:r>
+              <a:rPr lang="en-US" sz="2000" b="0" dirty="0">
+                <a:solidFill>
+                  <a:srgbClr val="569CD6"/>
+                </a:solidFill>
+                <a:effectLst/>
+                <a:latin typeface="Consolas" panose="020B0609020204030204" pitchFamily="49" charset="0"/>
+              </a:rPr>
+              <a:t>a</a:t>
+            </a:r>
+            <a:r>
+              <a:rPr lang="en-US" sz="2000" b="0" dirty="0">
+                <a:solidFill>
+                  <a:srgbClr val="D4D4D4"/>
+                </a:solidFill>
+                <a:effectLst/>
+                <a:latin typeface="Consolas" panose="020B0609020204030204" pitchFamily="49" charset="0"/>
+              </a:rPr>
+              <a:t> </a:t>
+            </a:r>
+            <a:r>
+              <a:rPr lang="en-US" sz="2000" b="0" dirty="0">
+                <a:solidFill>
+                  <a:srgbClr val="002060"/>
+                </a:solidFill>
+                <a:effectLst/>
+                <a:latin typeface="Consolas" panose="020B0609020204030204" pitchFamily="49" charset="0"/>
+              </a:rPr>
+              <a:t>class</a:t>
+            </a:r>
+            <a:r>
+              <a:rPr lang="en-US" sz="2000" b="0" dirty="0">
+                <a:solidFill>
+                  <a:srgbClr val="D4D4D4"/>
+                </a:solidFill>
+                <a:effectLst/>
+                <a:latin typeface="Consolas" panose="020B0609020204030204" pitchFamily="49" charset="0"/>
+              </a:rPr>
+              <a:t>=</a:t>
+            </a:r>
+            <a:r>
+              <a:rPr lang="en-US" sz="2000" b="0" dirty="0">
+                <a:solidFill>
+                  <a:srgbClr val="CE9178"/>
+                </a:solidFill>
+                <a:effectLst/>
+                <a:latin typeface="Consolas" panose="020B0609020204030204" pitchFamily="49" charset="0"/>
+              </a:rPr>
+              <a:t>"link"</a:t>
+            </a:r>
+            <a:r>
+              <a:rPr lang="en-US" sz="2000" b="0" dirty="0">
+                <a:solidFill>
+                  <a:srgbClr val="D4D4D4"/>
+                </a:solidFill>
+                <a:effectLst/>
+                <a:latin typeface="Consolas" panose="020B0609020204030204" pitchFamily="49" charset="0"/>
+              </a:rPr>
+              <a:t> </a:t>
+            </a:r>
+            <a:r>
+              <a:rPr lang="en-US" sz="2000" b="0" dirty="0">
+                <a:solidFill>
+                  <a:srgbClr val="002060"/>
+                </a:solidFill>
+                <a:effectLst/>
+                <a:latin typeface="Consolas" panose="020B0609020204030204" pitchFamily="49" charset="0"/>
+              </a:rPr>
+              <a:t>id</a:t>
+            </a:r>
+            <a:r>
+              <a:rPr lang="en-US" sz="2000" b="0" dirty="0">
+                <a:solidFill>
+                  <a:srgbClr val="D4D4D4"/>
+                </a:solidFill>
+                <a:effectLst/>
+                <a:latin typeface="Consolas" panose="020B0609020204030204" pitchFamily="49" charset="0"/>
+              </a:rPr>
+              <a:t>=</a:t>
+            </a:r>
+            <a:r>
+              <a:rPr lang="en-US" sz="2000" b="0" dirty="0">
+                <a:solidFill>
+                  <a:srgbClr val="CE9178"/>
+                </a:solidFill>
+                <a:effectLst/>
+                <a:latin typeface="Consolas" panose="020B0609020204030204" pitchFamily="49" charset="0"/>
+              </a:rPr>
+              <a:t>"this-link"</a:t>
+            </a:r>
+            <a:r>
+              <a:rPr lang="en-US" sz="2000" b="0" dirty="0">
+                <a:solidFill>
+                  <a:srgbClr val="D4D4D4"/>
+                </a:solidFill>
+                <a:effectLst/>
+                <a:latin typeface="Consolas" panose="020B0609020204030204" pitchFamily="49" charset="0"/>
+              </a:rPr>
+              <a:t> </a:t>
+            </a:r>
+            <a:r>
+              <a:rPr lang="en-US" sz="2000" b="0" dirty="0" err="1">
+                <a:solidFill>
+                  <a:srgbClr val="002060"/>
+                </a:solidFill>
+                <a:effectLst/>
+                <a:latin typeface="Consolas" panose="020B0609020204030204" pitchFamily="49" charset="0"/>
+              </a:rPr>
+              <a:t>href</a:t>
+            </a:r>
+            <a:r>
+              <a:rPr lang="en-US" sz="2000" b="0" dirty="0">
+                <a:solidFill>
+                  <a:srgbClr val="D4D4D4"/>
+                </a:solidFill>
+                <a:effectLst/>
+                <a:latin typeface="Consolas" panose="020B0609020204030204" pitchFamily="49" charset="0"/>
+              </a:rPr>
+              <a:t>=</a:t>
+            </a:r>
+            <a:r>
+              <a:rPr lang="en-US" sz="2000" b="0" dirty="0">
+                <a:solidFill>
+                  <a:srgbClr val="CE9178"/>
+                </a:solidFill>
+                <a:effectLst/>
+                <a:latin typeface="Consolas" panose="020B0609020204030204" pitchFamily="49" charset="0"/>
+              </a:rPr>
+              <a:t>"#"</a:t>
+            </a:r>
+            <a:r>
+              <a:rPr lang="en-US" sz="2000" b="0" dirty="0">
+                <a:solidFill>
+                  <a:srgbClr val="808080"/>
+                </a:solidFill>
+                <a:effectLst/>
+                <a:latin typeface="Consolas" panose="020B0609020204030204" pitchFamily="49" charset="0"/>
+              </a:rPr>
+              <a:t>&gt;</a:t>
+            </a:r>
+            <a:r>
+              <a:rPr lang="en-US" sz="2000" b="0" dirty="0">
+                <a:solidFill>
+                  <a:srgbClr val="D4D4D4"/>
+                </a:solidFill>
+                <a:effectLst/>
+                <a:latin typeface="Consolas" panose="020B0609020204030204" pitchFamily="49" charset="0"/>
+              </a:rPr>
+              <a:t>I am a link!</a:t>
+            </a:r>
+            <a:r>
+              <a:rPr lang="en-US" sz="2000" b="0" dirty="0">
+                <a:solidFill>
+                  <a:srgbClr val="808080"/>
+                </a:solidFill>
+                <a:effectLst/>
+                <a:latin typeface="Consolas" panose="020B0609020204030204" pitchFamily="49" charset="0"/>
+              </a:rPr>
+              <a:t>&lt;/</a:t>
+            </a:r>
+            <a:r>
+              <a:rPr lang="en-US" sz="2000" b="0" dirty="0">
+                <a:solidFill>
+                  <a:srgbClr val="569CD6"/>
+                </a:solidFill>
+                <a:effectLst/>
+                <a:latin typeface="Consolas" panose="020B0609020204030204" pitchFamily="49" charset="0"/>
+              </a:rPr>
+              <a:t>a</a:t>
+            </a:r>
+            <a:r>
+              <a:rPr lang="en-US" sz="2000" b="0" dirty="0">
+                <a:solidFill>
+                  <a:srgbClr val="808080"/>
+                </a:solidFill>
+                <a:effectLst/>
+                <a:latin typeface="Consolas" panose="020B0609020204030204" pitchFamily="49" charset="0"/>
+              </a:rPr>
+              <a:t>&gt;</a:t>
+            </a:r>
+            <a:endParaRPr lang="en-US" sz="2000" b="0" dirty="0">
+              <a:solidFill>
+                <a:srgbClr val="D4D4D4"/>
+              </a:solidFill>
+              <a:effectLst/>
+              <a:latin typeface="Consolas" panose="020B0609020204030204" pitchFamily="49" charset="0"/>
+            </a:endParaRPr>
+          </a:p>
+          <a:p>
+            <a:endParaRPr lang="en-US" dirty="0"/>
+          </a:p>
+          <a:p>
+            <a:pPr marL="457200" indent="-457200">
+              <a:buFont typeface="Arial" panose="020B0604020202020204" pitchFamily="34" charset="0"/>
+              <a:buChar char="•"/>
+            </a:pPr>
+            <a:r>
+              <a:rPr lang="en-US" dirty="0"/>
+              <a:t>Class -&gt; a name for a group of elements</a:t>
+            </a:r>
+          </a:p>
+          <a:p>
+            <a:pPr lvl="1"/>
+            <a:r>
+              <a:rPr lang="en-US" dirty="0"/>
+              <a:t>	Useful to select or apply settings on many elements</a:t>
+            </a:r>
+          </a:p>
+          <a:p>
+            <a:pPr marL="457200" indent="-457200">
+              <a:buFont typeface="Arial" panose="020B0604020202020204" pitchFamily="34" charset="0"/>
+              <a:buChar char="•"/>
+            </a:pPr>
+            <a:r>
+              <a:rPr lang="en-US" dirty="0"/>
+              <a:t>Id -&gt; a name for this specific element</a:t>
+            </a:r>
+          </a:p>
+          <a:p>
+            <a:pPr lvl="1"/>
+            <a:r>
+              <a:rPr lang="en-US" dirty="0"/>
+              <a:t>	Useful to select a specific element</a:t>
+            </a:r>
+          </a:p>
+          <a:p>
+            <a:pPr marL="457200" indent="-457200">
+              <a:buFont typeface="Arial" panose="020B0604020202020204" pitchFamily="34" charset="0"/>
+              <a:buChar char="•"/>
+            </a:pPr>
+            <a:r>
+              <a:rPr lang="en-US" dirty="0" err="1"/>
+              <a:t>Href</a:t>
+            </a:r>
+            <a:r>
+              <a:rPr lang="en-US" dirty="0"/>
+              <a:t> -&gt; the hyperlink attached to this element</a:t>
+            </a:r>
+          </a:p>
+          <a:p>
+            <a:pPr marL="457200" indent="-457200">
+              <a:buFont typeface="Arial" panose="020B0604020202020204" pitchFamily="34" charset="0"/>
+              <a:buChar char="•"/>
+            </a:pPr>
+            <a:endParaRPr lang="en-US" dirty="0"/>
+          </a:p>
+          <a:p>
+            <a:r>
+              <a:rPr lang="en-US" dirty="0"/>
+              <a:t>There are many other attributes for different uses</a:t>
+            </a:r>
+          </a:p>
+          <a:p>
+            <a:pPr marL="457200" indent="-457200">
+              <a:buFont typeface="Arial" panose="020B0604020202020204" pitchFamily="34" charset="0"/>
+              <a:buChar char="•"/>
+            </a:pPr>
+            <a:endParaRPr lang="en-US" dirty="0"/>
+          </a:p>
+          <a:p>
+            <a:pPr marL="457200" indent="-457200">
+              <a:buFont typeface="Arial" panose="020B0604020202020204" pitchFamily="34" charset="0"/>
+              <a:buChar char="•"/>
+            </a:pPr>
+            <a:endParaRPr lang="en-US" dirty="0"/>
+          </a:p>
+        </p:txBody>
+      </p:sp>
+      <p:sp>
+        <p:nvSpPr>
+          <p:cNvPr id="3" name="Title 2">
+            <a:extLst>
+              <a:ext uri="{FF2B5EF4-FFF2-40B4-BE49-F238E27FC236}">
+                <a16:creationId xmlns:a16="http://schemas.microsoft.com/office/drawing/2014/main" id="{F4C8F3B4-5C0C-4187-A083-0BA4B49B130B}"/>
+              </a:ext>
+            </a:extLst>
+          </p:cNvPr>
+          <p:cNvSpPr>
+            <a:spLocks noGrp="1"/>
+          </p:cNvSpPr>
+          <p:nvPr>
+            <p:ph type="title"/>
+          </p:nvPr>
+        </p:nvSpPr>
+        <p:spPr/>
+        <p:txBody>
+          <a:bodyPr>
+            <a:normAutofit fontScale="90000"/>
+          </a:bodyPr>
+          <a:lstStyle/>
+          <a:p>
+            <a:r>
+              <a:rPr lang="en-US" dirty="0"/>
+              <a:t>HTML tag attributes</a:t>
+            </a:r>
+          </a:p>
+        </p:txBody>
+      </p:sp>
+    </p:spTree>
+    <p:extLst>
+      <p:ext uri="{BB962C8B-B14F-4D97-AF65-F5344CB8AC3E}">
+        <p14:creationId xmlns:p14="http://schemas.microsoft.com/office/powerpoint/2010/main" val="3988603397"/>
+      </p:ext>
+    </p:extLst>
+  </p:cSld>
+  <p:clrMapOvr>
+    <a:masterClrMapping/>
+  </p:clrMapOvr>
+  <p:transition spd="slow">
+    <p:fade/>
+  </p:transition>
+</p:sld>
+</file>
+
 <file path=ppt/slides/slide13.xml><?xml version="1.0" encoding="utf-8"?>
 <p:sld xmlns:a="http://schemas.openxmlformats.org/drawingml/2006/main" xmlns:r="http://schemas.openxmlformats.org/officeDocument/2006/relationships" xmlns:p="http://schemas.openxmlformats.org/presentationml/2006/main">
   <p:cSld>
@@ -6590,7 +6168,7 @@
           <p:cNvPr id="2" name="Content Placeholder 1">
             <a:extLst>
               <a:ext uri="{FF2B5EF4-FFF2-40B4-BE49-F238E27FC236}">
-                <a16:creationId xmlns:a16="http://schemas.microsoft.com/office/drawing/2014/main" id="{B158E1D7-489C-4FD7-94D5-ED9B4977BB27}"/>
+                <a16:creationId xmlns:a16="http://schemas.microsoft.com/office/drawing/2014/main" id="{AE097777-C798-4ABC-B994-89113ADB900D}"/>
               </a:ext>
             </a:extLst>
           </p:cNvPr>
@@ -6601,292 +6179,108 @@
             <p:ph idx="16"/>
           </p:nvPr>
         </p:nvSpPr>
-        <p:spPr/>
+        <p:spPr>
+          <a:xfrm>
+            <a:off x="306916" y="1734522"/>
+            <a:ext cx="8682972" cy="4417350"/>
+          </a:xfrm>
+        </p:spPr>
         <p:txBody>
           <a:bodyPr/>
           <a:lstStyle/>
-          <a:p>
-            <a:r>
-              <a:rPr lang="en-US" dirty="0"/>
-              <a:t>Like a record in shapefile, a tag also have attributes</a:t>
-            </a:r>
-          </a:p>
-          <a:p>
-            <a:r>
-              <a:rPr lang="en-US" sz="2000" b="0" dirty="0">
-                <a:solidFill>
-                  <a:srgbClr val="808080"/>
-                </a:solidFill>
-                <a:effectLst/>
-                <a:latin typeface="Consolas" panose="020B0609020204030204" pitchFamily="49" charset="0"/>
-              </a:rPr>
-              <a:t>&lt;</a:t>
-            </a:r>
-            <a:r>
-              <a:rPr lang="en-US" sz="2000" b="0" dirty="0">
-                <a:solidFill>
-                  <a:srgbClr val="569CD6"/>
-                </a:solidFill>
-                <a:effectLst/>
-                <a:latin typeface="Consolas" panose="020B0609020204030204" pitchFamily="49" charset="0"/>
-              </a:rPr>
-              <a:t>a</a:t>
-            </a:r>
-            <a:r>
-              <a:rPr lang="en-US" sz="2000" b="0" dirty="0">
-                <a:solidFill>
-                  <a:srgbClr val="D4D4D4"/>
-                </a:solidFill>
-                <a:effectLst/>
-                <a:latin typeface="Consolas" panose="020B0609020204030204" pitchFamily="49" charset="0"/>
-              </a:rPr>
-              <a:t> </a:t>
-            </a:r>
-            <a:r>
-              <a:rPr lang="en-US" sz="2000" b="0" dirty="0">
-                <a:solidFill>
-                  <a:srgbClr val="002060"/>
-                </a:solidFill>
-                <a:effectLst/>
-                <a:latin typeface="Consolas" panose="020B0609020204030204" pitchFamily="49" charset="0"/>
-              </a:rPr>
-              <a:t>class</a:t>
-            </a:r>
-            <a:r>
-              <a:rPr lang="en-US" sz="2000" b="0" dirty="0">
-                <a:solidFill>
-                  <a:srgbClr val="D4D4D4"/>
-                </a:solidFill>
-                <a:effectLst/>
-                <a:latin typeface="Consolas" panose="020B0609020204030204" pitchFamily="49" charset="0"/>
-              </a:rPr>
-              <a:t>=</a:t>
-            </a:r>
-            <a:r>
-              <a:rPr lang="en-US" sz="2000" b="0" dirty="0">
-                <a:solidFill>
-                  <a:srgbClr val="CE9178"/>
-                </a:solidFill>
-                <a:effectLst/>
-                <a:latin typeface="Consolas" panose="020B0609020204030204" pitchFamily="49" charset="0"/>
-              </a:rPr>
-              <a:t>"link"</a:t>
-            </a:r>
-            <a:r>
-              <a:rPr lang="en-US" sz="2000" b="0" dirty="0">
-                <a:solidFill>
-                  <a:srgbClr val="D4D4D4"/>
-                </a:solidFill>
-                <a:effectLst/>
-                <a:latin typeface="Consolas" panose="020B0609020204030204" pitchFamily="49" charset="0"/>
-              </a:rPr>
-              <a:t> </a:t>
-            </a:r>
-            <a:r>
-              <a:rPr lang="en-US" sz="2000" b="0" dirty="0">
-                <a:solidFill>
-                  <a:srgbClr val="002060"/>
-                </a:solidFill>
-                <a:effectLst/>
-                <a:latin typeface="Consolas" panose="020B0609020204030204" pitchFamily="49" charset="0"/>
-              </a:rPr>
-              <a:t>id</a:t>
-            </a:r>
-            <a:r>
-              <a:rPr lang="en-US" sz="2000" b="0" dirty="0">
-                <a:solidFill>
-                  <a:srgbClr val="D4D4D4"/>
-                </a:solidFill>
-                <a:effectLst/>
-                <a:latin typeface="Consolas" panose="020B0609020204030204" pitchFamily="49" charset="0"/>
-              </a:rPr>
-              <a:t>=</a:t>
-            </a:r>
-            <a:r>
-              <a:rPr lang="en-US" sz="2000" b="0" dirty="0">
-                <a:solidFill>
-                  <a:srgbClr val="CE9178"/>
-                </a:solidFill>
-                <a:effectLst/>
-                <a:latin typeface="Consolas" panose="020B0609020204030204" pitchFamily="49" charset="0"/>
-              </a:rPr>
-              <a:t>"this-link"</a:t>
-            </a:r>
-            <a:r>
-              <a:rPr lang="en-US" sz="2000" b="0" dirty="0">
-                <a:solidFill>
-                  <a:srgbClr val="D4D4D4"/>
-                </a:solidFill>
-                <a:effectLst/>
-                <a:latin typeface="Consolas" panose="020B0609020204030204" pitchFamily="49" charset="0"/>
-              </a:rPr>
-              <a:t> </a:t>
-            </a:r>
-            <a:r>
-              <a:rPr lang="en-US" sz="2000" b="0" dirty="0" err="1">
-                <a:solidFill>
-                  <a:srgbClr val="002060"/>
-                </a:solidFill>
-                <a:effectLst/>
-                <a:latin typeface="Consolas" panose="020B0609020204030204" pitchFamily="49" charset="0"/>
-              </a:rPr>
-              <a:t>href</a:t>
-            </a:r>
-            <a:r>
-              <a:rPr lang="en-US" sz="2000" b="0" dirty="0">
-                <a:solidFill>
-                  <a:srgbClr val="D4D4D4"/>
-                </a:solidFill>
-                <a:effectLst/>
-                <a:latin typeface="Consolas" panose="020B0609020204030204" pitchFamily="49" charset="0"/>
-              </a:rPr>
-              <a:t>=</a:t>
-            </a:r>
-            <a:r>
-              <a:rPr lang="en-US" sz="2000" b="0" dirty="0">
-                <a:solidFill>
-                  <a:srgbClr val="CE9178"/>
-                </a:solidFill>
-                <a:effectLst/>
-                <a:latin typeface="Consolas" panose="020B0609020204030204" pitchFamily="49" charset="0"/>
-              </a:rPr>
-              <a:t>"#"</a:t>
-            </a:r>
-            <a:r>
-              <a:rPr lang="en-US" sz="2000" b="0" dirty="0">
-                <a:solidFill>
-                  <a:srgbClr val="808080"/>
-                </a:solidFill>
-                <a:effectLst/>
-                <a:latin typeface="Consolas" panose="020B0609020204030204" pitchFamily="49" charset="0"/>
-              </a:rPr>
-              <a:t>&gt;</a:t>
-            </a:r>
-            <a:r>
-              <a:rPr lang="en-US" sz="2000" b="0" dirty="0">
-                <a:solidFill>
-                  <a:srgbClr val="D4D4D4"/>
-                </a:solidFill>
-                <a:effectLst/>
-                <a:latin typeface="Consolas" panose="020B0609020204030204" pitchFamily="49" charset="0"/>
-              </a:rPr>
-              <a:t>I am a link!</a:t>
-            </a:r>
-            <a:r>
-              <a:rPr lang="en-US" sz="2000" b="0" dirty="0">
-                <a:solidFill>
-                  <a:srgbClr val="808080"/>
-                </a:solidFill>
-                <a:effectLst/>
-                <a:latin typeface="Consolas" panose="020B0609020204030204" pitchFamily="49" charset="0"/>
-              </a:rPr>
-              <a:t>&lt;/</a:t>
-            </a:r>
-            <a:r>
-              <a:rPr lang="en-US" sz="2000" b="0" dirty="0">
-                <a:solidFill>
-                  <a:srgbClr val="569CD6"/>
-                </a:solidFill>
-                <a:effectLst/>
-                <a:latin typeface="Consolas" panose="020B0609020204030204" pitchFamily="49" charset="0"/>
-              </a:rPr>
-              <a:t>a</a:t>
-            </a:r>
-            <a:r>
-              <a:rPr lang="en-US" sz="2000" b="0" dirty="0">
-                <a:solidFill>
-                  <a:srgbClr val="808080"/>
-                </a:solidFill>
-                <a:effectLst/>
-                <a:latin typeface="Consolas" panose="020B0609020204030204" pitchFamily="49" charset="0"/>
-              </a:rPr>
-              <a:t>&gt;</a:t>
-            </a:r>
-            <a:endParaRPr lang="en-US" sz="2000" b="0" dirty="0">
-              <a:solidFill>
-                <a:srgbClr val="D4D4D4"/>
-              </a:solidFill>
-              <a:effectLst/>
-              <a:latin typeface="Consolas" panose="020B0609020204030204" pitchFamily="49" charset="0"/>
-            </a:endParaRPr>
-          </a:p>
-          <a:p>
-            <a:endParaRPr lang="en-US" dirty="0"/>
-          </a:p>
           <a:p>
             <a:pPr marL="457200" indent="-457200">
               <a:buFont typeface="Arial" panose="020B0604020202020204" pitchFamily="34" charset="0"/>
               <a:buChar char="•"/>
             </a:pPr>
             <a:r>
-              <a:rPr lang="en-US" dirty="0"/>
-              <a:t>Class -&gt; a name for a group of elements</a:t>
+              <a:rPr lang="en-US" sz="3200" dirty="0"/>
+              <a:t>HTML alone is static</a:t>
             </a:r>
           </a:p>
           <a:p>
             <a:pPr lvl="1"/>
             <a:r>
-              <a:rPr lang="en-US" dirty="0"/>
-              <a:t>	Useful to select or apply settings on many elements</a:t>
-            </a:r>
-          </a:p>
-          <a:p>
-            <a:pPr marL="457200" indent="-457200">
+              <a:rPr lang="en-US" sz="3200" dirty="0"/>
+              <a:t>	- Hard to interact</a:t>
+            </a:r>
+          </a:p>
+          <a:p>
+            <a:pPr lvl="1"/>
+            <a:r>
+              <a:rPr lang="en-US" sz="3200" dirty="0"/>
+              <a:t>	- HTML alone can still show videos and GIFs</a:t>
+            </a:r>
+          </a:p>
+          <a:p>
+            <a:pPr marL="457200" lvl="1" indent="-457200">
               <a:buFont typeface="Arial" panose="020B0604020202020204" pitchFamily="34" charset="0"/>
               <a:buChar char="•"/>
             </a:pPr>
             <a:r>
-              <a:rPr lang="en-US" dirty="0"/>
-              <a:t>Id -&gt; a name for this specific element</a:t>
-            </a:r>
+              <a:rPr lang="en-US" sz="3200" dirty="0">
+                <a:solidFill>
+                  <a:schemeClr val="tx1">
+                    <a:lumMod val="95000"/>
+                    <a:lumOff val="5000"/>
+                  </a:schemeClr>
+                </a:solidFill>
+                <a:latin typeface="+mj-lt"/>
+              </a:rPr>
+              <a:t>HTML alone is ugly</a:t>
+            </a:r>
+            <a:endParaRPr lang="en-US" sz="3200" dirty="0"/>
           </a:p>
           <a:p>
             <a:pPr lvl="1"/>
             <a:r>
-              <a:rPr lang="en-US" dirty="0"/>
-              <a:t>	Useful to select a specific element</a:t>
-            </a:r>
-          </a:p>
-          <a:p>
-            <a:pPr marL="457200" indent="-457200">
+              <a:rPr lang="en-US" sz="3200" dirty="0"/>
+              <a:t>	- It is not good-looking</a:t>
+            </a:r>
+          </a:p>
+          <a:p>
+            <a:pPr lvl="1"/>
+            <a:r>
+              <a:rPr lang="en-US" sz="3200" dirty="0"/>
+              <a:t>	- Hard to </a:t>
+            </a:r>
+            <a:r>
+              <a:rPr lang="en-US" sz="3200" dirty="0">
+                <a:solidFill>
+                  <a:srgbClr val="C00000"/>
+                </a:solidFill>
+              </a:rPr>
+              <a:t>read, write, and maintain</a:t>
+            </a:r>
+          </a:p>
+          <a:p>
+            <a:pPr marL="457200" lvl="1" indent="-457200">
               <a:buFont typeface="Arial" panose="020B0604020202020204" pitchFamily="34" charset="0"/>
               <a:buChar char="•"/>
             </a:pPr>
             <a:r>
-              <a:rPr lang="en-US" dirty="0" err="1"/>
-              <a:t>Href</a:t>
-            </a:r>
-            <a:r>
-              <a:rPr lang="en-US" dirty="0"/>
-              <a:t> -&gt; the hyperlink attached to this element</a:t>
-            </a:r>
-          </a:p>
-          <a:p>
-            <a:pPr marL="457200" indent="-457200">
-              <a:buFont typeface="Arial" panose="020B0604020202020204" pitchFamily="34" charset="0"/>
-              <a:buChar char="•"/>
+              <a:rPr lang="en-US" sz="3200" dirty="0">
+                <a:solidFill>
+                  <a:srgbClr val="C00000"/>
+                </a:solidFill>
+                <a:latin typeface="+mj-lt"/>
+              </a:rPr>
+              <a:t>HTML is NOT a programming language</a:t>
+            </a:r>
+          </a:p>
+          <a:p>
+            <a:pPr lvl="2" indent="0">
+              <a:buNone/>
             </a:pPr>
-            <a:endParaRPr lang="en-US" dirty="0"/>
-          </a:p>
-          <a:p>
-            <a:r>
-              <a:rPr lang="en-US" dirty="0"/>
-              <a:t>There are many other attributes for different uses</a:t>
-            </a:r>
-          </a:p>
-          <a:p>
-            <a:pPr marL="457200" indent="-457200">
-              <a:buFont typeface="Arial" panose="020B0604020202020204" pitchFamily="34" charset="0"/>
-              <a:buChar char="•"/>
-            </a:pPr>
-            <a:endParaRPr lang="en-US" dirty="0"/>
-          </a:p>
-          <a:p>
-            <a:pPr marL="457200" indent="-457200">
-              <a:buFont typeface="Arial" panose="020B0604020202020204" pitchFamily="34" charset="0"/>
-              <a:buChar char="•"/>
-            </a:pPr>
-            <a:endParaRPr lang="en-US" dirty="0"/>
+            <a:r>
+              <a:rPr lang="en-US" sz="2800" dirty="0">
+                <a:solidFill>
+                  <a:srgbClr val="C00000"/>
+                </a:solidFill>
+                <a:latin typeface="+mj-lt"/>
+              </a:rPr>
+              <a:t>	- It is a markup language</a:t>
+            </a:r>
           </a:p>
         </p:txBody>
       </p:sp>
@@ -6895,7 +6289,7 @@
           <p:cNvPr id="3" name="Title 2">
             <a:extLst>
               <a:ext uri="{FF2B5EF4-FFF2-40B4-BE49-F238E27FC236}">
-                <a16:creationId xmlns:a16="http://schemas.microsoft.com/office/drawing/2014/main" id="{F4C8F3B4-5C0C-4187-A083-0BA4B49B130B}"/>
+                <a16:creationId xmlns:a16="http://schemas.microsoft.com/office/drawing/2014/main" id="{45C03B26-DCFB-4DD3-B274-E95D508F2A5E}"/>
               </a:ext>
             </a:extLst>
           </p:cNvPr>
@@ -6915,7 +6309,7 @@
           <a:p>
             <a:r>
               <a:rPr lang="en-US" dirty="0"/>
-              <a:t>HTML tag attributes</a:t>
+              <a:t>HTML alone is not enough</a:t>
             </a:r>
           </a:p>
         </p:txBody>
@@ -6923,7 +6317,7 @@
     </p:spTree>
     <p:extLst>
       <p:ext uri="{BB962C8B-B14F-4D97-AF65-F5344CB8AC3E}">
-        <p14:creationId xmlns:p14="http://schemas.microsoft.com/office/powerpoint/2010/main" val="3988603397"/>
+        <p14:creationId xmlns:p14="http://schemas.microsoft.com/office/powerpoint/2010/main" val="123850120"/>
       </p:ext>
     </p:extLst>
   </p:cSld>
@@ -6958,7 +6352,32 @@
           <p:cNvPr id="2" name="Content Placeholder 1">
             <a:extLst>
               <a:ext uri="{FF2B5EF4-FFF2-40B4-BE49-F238E27FC236}">
-                <a16:creationId xmlns:a16="http://schemas.microsoft.com/office/drawing/2014/main" id="{AE097777-C798-4ABC-B994-89113ADB900D}"/>
+                <a16:creationId xmlns:a16="http://schemas.microsoft.com/office/drawing/2014/main" id="{F31E45B0-10E6-4873-B4A5-2343726646E4}"/>
+              </a:ext>
+            </a:extLst>
+          </p:cNvPr>
+          <p:cNvSpPr>
+            <a:spLocks noGrp="1"/>
+          </p:cNvSpPr>
+          <p:nvPr>
+            <p:ph idx="15"/>
+          </p:nvPr>
+        </p:nvSpPr>
+        <p:spPr/>
+        <p:txBody>
+          <a:bodyPr/>
+          <a:lstStyle/>
+          <a:p>
+            <a:endParaRPr lang="en-US"/>
+          </a:p>
+        </p:txBody>
+      </p:sp>
+      <p:sp>
+        <p:nvSpPr>
+          <p:cNvPr id="3" name="Content Placeholder 2">
+            <a:extLst>
+              <a:ext uri="{FF2B5EF4-FFF2-40B4-BE49-F238E27FC236}">
+                <a16:creationId xmlns:a16="http://schemas.microsoft.com/office/drawing/2014/main" id="{AC8940AE-B355-4DAB-A058-48BC2ED97933}"/>
               </a:ext>
             </a:extLst>
           </p:cNvPr>
@@ -6969,117 +6388,24 @@
             <p:ph idx="16"/>
           </p:nvPr>
         </p:nvSpPr>
-        <p:spPr>
-          <a:xfrm>
-            <a:off x="306916" y="1734522"/>
-            <a:ext cx="8682972" cy="4417350"/>
-          </a:xfrm>
-        </p:spPr>
+        <p:spPr/>
         <p:txBody>
           <a:bodyPr/>
           <a:lstStyle/>
           <a:p>
-            <a:pPr marL="457200" indent="-457200">
-              <a:buFont typeface="Arial" panose="020B0604020202020204" pitchFamily="34" charset="0"/>
-              <a:buChar char="•"/>
-            </a:pPr>
-            <a:r>
-              <a:rPr lang="en-US" sz="3200" dirty="0"/>
-              <a:t>HTML alone is static</a:t>
-            </a:r>
-          </a:p>
-          <a:p>
-            <a:pPr lvl="1"/>
-            <a:r>
-              <a:rPr lang="en-US" sz="3200" dirty="0"/>
-              <a:t>	- Hard to interact</a:t>
-            </a:r>
-          </a:p>
-          <a:p>
-            <a:pPr lvl="1"/>
-            <a:r>
-              <a:rPr lang="en-US" sz="3200" dirty="0"/>
-              <a:t>	- HTML alone can still show videos and GIFs</a:t>
-            </a:r>
-          </a:p>
-          <a:p>
-            <a:pPr marL="457200" lvl="1" indent="-457200">
-              <a:buFont typeface="Arial" panose="020B0604020202020204" pitchFamily="34" charset="0"/>
-              <a:buChar char="•"/>
-            </a:pPr>
-            <a:r>
-              <a:rPr lang="en-US" sz="3200" dirty="0">
-                <a:solidFill>
-                  <a:schemeClr val="tx1">
-                    <a:lumMod val="95000"/>
-                    <a:lumOff val="5000"/>
-                  </a:schemeClr>
-                </a:solidFill>
-                <a:latin typeface="+mj-lt"/>
-              </a:rPr>
-              <a:t>HTML alone is ugly</a:t>
-            </a:r>
-            <a:endParaRPr lang="en-US" sz="3200" dirty="0"/>
-          </a:p>
-          <a:p>
-            <a:pPr lvl="1"/>
-            <a:r>
-              <a:rPr lang="en-US" sz="3200" dirty="0"/>
-              <a:t>	- It is not good-looking</a:t>
-            </a:r>
-          </a:p>
-          <a:p>
-            <a:pPr lvl="1"/>
-            <a:r>
-              <a:rPr lang="en-US" sz="3200" dirty="0"/>
-              <a:t>	- Hard to </a:t>
-            </a:r>
-            <a:r>
-              <a:rPr lang="en-US" sz="3200" dirty="0">
-                <a:solidFill>
-                  <a:srgbClr val="C00000"/>
-                </a:solidFill>
-              </a:rPr>
-              <a:t>read, write, and maintain</a:t>
-            </a:r>
-          </a:p>
-          <a:p>
-            <a:pPr marL="457200" lvl="1" indent="-457200">
-              <a:buFont typeface="Arial" panose="020B0604020202020204" pitchFamily="34" charset="0"/>
-              <a:buChar char="•"/>
-            </a:pPr>
-            <a:r>
-              <a:rPr lang="en-US" sz="3200" dirty="0">
-                <a:solidFill>
-                  <a:srgbClr val="C00000"/>
-                </a:solidFill>
-                <a:latin typeface="+mj-lt"/>
-              </a:rPr>
-              <a:t>HTML is NOT a programming language</a:t>
-            </a:r>
-          </a:p>
-          <a:p>
-            <a:pPr lvl="2" indent="0">
-              <a:buNone/>
-            </a:pPr>
-            <a:r>
-              <a:rPr lang="en-US" sz="2800" dirty="0">
-                <a:solidFill>
-                  <a:srgbClr val="C00000"/>
-                </a:solidFill>
-                <a:latin typeface="+mj-lt"/>
-              </a:rPr>
-              <a:t>	- It is a markup language</a:t>
-            </a:r>
-          </a:p>
-        </p:txBody>
-      </p:sp>
-      <p:sp>
-        <p:nvSpPr>
-          <p:cNvPr id="3" name="Title 2">
-            <a:extLst>
-              <a:ext uri="{FF2B5EF4-FFF2-40B4-BE49-F238E27FC236}">
-                <a16:creationId xmlns:a16="http://schemas.microsoft.com/office/drawing/2014/main" id="{45C03B26-DCFB-4DD3-B274-E95D508F2A5E}"/>
+            <a:r>
+              <a:rPr lang="en-US" dirty="0"/>
+              <a:t>Webpage basics - JavaScript</a:t>
+            </a:r>
+          </a:p>
+        </p:txBody>
+      </p:sp>
+      <p:sp>
+        <p:nvSpPr>
+          <p:cNvPr id="4" name="Title 3">
+            <a:extLst>
+              <a:ext uri="{FF2B5EF4-FFF2-40B4-BE49-F238E27FC236}">
+                <a16:creationId xmlns:a16="http://schemas.microsoft.com/office/drawing/2014/main" id="{DA0971AE-B79E-44C6-BD45-0629FA0C7FEA}"/>
               </a:ext>
             </a:extLst>
           </p:cNvPr>
@@ -7097,17 +6423,14 @@
           </a:bodyPr>
           <a:lstStyle/>
           <a:p>
-            <a:r>
-              <a:rPr lang="en-US" dirty="0"/>
-              <a:t>HTML alone is not enough</a:t>
-            </a:r>
+            <a:endParaRPr lang="en-US"/>
           </a:p>
         </p:txBody>
       </p:sp>
     </p:spTree>
     <p:extLst>
       <p:ext uri="{BB962C8B-B14F-4D97-AF65-F5344CB8AC3E}">
-        <p14:creationId xmlns:p14="http://schemas.microsoft.com/office/powerpoint/2010/main" val="123850120"/>
+        <p14:creationId xmlns:p14="http://schemas.microsoft.com/office/powerpoint/2010/main" val="91146170"/>
       </p:ext>
     </p:extLst>
   </p:cSld>
@@ -7142,32 +6465,7 @@
           <p:cNvPr id="2" name="Content Placeholder 1">
             <a:extLst>
               <a:ext uri="{FF2B5EF4-FFF2-40B4-BE49-F238E27FC236}">
-                <a16:creationId xmlns:a16="http://schemas.microsoft.com/office/drawing/2014/main" id="{F31E45B0-10E6-4873-B4A5-2343726646E4}"/>
-              </a:ext>
-            </a:extLst>
-          </p:cNvPr>
-          <p:cNvSpPr>
-            <a:spLocks noGrp="1"/>
-          </p:cNvSpPr>
-          <p:nvPr>
-            <p:ph idx="15"/>
-          </p:nvPr>
-        </p:nvSpPr>
-        <p:spPr/>
-        <p:txBody>
-          <a:bodyPr/>
-          <a:lstStyle/>
-          <a:p>
-            <a:endParaRPr lang="en-US"/>
-          </a:p>
-        </p:txBody>
-      </p:sp>
-      <p:sp>
-        <p:nvSpPr>
-          <p:cNvPr id="3" name="Content Placeholder 2">
-            <a:extLst>
-              <a:ext uri="{FF2B5EF4-FFF2-40B4-BE49-F238E27FC236}">
-                <a16:creationId xmlns:a16="http://schemas.microsoft.com/office/drawing/2014/main" id="{AC8940AE-B355-4DAB-A058-48BC2ED97933}"/>
+                <a16:creationId xmlns:a16="http://schemas.microsoft.com/office/drawing/2014/main" id="{4F94EA94-0A46-4BCB-B9F7-A3DAF6ACFD03}"/>
               </a:ext>
             </a:extLst>
           </p:cNvPr>
@@ -7185,17 +6483,110 @@
           <a:p>
             <a:r>
               <a:rPr lang="en-US" dirty="0"/>
-              <a:t>Webpage basics - JavaScript</a:t>
-            </a:r>
-          </a:p>
-        </p:txBody>
-      </p:sp>
-      <p:sp>
-        <p:nvSpPr>
-          <p:cNvPr id="4" name="Title 3">
-            <a:extLst>
-              <a:ext uri="{FF2B5EF4-FFF2-40B4-BE49-F238E27FC236}">
-                <a16:creationId xmlns:a16="http://schemas.microsoft.com/office/drawing/2014/main" id="{DA0971AE-B79E-44C6-BD45-0629FA0C7FEA}"/>
+              <a:t>JavaScript (JS) is a </a:t>
+            </a:r>
+            <a:r>
+              <a:rPr lang="en-US" dirty="0">
+                <a:solidFill>
+                  <a:srgbClr val="C00000"/>
+                </a:solidFill>
+              </a:rPr>
+              <a:t>programming language</a:t>
+            </a:r>
+            <a:endParaRPr lang="en-US" dirty="0">
+              <a:solidFill>
+                <a:schemeClr val="tx1"/>
+              </a:solidFill>
+            </a:endParaRPr>
+          </a:p>
+          <a:p>
+            <a:pPr marL="457200" indent="-457200">
+              <a:buFont typeface="Arial" panose="020B0604020202020204" pitchFamily="34" charset="0"/>
+              <a:buChar char="•"/>
+            </a:pPr>
+            <a:r>
+              <a:rPr lang="en-US" dirty="0"/>
+              <a:t>To support and manipulate HTML</a:t>
+            </a:r>
+          </a:p>
+          <a:p>
+            <a:pPr marL="457200" indent="-457200">
+              <a:buFont typeface="Arial" panose="020B0604020202020204" pitchFamily="34" charset="0"/>
+              <a:buChar char="•"/>
+            </a:pPr>
+            <a:r>
+              <a:rPr lang="en-US" dirty="0">
+                <a:solidFill>
+                  <a:srgbClr val="C00000"/>
+                </a:solidFill>
+              </a:rPr>
+              <a:t>Actions</a:t>
+            </a:r>
+            <a:r>
+              <a:rPr lang="en-US" dirty="0"/>
+              <a:t> (functions)</a:t>
+            </a:r>
+          </a:p>
+          <a:p>
+            <a:r>
+              <a:rPr lang="en-US" dirty="0"/>
+              <a:t>	- Can change contents</a:t>
+            </a:r>
+          </a:p>
+          <a:p>
+            <a:pPr marL="457200" indent="-457200">
+              <a:buFont typeface="Arial" panose="020B0604020202020204" pitchFamily="34" charset="0"/>
+              <a:buChar char="•"/>
+            </a:pPr>
+            <a:r>
+              <a:rPr lang="en-US" dirty="0">
+                <a:solidFill>
+                  <a:srgbClr val="C00000"/>
+                </a:solidFill>
+              </a:rPr>
+              <a:t>Reactions</a:t>
+            </a:r>
+            <a:r>
+              <a:rPr lang="en-US" dirty="0"/>
+              <a:t> (events)</a:t>
+            </a:r>
+          </a:p>
+          <a:p>
+            <a:r>
+              <a:rPr lang="en-US" dirty="0"/>
+              <a:t>	- Can detect and react to a change or input</a:t>
+            </a:r>
+          </a:p>
+          <a:p>
+            <a:r>
+              <a:rPr lang="en-US" dirty="0"/>
+              <a:t>	- e.g.: background change after click a button</a:t>
+            </a:r>
+          </a:p>
+          <a:p>
+            <a:endParaRPr lang="en-US" dirty="0"/>
+          </a:p>
+          <a:p>
+            <a:r>
+              <a:rPr lang="en-US" dirty="0"/>
+              <a:t>“JavaScript is not Java, just like ham is not hamster”</a:t>
+            </a:r>
+          </a:p>
+          <a:p>
+            <a:pPr algn="r"/>
+            <a:r>
+              <a:rPr lang="en-US" sz="1800" dirty="0"/>
+              <a:t>More on: http://javascriptisnotjava.com/</a:t>
+            </a:r>
+          </a:p>
+        </p:txBody>
+      </p:sp>
+      <p:sp>
+        <p:nvSpPr>
+          <p:cNvPr id="3" name="Title 2">
+            <a:extLst>
+              <a:ext uri="{FF2B5EF4-FFF2-40B4-BE49-F238E27FC236}">
+                <a16:creationId xmlns:a16="http://schemas.microsoft.com/office/drawing/2014/main" id="{DF556FCD-4253-455F-903B-763B8DAAF746}"/>
               </a:ext>
             </a:extLst>
           </p:cNvPr>
@@ -7213,14 +6604,17 @@
           </a:bodyPr>
           <a:lstStyle/>
           <a:p>
-            <a:endParaRPr lang="en-US"/>
+            <a:r>
+              <a:rPr lang="en-US" dirty="0"/>
+              <a:t>JavaScript – muscles and senses</a:t>
+            </a:r>
           </a:p>
         </p:txBody>
       </p:sp>
     </p:spTree>
     <p:extLst>
       <p:ext uri="{BB962C8B-B14F-4D97-AF65-F5344CB8AC3E}">
-        <p14:creationId xmlns:p14="http://schemas.microsoft.com/office/powerpoint/2010/main" val="91146170"/>
+        <p14:creationId xmlns:p14="http://schemas.microsoft.com/office/powerpoint/2010/main" val="2875910281"/>
       </p:ext>
     </p:extLst>
   </p:cSld>
@@ -7250,12 +6644,42 @@
           <a:chExt cx="0" cy="0"/>
         </a:xfrm>
       </p:grpSpPr>
+      <p:pic>
+        <p:nvPicPr>
+          <p:cNvPr id="5" name="Picture 4">
+            <a:extLst>
+              <a:ext uri="{FF2B5EF4-FFF2-40B4-BE49-F238E27FC236}">
+                <a16:creationId xmlns:a16="http://schemas.microsoft.com/office/drawing/2014/main" id="{1A7ED368-7F9C-421A-B3CE-7B3F78E700C1}"/>
+              </a:ext>
+            </a:extLst>
+          </p:cNvPr>
+          <p:cNvPicPr>
+            <a:picLocks noChangeAspect="1"/>
+          </p:cNvPicPr>
+          <p:nvPr/>
+        </p:nvPicPr>
+        <p:blipFill>
+          <a:blip r:embed="rId2"/>
+          <a:stretch>
+            <a:fillRect/>
+          </a:stretch>
+        </p:blipFill>
+        <p:spPr>
+          <a:xfrm>
+            <a:off x="5943600" y="2441931"/>
+            <a:ext cx="3200400" cy="1809750"/>
+          </a:xfrm>
+          <a:prstGeom prst="rect">
+            <a:avLst/>
+          </a:prstGeom>
+        </p:spPr>
+      </p:pic>
       <p:sp>
         <p:nvSpPr>
           <p:cNvPr id="2" name="Content Placeholder 1">
             <a:extLst>
               <a:ext uri="{FF2B5EF4-FFF2-40B4-BE49-F238E27FC236}">
-                <a16:creationId xmlns:a16="http://schemas.microsoft.com/office/drawing/2014/main" id="{4F94EA94-0A46-4BCB-B9F7-A3DAF6ACFD03}"/>
+                <a16:creationId xmlns:a16="http://schemas.microsoft.com/office/drawing/2014/main" id="{F63E1346-D8BA-4BD0-BCA5-266D7EAE78CE}"/>
               </a:ext>
             </a:extLst>
           </p:cNvPr>
@@ -7272,22 +6696,9 @@
           <a:lstStyle/>
           <a:p>
             <a:r>
-              <a:rPr lang="en-US" dirty="0"/>
-              <a:t>JavaScript (JS) is a </a:t>
-            </a:r>
-            <a:r>
-              <a:rPr lang="en-US" dirty="0">
-                <a:solidFill>
-                  <a:srgbClr val="C00000"/>
-                </a:solidFill>
-              </a:rPr>
-              <a:t>programming language</a:t>
-            </a:r>
-            <a:endParaRPr lang="en-US" dirty="0">
-              <a:solidFill>
-                <a:schemeClr val="tx1"/>
-              </a:solidFill>
-            </a:endParaRPr>
+              <a:rPr lang="en-US" sz="2400" dirty="0"/>
+              <a:t>JS has a very similar grammar like other scripting language</a:t>
+            </a:r>
           </a:p>
           <a:p>
             <a:pPr marL="457200" indent="-457200">
@@ -7295,8 +6706,28 @@
               <a:buChar char="•"/>
             </a:pPr>
             <a:r>
-              <a:rPr lang="en-US" dirty="0"/>
-              <a:t>To support and manipulate HTML</a:t>
+              <a:rPr lang="en-US" dirty="0">
+                <a:solidFill>
+                  <a:srgbClr val="C00000"/>
+                </a:solidFill>
+              </a:rPr>
+              <a:t>‘var’</a:t>
+            </a:r>
+            <a:r>
+              <a:rPr lang="en-US" dirty="0"/>
+              <a:t> or </a:t>
+            </a:r>
+            <a:r>
+              <a:rPr lang="en-US" dirty="0">
+                <a:solidFill>
+                  <a:srgbClr val="C00000"/>
+                </a:solidFill>
+              </a:rPr>
+              <a:t>‘let’: </a:t>
+            </a:r>
+            <a:r>
+              <a:rPr lang="en-US" dirty="0"/>
+              <a:t>declare a variable</a:t>
             </a:r>
           </a:p>
           <a:p>
@@ -7310,17 +6741,11 @@
                   <a:srgbClr val="C00000"/>
                 </a:solidFill>
               </a:rPr>
-              <a:t>Actions</a:t>
-            </a:r>
-            <a:r>
-              <a:rPr lang="en-US" dirty="0"/>
-              <a:t> (functions)</a:t>
-            </a:r>
-          </a:p>
-          <a:p>
-            <a:r>
-              <a:rPr lang="en-US" dirty="0"/>
-              <a:t>	- Can change contents</a:t>
+              <a:t>‘if’: </a:t>
+            </a:r>
+            <a:r>
+              <a:rPr lang="en-US" dirty="0"/>
+              <a:t>conditional clause</a:t>
             </a:r>
           </a:p>
           <a:p>
@@ -7334,39 +6759,93 @@
                   <a:srgbClr val="C00000"/>
                 </a:solidFill>
               </a:rPr>
-              <a:t>Reactions</a:t>
-            </a:r>
-            <a:r>
-              <a:rPr lang="en-US" dirty="0"/>
-              <a:t> (events)</a:t>
-            </a:r>
-          </a:p>
-          <a:p>
-            <a:r>
-              <a:rPr lang="en-US" dirty="0"/>
-              <a:t>	- Can detect and react to a change or input</a:t>
-            </a:r>
-          </a:p>
-          <a:p>
-            <a:r>
-              <a:rPr lang="en-US" dirty="0"/>
-              <a:t>	- e.g.: background change after click a button</a:t>
-            </a:r>
-          </a:p>
-          <a:p>
-            <a:endParaRPr lang="en-US" dirty="0"/>
-          </a:p>
-          <a:p>
-            <a:r>
-              <a:rPr lang="en-US" dirty="0"/>
-              <a:t>“JavaScript is not Java, just like ham is not hamster”</a:t>
-            </a:r>
-          </a:p>
-          <a:p>
-            <a:pPr algn="r"/>
-            <a:r>
-              <a:rPr lang="en-US" sz="1800" dirty="0"/>
-              <a:t>More on: http://javascriptisnotjava.com/</a:t>
+              <a:t>‘function foo()’: </a:t>
+            </a:r>
+            <a:r>
+              <a:rPr lang="en-US" dirty="0"/>
+              <a:t>define a function</a:t>
+            </a:r>
+          </a:p>
+          <a:p>
+            <a:pPr marL="457200" indent="-457200">
+              <a:buFont typeface="Arial" panose="020B0604020202020204" pitchFamily="34" charset="0"/>
+              <a:buChar char="•"/>
+            </a:pPr>
+            <a:r>
+              <a:rPr lang="en-US" dirty="0">
+                <a:solidFill>
+                  <a:srgbClr val="C00000"/>
+                </a:solidFill>
+              </a:rPr>
+              <a:t>‘foo()’: </a:t>
+            </a:r>
+            <a:r>
+              <a:rPr lang="en-US" dirty="0"/>
+              <a:t>execute a function </a:t>
+            </a:r>
+          </a:p>
+          <a:p>
+            <a:pPr marL="457200" indent="-457200">
+              <a:buFont typeface="Arial" panose="020B0604020202020204" pitchFamily="34" charset="0"/>
+              <a:buChar char="•"/>
+            </a:pPr>
+            <a:r>
+              <a:rPr lang="en-US" dirty="0">
+                <a:solidFill>
+                  <a:srgbClr val="C00000"/>
+                </a:solidFill>
+              </a:rPr>
+              <a:t>Semicolon</a:t>
+            </a:r>
+            <a:r>
+              <a:rPr lang="en-US" dirty="0"/>
+              <a:t>: recommended, but</a:t>
+            </a:r>
+          </a:p>
+          <a:p>
+            <a:r>
+              <a:rPr lang="en-US" dirty="0"/>
+              <a:t>not necessary</a:t>
+            </a:r>
+          </a:p>
+          <a:p>
+            <a:pPr marL="457200" indent="-457200">
+              <a:buFont typeface="Arial" panose="020B0604020202020204" pitchFamily="34" charset="0"/>
+              <a:buChar char="•"/>
+            </a:pPr>
+            <a:r>
+              <a:rPr lang="en-US" dirty="0"/>
+              <a:t>Comment: </a:t>
+            </a:r>
+            <a:r>
+              <a:rPr lang="en-US" dirty="0">
+                <a:solidFill>
+                  <a:srgbClr val="C00000"/>
+                </a:solidFill>
+              </a:rPr>
+              <a:t>‘//’</a:t>
+            </a:r>
+            <a:r>
+              <a:rPr lang="en-US" dirty="0"/>
+              <a:t>(for a line)</a:t>
+            </a:r>
+          </a:p>
+          <a:p>
+            <a:r>
+              <a:rPr lang="en-US" dirty="0"/>
+              <a:t>or </a:t>
+            </a:r>
+            <a:r>
+              <a:rPr lang="en-US" dirty="0">
+                <a:solidFill>
+                  <a:srgbClr val="C00000"/>
+                </a:solidFill>
+              </a:rPr>
+              <a:t>‘/* */’ </a:t>
+            </a:r>
+            <a:r>
+              <a:rPr lang="en-US" dirty="0"/>
+              <a:t>(for many lines)</a:t>
             </a:r>
           </a:p>
         </p:txBody>
@@ -7376,7 +6855,7 @@
           <p:cNvPr id="3" name="Title 2">
             <a:extLst>
               <a:ext uri="{FF2B5EF4-FFF2-40B4-BE49-F238E27FC236}">
-                <a16:creationId xmlns:a16="http://schemas.microsoft.com/office/drawing/2014/main" id="{DF556FCD-4253-455F-903B-763B8DAAF746}"/>
+                <a16:creationId xmlns:a16="http://schemas.microsoft.com/office/drawing/2014/main" id="{24D9ED04-D7CE-4521-B8FC-C91338E61CAF}"/>
               </a:ext>
             </a:extLst>
           </p:cNvPr>
@@ -7396,7 +6875,72 @@
           <a:p>
             <a:r>
               <a:rPr lang="en-US" dirty="0"/>
-              <a:t>JavaScript – muscles and senses</a:t>
+              <a:t>JS – basic grammar</a:t>
+            </a:r>
+          </a:p>
+        </p:txBody>
+      </p:sp>
+      <p:pic>
+        <p:nvPicPr>
+          <p:cNvPr id="7" name="Picture 6">
+            <a:extLst>
+              <a:ext uri="{FF2B5EF4-FFF2-40B4-BE49-F238E27FC236}">
+                <a16:creationId xmlns:a16="http://schemas.microsoft.com/office/drawing/2014/main" id="{CAD672B5-6A84-4B2F-BE58-12D214BF3D23}"/>
+              </a:ext>
+            </a:extLst>
+          </p:cNvPr>
+          <p:cNvPicPr>
+            <a:picLocks noChangeAspect="1"/>
+          </p:cNvPicPr>
+          <p:nvPr/>
+        </p:nvPicPr>
+        <p:blipFill>
+          <a:blip r:embed="rId3"/>
+          <a:stretch>
+            <a:fillRect/>
+          </a:stretch>
+        </p:blipFill>
+        <p:spPr>
+          <a:xfrm>
+            <a:off x="5943600" y="4387707"/>
+            <a:ext cx="3152775" cy="2171700"/>
+          </a:xfrm>
+          <a:prstGeom prst="rect">
+            <a:avLst/>
+          </a:prstGeom>
+        </p:spPr>
+      </p:pic>
+      <p:sp>
+        <p:nvSpPr>
+          <p:cNvPr id="9" name="TextBox 8">
+            <a:extLst>
+              <a:ext uri="{FF2B5EF4-FFF2-40B4-BE49-F238E27FC236}">
+                <a16:creationId xmlns:a16="http://schemas.microsoft.com/office/drawing/2014/main" id="{D0105A97-2D2D-4B1B-8494-0D2AD4286111}"/>
+              </a:ext>
+            </a:extLst>
+          </p:cNvPr>
+          <p:cNvSpPr txBox="1"/>
+          <p:nvPr/>
+        </p:nvSpPr>
+        <p:spPr>
+          <a:xfrm>
+            <a:off x="-41096" y="6646843"/>
+            <a:ext cx="7767262" cy="261610"/>
+          </a:xfrm>
+          <a:prstGeom prst="rect">
+            <a:avLst/>
+          </a:prstGeom>
+          <a:noFill/>
+        </p:spPr>
+        <p:txBody>
+          <a:bodyPr wrap="square">
+            <a:spAutoFit/>
+          </a:bodyPr>
+          <a:lstStyle/>
+          <a:p>
+            <a:r>
+              <a:rPr lang="en-US" sz="1100" dirty="0"/>
+              <a:t>Source: https://developer.mozilla.org/en-US/docs/Web/JavaScript/Guide/Grammar_and_types</a:t>
             </a:r>
           </a:p>
         </p:txBody>
@@ -7404,7 +6948,7 @@
     </p:spTree>
     <p:extLst>
       <p:ext uri="{BB962C8B-B14F-4D97-AF65-F5344CB8AC3E}">
-        <p14:creationId xmlns:p14="http://schemas.microsoft.com/office/powerpoint/2010/main" val="2875910281"/>
+        <p14:creationId xmlns:p14="http://schemas.microsoft.com/office/powerpoint/2010/main" val="3180994204"/>
       </p:ext>
     </p:extLst>
   </p:cSld>
@@ -7434,12 +6978,148 @@
           <a:chExt cx="0" cy="0"/>
         </a:xfrm>
       </p:grpSpPr>
+      <p:sp>
+        <p:nvSpPr>
+          <p:cNvPr id="2" name="Content Placeholder 1">
+            <a:extLst>
+              <a:ext uri="{FF2B5EF4-FFF2-40B4-BE49-F238E27FC236}">
+                <a16:creationId xmlns:a16="http://schemas.microsoft.com/office/drawing/2014/main" id="{11E5F97A-6B96-4183-AF6B-BE375030876E}"/>
+              </a:ext>
+            </a:extLst>
+          </p:cNvPr>
+          <p:cNvSpPr>
+            <a:spLocks noGrp="1"/>
+          </p:cNvSpPr>
+          <p:nvPr>
+            <p:ph idx="16"/>
+          </p:nvPr>
+        </p:nvSpPr>
+        <p:spPr/>
+        <p:txBody>
+          <a:bodyPr/>
+          <a:lstStyle/>
+          <a:p>
+            <a:pPr marL="457200" indent="-457200">
+              <a:buFont typeface="Arial" panose="020B0604020202020204" pitchFamily="34" charset="0"/>
+              <a:buChar char="•"/>
+            </a:pPr>
+            <a:r>
+              <a:rPr lang="en-US" dirty="0"/>
+              <a:t>List: </a:t>
+            </a:r>
+          </a:p>
+          <a:p>
+            <a:r>
+              <a:rPr lang="en-US" dirty="0"/>
+              <a:t>	</a:t>
+            </a:r>
+            <a:r>
+              <a:rPr lang="en-US" sz="2400" dirty="0"/>
+              <a:t>Square bracket: []</a:t>
+            </a:r>
+          </a:p>
+          <a:p>
+            <a:r>
+              <a:rPr lang="en-US" sz="2400" dirty="0"/>
+              <a:t>	Simple and efficient to </a:t>
+            </a:r>
+            <a:r>
+              <a:rPr lang="en-US" sz="2400" dirty="0">
+                <a:solidFill>
+                  <a:srgbClr val="C00000"/>
+                </a:solidFill>
+              </a:rPr>
+              <a:t>enumerate</a:t>
+            </a:r>
+          </a:p>
+          <a:p>
+            <a:r>
+              <a:rPr lang="en-US" sz="2400" dirty="0"/>
+              <a:t>	But hard to find a specific one</a:t>
+            </a:r>
+          </a:p>
+          <a:p>
+            <a:endParaRPr lang="en-US" sz="2400" dirty="0"/>
+          </a:p>
+          <a:p>
+            <a:pPr marL="457200" indent="-457200">
+              <a:buFont typeface="Arial" panose="020B0604020202020204" pitchFamily="34" charset="0"/>
+              <a:buChar char="•"/>
+            </a:pPr>
+            <a:r>
+              <a:rPr lang="en-US" dirty="0"/>
+              <a:t>Object:  </a:t>
+            </a:r>
+          </a:p>
+          <a:p>
+            <a:r>
+              <a:rPr lang="en-US" dirty="0"/>
+              <a:t>	</a:t>
+            </a:r>
+            <a:r>
+              <a:rPr lang="en-US" sz="2400" dirty="0"/>
+              <a:t>Curly bracket: {}</a:t>
+            </a:r>
+          </a:p>
+          <a:p>
+            <a:r>
+              <a:rPr lang="en-US" sz="2400" dirty="0"/>
+              <a:t>	Attribute-value pairs</a:t>
+            </a:r>
+          </a:p>
+          <a:p>
+            <a:r>
+              <a:rPr lang="en-US" sz="2400" dirty="0"/>
+              <a:t>	Simple to enumerate and fast to find a specific one</a:t>
+            </a:r>
+          </a:p>
+          <a:p>
+            <a:r>
+              <a:rPr lang="en-US" sz="2400" dirty="0"/>
+              <a:t>	But take twice space to store the same information</a:t>
+            </a:r>
+          </a:p>
+          <a:p>
+            <a:endParaRPr lang="en-US" dirty="0"/>
+          </a:p>
+        </p:txBody>
+      </p:sp>
+      <p:sp>
+        <p:nvSpPr>
+          <p:cNvPr id="3" name="Title 2">
+            <a:extLst>
+              <a:ext uri="{FF2B5EF4-FFF2-40B4-BE49-F238E27FC236}">
+                <a16:creationId xmlns:a16="http://schemas.microsoft.com/office/drawing/2014/main" id="{69B86A6C-1248-4890-8C68-9459BE23971B}"/>
+              </a:ext>
+            </a:extLst>
+          </p:cNvPr>
+          <p:cNvSpPr>
+            <a:spLocks noGrp="1"/>
+          </p:cNvSpPr>
+          <p:nvPr>
+            <p:ph type="title"/>
+          </p:nvPr>
+        </p:nvSpPr>
+        <p:spPr/>
+        <p:txBody>
+          <a:bodyPr>
+            <a:normAutofit fontScale="90000"/>
+          </a:bodyPr>
+          <a:lstStyle/>
+          <a:p>
+            <a:r>
+              <a:rPr lang="en-US" dirty="0"/>
+              <a:t>JS – important data structure</a:t>
+            </a:r>
+          </a:p>
+        </p:txBody>
+      </p:sp>
       <p:pic>
         <p:nvPicPr>
           <p:cNvPr id="5" name="Picture 4">
             <a:extLst>
               <a:ext uri="{FF2B5EF4-FFF2-40B4-BE49-F238E27FC236}">
-                <a16:creationId xmlns:a16="http://schemas.microsoft.com/office/drawing/2014/main" id="{1A7ED368-7F9C-421A-B3CE-7B3F78E700C1}"/>
+                <a16:creationId xmlns:a16="http://schemas.microsoft.com/office/drawing/2014/main" id="{E4F00328-776B-410E-8315-AE255946A135}"/>
               </a:ext>
             </a:extLst>
           </p:cNvPr>
@@ -7448,234 +7128,27 @@
           </p:cNvPicPr>
           <p:nvPr/>
         </p:nvPicPr>
-        <p:blipFill>
+        <p:blipFill rotWithShape="1">
           <a:blip r:embed="rId2"/>
-          <a:stretch>
-            <a:fillRect/>
-          </a:stretch>
+          <a:srcRect b="37311"/>
+          <a:stretch/>
         </p:blipFill>
         <p:spPr>
           <a:xfrm>
-            <a:off x="5943600" y="2441931"/>
-            <a:ext cx="3200400" cy="1809750"/>
+            <a:off x="2603321" y="1889396"/>
+            <a:ext cx="5667375" cy="358268"/>
           </a:xfrm>
           <a:prstGeom prst="rect">
             <a:avLst/>
           </a:prstGeom>
         </p:spPr>
       </p:pic>
-      <p:sp>
-        <p:nvSpPr>
-          <p:cNvPr id="2" name="Content Placeholder 1">
-            <a:extLst>
-              <a:ext uri="{FF2B5EF4-FFF2-40B4-BE49-F238E27FC236}">
-                <a16:creationId xmlns:a16="http://schemas.microsoft.com/office/drawing/2014/main" id="{F63E1346-D8BA-4BD0-BCA5-266D7EAE78CE}"/>
-              </a:ext>
-            </a:extLst>
-          </p:cNvPr>
-          <p:cNvSpPr>
-            <a:spLocks noGrp="1"/>
-          </p:cNvSpPr>
-          <p:nvPr>
-            <p:ph idx="16"/>
-          </p:nvPr>
-        </p:nvSpPr>
-        <p:spPr/>
-        <p:txBody>
-          <a:bodyPr/>
-          <a:lstStyle/>
-          <a:p>
-            <a:r>
-              <a:rPr lang="en-US" sz="2400" dirty="0"/>
-              <a:t>JS has a very similar grammar like other scripting language</a:t>
-            </a:r>
-          </a:p>
-          <a:p>
-            <a:pPr marL="457200" indent="-457200">
-              <a:buFont typeface="Arial" panose="020B0604020202020204" pitchFamily="34" charset="0"/>
-              <a:buChar char="•"/>
-            </a:pPr>
-            <a:r>
-              <a:rPr lang="en-US" dirty="0">
-                <a:solidFill>
-                  <a:srgbClr val="C00000"/>
-                </a:solidFill>
-              </a:rPr>
-              <a:t>‘var’</a:t>
-            </a:r>
-            <a:r>
-              <a:rPr lang="en-US" dirty="0"/>
-              <a:t> or </a:t>
-            </a:r>
-            <a:r>
-              <a:rPr lang="en-US" dirty="0">
-                <a:solidFill>
-                  <a:srgbClr val="C00000"/>
-                </a:solidFill>
-              </a:rPr>
-              <a:t>‘let’: </a:t>
-            </a:r>
-            <a:r>
-              <a:rPr lang="en-US" dirty="0"/>
-              <a:t>declare a variable</a:t>
-            </a:r>
-          </a:p>
-          <a:p>
-            <a:pPr marL="457200" indent="-457200">
-              <a:buFont typeface="Arial" panose="020B0604020202020204" pitchFamily="34" charset="0"/>
-              <a:buChar char="•"/>
-            </a:pPr>
-            <a:r>
-              <a:rPr lang="en-US" dirty="0">
-                <a:solidFill>
-                  <a:srgbClr val="C00000"/>
-                </a:solidFill>
-              </a:rPr>
-              <a:t>‘if’: </a:t>
-            </a:r>
-            <a:r>
-              <a:rPr lang="en-US" dirty="0"/>
-              <a:t>conditional clause</a:t>
-            </a:r>
-          </a:p>
-          <a:p>
-            <a:pPr marL="457200" indent="-457200">
-              <a:buFont typeface="Arial" panose="020B0604020202020204" pitchFamily="34" charset="0"/>
-              <a:buChar char="•"/>
-            </a:pPr>
-            <a:r>
-              <a:rPr lang="en-US" dirty="0">
-                <a:solidFill>
-                  <a:srgbClr val="C00000"/>
-                </a:solidFill>
-              </a:rPr>
-              <a:t>‘function foo()’: </a:t>
-            </a:r>
-            <a:r>
-              <a:rPr lang="en-US" dirty="0"/>
-              <a:t>define a function</a:t>
-            </a:r>
-          </a:p>
-          <a:p>
-            <a:pPr marL="457200" indent="-457200">
-              <a:buFont typeface="Arial" panose="020B0604020202020204" pitchFamily="34" charset="0"/>
-              <a:buChar char="•"/>
-            </a:pPr>
-            <a:r>
-              <a:rPr lang="en-US" dirty="0">
-                <a:solidFill>
-                  <a:srgbClr val="C00000"/>
-                </a:solidFill>
-              </a:rPr>
-              <a:t>‘foo()’: </a:t>
-            </a:r>
-            <a:r>
-              <a:rPr lang="en-US" dirty="0"/>
-              <a:t>execute a function </a:t>
-            </a:r>
-          </a:p>
-          <a:p>
-            <a:pPr marL="457200" indent="-457200">
-              <a:buFont typeface="Arial" panose="020B0604020202020204" pitchFamily="34" charset="0"/>
-              <a:buChar char="•"/>
-            </a:pPr>
-            <a:r>
-              <a:rPr lang="en-US" dirty="0">
-                <a:solidFill>
-                  <a:srgbClr val="C00000"/>
-                </a:solidFill>
-              </a:rPr>
-              <a:t>Semicolon</a:t>
-            </a:r>
-            <a:r>
-              <a:rPr lang="en-US" dirty="0"/>
-              <a:t>: recommended, but</a:t>
-            </a:r>
-          </a:p>
-          <a:p>
-            <a:r>
-              <a:rPr lang="en-US" dirty="0"/>
-              <a:t>not necessary</a:t>
-            </a:r>
-          </a:p>
-          <a:p>
-            <a:pPr marL="457200" indent="-457200">
-              <a:buFont typeface="Arial" panose="020B0604020202020204" pitchFamily="34" charset="0"/>
-              <a:buChar char="•"/>
-            </a:pPr>
-            <a:r>
-              <a:rPr lang="en-US" dirty="0"/>
-              <a:t>Comment: </a:t>
-            </a:r>
-            <a:r>
-              <a:rPr lang="en-US" dirty="0">
-                <a:solidFill>
-                  <a:srgbClr val="C00000"/>
-                </a:solidFill>
-              </a:rPr>
-              <a:t>‘//’</a:t>
-            </a:r>
-            <a:r>
-              <a:rPr lang="en-US" dirty="0"/>
-              <a:t>(for a line)</a:t>
-            </a:r>
-          </a:p>
-          <a:p>
-            <a:r>
-              <a:rPr lang="en-US" dirty="0"/>
-              <a:t>or </a:t>
-            </a:r>
-            <a:r>
-              <a:rPr lang="en-US" dirty="0">
-                <a:solidFill>
-                  <a:srgbClr val="C00000"/>
-                </a:solidFill>
-              </a:rPr>
-              <a:t>‘/* */’ </a:t>
-            </a:r>
-            <a:r>
-              <a:rPr lang="en-US" dirty="0"/>
-              <a:t>(for many lines)</a:t>
-            </a:r>
-          </a:p>
-        </p:txBody>
-      </p:sp>
-      <p:sp>
-        <p:nvSpPr>
-          <p:cNvPr id="3" name="Title 2">
-            <a:extLst>
-              <a:ext uri="{FF2B5EF4-FFF2-40B4-BE49-F238E27FC236}">
-                <a16:creationId xmlns:a16="http://schemas.microsoft.com/office/drawing/2014/main" id="{24D9ED04-D7CE-4521-B8FC-C91338E61CAF}"/>
-              </a:ext>
-            </a:extLst>
-          </p:cNvPr>
-          <p:cNvSpPr>
-            <a:spLocks noGrp="1"/>
-          </p:cNvSpPr>
-          <p:nvPr>
-            <p:ph type="title"/>
-          </p:nvPr>
-        </p:nvSpPr>
-        <p:spPr/>
-        <p:txBody>
-          <a:bodyPr>
-            <a:normAutofit fontScale="90000"/>
-          </a:bodyPr>
-          <a:lstStyle/>
-          <a:p>
-            <a:r>
-              <a:rPr lang="en-US" dirty="0"/>
-              <a:t>JS – basic grammar</a:t>
-            </a:r>
-          </a:p>
-        </p:txBody>
-      </p:sp>
       <p:pic>
         <p:nvPicPr>
           <p:cNvPr id="7" name="Picture 6">
             <a:extLst>
               <a:ext uri="{FF2B5EF4-FFF2-40B4-BE49-F238E27FC236}">
-                <a16:creationId xmlns:a16="http://schemas.microsoft.com/office/drawing/2014/main" id="{CAD672B5-6A84-4B2F-BE58-12D214BF3D23}"/>
+                <a16:creationId xmlns:a16="http://schemas.microsoft.com/office/drawing/2014/main" id="{A02F0E2C-B6D3-4F5E-8866-9F4C2906FE79}"/>
               </a:ext>
             </a:extLst>
           </p:cNvPr>
@@ -7692,8 +7165,8 @@
         </p:blipFill>
         <p:spPr>
           <a:xfrm>
-            <a:off x="5943600" y="4387707"/>
-            <a:ext cx="3152775" cy="2171700"/>
+            <a:off x="2117894" y="4372845"/>
+            <a:ext cx="6907069" cy="358268"/>
           </a:xfrm>
           <a:prstGeom prst="rect">
             <a:avLst/>
@@ -7705,7 +7178,7 @@
           <p:cNvPr id="9" name="TextBox 8">
             <a:extLst>
               <a:ext uri="{FF2B5EF4-FFF2-40B4-BE49-F238E27FC236}">
-                <a16:creationId xmlns:a16="http://schemas.microsoft.com/office/drawing/2014/main" id="{D0105A97-2D2D-4B1B-8494-0D2AD4286111}"/>
+                <a16:creationId xmlns:a16="http://schemas.microsoft.com/office/drawing/2014/main" id="{F62D2617-FAF9-410F-A67C-CC55FB7D96F9}"/>
               </a:ext>
             </a:extLst>
           </p:cNvPr>
@@ -7714,8 +7187,8 @@
         </p:nvSpPr>
         <p:spPr>
           <a:xfrm>
-            <a:off x="-41096" y="6646843"/>
-            <a:ext cx="7767262" cy="261610"/>
+            <a:off x="0" y="6608335"/>
+            <a:ext cx="7140539" cy="253916"/>
           </a:xfrm>
           <a:prstGeom prst="rect">
             <a:avLst/>
@@ -7729,7 +7202,7 @@
           <a:lstStyle/>
           <a:p>
             <a:r>
-              <a:rPr lang="en-US" sz="1100" dirty="0"/>
+              <a:rPr lang="en-US" sz="1050" dirty="0"/>
               <a:t>Source: https://developer.mozilla.org/en-US/docs/Web/JavaScript/Guide/Grammar_and_types</a:t>
             </a:r>
           </a:p>
@@ -7738,7 +7211,7 @@
     </p:spTree>
     <p:extLst>
       <p:ext uri="{BB962C8B-B14F-4D97-AF65-F5344CB8AC3E}">
-        <p14:creationId xmlns:p14="http://schemas.microsoft.com/office/powerpoint/2010/main" val="3180994204"/>
+        <p14:creationId xmlns:p14="http://schemas.microsoft.com/office/powerpoint/2010/main" val="623013483"/>
       </p:ext>
     </p:extLst>
   </p:cSld>
@@ -7773,7 +7246,7 @@
           <p:cNvPr id="2" name="Content Placeholder 1">
             <a:extLst>
               <a:ext uri="{FF2B5EF4-FFF2-40B4-BE49-F238E27FC236}">
-                <a16:creationId xmlns:a16="http://schemas.microsoft.com/office/drawing/2014/main" id="{11E5F97A-6B96-4183-AF6B-BE375030876E}"/>
+                <a16:creationId xmlns:a16="http://schemas.microsoft.com/office/drawing/2014/main" id="{BA10ADA6-D221-43F5-88D7-F611230E4065}"/>
               </a:ext>
             </a:extLst>
           </p:cNvPr>
@@ -7789,47 +7262,69 @@
           <a:bodyPr/>
           <a:lstStyle/>
           <a:p>
+            <a:r>
+              <a:rPr lang="en-US" dirty="0"/>
+              <a:t>Useful to </a:t>
+            </a:r>
+            <a:r>
+              <a:rPr lang="en-US" dirty="0">
+                <a:solidFill>
+                  <a:srgbClr val="C00000"/>
+                </a:solidFill>
+              </a:rPr>
+              <a:t>repeat</a:t>
+            </a:r>
+            <a:r>
+              <a:rPr lang="en-US" dirty="0"/>
+              <a:t> and </a:t>
+            </a:r>
+            <a:r>
+              <a:rPr lang="en-US" dirty="0">
+                <a:solidFill>
+                  <a:srgbClr val="C00000"/>
+                </a:solidFill>
+              </a:rPr>
+              <a:t>enumerate</a:t>
+            </a:r>
+            <a:r>
+              <a:rPr lang="en-US" dirty="0"/>
+              <a:t> data structure</a:t>
+            </a:r>
+          </a:p>
+          <a:p>
             <a:pPr marL="457200" indent="-457200">
               <a:buFont typeface="Arial" panose="020B0604020202020204" pitchFamily="34" charset="0"/>
               <a:buChar char="•"/>
             </a:pPr>
             <a:r>
-              <a:rPr lang="en-US" dirty="0"/>
-              <a:t>List: </a:t>
-            </a:r>
-          </a:p>
-          <a:p>
-            <a:r>
-              <a:rPr lang="en-US" dirty="0"/>
-              <a:t>	</a:t>
-            </a:r>
-            <a:r>
-              <a:rPr lang="en-US" sz="2400" dirty="0"/>
-              <a:t>Square bracket: []</a:t>
-            </a:r>
-          </a:p>
-          <a:p>
-            <a:r>
-              <a:rPr lang="en-US" sz="2400" dirty="0"/>
-              <a:t>	Simple and efficient to </a:t>
-            </a:r>
-            <a:r>
-              <a:rPr lang="en-US" sz="2400" dirty="0">
-                <a:solidFill>
-                  <a:srgbClr val="C00000"/>
-                </a:solidFill>
-              </a:rPr>
-              <a:t>enumerate</a:t>
-            </a:r>
-          </a:p>
-          <a:p>
-            <a:r>
-              <a:rPr lang="en-US" sz="2400" dirty="0"/>
-              <a:t>	But hard to find a specific one</a:t>
-            </a:r>
-          </a:p>
-          <a:p>
-            <a:endParaRPr lang="en-US" sz="2400" dirty="0"/>
+              <a:rPr lang="en-US" b="1" dirty="0"/>
+              <a:t>Repeat</a:t>
+            </a:r>
+            <a:r>
+              <a:rPr lang="en-US" dirty="0"/>
+              <a:t> for certain times</a:t>
+            </a:r>
+          </a:p>
+          <a:p>
+            <a:r>
+              <a:rPr lang="en-US" dirty="0"/>
+              <a:t>Start from 0, end at 5, </a:t>
+            </a:r>
+          </a:p>
+          <a:p>
+            <a:r>
+              <a:rPr lang="en-US" dirty="0"/>
+              <a:t>so the value will be </a:t>
+            </a:r>
+          </a:p>
+          <a:p>
+            <a:r>
+              <a:rPr lang="en-US" dirty="0"/>
+              <a:t>0, 1, 2, 3, 4</a:t>
+            </a:r>
+          </a:p>
+          <a:p>
+            <a:endParaRPr lang="en-US" dirty="0"/>
           </a:p>
           <a:p>
             <a:pPr marL="457200" indent="-457200">
@@ -7837,40 +7332,19 @@
               <a:buChar char="•"/>
             </a:pPr>
             <a:r>
-              <a:rPr lang="en-US" dirty="0"/>
-              <a:t>Object:  </a:t>
-            </a:r>
-          </a:p>
-          <a:p>
-            <a:r>
-              <a:rPr lang="en-US" dirty="0"/>
-              <a:t>	</a:t>
-            </a:r>
+              <a:rPr lang="en-US" b="1" dirty="0"/>
+              <a:t>Enumerate</a:t>
+            </a:r>
+            <a:r>
+              <a:rPr lang="en-US" dirty="0"/>
+              <a:t> </a:t>
+            </a:r>
+          </a:p>
+          <a:p>
             <a:r>
               <a:rPr lang="en-US" sz="2400" dirty="0"/>
-              <a:t>Curly bracket: {}</a:t>
-            </a:r>
-          </a:p>
-          <a:p>
-            <a:r>
-              <a:rPr lang="en-US" sz="2400" dirty="0"/>
-              <a:t>	Attribute-value pairs</a:t>
-            </a:r>
-          </a:p>
-          <a:p>
-            <a:r>
-              <a:rPr lang="en-US" sz="2400" dirty="0"/>
-              <a:t>	Simple to enumerate and fast to find a specific one</a:t>
-            </a:r>
-          </a:p>
-          <a:p>
-            <a:r>
-              <a:rPr lang="en-US" sz="2400" dirty="0"/>
-              <a:t>	But take twice space to store the same information</a:t>
-            </a:r>
-          </a:p>
-          <a:p>
-            <a:endParaRPr lang="en-US" dirty="0"/>
+              <a:t>Variable ‘item’ is an item in the ‘list’</a:t>
+            </a:r>
           </a:p>
         </p:txBody>
       </p:sp>
@@ -7879,7 +7353,7 @@
           <p:cNvPr id="3" name="Title 2">
             <a:extLst>
               <a:ext uri="{FF2B5EF4-FFF2-40B4-BE49-F238E27FC236}">
-                <a16:creationId xmlns:a16="http://schemas.microsoft.com/office/drawing/2014/main" id="{69B86A6C-1248-4890-8C68-9459BE23971B}"/>
+                <a16:creationId xmlns:a16="http://schemas.microsoft.com/office/drawing/2014/main" id="{040CA3FA-813C-4AAE-85C1-26C53FF34FCB}"/>
               </a:ext>
             </a:extLst>
           </p:cNvPr>
@@ -7899,17 +7373,17 @@
           <a:p>
             <a:r>
               <a:rPr lang="en-US" dirty="0"/>
-              <a:t>JS – important data structure</a:t>
+              <a:t>JS – for loop</a:t>
             </a:r>
           </a:p>
         </p:txBody>
       </p:sp>
       <p:pic>
         <p:nvPicPr>
-          <p:cNvPr id="5" name="Picture 4">
-            <a:extLst>
-              <a:ext uri="{FF2B5EF4-FFF2-40B4-BE49-F238E27FC236}">
-                <a16:creationId xmlns:a16="http://schemas.microsoft.com/office/drawing/2014/main" id="{E4F00328-776B-410E-8315-AE255946A135}"/>
+          <p:cNvPr id="7" name="Picture 6">
+            <a:extLst>
+              <a:ext uri="{FF2B5EF4-FFF2-40B4-BE49-F238E27FC236}">
+                <a16:creationId xmlns:a16="http://schemas.microsoft.com/office/drawing/2014/main" id="{D7971F24-6898-4F3C-96CE-4C43F4F43777}"/>
               </a:ext>
             </a:extLst>
           </p:cNvPr>
@@ -7920,13 +7394,13 @@
         </p:nvPicPr>
         <p:blipFill rotWithShape="1">
           <a:blip r:embed="rId2"/>
-          <a:srcRect b="37311"/>
+          <a:srcRect r="7039" b="15058"/>
           <a:stretch/>
         </p:blipFill>
         <p:spPr>
           <a:xfrm>
-            <a:off x="2603321" y="1889396"/>
-            <a:ext cx="5667375" cy="358268"/>
+            <a:off x="4175505" y="3240496"/>
+            <a:ext cx="4968495" cy="1055104"/>
           </a:xfrm>
           <a:prstGeom prst="rect">
             <a:avLst/>
@@ -7935,10 +7409,10 @@
       </p:pic>
       <p:pic>
         <p:nvPicPr>
-          <p:cNvPr id="7" name="Picture 6">
-            <a:extLst>
-              <a:ext uri="{FF2B5EF4-FFF2-40B4-BE49-F238E27FC236}">
-                <a16:creationId xmlns:a16="http://schemas.microsoft.com/office/drawing/2014/main" id="{A02F0E2C-B6D3-4F5E-8866-9F4C2906FE79}"/>
+          <p:cNvPr id="9" name="Picture 8">
+            <a:extLst>
+              <a:ext uri="{FF2B5EF4-FFF2-40B4-BE49-F238E27FC236}">
+                <a16:creationId xmlns:a16="http://schemas.microsoft.com/office/drawing/2014/main" id="{FD8F85C3-0A19-48FE-966B-655F7AA502DB}"/>
               </a:ext>
             </a:extLst>
           </p:cNvPr>
@@ -7955,8 +7429,8 @@
         </p:blipFill>
         <p:spPr>
           <a:xfrm>
-            <a:off x="2117894" y="4372845"/>
-            <a:ext cx="6907069" cy="358268"/>
+            <a:off x="5615767" y="4902991"/>
+            <a:ext cx="3228975" cy="1114425"/>
           </a:xfrm>
           <a:prstGeom prst="rect">
             <a:avLst/>
@@ -7965,10 +7439,10 @@
       </p:pic>
       <p:sp>
         <p:nvSpPr>
-          <p:cNvPr id="9" name="TextBox 8">
-            <a:extLst>
-              <a:ext uri="{FF2B5EF4-FFF2-40B4-BE49-F238E27FC236}">
-                <a16:creationId xmlns:a16="http://schemas.microsoft.com/office/drawing/2014/main" id="{F62D2617-FAF9-410F-A67C-CC55FB7D96F9}"/>
+          <p:cNvPr id="11" name="TextBox 10">
+            <a:extLst>
+              <a:ext uri="{FF2B5EF4-FFF2-40B4-BE49-F238E27FC236}">
+                <a16:creationId xmlns:a16="http://schemas.microsoft.com/office/drawing/2014/main" id="{36C0E127-DBCA-448A-8952-F05B3C090C83}"/>
               </a:ext>
             </a:extLst>
           </p:cNvPr>
@@ -7977,8 +7451,8 @@
         </p:nvSpPr>
         <p:spPr>
           <a:xfrm>
-            <a:off x="0" y="6608335"/>
-            <a:ext cx="7140539" cy="253916"/>
+            <a:off x="0" y="6498213"/>
+            <a:ext cx="8614881" cy="307777"/>
           </a:xfrm>
           <a:prstGeom prst="rect">
             <a:avLst/>
@@ -7992,8 +7466,8 @@
           <a:lstStyle/>
           <a:p>
             <a:r>
-              <a:rPr lang="en-US" sz="1050" dirty="0"/>
-              <a:t>Source: https://developer.mozilla.org/en-US/docs/Web/JavaScript/Guide/Grammar_and_types</a:t>
+              <a:rPr lang="en-US" sz="1400" dirty="0"/>
+              <a:t>Source: https://developer.mozilla.org/en-US/docs/Web/JavaScript/Guide/Loops_and_iteration</a:t>
             </a:r>
           </a:p>
         </p:txBody>
@@ -8001,7 +7475,7 @@
     </p:spTree>
     <p:extLst>
       <p:ext uri="{BB962C8B-B14F-4D97-AF65-F5344CB8AC3E}">
-        <p14:creationId xmlns:p14="http://schemas.microsoft.com/office/powerpoint/2010/main" val="623013483"/>
+        <p14:creationId xmlns:p14="http://schemas.microsoft.com/office/powerpoint/2010/main" val="3106899446"/>
       </p:ext>
     </p:extLst>
   </p:cSld>
@@ -8036,7 +7510,7 @@
           <p:cNvPr id="2" name="Content Placeholder 1">
             <a:extLst>
               <a:ext uri="{FF2B5EF4-FFF2-40B4-BE49-F238E27FC236}">
-                <a16:creationId xmlns:a16="http://schemas.microsoft.com/office/drawing/2014/main" id="{BA10ADA6-D221-43F5-88D7-F611230E4065}"/>
+                <a16:creationId xmlns:a16="http://schemas.microsoft.com/office/drawing/2014/main" id="{B5AB8213-E9D2-4EDA-BD92-229161BAE6A6}"/>
               </a:ext>
             </a:extLst>
           </p:cNvPr>
@@ -8054,7 +7528,7 @@
           <a:p>
             <a:r>
               <a:rPr lang="en-US" dirty="0"/>
-              <a:t>Useful to </a:t>
+              <a:t>jQuery is a very useful library. Its function starts with </a:t>
             </a:r>
             <a:r>
               <a:rPr lang="en-US" dirty="0">
@@ -8062,23 +7536,20 @@
                   <a:srgbClr val="C00000"/>
                 </a:solidFill>
               </a:rPr>
-              <a:t>repeat</a:t>
-            </a:r>
-            <a:r>
-              <a:rPr lang="en-US" dirty="0"/>
-              <a:t> and </a:t>
-            </a:r>
-            <a:r>
-              <a:rPr lang="en-US" dirty="0">
-                <a:solidFill>
-                  <a:srgbClr val="C00000"/>
-                </a:solidFill>
-              </a:rPr>
-              <a:t>enumerate</a:t>
-            </a:r>
-            <a:r>
-              <a:rPr lang="en-US" dirty="0"/>
-              <a:t> data structure</a:t>
+              <a:t>a dollar sign ($) </a:t>
+            </a:r>
+            <a:r>
+              <a:rPr lang="en-US" dirty="0"/>
+              <a:t>and usually two steps</a:t>
+            </a:r>
+          </a:p>
+          <a:p>
+            <a:endParaRPr lang="en-US" sz="2400" dirty="0"/>
+          </a:p>
+          <a:p>
+            <a:r>
+              <a:rPr lang="en-US" sz="2400" dirty="0"/>
+              <a:t>Step 1: select the object(s)</a:t>
             </a:r>
           </a:p>
           <a:p>
@@ -8087,34 +7558,69 @@
               <a:buChar char="•"/>
             </a:pPr>
             <a:r>
-              <a:rPr lang="en-US" b="1" dirty="0"/>
-              <a:t>Repeat</a:t>
-            </a:r>
-            <a:r>
-              <a:rPr lang="en-US" dirty="0"/>
-              <a:t> for certain times</a:t>
-            </a:r>
-          </a:p>
-          <a:p>
-            <a:r>
-              <a:rPr lang="en-US" dirty="0"/>
-              <a:t>Start from 0, end at 5, </a:t>
-            </a:r>
-          </a:p>
-          <a:p>
-            <a:r>
-              <a:rPr lang="en-US" dirty="0"/>
-              <a:t>so the value will be </a:t>
-            </a:r>
-          </a:p>
-          <a:p>
-            <a:r>
-              <a:rPr lang="en-US" dirty="0"/>
-              <a:t>0, 1, 2, 3, 4</a:t>
-            </a:r>
-          </a:p>
-          <a:p>
-            <a:endParaRPr lang="en-US" dirty="0"/>
+              <a:rPr lang="en-US" sz="2000" dirty="0"/>
+              <a:t>Select an object: </a:t>
+            </a:r>
+            <a:r>
+              <a:rPr lang="en-US" sz="2000" b="0" dirty="0">
+                <a:solidFill>
+                  <a:srgbClr val="9CDCFE"/>
+                </a:solidFill>
+                <a:effectLst/>
+                <a:latin typeface="Consolas" panose="020B0609020204030204" pitchFamily="49" charset="0"/>
+              </a:rPr>
+              <a:t>$</a:t>
+            </a:r>
+            <a:r>
+              <a:rPr lang="en-US" sz="2000" b="0" dirty="0">
+                <a:solidFill>
+                  <a:srgbClr val="D4D4D4"/>
+                </a:solidFill>
+                <a:effectLst/>
+                <a:latin typeface="Consolas" panose="020B0609020204030204" pitchFamily="49" charset="0"/>
+              </a:rPr>
+              <a:t>(</a:t>
+            </a:r>
+            <a:r>
+              <a:rPr lang="en-US" sz="2000" b="0" dirty="0">
+                <a:solidFill>
+                  <a:srgbClr val="CE9178"/>
+                </a:solidFill>
+                <a:effectLst/>
+                <a:latin typeface="Consolas" panose="020B0609020204030204" pitchFamily="49" charset="0"/>
+              </a:rPr>
+              <a:t>"#</a:t>
+            </a:r>
+            <a:r>
+              <a:rPr lang="en-US" sz="2000" b="0" dirty="0" err="1">
+                <a:solidFill>
+                  <a:srgbClr val="CE9178"/>
+                </a:solidFill>
+                <a:effectLst/>
+                <a:latin typeface="Consolas" panose="020B0609020204030204" pitchFamily="49" charset="0"/>
+              </a:rPr>
+              <a:t>the_id</a:t>
+            </a:r>
+            <a:r>
+              <a:rPr lang="en-US" sz="2000" b="0" dirty="0">
+                <a:solidFill>
+                  <a:srgbClr val="CE9178"/>
+                </a:solidFill>
+                <a:effectLst/>
+                <a:latin typeface="Consolas" panose="020B0609020204030204" pitchFamily="49" charset="0"/>
+              </a:rPr>
+              <a:t>"</a:t>
+            </a:r>
+            <a:r>
+              <a:rPr lang="en-US" sz="2000" b="0" dirty="0">
+                <a:solidFill>
+                  <a:srgbClr val="D4D4D4"/>
+                </a:solidFill>
+                <a:effectLst/>
+                <a:latin typeface="Consolas" panose="020B0609020204030204" pitchFamily="49" charset="0"/>
+              </a:rPr>
+              <a:t>)</a:t>
+            </a:r>
           </a:p>
           <a:p>
             <a:pPr marL="457200" indent="-457200">
@@ -8122,18 +7628,193 @@
               <a:buChar char="•"/>
             </a:pPr>
             <a:r>
-              <a:rPr lang="en-US" b="1" dirty="0"/>
-              <a:t>Enumerate</a:t>
-            </a:r>
-            <a:r>
-              <a:rPr lang="en-US" dirty="0"/>
-              <a:t> </a:t>
+              <a:rPr lang="en-US" sz="2000" dirty="0"/>
+              <a:t>Select a class of objects: </a:t>
+            </a:r>
+            <a:r>
+              <a:rPr lang="en-US" sz="2000" b="0" dirty="0">
+                <a:solidFill>
+                  <a:srgbClr val="9CDCFE"/>
+                </a:solidFill>
+                <a:effectLst/>
+                <a:latin typeface="Consolas" panose="020B0609020204030204" pitchFamily="49" charset="0"/>
+              </a:rPr>
+              <a:t>$</a:t>
+            </a:r>
+            <a:r>
+              <a:rPr lang="en-US" sz="2000" b="0" dirty="0">
+                <a:solidFill>
+                  <a:srgbClr val="D4D4D4"/>
+                </a:solidFill>
+                <a:effectLst/>
+                <a:latin typeface="Consolas" panose="020B0609020204030204" pitchFamily="49" charset="0"/>
+              </a:rPr>
+              <a:t>(</a:t>
+            </a:r>
+            <a:r>
+              <a:rPr lang="en-US" sz="2000" b="0" dirty="0">
+                <a:solidFill>
+                  <a:srgbClr val="CE9178"/>
+                </a:solidFill>
+                <a:effectLst/>
+                <a:latin typeface="Consolas" panose="020B0609020204030204" pitchFamily="49" charset="0"/>
+              </a:rPr>
+              <a:t>".</a:t>
+            </a:r>
+            <a:r>
+              <a:rPr lang="en-US" sz="2000" b="0" dirty="0" err="1">
+                <a:solidFill>
+                  <a:srgbClr val="CE9178"/>
+                </a:solidFill>
+                <a:effectLst/>
+                <a:latin typeface="Consolas" panose="020B0609020204030204" pitchFamily="49" charset="0"/>
+              </a:rPr>
+              <a:t>the_class</a:t>
+            </a:r>
+            <a:r>
+              <a:rPr lang="en-US" sz="2000" b="0" dirty="0">
+                <a:solidFill>
+                  <a:srgbClr val="CE9178"/>
+                </a:solidFill>
+                <a:effectLst/>
+                <a:latin typeface="Consolas" panose="020B0609020204030204" pitchFamily="49" charset="0"/>
+              </a:rPr>
+              <a:t>"</a:t>
+            </a:r>
+            <a:r>
+              <a:rPr lang="en-US" sz="2000" b="0" dirty="0">
+                <a:solidFill>
+                  <a:srgbClr val="D4D4D4"/>
+                </a:solidFill>
+                <a:effectLst/>
+                <a:latin typeface="Consolas" panose="020B0609020204030204" pitchFamily="49" charset="0"/>
+              </a:rPr>
+              <a:t>)</a:t>
             </a:r>
           </a:p>
           <a:p>
             <a:r>
               <a:rPr lang="en-US" sz="2400" dirty="0"/>
-              <a:t>Variable ‘item’ is an item in the ‘list’</a:t>
+              <a:t>Step 2: </a:t>
+            </a:r>
+            <a:r>
+              <a:rPr lang="en-US" sz="2400" dirty="0">
+                <a:solidFill>
+                  <a:srgbClr val="C00000"/>
+                </a:solidFill>
+              </a:rPr>
+              <a:t>do something </a:t>
+            </a:r>
+            <a:r>
+              <a:rPr lang="en-US" sz="2400" dirty="0"/>
+              <a:t>or ask it </a:t>
+            </a:r>
+            <a:r>
+              <a:rPr lang="en-US" sz="2400" dirty="0">
+                <a:solidFill>
+                  <a:srgbClr val="C00000"/>
+                </a:solidFill>
+              </a:rPr>
+              <a:t>react</a:t>
+            </a:r>
+            <a:r>
+              <a:rPr lang="en-US" sz="2400" dirty="0"/>
+              <a:t> to something</a:t>
+            </a:r>
+          </a:p>
+          <a:p>
+            <a:pPr marL="457200" indent="-457200">
+              <a:buFont typeface="Arial" panose="020B0604020202020204" pitchFamily="34" charset="0"/>
+              <a:buChar char="•"/>
+            </a:pPr>
+            <a:r>
+              <a:rPr lang="en-US" sz="2000" dirty="0"/>
+              <a:t>Change the value of an input box: </a:t>
+            </a:r>
+          </a:p>
+          <a:p>
+            <a:r>
+              <a:rPr lang="en-US" sz="2000" b="0" dirty="0">
+                <a:solidFill>
+                  <a:srgbClr val="9CDCFE"/>
+                </a:solidFill>
+                <a:effectLst/>
+                <a:latin typeface="Consolas" panose="020B0609020204030204" pitchFamily="49" charset="0"/>
+              </a:rPr>
+              <a:t>	$</a:t>
+            </a:r>
+            <a:r>
+              <a:rPr lang="en-US" sz="2000" b="0" dirty="0">
+                <a:solidFill>
+                  <a:srgbClr val="D4D4D4"/>
+                </a:solidFill>
+                <a:effectLst/>
+                <a:latin typeface="Consolas" panose="020B0609020204030204" pitchFamily="49" charset="0"/>
+              </a:rPr>
+              <a:t>(</a:t>
+            </a:r>
+            <a:r>
+              <a:rPr lang="en-US" sz="2000" b="0" dirty="0">
+                <a:solidFill>
+                  <a:srgbClr val="CE9178"/>
+                </a:solidFill>
+                <a:effectLst/>
+                <a:latin typeface="Consolas" panose="020B0609020204030204" pitchFamily="49" charset="0"/>
+              </a:rPr>
+              <a:t>"#input"</a:t>
+            </a:r>
+            <a:r>
+              <a:rPr lang="en-US" sz="2000" b="0" dirty="0">
+                <a:solidFill>
+                  <a:srgbClr val="D4D4D4"/>
+                </a:solidFill>
+                <a:effectLst/>
+                <a:latin typeface="Consolas" panose="020B0609020204030204" pitchFamily="49" charset="0"/>
+              </a:rPr>
+              <a:t>).</a:t>
+            </a:r>
+            <a:r>
+              <a:rPr lang="en-US" sz="2000" b="0" dirty="0" err="1">
+                <a:solidFill>
+                  <a:srgbClr val="0070C0"/>
+                </a:solidFill>
+                <a:effectLst/>
+                <a:latin typeface="Consolas" panose="020B0609020204030204" pitchFamily="49" charset="0"/>
+              </a:rPr>
+              <a:t>val</a:t>
+            </a:r>
+            <a:r>
+              <a:rPr lang="en-US" sz="2000" b="0" dirty="0">
+                <a:solidFill>
+                  <a:srgbClr val="0070C0"/>
+                </a:solidFill>
+                <a:effectLst/>
+                <a:latin typeface="Consolas" panose="020B0609020204030204" pitchFamily="49" charset="0"/>
+              </a:rPr>
+              <a:t>(“text changed!”)</a:t>
+            </a:r>
+          </a:p>
+          <a:p>
+            <a:pPr marL="457200" indent="-457200">
+              <a:buFont typeface="Arial" panose="020B0604020202020204" pitchFamily="34" charset="0"/>
+              <a:buChar char="•"/>
+            </a:pPr>
+            <a:r>
+              <a:rPr lang="en-US" sz="2000" dirty="0"/>
+              <a:t>Add an event to a button that when a user clicks it, show a text</a:t>
+            </a:r>
+          </a:p>
+          <a:p>
+            <a:pPr marL="457200" indent="-457200">
+              <a:buFont typeface="Arial" panose="020B0604020202020204" pitchFamily="34" charset="0"/>
+              <a:buChar char="•"/>
+            </a:pPr>
+            <a:endParaRPr lang="en-US" sz="2400" dirty="0"/>
+          </a:p>
+          <a:p>
+            <a:r>
+              <a:rPr lang="en-US" sz="2400" dirty="0"/>
+              <a:t>	</a:t>
             </a:r>
           </a:p>
         </p:txBody>
@@ -8143,7 +7824,7 @@
           <p:cNvPr id="3" name="Title 2">
             <a:extLst>
               <a:ext uri="{FF2B5EF4-FFF2-40B4-BE49-F238E27FC236}">
-                <a16:creationId xmlns:a16="http://schemas.microsoft.com/office/drawing/2014/main" id="{040CA3FA-813C-4AAE-85C1-26C53FF34FCB}"/>
+                <a16:creationId xmlns:a16="http://schemas.microsoft.com/office/drawing/2014/main" id="{894F934E-5525-490A-AECB-98B8450F553E}"/>
               </a:ext>
             </a:extLst>
           </p:cNvPr>
@@ -8163,101 +7844,7 @@
           <a:p>
             <a:r>
               <a:rPr lang="en-US" dirty="0"/>
-              <a:t>JS – for loop</a:t>
-            </a:r>
-          </a:p>
-        </p:txBody>
-      </p:sp>
-      <p:pic>
-        <p:nvPicPr>
-          <p:cNvPr id="7" name="Picture 6">
-            <a:extLst>
-              <a:ext uri="{FF2B5EF4-FFF2-40B4-BE49-F238E27FC236}">
-                <a16:creationId xmlns:a16="http://schemas.microsoft.com/office/drawing/2014/main" id="{D7971F24-6898-4F3C-96CE-4C43F4F43777}"/>
-              </a:ext>
-            </a:extLst>
-          </p:cNvPr>
-          <p:cNvPicPr>
-            <a:picLocks noChangeAspect="1"/>
-          </p:cNvPicPr>
-          <p:nvPr/>
-        </p:nvPicPr>
-        <p:blipFill rotWithShape="1">
-          <a:blip r:embed="rId2"/>
-          <a:srcRect r="7039" b="15058"/>
-          <a:stretch/>
-        </p:blipFill>
-        <p:spPr>
-          <a:xfrm>
-            <a:off x="4175505" y="3240496"/>
-            <a:ext cx="4968495" cy="1055104"/>
-          </a:xfrm>
-          <a:prstGeom prst="rect">
-            <a:avLst/>
-          </a:prstGeom>
-        </p:spPr>
-      </p:pic>
-      <p:pic>
-        <p:nvPicPr>
-          <p:cNvPr id="9" name="Picture 8">
-            <a:extLst>
-              <a:ext uri="{FF2B5EF4-FFF2-40B4-BE49-F238E27FC236}">
-                <a16:creationId xmlns:a16="http://schemas.microsoft.com/office/drawing/2014/main" id="{FD8F85C3-0A19-48FE-966B-655F7AA502DB}"/>
-              </a:ext>
-            </a:extLst>
-          </p:cNvPr>
-          <p:cNvPicPr>
-            <a:picLocks noChangeAspect="1"/>
-          </p:cNvPicPr>
-          <p:nvPr/>
-        </p:nvPicPr>
-        <p:blipFill>
-          <a:blip r:embed="rId3"/>
-          <a:stretch>
-            <a:fillRect/>
-          </a:stretch>
-        </p:blipFill>
-        <p:spPr>
-          <a:xfrm>
-            <a:off x="5615767" y="4902991"/>
-            <a:ext cx="3228975" cy="1114425"/>
-          </a:xfrm>
-          <a:prstGeom prst="rect">
-            <a:avLst/>
-          </a:prstGeom>
-        </p:spPr>
-      </p:pic>
-      <p:sp>
-        <p:nvSpPr>
-          <p:cNvPr id="11" name="TextBox 10">
-            <a:extLst>
-              <a:ext uri="{FF2B5EF4-FFF2-40B4-BE49-F238E27FC236}">
-                <a16:creationId xmlns:a16="http://schemas.microsoft.com/office/drawing/2014/main" id="{36C0E127-DBCA-448A-8952-F05B3C090C83}"/>
-              </a:ext>
-            </a:extLst>
-          </p:cNvPr>
-          <p:cNvSpPr txBox="1"/>
-          <p:nvPr/>
-        </p:nvSpPr>
-        <p:spPr>
-          <a:xfrm>
-            <a:off x="0" y="6498213"/>
-            <a:ext cx="8614881" cy="307777"/>
-          </a:xfrm>
-          <a:prstGeom prst="rect">
-            <a:avLst/>
-          </a:prstGeom>
-          <a:noFill/>
-        </p:spPr>
-        <p:txBody>
-          <a:bodyPr wrap="square">
-            <a:spAutoFit/>
-          </a:bodyPr>
-          <a:lstStyle/>
-          <a:p>
-            <a:r>
-              <a:rPr lang="en-US" sz="1400" dirty="0"/>
-              <a:t>Source: https://developer.mozilla.org/en-US/docs/Web/JavaScript/Guide/Loops_and_iteration</a:t>
+              <a:t>JS library: jQuery</a:t>
             </a:r>
           </a:p>
         </p:txBody>
@@ -8265,7 +7852,7 @@
     </p:spTree>
     <p:extLst>
       <p:ext uri="{BB962C8B-B14F-4D97-AF65-F5344CB8AC3E}">
-        <p14:creationId xmlns:p14="http://schemas.microsoft.com/office/powerpoint/2010/main" val="3106899446"/>
+        <p14:creationId xmlns:p14="http://schemas.microsoft.com/office/powerpoint/2010/main" val="2745171698"/>
       </p:ext>
     </p:extLst>
   </p:cSld>
@@ -8316,6 +7903,9 @@
           <a:bodyPr/>
           <a:lstStyle/>
           <a:p>
+            <a:endParaRPr lang="en-US" sz="1100" dirty="0"/>
+          </a:p>
+          <a:p>
             <a:r>
               <a:rPr lang="en-US" dirty="0"/>
               <a:t>By the end of this workshop, you should be able to:</a:t>
@@ -8339,16 +7929,6 @@
             <a:r>
               <a:rPr lang="en-US" dirty="0"/>
               <a:t>Report HTML, JavaScript, and CSS’s usages</a:t>
-            </a:r>
-          </a:p>
-          <a:p>
-            <a:pPr marL="457200" indent="-457200">
-              <a:buFont typeface="Arial" panose="020B0604020202020204" pitchFamily="34" charset="0"/>
-              <a:buChar char="•"/>
-            </a:pPr>
-            <a:r>
-              <a:rPr lang="en-US" dirty="0"/>
-              <a:t>Define</a:t>
             </a:r>
           </a:p>
           <a:p>
@@ -8454,383 +8034,6 @@
 </file>
 
 <file path=ppt/slides/slide20.xml><?xml version="1.0" encoding="utf-8"?>
-<p:sld xmlns:a="http://schemas.openxmlformats.org/drawingml/2006/main" xmlns:r="http://schemas.openxmlformats.org/officeDocument/2006/relationships" xmlns:p="http://schemas.openxmlformats.org/presentationml/2006/main">
-  <p:cSld>
-    <p:spTree>
-      <p:nvGrpSpPr>
-        <p:cNvPr id="1" name=""/>
-        <p:cNvGrpSpPr/>
-        <p:nvPr/>
-      </p:nvGrpSpPr>
-      <p:grpSpPr>
-        <a:xfrm>
-          <a:off x="0" y="0"/>
-          <a:ext cx="0" cy="0"/>
-          <a:chOff x="0" y="0"/>
-          <a:chExt cx="0" cy="0"/>
-        </a:xfrm>
-      </p:grpSpPr>
-      <p:sp>
-        <p:nvSpPr>
-          <p:cNvPr id="2" name="Content Placeholder 1">
-            <a:extLst>
-              <a:ext uri="{FF2B5EF4-FFF2-40B4-BE49-F238E27FC236}">
-                <a16:creationId xmlns:a16="http://schemas.microsoft.com/office/drawing/2014/main" id="{B5AB8213-E9D2-4EDA-BD92-229161BAE6A6}"/>
-              </a:ext>
-            </a:extLst>
-          </p:cNvPr>
-          <p:cNvSpPr>
-            <a:spLocks noGrp="1"/>
-          </p:cNvSpPr>
-          <p:nvPr>
-            <p:ph idx="16"/>
-          </p:nvPr>
-        </p:nvSpPr>
-        <p:spPr/>
-        <p:txBody>
-          <a:bodyPr/>
-          <a:lstStyle/>
-          <a:p>
-            <a:r>
-              <a:rPr lang="en-US" dirty="0"/>
-              <a:t>jQuery is a very useful library. Its function starts with </a:t>
-            </a:r>
-            <a:r>
-              <a:rPr lang="en-US" dirty="0">
-                <a:solidFill>
-                  <a:srgbClr val="C00000"/>
-                </a:solidFill>
-              </a:rPr>
-              <a:t>a dollar sign ($) </a:t>
-            </a:r>
-            <a:r>
-              <a:rPr lang="en-US" dirty="0"/>
-              <a:t>and usually two steps</a:t>
-            </a:r>
-          </a:p>
-          <a:p>
-            <a:endParaRPr lang="en-US" sz="2400" dirty="0"/>
-          </a:p>
-          <a:p>
-            <a:r>
-              <a:rPr lang="en-US" sz="2400" dirty="0"/>
-              <a:t>Step 1: select the object(s)</a:t>
-            </a:r>
-          </a:p>
-          <a:p>
-            <a:pPr marL="457200" indent="-457200">
-              <a:buFont typeface="Arial" panose="020B0604020202020204" pitchFamily="34" charset="0"/>
-              <a:buChar char="•"/>
-            </a:pPr>
-            <a:r>
-              <a:rPr lang="en-US" sz="2000" dirty="0"/>
-              <a:t>Select an object: </a:t>
-            </a:r>
-            <a:r>
-              <a:rPr lang="en-US" sz="2000" b="0" dirty="0">
-                <a:solidFill>
-                  <a:srgbClr val="9CDCFE"/>
-                </a:solidFill>
-                <a:effectLst/>
-                <a:latin typeface="Consolas" panose="020B0609020204030204" pitchFamily="49" charset="0"/>
-              </a:rPr>
-              <a:t>$</a:t>
-            </a:r>
-            <a:r>
-              <a:rPr lang="en-US" sz="2000" b="0" dirty="0">
-                <a:solidFill>
-                  <a:srgbClr val="D4D4D4"/>
-                </a:solidFill>
-                <a:effectLst/>
-                <a:latin typeface="Consolas" panose="020B0609020204030204" pitchFamily="49" charset="0"/>
-              </a:rPr>
-              <a:t>.(</a:t>
-            </a:r>
-            <a:r>
-              <a:rPr lang="en-US" sz="2000" b="0" dirty="0">
-                <a:solidFill>
-                  <a:srgbClr val="CE9178"/>
-                </a:solidFill>
-                <a:effectLst/>
-                <a:latin typeface="Consolas" panose="020B0609020204030204" pitchFamily="49" charset="0"/>
-              </a:rPr>
-              <a:t>"#</a:t>
-            </a:r>
-            <a:r>
-              <a:rPr lang="en-US" sz="2000" b="0" dirty="0" err="1">
-                <a:solidFill>
-                  <a:srgbClr val="CE9178"/>
-                </a:solidFill>
-                <a:effectLst/>
-                <a:latin typeface="Consolas" panose="020B0609020204030204" pitchFamily="49" charset="0"/>
-              </a:rPr>
-              <a:t>the_id</a:t>
-            </a:r>
-            <a:r>
-              <a:rPr lang="en-US" sz="2000" b="0" dirty="0">
-                <a:solidFill>
-                  <a:srgbClr val="CE9178"/>
-                </a:solidFill>
-                <a:effectLst/>
-                <a:latin typeface="Consolas" panose="020B0609020204030204" pitchFamily="49" charset="0"/>
-              </a:rPr>
-              <a:t>"</a:t>
-            </a:r>
-            <a:r>
-              <a:rPr lang="en-US" sz="2000" b="0" dirty="0">
-                <a:solidFill>
-                  <a:srgbClr val="D4D4D4"/>
-                </a:solidFill>
-                <a:effectLst/>
-                <a:latin typeface="Consolas" panose="020B0609020204030204" pitchFamily="49" charset="0"/>
-              </a:rPr>
-              <a:t>)</a:t>
-            </a:r>
-          </a:p>
-          <a:p>
-            <a:pPr marL="457200" indent="-457200">
-              <a:buFont typeface="Arial" panose="020B0604020202020204" pitchFamily="34" charset="0"/>
-              <a:buChar char="•"/>
-            </a:pPr>
-            <a:r>
-              <a:rPr lang="en-US" sz="2000" dirty="0"/>
-              <a:t>Select a class of objects: </a:t>
-            </a:r>
-            <a:r>
-              <a:rPr lang="en-US" sz="2000" b="0" dirty="0">
-                <a:solidFill>
-                  <a:srgbClr val="9CDCFE"/>
-                </a:solidFill>
-                <a:effectLst/>
-                <a:latin typeface="Consolas" panose="020B0609020204030204" pitchFamily="49" charset="0"/>
-              </a:rPr>
-              <a:t>$</a:t>
-            </a:r>
-            <a:r>
-              <a:rPr lang="en-US" sz="2000" b="0" dirty="0">
-                <a:solidFill>
-                  <a:srgbClr val="D4D4D4"/>
-                </a:solidFill>
-                <a:effectLst/>
-                <a:latin typeface="Consolas" panose="020B0609020204030204" pitchFamily="49" charset="0"/>
-              </a:rPr>
-              <a:t>.(</a:t>
-            </a:r>
-            <a:r>
-              <a:rPr lang="en-US" sz="2000" b="0" dirty="0">
-                <a:solidFill>
-                  <a:srgbClr val="CE9178"/>
-                </a:solidFill>
-                <a:effectLst/>
-                <a:latin typeface="Consolas" panose="020B0609020204030204" pitchFamily="49" charset="0"/>
-              </a:rPr>
-              <a:t>".</a:t>
-            </a:r>
-            <a:r>
-              <a:rPr lang="en-US" sz="2000" b="0" dirty="0" err="1">
-                <a:solidFill>
-                  <a:srgbClr val="CE9178"/>
-                </a:solidFill>
-                <a:effectLst/>
-                <a:latin typeface="Consolas" panose="020B0609020204030204" pitchFamily="49" charset="0"/>
-              </a:rPr>
-              <a:t>the_class</a:t>
-            </a:r>
-            <a:r>
-              <a:rPr lang="en-US" sz="2000" b="0" dirty="0">
-                <a:solidFill>
-                  <a:srgbClr val="CE9178"/>
-                </a:solidFill>
-                <a:effectLst/>
-                <a:latin typeface="Consolas" panose="020B0609020204030204" pitchFamily="49" charset="0"/>
-              </a:rPr>
-              <a:t>"</a:t>
-            </a:r>
-            <a:r>
-              <a:rPr lang="en-US" sz="2000" b="0" dirty="0">
-                <a:solidFill>
-                  <a:srgbClr val="D4D4D4"/>
-                </a:solidFill>
-                <a:effectLst/>
-                <a:latin typeface="Consolas" panose="020B0609020204030204" pitchFamily="49" charset="0"/>
-              </a:rPr>
-              <a:t>)</a:t>
-            </a:r>
-          </a:p>
-          <a:p>
-            <a:r>
-              <a:rPr lang="en-US" sz="2400" dirty="0"/>
-              <a:t>Step 2: </a:t>
-            </a:r>
-            <a:r>
-              <a:rPr lang="en-US" sz="2400" dirty="0">
-                <a:solidFill>
-                  <a:srgbClr val="C00000"/>
-                </a:solidFill>
-              </a:rPr>
-              <a:t>do something </a:t>
-            </a:r>
-            <a:r>
-              <a:rPr lang="en-US" sz="2400" dirty="0"/>
-              <a:t>or ask it </a:t>
-            </a:r>
-            <a:r>
-              <a:rPr lang="en-US" sz="2400" dirty="0">
-                <a:solidFill>
-                  <a:srgbClr val="C00000"/>
-                </a:solidFill>
-              </a:rPr>
-              <a:t>react</a:t>
-            </a:r>
-            <a:r>
-              <a:rPr lang="en-US" sz="2400" dirty="0"/>
-              <a:t> to something</a:t>
-            </a:r>
-          </a:p>
-          <a:p>
-            <a:pPr marL="457200" indent="-457200">
-              <a:buFont typeface="Arial" panose="020B0604020202020204" pitchFamily="34" charset="0"/>
-              <a:buChar char="•"/>
-            </a:pPr>
-            <a:r>
-              <a:rPr lang="en-US" sz="2000" dirty="0"/>
-              <a:t>Change the value of an input box: </a:t>
-            </a:r>
-          </a:p>
-          <a:p>
-            <a:r>
-              <a:rPr lang="en-US" sz="2000" b="0" dirty="0">
-                <a:solidFill>
-                  <a:srgbClr val="9CDCFE"/>
-                </a:solidFill>
-                <a:effectLst/>
-                <a:latin typeface="Consolas" panose="020B0609020204030204" pitchFamily="49" charset="0"/>
-              </a:rPr>
-              <a:t>	$</a:t>
-            </a:r>
-            <a:r>
-              <a:rPr lang="en-US" sz="2000" b="0" dirty="0">
-                <a:solidFill>
-                  <a:srgbClr val="D4D4D4"/>
-                </a:solidFill>
-                <a:effectLst/>
-                <a:latin typeface="Consolas" panose="020B0609020204030204" pitchFamily="49" charset="0"/>
-              </a:rPr>
-              <a:t>.(</a:t>
-            </a:r>
-            <a:r>
-              <a:rPr lang="en-US" sz="2000" b="0" dirty="0">
-                <a:solidFill>
-                  <a:srgbClr val="CE9178"/>
-                </a:solidFill>
-                <a:effectLst/>
-                <a:latin typeface="Consolas" panose="020B0609020204030204" pitchFamily="49" charset="0"/>
-              </a:rPr>
-              <a:t>"#input"</a:t>
-            </a:r>
-            <a:r>
-              <a:rPr lang="en-US" sz="2000" b="0" dirty="0">
-                <a:solidFill>
-                  <a:srgbClr val="D4D4D4"/>
-                </a:solidFill>
-                <a:effectLst/>
-                <a:latin typeface="Consolas" panose="020B0609020204030204" pitchFamily="49" charset="0"/>
-              </a:rPr>
-              <a:t>).</a:t>
-            </a:r>
-            <a:r>
-              <a:rPr lang="en-US" sz="2000" b="0" dirty="0" err="1">
-                <a:solidFill>
-                  <a:srgbClr val="0070C0"/>
-                </a:solidFill>
-                <a:effectLst/>
-                <a:latin typeface="Consolas" panose="020B0609020204030204" pitchFamily="49" charset="0"/>
-              </a:rPr>
-              <a:t>val</a:t>
-            </a:r>
-            <a:r>
-              <a:rPr lang="en-US" sz="2000" b="0" dirty="0">
-                <a:solidFill>
-                  <a:srgbClr val="0070C0"/>
-                </a:solidFill>
-                <a:effectLst/>
-                <a:latin typeface="Consolas" panose="020B0609020204030204" pitchFamily="49" charset="0"/>
-              </a:rPr>
-              <a:t>(“text changed!”)</a:t>
-            </a:r>
-          </a:p>
-          <a:p>
-            <a:pPr marL="457200" indent="-457200">
-              <a:buFont typeface="Arial" panose="020B0604020202020204" pitchFamily="34" charset="0"/>
-              <a:buChar char="•"/>
-            </a:pPr>
-            <a:r>
-              <a:rPr lang="en-US" sz="2000" dirty="0"/>
-              <a:t>Add an event to a button that when a user clicks it, show a text</a:t>
-            </a:r>
-          </a:p>
-          <a:p>
-            <a:pPr marL="457200" indent="-457200">
-              <a:buFont typeface="Arial" panose="020B0604020202020204" pitchFamily="34" charset="0"/>
-              <a:buChar char="•"/>
-            </a:pPr>
-            <a:endParaRPr lang="en-US" sz="2400" dirty="0"/>
-          </a:p>
-          <a:p>
-            <a:r>
-              <a:rPr lang="en-US" sz="2400" dirty="0"/>
-              <a:t>	</a:t>
-            </a:r>
-          </a:p>
-        </p:txBody>
-      </p:sp>
-      <p:sp>
-        <p:nvSpPr>
-          <p:cNvPr id="3" name="Title 2">
-            <a:extLst>
-              <a:ext uri="{FF2B5EF4-FFF2-40B4-BE49-F238E27FC236}">
-                <a16:creationId xmlns:a16="http://schemas.microsoft.com/office/drawing/2014/main" id="{894F934E-5525-490A-AECB-98B8450F553E}"/>
-              </a:ext>
-            </a:extLst>
-          </p:cNvPr>
-          <p:cNvSpPr>
-            <a:spLocks noGrp="1"/>
-          </p:cNvSpPr>
-          <p:nvPr>
-            <p:ph type="title"/>
-          </p:nvPr>
-        </p:nvSpPr>
-        <p:spPr/>
-        <p:txBody>
-          <a:bodyPr>
-            <a:normAutofit fontScale="90000"/>
-          </a:bodyPr>
-          <a:lstStyle/>
-          <a:p>
-            <a:r>
-              <a:rPr lang="en-US" dirty="0"/>
-              <a:t>JS library: jQuery</a:t>
-            </a:r>
-          </a:p>
-        </p:txBody>
-      </p:sp>
-    </p:spTree>
-    <p:extLst>
-      <p:ext uri="{BB962C8B-B14F-4D97-AF65-F5344CB8AC3E}">
-        <p14:creationId xmlns:p14="http://schemas.microsoft.com/office/powerpoint/2010/main" val="2745171698"/>
-      </p:ext>
-    </p:extLst>
-  </p:cSld>
-  <p:clrMapOvr>
-    <a:masterClrMapping/>
-  </p:clrMapOvr>
-  <p:transition spd="slow">
-    <p:fade/>
-  </p:transition>
-</p:sld>
-</file>
-
-<file path=ppt/slides/slide21.xml><?xml version="1.0" encoding="utf-8"?>
 <p:sld xmlns:a="http://schemas.openxmlformats.org/drawingml/2006/main" xmlns:r="http://schemas.openxmlformats.org/officeDocument/2006/relationships" xmlns:p="http://schemas.openxmlformats.org/presentationml/2006/main" show="0">
   <p:cSld>
     <p:spTree>
@@ -9129,7 +8332,7 @@
 </p:sld>
 </file>
 
-<file path=ppt/slides/slide22.xml><?xml version="1.0" encoding="utf-8"?>
+<file path=ppt/slides/slide21.xml><?xml version="1.0" encoding="utf-8"?>
 <p:sld xmlns:a="http://schemas.openxmlformats.org/drawingml/2006/main" xmlns:r="http://schemas.openxmlformats.org/officeDocument/2006/relationships" xmlns:p="http://schemas.openxmlformats.org/presentationml/2006/main">
   <p:cSld>
     <p:spTree>
@@ -9354,7 +8557,7 @@
 </p:sld>
 </file>
 
-<file path=ppt/slides/slide23.xml><?xml version="1.0" encoding="utf-8"?>
+<file path=ppt/slides/slide22.xml><?xml version="1.0" encoding="utf-8"?>
 <p:sld xmlns:a="http://schemas.openxmlformats.org/drawingml/2006/main" xmlns:r="http://schemas.openxmlformats.org/officeDocument/2006/relationships" xmlns:p="http://schemas.openxmlformats.org/presentationml/2006/main">
   <p:cSld>
     <p:spTree>
@@ -9467,7 +8670,7 @@
 </p:sld>
 </file>
 
-<file path=ppt/slides/slide24.xml><?xml version="1.0" encoding="utf-8"?>
+<file path=ppt/slides/slide23.xml><?xml version="1.0" encoding="utf-8"?>
 <p:sld xmlns:a="http://schemas.openxmlformats.org/drawingml/2006/main" xmlns:r="http://schemas.openxmlformats.org/officeDocument/2006/relationships" xmlns:p="http://schemas.openxmlformats.org/presentationml/2006/main">
   <p:cSld>
     <p:spTree>
@@ -10156,7 +9359,7 @@
 </p:sld>
 </file>
 
-<file path=ppt/slides/slide25.xml><?xml version="1.0" encoding="utf-8"?>
+<file path=ppt/slides/slide24.xml><?xml version="1.0" encoding="utf-8"?>
 <p:sld xmlns:a="http://schemas.openxmlformats.org/drawingml/2006/main" xmlns:r="http://schemas.openxmlformats.org/officeDocument/2006/relationships" xmlns:p="http://schemas.openxmlformats.org/presentationml/2006/main">
   <p:cSld>
     <p:spTree>
@@ -10230,17 +9433,7 @@
             </a:pPr>
             <a:r>
               <a:rPr lang="en-US" dirty="0"/>
-              <a:t>Try templates and libraries (bootstrap)</a:t>
-            </a:r>
-          </a:p>
-          <a:p>
-            <a:pPr marL="457200" indent="-457200">
-              <a:buFont typeface="Arial" panose="020B0604020202020204" pitchFamily="34" charset="0"/>
-              <a:buChar char="•"/>
-            </a:pPr>
-            <a:r>
-              <a:rPr lang="en-US" dirty="0"/>
-              <a:t>Can adjust according to demands</a:t>
+              <a:t>Try templates and libraries</a:t>
             </a:r>
           </a:p>
         </p:txBody>
@@ -10291,7 +9484,7 @@
 </p:sld>
 </file>
 
-<file path=ppt/slides/slide26.xml><?xml version="1.0" encoding="utf-8"?>
+<file path=ppt/slides/slide25.xml><?xml version="1.0" encoding="utf-8"?>
 <p:sld xmlns:a="http://schemas.openxmlformats.org/drawingml/2006/main" xmlns:r="http://schemas.openxmlformats.org/officeDocument/2006/relationships" xmlns:p="http://schemas.openxmlformats.org/presentationml/2006/main">
   <p:cSld>
     <p:spTree>
@@ -10542,7 +9735,7 @@
 </p:sld>
 </file>
 
-<file path=ppt/slides/slide27.xml><?xml version="1.0" encoding="utf-8"?>
+<file path=ppt/slides/slide26.xml><?xml version="1.0" encoding="utf-8"?>
 <p:sld xmlns:a="http://schemas.openxmlformats.org/drawingml/2006/main" xmlns:r="http://schemas.openxmlformats.org/officeDocument/2006/relationships" xmlns:p="http://schemas.openxmlformats.org/presentationml/2006/main">
   <p:cSld>
     <p:spTree>
@@ -10752,6 +9945,119 @@
 </p:sld>
 </file>
 
+<file path=ppt/slides/slide27.xml><?xml version="1.0" encoding="utf-8"?>
+<p:sld xmlns:a="http://schemas.openxmlformats.org/drawingml/2006/main" xmlns:r="http://schemas.openxmlformats.org/officeDocument/2006/relationships" xmlns:p="http://schemas.openxmlformats.org/presentationml/2006/main">
+  <p:cSld>
+    <p:spTree>
+      <p:nvGrpSpPr>
+        <p:cNvPr id="1" name=""/>
+        <p:cNvGrpSpPr/>
+        <p:nvPr/>
+      </p:nvGrpSpPr>
+      <p:grpSpPr>
+        <a:xfrm>
+          <a:off x="0" y="0"/>
+          <a:ext cx="0" cy="0"/>
+          <a:chOff x="0" y="0"/>
+          <a:chExt cx="0" cy="0"/>
+        </a:xfrm>
+      </p:grpSpPr>
+      <p:sp>
+        <p:nvSpPr>
+          <p:cNvPr id="2" name="Content Placeholder 1">
+            <a:extLst>
+              <a:ext uri="{FF2B5EF4-FFF2-40B4-BE49-F238E27FC236}">
+                <a16:creationId xmlns:a16="http://schemas.microsoft.com/office/drawing/2014/main" id="{4B9AFBFD-5A65-4BEC-A88F-09E77DA27AA0}"/>
+              </a:ext>
+            </a:extLst>
+          </p:cNvPr>
+          <p:cNvSpPr>
+            <a:spLocks noGrp="1"/>
+          </p:cNvSpPr>
+          <p:nvPr>
+            <p:ph idx="15"/>
+          </p:nvPr>
+        </p:nvSpPr>
+        <p:spPr/>
+        <p:txBody>
+          <a:bodyPr/>
+          <a:lstStyle/>
+          <a:p>
+            <a:endParaRPr lang="en-US"/>
+          </a:p>
+        </p:txBody>
+      </p:sp>
+      <p:sp>
+        <p:nvSpPr>
+          <p:cNvPr id="3" name="Content Placeholder 2">
+            <a:extLst>
+              <a:ext uri="{FF2B5EF4-FFF2-40B4-BE49-F238E27FC236}">
+                <a16:creationId xmlns:a16="http://schemas.microsoft.com/office/drawing/2014/main" id="{1BF0B2C7-D0ED-415A-8230-830D5D7B25CE}"/>
+              </a:ext>
+            </a:extLst>
+          </p:cNvPr>
+          <p:cNvSpPr>
+            <a:spLocks noGrp="1"/>
+          </p:cNvSpPr>
+          <p:nvPr>
+            <p:ph idx="16"/>
+          </p:nvPr>
+        </p:nvSpPr>
+        <p:spPr/>
+        <p:txBody>
+          <a:bodyPr/>
+          <a:lstStyle/>
+          <a:p>
+            <a:r>
+              <a:rPr lang="en-US" dirty="0"/>
+              <a:t>Web Browser</a:t>
+            </a:r>
+          </a:p>
+        </p:txBody>
+      </p:sp>
+      <p:sp>
+        <p:nvSpPr>
+          <p:cNvPr id="4" name="Title 3">
+            <a:extLst>
+              <a:ext uri="{FF2B5EF4-FFF2-40B4-BE49-F238E27FC236}">
+                <a16:creationId xmlns:a16="http://schemas.microsoft.com/office/drawing/2014/main" id="{E7944F9F-599E-488D-B927-69684F220F82}"/>
+              </a:ext>
+            </a:extLst>
+          </p:cNvPr>
+          <p:cNvSpPr>
+            <a:spLocks noGrp="1"/>
+          </p:cNvSpPr>
+          <p:nvPr>
+            <p:ph type="title"/>
+          </p:nvPr>
+        </p:nvSpPr>
+        <p:spPr/>
+        <p:txBody>
+          <a:bodyPr>
+            <a:normAutofit fontScale="90000"/>
+          </a:bodyPr>
+          <a:lstStyle/>
+          <a:p>
+            <a:endParaRPr lang="en-US"/>
+          </a:p>
+        </p:txBody>
+      </p:sp>
+    </p:spTree>
+    <p:extLst>
+      <p:ext uri="{BB962C8B-B14F-4D97-AF65-F5344CB8AC3E}">
+        <p14:creationId xmlns:p14="http://schemas.microsoft.com/office/powerpoint/2010/main" val="925213326"/>
+      </p:ext>
+    </p:extLst>
+  </p:cSld>
+  <p:clrMapOvr>
+    <a:masterClrMapping/>
+  </p:clrMapOvr>
+  <p:transition spd="slow">
+    <p:fade/>
+  </p:transition>
+</p:sld>
+</file>
+
 <file path=ppt/slides/slide28.xml><?xml version="1.0" encoding="utf-8"?>
 <p:sld xmlns:a="http://schemas.openxmlformats.org/drawingml/2006/main" xmlns:r="http://schemas.openxmlformats.org/officeDocument/2006/relationships" xmlns:p="http://schemas.openxmlformats.org/presentationml/2006/main">
   <p:cSld>
@@ -10774,32 +10080,7 @@
           <p:cNvPr id="2" name="Content Placeholder 1">
             <a:extLst>
               <a:ext uri="{FF2B5EF4-FFF2-40B4-BE49-F238E27FC236}">
-                <a16:creationId xmlns:a16="http://schemas.microsoft.com/office/drawing/2014/main" id="{4B9AFBFD-5A65-4BEC-A88F-09E77DA27AA0}"/>
-              </a:ext>
-            </a:extLst>
-          </p:cNvPr>
-          <p:cNvSpPr>
-            <a:spLocks noGrp="1"/>
-          </p:cNvSpPr>
-          <p:nvPr>
-            <p:ph idx="15"/>
-          </p:nvPr>
-        </p:nvSpPr>
-        <p:spPr/>
-        <p:txBody>
-          <a:bodyPr/>
-          <a:lstStyle/>
-          <a:p>
-            <a:endParaRPr lang="en-US"/>
-          </a:p>
-        </p:txBody>
-      </p:sp>
-      <p:sp>
-        <p:nvSpPr>
-          <p:cNvPr id="3" name="Content Placeholder 2">
-            <a:extLst>
-              <a:ext uri="{FF2B5EF4-FFF2-40B4-BE49-F238E27FC236}">
-                <a16:creationId xmlns:a16="http://schemas.microsoft.com/office/drawing/2014/main" id="{1BF0B2C7-D0ED-415A-8230-830D5D7B25CE}"/>
+                <a16:creationId xmlns:a16="http://schemas.microsoft.com/office/drawing/2014/main" id="{D3C5DA6A-C79E-4A86-8FA6-1BC531DCAD84}"/>
               </a:ext>
             </a:extLst>
           </p:cNvPr>
@@ -10810,24 +10091,61 @@
             <p:ph idx="16"/>
           </p:nvPr>
         </p:nvSpPr>
-        <p:spPr/>
+        <p:spPr>
+          <a:xfrm>
+            <a:off x="306916" y="1927765"/>
+            <a:ext cx="8990542" cy="4417350"/>
+          </a:xfrm>
+        </p:spPr>
         <p:txBody>
           <a:bodyPr/>
           <a:lstStyle/>
           <a:p>
             <a:r>
-              <a:rPr lang="en-US" dirty="0"/>
-              <a:t>Web Browser</a:t>
-            </a:r>
-          </a:p>
-        </p:txBody>
-      </p:sp>
-      <p:sp>
-        <p:nvSpPr>
-          <p:cNvPr id="4" name="Title 3">
-            <a:extLst>
-              <a:ext uri="{FF2B5EF4-FFF2-40B4-BE49-F238E27FC236}">
-                <a16:creationId xmlns:a16="http://schemas.microsoft.com/office/drawing/2014/main" id="{E7944F9F-599E-488D-B927-69684F220F82}"/>
+              <a:rPr lang="en-US" sz="2400" dirty="0"/>
+              <a:t>It is a software that translate online HTML/JS/CSS codes into contents</a:t>
+            </a:r>
+          </a:p>
+          <a:p>
+            <a:r>
+              <a:rPr lang="en-US" sz="2400" dirty="0"/>
+              <a:t>Debug window: press F12 or right click -&gt; inspect</a:t>
+            </a:r>
+          </a:p>
+          <a:p>
+            <a:pPr marL="457200" indent="-457200">
+              <a:buFont typeface="Arial" panose="020B0604020202020204" pitchFamily="34" charset="0"/>
+              <a:buChar char="•"/>
+            </a:pPr>
+            <a:r>
+              <a:rPr lang="en-US" sz="2400" dirty="0"/>
+              <a:t>Inspector: show elements in current HTML</a:t>
+            </a:r>
+          </a:p>
+          <a:p>
+            <a:pPr marL="457200" indent="-457200">
+              <a:buFont typeface="Arial" panose="020B0604020202020204" pitchFamily="34" charset="0"/>
+              <a:buChar char="•"/>
+            </a:pPr>
+            <a:r>
+              <a:rPr lang="en-US" sz="2400" dirty="0"/>
+              <a:t>   : pick element on page and show HTML code</a:t>
+            </a:r>
+          </a:p>
+          <a:p>
+            <a:endParaRPr lang="en-US" sz="2400" dirty="0"/>
+          </a:p>
+          <a:p>
+            <a:endParaRPr lang="en-US" sz="2400" dirty="0"/>
+          </a:p>
+        </p:txBody>
+      </p:sp>
+      <p:sp>
+        <p:nvSpPr>
+          <p:cNvPr id="3" name="Title 2">
+            <a:extLst>
+              <a:ext uri="{FF2B5EF4-FFF2-40B4-BE49-F238E27FC236}">
+                <a16:creationId xmlns:a16="http://schemas.microsoft.com/office/drawing/2014/main" id="{365C3A9D-A39E-4AAB-860A-303462A6E1F6}"/>
               </a:ext>
             </a:extLst>
           </p:cNvPr>
@@ -10845,6 +10163,168 @@
           </a:bodyPr>
           <a:lstStyle/>
           <a:p>
+            <a:r>
+              <a:rPr lang="en-US" dirty="0"/>
+              <a:t>Understand your browser</a:t>
+            </a:r>
+          </a:p>
+        </p:txBody>
+      </p:sp>
+      <p:pic>
+        <p:nvPicPr>
+          <p:cNvPr id="5" name="Picture 4">
+            <a:extLst>
+              <a:ext uri="{FF2B5EF4-FFF2-40B4-BE49-F238E27FC236}">
+                <a16:creationId xmlns:a16="http://schemas.microsoft.com/office/drawing/2014/main" id="{478633B8-B427-4B81-B094-D64FD5119A6B}"/>
+              </a:ext>
+            </a:extLst>
+          </p:cNvPr>
+          <p:cNvPicPr>
+            <a:picLocks noChangeAspect="1"/>
+          </p:cNvPicPr>
+          <p:nvPr/>
+        </p:nvPicPr>
+        <p:blipFill>
+          <a:blip r:embed="rId3"/>
+          <a:stretch>
+            <a:fillRect/>
+          </a:stretch>
+        </p:blipFill>
+        <p:spPr>
+          <a:xfrm>
+            <a:off x="215758" y="4531110"/>
+            <a:ext cx="5568593" cy="2277337"/>
+          </a:xfrm>
+          <a:prstGeom prst="rect">
+            <a:avLst/>
+          </a:prstGeom>
+        </p:spPr>
+      </p:pic>
+      <p:sp>
+        <p:nvSpPr>
+          <p:cNvPr id="6" name="TextBox 5">
+            <a:extLst>
+              <a:ext uri="{FF2B5EF4-FFF2-40B4-BE49-F238E27FC236}">
+                <a16:creationId xmlns:a16="http://schemas.microsoft.com/office/drawing/2014/main" id="{1B896D18-C78B-423C-92C8-514E700D3C9A}"/>
+              </a:ext>
+            </a:extLst>
+          </p:cNvPr>
+          <p:cNvSpPr txBox="1"/>
+          <p:nvPr/>
+        </p:nvSpPr>
+        <p:spPr>
+          <a:xfrm>
+            <a:off x="6143946" y="4531110"/>
+            <a:ext cx="2846596" cy="2031325"/>
+          </a:xfrm>
+          <a:prstGeom prst="rect">
+            <a:avLst/>
+          </a:prstGeom>
+          <a:noFill/>
+        </p:spPr>
+        <p:txBody>
+          <a:bodyPr wrap="square" rtlCol="0">
+            <a:spAutoFit/>
+          </a:bodyPr>
+          <a:lstStyle/>
+          <a:p>
+            <a:r>
+              <a:rPr lang="en-US" dirty="0"/>
+              <a:t>Important: </a:t>
+            </a:r>
+          </a:p>
+          <a:p>
+            <a:r>
+              <a:rPr lang="en-US" dirty="0"/>
+              <a:t>Current HTML may be different from the original HTML file you wrote, because </a:t>
+            </a:r>
+            <a:r>
+              <a:rPr lang="en-US" dirty="0">
+                <a:solidFill>
+                  <a:srgbClr val="C00000"/>
+                </a:solidFill>
+              </a:rPr>
+              <a:t>your JS files will add and change the contents</a:t>
+            </a:r>
+          </a:p>
+        </p:txBody>
+      </p:sp>
+      <p:pic>
+        <p:nvPicPr>
+          <p:cNvPr id="8" name="Picture 7">
+            <a:extLst>
+              <a:ext uri="{FF2B5EF4-FFF2-40B4-BE49-F238E27FC236}">
+                <a16:creationId xmlns:a16="http://schemas.microsoft.com/office/drawing/2014/main" id="{FAAE1766-CC1F-4846-9436-B21B7A8AC689}"/>
+              </a:ext>
+            </a:extLst>
+          </p:cNvPr>
+          <p:cNvPicPr>
+            <a:picLocks noChangeAspect="1"/>
+          </p:cNvPicPr>
+          <p:nvPr/>
+        </p:nvPicPr>
+        <p:blipFill>
+          <a:blip r:embed="rId4"/>
+          <a:stretch>
+            <a:fillRect/>
+          </a:stretch>
+        </p:blipFill>
+        <p:spPr>
+          <a:xfrm>
+            <a:off x="626772" y="3901090"/>
+            <a:ext cx="390525" cy="333375"/>
+          </a:xfrm>
+          <a:prstGeom prst="rect">
+            <a:avLst/>
+          </a:prstGeom>
+        </p:spPr>
+      </p:pic>
+      <p:sp>
+        <p:nvSpPr>
+          <p:cNvPr id="9" name="Oval 8">
+            <a:extLst>
+              <a:ext uri="{FF2B5EF4-FFF2-40B4-BE49-F238E27FC236}">
+                <a16:creationId xmlns:a16="http://schemas.microsoft.com/office/drawing/2014/main" id="{2CBD93A0-4722-45D6-AD57-B90DEB081BB8}"/>
+              </a:ext>
+            </a:extLst>
+          </p:cNvPr>
+          <p:cNvSpPr/>
+          <p:nvPr/>
+        </p:nvSpPr>
+        <p:spPr>
+          <a:xfrm>
+            <a:off x="3000054" y="4465550"/>
+            <a:ext cx="421240" cy="256647"/>
+          </a:xfrm>
+          <a:prstGeom prst="ellipse">
+            <a:avLst/>
+          </a:prstGeom>
+          <a:noFill/>
+          <a:ln w="38100">
+            <a:solidFill>
+              <a:srgbClr val="C00000"/>
+            </a:solidFill>
+          </a:ln>
+        </p:spPr>
+        <p:style>
+          <a:lnRef idx="1">
+            <a:schemeClr val="accent1"/>
+          </a:lnRef>
+          <a:fillRef idx="3">
+            <a:schemeClr val="accent1"/>
+          </a:fillRef>
+          <a:effectRef idx="2">
+            <a:schemeClr val="accent1"/>
+          </a:effectRef>
+          <a:fontRef idx="minor">
+            <a:schemeClr val="lt1"/>
+          </a:fontRef>
+        </p:style>
+        <p:txBody>
+          <a:bodyPr rtlCol="0" anchor="ctr"/>
+          <a:lstStyle/>
+          <a:p>
+            <a:pPr algn="ctr"/>
             <a:endParaRPr lang="en-US"/>
           </a:p>
         </p:txBody>
@@ -10852,7 +10332,7 @@
     </p:spTree>
     <p:extLst>
       <p:ext uri="{BB962C8B-B14F-4D97-AF65-F5344CB8AC3E}">
-        <p14:creationId xmlns:p14="http://schemas.microsoft.com/office/powerpoint/2010/main" val="925213326"/>
+        <p14:creationId xmlns:p14="http://schemas.microsoft.com/office/powerpoint/2010/main" val="2378935507"/>
       </p:ext>
     </p:extLst>
   </p:cSld>
@@ -10887,7 +10367,7 @@
           <p:cNvPr id="2" name="Content Placeholder 1">
             <a:extLst>
               <a:ext uri="{FF2B5EF4-FFF2-40B4-BE49-F238E27FC236}">
-                <a16:creationId xmlns:a16="http://schemas.microsoft.com/office/drawing/2014/main" id="{D3C5DA6A-C79E-4A86-8FA6-1BC531DCAD84}"/>
+                <a16:creationId xmlns:a16="http://schemas.microsoft.com/office/drawing/2014/main" id="{91027C69-F1D9-413A-84DA-CE674078A38C}"/>
               </a:ext>
             </a:extLst>
           </p:cNvPr>
@@ -10898,25 +10378,14 @@
             <p:ph idx="16"/>
           </p:nvPr>
         </p:nvSpPr>
-        <p:spPr>
-          <a:xfrm>
-            <a:off x="153458" y="1847538"/>
-            <a:ext cx="8990542" cy="4417350"/>
-          </a:xfrm>
-        </p:spPr>
+        <p:spPr/>
         <p:txBody>
           <a:bodyPr/>
           <a:lstStyle/>
           <a:p>
             <a:r>
               <a:rPr lang="en-US" dirty="0"/>
-              <a:t>It is a software that translate online HTML/JS/CSS codes into contents</a:t>
-            </a:r>
-          </a:p>
-          <a:p>
-            <a:r>
-              <a:rPr lang="en-US" dirty="0"/>
-              <a:t>Debug window: press F12 or right click -&gt; inspect</a:t>
+              <a:t>This is the JavaScript console for the current page</a:t>
             </a:r>
           </a:p>
           <a:p>
@@ -10925,8 +10394,16 @@
               <a:buChar char="•"/>
             </a:pPr>
             <a:r>
-              <a:rPr lang="en-US" dirty="0"/>
-              <a:t>Inspector: show elements in current HTML</a:t>
+              <a:rPr lang="en-US" dirty="0">
+                <a:solidFill>
+                  <a:srgbClr val="C00000"/>
+                </a:solidFill>
+              </a:rPr>
+              <a:t>console.log(): </a:t>
+            </a:r>
+            <a:r>
+              <a:rPr lang="en-US" dirty="0"/>
+              <a:t>Like print() in Python and R</a:t>
             </a:r>
           </a:p>
           <a:p>
@@ -10936,14 +10413,44 @@
             </a:pPr>
             <a:r>
               <a:rPr lang="en-US" dirty="0"/>
-              <a:t>   : pick element on page and show HTML code</a:t>
-            </a:r>
-          </a:p>
-          <a:p>
-            <a:endParaRPr lang="en-US" dirty="0"/>
-          </a:p>
-          <a:p>
-            <a:endParaRPr lang="en-US" dirty="0"/>
+              <a:t>Console will show the information printed from your JS code. </a:t>
+            </a:r>
+            <a:r>
+              <a:rPr lang="en-US" dirty="0">
+                <a:solidFill>
+                  <a:srgbClr val="C00000"/>
+                </a:solidFill>
+              </a:rPr>
+              <a:t>Very useful for simple debug</a:t>
+            </a:r>
+          </a:p>
+          <a:p>
+            <a:pPr marL="457200" indent="-457200">
+              <a:buFont typeface="Arial" panose="020B0604020202020204" pitchFamily="34" charset="0"/>
+              <a:buChar char="•"/>
+            </a:pPr>
+            <a:r>
+              <a:rPr lang="en-US" dirty="0"/>
+              <a:t>You can change the current HTML contents by typing commands</a:t>
+            </a:r>
+          </a:p>
+          <a:p>
+            <a:r>
+              <a:rPr lang="en-US" dirty="0"/>
+              <a:t>	</a:t>
+            </a:r>
+            <a:r>
+              <a:rPr lang="en-US" sz="2000" dirty="0"/>
+              <a:t>For example, type </a:t>
+            </a:r>
+            <a:r>
+              <a:rPr lang="en-US" sz="2000" dirty="0" err="1"/>
+              <a:t>document.body.innerHTML</a:t>
+            </a:r>
+            <a:r>
+              <a:rPr lang="en-US" sz="2000" dirty="0"/>
+              <a:t> = “” in any page</a:t>
+            </a:r>
           </a:p>
         </p:txBody>
       </p:sp>
@@ -10952,7 +10459,7 @@
           <p:cNvPr id="3" name="Title 2">
             <a:extLst>
               <a:ext uri="{FF2B5EF4-FFF2-40B4-BE49-F238E27FC236}">
-                <a16:creationId xmlns:a16="http://schemas.microsoft.com/office/drawing/2014/main" id="{365C3A9D-A39E-4AAB-860A-303462A6E1F6}"/>
+                <a16:creationId xmlns:a16="http://schemas.microsoft.com/office/drawing/2014/main" id="{4E5229CD-17A6-4E9C-89D0-D7EAD9097CA7}"/>
               </a:ext>
             </a:extLst>
           </p:cNvPr>
@@ -10972,17 +10479,17 @@
           <a:p>
             <a:r>
               <a:rPr lang="en-US" dirty="0"/>
-              <a:t>Understand your browser</a:t>
+              <a:t>Web console</a:t>
             </a:r>
           </a:p>
         </p:txBody>
       </p:sp>
       <p:pic>
         <p:nvPicPr>
-          <p:cNvPr id="5" name="Picture 4">
-            <a:extLst>
-              <a:ext uri="{FF2B5EF4-FFF2-40B4-BE49-F238E27FC236}">
-                <a16:creationId xmlns:a16="http://schemas.microsoft.com/office/drawing/2014/main" id="{478633B8-B427-4B81-B094-D64FD5119A6B}"/>
+          <p:cNvPr id="6" name="Picture 5">
+            <a:extLst>
+              <a:ext uri="{FF2B5EF4-FFF2-40B4-BE49-F238E27FC236}">
+                <a16:creationId xmlns:a16="http://schemas.microsoft.com/office/drawing/2014/main" id="{333AF42F-C5FD-44A9-A928-2A77E5E701ED}"/>
               </a:ext>
             </a:extLst>
           </p:cNvPr>
@@ -10992,76 +10499,27 @@
           <p:nvPr/>
         </p:nvPicPr>
         <p:blipFill>
-          <a:blip r:embed="rId3"/>
+          <a:blip r:embed="rId2"/>
           <a:stretch>
             <a:fillRect/>
           </a:stretch>
         </p:blipFill>
         <p:spPr>
           <a:xfrm>
-            <a:off x="215758" y="4531110"/>
-            <a:ext cx="5568593" cy="2277337"/>
+            <a:off x="171129" y="5623234"/>
+            <a:ext cx="3829050" cy="1057275"/>
           </a:xfrm>
           <a:prstGeom prst="rect">
             <a:avLst/>
           </a:prstGeom>
         </p:spPr>
       </p:pic>
-      <p:sp>
-        <p:nvSpPr>
-          <p:cNvPr id="6" name="TextBox 5">
-            <a:extLst>
-              <a:ext uri="{FF2B5EF4-FFF2-40B4-BE49-F238E27FC236}">
-                <a16:creationId xmlns:a16="http://schemas.microsoft.com/office/drawing/2014/main" id="{1B896D18-C78B-423C-92C8-514E700D3C9A}"/>
-              </a:ext>
-            </a:extLst>
-          </p:cNvPr>
-          <p:cNvSpPr txBox="1"/>
-          <p:nvPr/>
-        </p:nvSpPr>
-        <p:spPr>
-          <a:xfrm>
-            <a:off x="6143946" y="4531110"/>
-            <a:ext cx="2846596" cy="2031325"/>
-          </a:xfrm>
-          <a:prstGeom prst="rect">
-            <a:avLst/>
-          </a:prstGeom>
-          <a:noFill/>
-        </p:spPr>
-        <p:txBody>
-          <a:bodyPr wrap="square" rtlCol="0">
-            <a:spAutoFit/>
-          </a:bodyPr>
-          <a:lstStyle/>
-          <a:p>
-            <a:r>
-              <a:rPr lang="en-US" dirty="0"/>
-              <a:t>Important: </a:t>
-            </a:r>
-          </a:p>
-          <a:p>
-            <a:r>
-              <a:rPr lang="en-US" dirty="0"/>
-              <a:t>Current HTML may be different from the original HTML file you wrote, because </a:t>
-            </a:r>
-            <a:r>
-              <a:rPr lang="en-US" dirty="0">
-                <a:solidFill>
-                  <a:srgbClr val="C00000"/>
-                </a:solidFill>
-              </a:rPr>
-              <a:t>your JS files will add and change the contents</a:t>
-            </a:r>
-          </a:p>
-        </p:txBody>
-      </p:sp>
       <p:pic>
         <p:nvPicPr>
           <p:cNvPr id="8" name="Picture 7">
             <a:extLst>
               <a:ext uri="{FF2B5EF4-FFF2-40B4-BE49-F238E27FC236}">
-                <a16:creationId xmlns:a16="http://schemas.microsoft.com/office/drawing/2014/main" id="{FAAE1766-CC1F-4846-9436-B21B7A8AC689}"/>
+                <a16:creationId xmlns:a16="http://schemas.microsoft.com/office/drawing/2014/main" id="{C8A29F6B-5F06-4082-9B41-599C75D6B0B3}"/>
               </a:ext>
             </a:extLst>
           </p:cNvPr>
@@ -11070,16 +10528,15 @@
           </p:cNvPicPr>
           <p:nvPr/>
         </p:nvPicPr>
-        <p:blipFill>
-          <a:blip r:embed="rId4"/>
-          <a:stretch>
-            <a:fillRect/>
-          </a:stretch>
+        <p:blipFill rotWithShape="1">
+          <a:blip r:embed="rId3"/>
+          <a:srcRect r="65168"/>
+          <a:stretch/>
         </p:blipFill>
         <p:spPr>
           <a:xfrm>
-            <a:off x="616447" y="4136440"/>
-            <a:ext cx="390525" cy="333375"/>
+            <a:off x="5578868" y="5543283"/>
+            <a:ext cx="3184989" cy="1253383"/>
           </a:xfrm>
           <a:prstGeom prst="rect">
             <a:avLst/>
@@ -11088,10 +10545,10 @@
       </p:pic>
       <p:sp>
         <p:nvSpPr>
-          <p:cNvPr id="9" name="Oval 8">
-            <a:extLst>
-              <a:ext uri="{FF2B5EF4-FFF2-40B4-BE49-F238E27FC236}">
-                <a16:creationId xmlns:a16="http://schemas.microsoft.com/office/drawing/2014/main" id="{2CBD93A0-4722-45D6-AD57-B90DEB081BB8}"/>
+          <p:cNvPr id="9" name="Arrow: Right 8">
+            <a:extLst>
+              <a:ext uri="{FF2B5EF4-FFF2-40B4-BE49-F238E27FC236}">
+                <a16:creationId xmlns:a16="http://schemas.microsoft.com/office/drawing/2014/main" id="{3F521FCE-F8D8-40D8-81C2-2028DAB83FD8}"/>
               </a:ext>
             </a:extLst>
           </p:cNvPr>
@@ -11100,18 +10557,15 @@
         </p:nvSpPr>
         <p:spPr>
           <a:xfrm>
-            <a:off x="3000054" y="4465550"/>
-            <a:ext cx="421240" cy="256647"/>
+            <a:off x="4296364" y="5828041"/>
+            <a:ext cx="986319" cy="683865"/>
           </a:xfrm>
-          <a:prstGeom prst="ellipse">
+          <a:prstGeom prst="rightArrow">
             <a:avLst/>
           </a:prstGeom>
-          <a:noFill/>
-          <a:ln w="38100">
-            <a:solidFill>
-              <a:srgbClr val="C00000"/>
-            </a:solidFill>
-          </a:ln>
+          <a:solidFill>
+            <a:srgbClr val="0070C0"/>
+          </a:solidFill>
         </p:spPr>
         <p:style>
           <a:lnRef idx="1">
@@ -11139,7 +10593,7 @@
     </p:spTree>
     <p:extLst>
       <p:ext uri="{BB962C8B-B14F-4D97-AF65-F5344CB8AC3E}">
-        <p14:creationId xmlns:p14="http://schemas.microsoft.com/office/powerpoint/2010/main" val="2378935507"/>
+        <p14:creationId xmlns:p14="http://schemas.microsoft.com/office/powerpoint/2010/main" val="724705107"/>
       </p:ext>
     </p:extLst>
   </p:cSld>
@@ -11190,9 +10644,12 @@
           <a:bodyPr/>
           <a:lstStyle/>
           <a:p>
-            <a:r>
-              <a:rPr lang="en-US" sz="3200" dirty="0"/>
-              <a:t>0.  Short survey</a:t>
+            <a:endParaRPr lang="en-US" sz="1200" dirty="0"/>
+          </a:p>
+          <a:p>
+            <a:r>
+              <a:rPr lang="en-US" dirty="0"/>
+              <a:t>0. Short survey</a:t>
             </a:r>
           </a:p>
           <a:p>
@@ -11201,7 +10658,7 @@
               <a:buAutoNum type="arabicPeriod"/>
             </a:pPr>
             <a:r>
-              <a:rPr lang="en-US" sz="3200" dirty="0"/>
+              <a:rPr lang="en-US" dirty="0"/>
               <a:t>Minilecture (4:05 – 4:35pm EST)</a:t>
             </a:r>
           </a:p>
@@ -11211,7 +10668,7 @@
               <a:buAutoNum type="arabicPeriod"/>
             </a:pPr>
             <a:r>
-              <a:rPr lang="en-US" sz="3200" dirty="0"/>
+              <a:rPr lang="en-US" dirty="0"/>
               <a:t>Front-end lab (4:35pm – 5:10pm)</a:t>
             </a:r>
           </a:p>
@@ -11221,7 +10678,7 @@
               <a:buAutoNum type="arabicPeriod"/>
             </a:pPr>
             <a:r>
-              <a:rPr lang="en-US" sz="3200" dirty="0"/>
+              <a:rPr lang="en-US" dirty="0"/>
               <a:t>Short break and Q&amp;A for front-end part (5:10 – 5:20pm)</a:t>
             </a:r>
           </a:p>
@@ -11231,7 +10688,7 @@
               <a:buAutoNum type="arabicPeriod"/>
             </a:pPr>
             <a:r>
-              <a:rPr lang="en-US" sz="3200" dirty="0"/>
+              <a:rPr lang="en-US" dirty="0"/>
               <a:t>Back-end lab (5:20pm – 5:50pm)</a:t>
             </a:r>
           </a:p>
@@ -11241,7 +10698,7 @@
               <a:buAutoNum type="arabicPeriod"/>
             </a:pPr>
             <a:r>
-              <a:rPr lang="en-US" sz="3200" dirty="0"/>
+              <a:rPr lang="en-US" dirty="0"/>
               <a:t>Free Q&amp;A time and short survey (5:50pm – 6:00pm)</a:t>
             </a:r>
           </a:p>
@@ -11250,7 +10707,7 @@
               <a:buFont typeface="+mj-lt"/>
               <a:buAutoNum type="arabicPeriod"/>
             </a:pPr>
-            <a:endParaRPr lang="en-US" dirty="0"/>
+            <a:endParaRPr lang="en-US" sz="2400" dirty="0"/>
           </a:p>
         </p:txBody>
       </p:sp>
@@ -11301,267 +10758,6 @@
 </file>
 
 <file path=ppt/slides/slide30.xml><?xml version="1.0" encoding="utf-8"?>
-<p:sld xmlns:a="http://schemas.openxmlformats.org/drawingml/2006/main" xmlns:r="http://schemas.openxmlformats.org/officeDocument/2006/relationships" xmlns:p="http://schemas.openxmlformats.org/presentationml/2006/main">
-  <p:cSld>
-    <p:spTree>
-      <p:nvGrpSpPr>
-        <p:cNvPr id="1" name=""/>
-        <p:cNvGrpSpPr/>
-        <p:nvPr/>
-      </p:nvGrpSpPr>
-      <p:grpSpPr>
-        <a:xfrm>
-          <a:off x="0" y="0"/>
-          <a:ext cx="0" cy="0"/>
-          <a:chOff x="0" y="0"/>
-          <a:chExt cx="0" cy="0"/>
-        </a:xfrm>
-      </p:grpSpPr>
-      <p:sp>
-        <p:nvSpPr>
-          <p:cNvPr id="2" name="Content Placeholder 1">
-            <a:extLst>
-              <a:ext uri="{FF2B5EF4-FFF2-40B4-BE49-F238E27FC236}">
-                <a16:creationId xmlns:a16="http://schemas.microsoft.com/office/drawing/2014/main" id="{91027C69-F1D9-413A-84DA-CE674078A38C}"/>
-              </a:ext>
-            </a:extLst>
-          </p:cNvPr>
-          <p:cNvSpPr>
-            <a:spLocks noGrp="1"/>
-          </p:cNvSpPr>
-          <p:nvPr>
-            <p:ph idx="16"/>
-          </p:nvPr>
-        </p:nvSpPr>
-        <p:spPr/>
-        <p:txBody>
-          <a:bodyPr/>
-          <a:lstStyle/>
-          <a:p>
-            <a:r>
-              <a:rPr lang="en-US" dirty="0"/>
-              <a:t>This is the JavaScript console for the current page</a:t>
-            </a:r>
-          </a:p>
-          <a:p>
-            <a:pPr marL="457200" indent="-457200">
-              <a:buFont typeface="Arial" panose="020B0604020202020204" pitchFamily="34" charset="0"/>
-              <a:buChar char="•"/>
-            </a:pPr>
-            <a:r>
-              <a:rPr lang="en-US" dirty="0">
-                <a:solidFill>
-                  <a:srgbClr val="C00000"/>
-                </a:solidFill>
-              </a:rPr>
-              <a:t>console.log(): </a:t>
-            </a:r>
-            <a:r>
-              <a:rPr lang="en-US" dirty="0"/>
-              <a:t>Like print() in Python and R</a:t>
-            </a:r>
-          </a:p>
-          <a:p>
-            <a:pPr marL="457200" indent="-457200">
-              <a:buFont typeface="Arial" panose="020B0604020202020204" pitchFamily="34" charset="0"/>
-              <a:buChar char="•"/>
-            </a:pPr>
-            <a:r>
-              <a:rPr lang="en-US" dirty="0"/>
-              <a:t>Console will show the information printed from your JS code. </a:t>
-            </a:r>
-            <a:r>
-              <a:rPr lang="en-US" dirty="0">
-                <a:solidFill>
-                  <a:srgbClr val="C00000"/>
-                </a:solidFill>
-              </a:rPr>
-              <a:t>Very useful for simple debug</a:t>
-            </a:r>
-          </a:p>
-          <a:p>
-            <a:pPr marL="457200" indent="-457200">
-              <a:buFont typeface="Arial" panose="020B0604020202020204" pitchFamily="34" charset="0"/>
-              <a:buChar char="•"/>
-            </a:pPr>
-            <a:r>
-              <a:rPr lang="en-US" dirty="0"/>
-              <a:t>You can change the current HTML contents by typing commands</a:t>
-            </a:r>
-          </a:p>
-          <a:p>
-            <a:r>
-              <a:rPr lang="en-US" dirty="0"/>
-              <a:t>	</a:t>
-            </a:r>
-            <a:r>
-              <a:rPr lang="en-US" sz="2000" dirty="0"/>
-              <a:t>For example, type </a:t>
-            </a:r>
-            <a:r>
-              <a:rPr lang="en-US" sz="2000" dirty="0" err="1"/>
-              <a:t>document.body.innerHTML</a:t>
-            </a:r>
-            <a:r>
-              <a:rPr lang="en-US" sz="2000" dirty="0"/>
-              <a:t> = “” in any page</a:t>
-            </a:r>
-          </a:p>
-        </p:txBody>
-      </p:sp>
-      <p:sp>
-        <p:nvSpPr>
-          <p:cNvPr id="3" name="Title 2">
-            <a:extLst>
-              <a:ext uri="{FF2B5EF4-FFF2-40B4-BE49-F238E27FC236}">
-                <a16:creationId xmlns:a16="http://schemas.microsoft.com/office/drawing/2014/main" id="{4E5229CD-17A6-4E9C-89D0-D7EAD9097CA7}"/>
-              </a:ext>
-            </a:extLst>
-          </p:cNvPr>
-          <p:cNvSpPr>
-            <a:spLocks noGrp="1"/>
-          </p:cNvSpPr>
-          <p:nvPr>
-            <p:ph type="title"/>
-          </p:nvPr>
-        </p:nvSpPr>
-        <p:spPr/>
-        <p:txBody>
-          <a:bodyPr>
-            <a:normAutofit fontScale="90000"/>
-          </a:bodyPr>
-          <a:lstStyle/>
-          <a:p>
-            <a:r>
-              <a:rPr lang="en-US" dirty="0"/>
-              <a:t>Web console</a:t>
-            </a:r>
-          </a:p>
-        </p:txBody>
-      </p:sp>
-      <p:pic>
-        <p:nvPicPr>
-          <p:cNvPr id="6" name="Picture 5">
-            <a:extLst>
-              <a:ext uri="{FF2B5EF4-FFF2-40B4-BE49-F238E27FC236}">
-                <a16:creationId xmlns:a16="http://schemas.microsoft.com/office/drawing/2014/main" id="{333AF42F-C5FD-44A9-A928-2A77E5E701ED}"/>
-              </a:ext>
-            </a:extLst>
-          </p:cNvPr>
-          <p:cNvPicPr>
-            <a:picLocks noChangeAspect="1"/>
-          </p:cNvPicPr>
-          <p:nvPr/>
-        </p:nvPicPr>
-        <p:blipFill>
-          <a:blip r:embed="rId2"/>
-          <a:stretch>
-            <a:fillRect/>
-          </a:stretch>
-        </p:blipFill>
-        <p:spPr>
-          <a:xfrm>
-            <a:off x="171129" y="5623234"/>
-            <a:ext cx="3829050" cy="1057275"/>
-          </a:xfrm>
-          <a:prstGeom prst="rect">
-            <a:avLst/>
-          </a:prstGeom>
-        </p:spPr>
-      </p:pic>
-      <p:pic>
-        <p:nvPicPr>
-          <p:cNvPr id="8" name="Picture 7">
-            <a:extLst>
-              <a:ext uri="{FF2B5EF4-FFF2-40B4-BE49-F238E27FC236}">
-                <a16:creationId xmlns:a16="http://schemas.microsoft.com/office/drawing/2014/main" id="{C8A29F6B-5F06-4082-9B41-599C75D6B0B3}"/>
-              </a:ext>
-            </a:extLst>
-          </p:cNvPr>
-          <p:cNvPicPr>
-            <a:picLocks noChangeAspect="1"/>
-          </p:cNvPicPr>
-          <p:nvPr/>
-        </p:nvPicPr>
-        <p:blipFill rotWithShape="1">
-          <a:blip r:embed="rId3"/>
-          <a:srcRect r="65168"/>
-          <a:stretch/>
-        </p:blipFill>
-        <p:spPr>
-          <a:xfrm>
-            <a:off x="5578868" y="5543283"/>
-            <a:ext cx="3184989" cy="1253383"/>
-          </a:xfrm>
-          <a:prstGeom prst="rect">
-            <a:avLst/>
-          </a:prstGeom>
-        </p:spPr>
-      </p:pic>
-      <p:sp>
-        <p:nvSpPr>
-          <p:cNvPr id="9" name="Arrow: Right 8">
-            <a:extLst>
-              <a:ext uri="{FF2B5EF4-FFF2-40B4-BE49-F238E27FC236}">
-                <a16:creationId xmlns:a16="http://schemas.microsoft.com/office/drawing/2014/main" id="{3F521FCE-F8D8-40D8-81C2-2028DAB83FD8}"/>
-              </a:ext>
-            </a:extLst>
-          </p:cNvPr>
-          <p:cNvSpPr/>
-          <p:nvPr/>
-        </p:nvSpPr>
-        <p:spPr>
-          <a:xfrm>
-            <a:off x="4296364" y="5828041"/>
-            <a:ext cx="986319" cy="683865"/>
-          </a:xfrm>
-          <a:prstGeom prst="rightArrow">
-            <a:avLst/>
-          </a:prstGeom>
-          <a:solidFill>
-            <a:srgbClr val="0070C0"/>
-          </a:solidFill>
-        </p:spPr>
-        <p:style>
-          <a:lnRef idx="1">
-            <a:schemeClr val="accent1"/>
-          </a:lnRef>
-          <a:fillRef idx="3">
-            <a:schemeClr val="accent1"/>
-          </a:fillRef>
-          <a:effectRef idx="2">
-            <a:schemeClr val="accent1"/>
-          </a:effectRef>
-          <a:fontRef idx="minor">
-            <a:schemeClr val="lt1"/>
-          </a:fontRef>
-        </p:style>
-        <p:txBody>
-          <a:bodyPr rtlCol="0" anchor="ctr"/>
-          <a:lstStyle/>
-          <a:p>
-            <a:pPr algn="ctr"/>
-            <a:endParaRPr lang="en-US"/>
-          </a:p>
-        </p:txBody>
-      </p:sp>
-    </p:spTree>
-    <p:extLst>
-      <p:ext uri="{BB962C8B-B14F-4D97-AF65-F5344CB8AC3E}">
-        <p14:creationId xmlns:p14="http://schemas.microsoft.com/office/powerpoint/2010/main" val="724705107"/>
-      </p:ext>
-    </p:extLst>
-  </p:cSld>
-  <p:clrMapOvr>
-    <a:masterClrMapping/>
-  </p:clrMapOvr>
-  <p:transition spd="slow">
-    <p:fade/>
-  </p:transition>
-</p:sld>
-</file>
-
-<file path=ppt/slides/slide31.xml><?xml version="1.0" encoding="utf-8"?>
 <p:sld xmlns:a="http://schemas.openxmlformats.org/drawingml/2006/main" xmlns:r="http://schemas.openxmlformats.org/officeDocument/2006/relationships" xmlns:p="http://schemas.openxmlformats.org/presentationml/2006/main" show="0">
   <p:cSld>
     <p:spTree>
@@ -11696,6 +10892,225 @@
 </p:sld>
 </file>
 
+<file path=ppt/slides/slide31.xml><?xml version="1.0" encoding="utf-8"?>
+<p:sld xmlns:a="http://schemas.openxmlformats.org/drawingml/2006/main" xmlns:r="http://schemas.openxmlformats.org/officeDocument/2006/relationships" xmlns:p="http://schemas.openxmlformats.org/presentationml/2006/main">
+  <p:cSld>
+    <p:spTree>
+      <p:nvGrpSpPr>
+        <p:cNvPr id="1" name=""/>
+        <p:cNvGrpSpPr/>
+        <p:nvPr/>
+      </p:nvGrpSpPr>
+      <p:grpSpPr>
+        <a:xfrm>
+          <a:off x="0" y="0"/>
+          <a:ext cx="0" cy="0"/>
+          <a:chOff x="0" y="0"/>
+          <a:chExt cx="0" cy="0"/>
+        </a:xfrm>
+      </p:grpSpPr>
+      <p:sp>
+        <p:nvSpPr>
+          <p:cNvPr id="2" name="Content Placeholder 1">
+            <a:extLst>
+              <a:ext uri="{FF2B5EF4-FFF2-40B4-BE49-F238E27FC236}">
+                <a16:creationId xmlns:a16="http://schemas.microsoft.com/office/drawing/2014/main" id="{5D061FA0-82F6-4C4F-A13F-18509B298754}"/>
+              </a:ext>
+            </a:extLst>
+          </p:cNvPr>
+          <p:cNvSpPr>
+            <a:spLocks noGrp="1"/>
+          </p:cNvSpPr>
+          <p:nvPr>
+            <p:ph idx="16"/>
+          </p:nvPr>
+        </p:nvSpPr>
+        <p:spPr>
+          <a:xfrm>
+            <a:off x="306916" y="1734522"/>
+            <a:ext cx="8415844" cy="4417350"/>
+          </a:xfrm>
+        </p:spPr>
+        <p:txBody>
+          <a:bodyPr/>
+          <a:lstStyle/>
+          <a:p>
+            <a:r>
+              <a:rPr lang="en-US" sz="2400" dirty="0"/>
+              <a:t>Cross-origin resource sharing (</a:t>
+            </a:r>
+            <a:r>
+              <a:rPr lang="en-US" sz="2400" b="1" dirty="0"/>
+              <a:t>CORS</a:t>
+            </a:r>
+            <a:r>
+              <a:rPr lang="en-US" sz="2400" dirty="0"/>
+              <a:t>) is a rule that </a:t>
+            </a:r>
+            <a:r>
+              <a:rPr lang="en-US" sz="2400" dirty="0">
+                <a:solidFill>
+                  <a:srgbClr val="C00000"/>
+                </a:solidFill>
+              </a:rPr>
+              <a:t>websites cannot request resources from other domains</a:t>
+            </a:r>
+          </a:p>
+          <a:p>
+            <a:pPr marL="342900" indent="-342900">
+              <a:buFont typeface="Arial" panose="020B0604020202020204" pitchFamily="34" charset="0"/>
+              <a:buChar char="•"/>
+            </a:pPr>
+            <a:r>
+              <a:rPr lang="en-US" sz="2000" b="1" dirty="0"/>
+              <a:t>aaa.com </a:t>
+            </a:r>
+            <a:r>
+              <a:rPr lang="en-US" sz="2000" dirty="0"/>
+              <a:t>cannot directly request a CSV file hosted on </a:t>
+            </a:r>
+            <a:r>
+              <a:rPr lang="en-US" sz="2000" b="1" dirty="0"/>
+              <a:t>bbb.com unless bbb.com explicitly says so</a:t>
+            </a:r>
+            <a:r>
+              <a:rPr lang="en-US" sz="2000" dirty="0"/>
+              <a:t>, </a:t>
+            </a:r>
+            <a:r>
+              <a:rPr lang="en-US" sz="2000" dirty="0">
+                <a:solidFill>
+                  <a:srgbClr val="C00000"/>
+                </a:solidFill>
+              </a:rPr>
+              <a:t>even if it is a public file. </a:t>
+            </a:r>
+            <a:r>
+              <a:rPr lang="en-US" sz="2000" dirty="0">
+                <a:solidFill>
+                  <a:schemeClr val="tx1"/>
+                </a:solidFill>
+              </a:rPr>
+              <a:t>This includes </a:t>
+            </a:r>
+            <a:r>
+              <a:rPr lang="en-US" sz="2000" dirty="0">
+                <a:solidFill>
+                  <a:srgbClr val="C00000"/>
+                </a:solidFill>
+              </a:rPr>
+              <a:t>local files</a:t>
+            </a:r>
+            <a:r>
+              <a:rPr lang="en-US" sz="2000" dirty="0">
+                <a:solidFill>
+                  <a:schemeClr val="tx1"/>
+                </a:solidFill>
+              </a:rPr>
+              <a:t>.</a:t>
+            </a:r>
+          </a:p>
+          <a:p>
+            <a:pPr marL="342900" indent="-342900">
+              <a:buFont typeface="Arial" panose="020B0604020202020204" pitchFamily="34" charset="0"/>
+              <a:buChar char="•"/>
+            </a:pPr>
+            <a:r>
+              <a:rPr lang="en-US" sz="2000" dirty="0"/>
+              <a:t>Instead, aaa.com can only request resources with aaa.com domains, such as aaa.com/file.csv</a:t>
+            </a:r>
+          </a:p>
+          <a:p>
+            <a:pPr marL="342900" indent="-342900">
+              <a:buFont typeface="Arial" panose="020B0604020202020204" pitchFamily="34" charset="0"/>
+              <a:buChar char="•"/>
+            </a:pPr>
+            <a:r>
+              <a:rPr lang="en-US" sz="2000" dirty="0"/>
+              <a:t>It is enforced by most web browsers</a:t>
+            </a:r>
+          </a:p>
+          <a:p>
+            <a:endParaRPr lang="en-US" sz="2000" dirty="0"/>
+          </a:p>
+          <a:p>
+            <a:r>
+              <a:rPr lang="en-US" sz="2000" dirty="0"/>
+              <a:t>Solutions for local development:</a:t>
+            </a:r>
+          </a:p>
+          <a:p>
+            <a:pPr marL="457200" indent="-457200">
+              <a:buFont typeface="+mj-lt"/>
+              <a:buAutoNum type="arabicPeriod"/>
+            </a:pPr>
+            <a:r>
+              <a:rPr lang="en-US" sz="2000" dirty="0"/>
+              <a:t>Start a local server (localhost)</a:t>
+            </a:r>
+          </a:p>
+          <a:p>
+            <a:pPr marL="457200" indent="-457200">
+              <a:buFont typeface="+mj-lt"/>
+              <a:buAutoNum type="arabicPeriod"/>
+            </a:pPr>
+            <a:r>
+              <a:rPr lang="en-US" sz="2000" dirty="0">
+                <a:solidFill>
+                  <a:srgbClr val="C00000"/>
+                </a:solidFill>
+              </a:rPr>
+              <a:t>Use Firefox developer edition and CORS everywhere plugin</a:t>
+            </a:r>
+          </a:p>
+        </p:txBody>
+      </p:sp>
+      <p:sp>
+        <p:nvSpPr>
+          <p:cNvPr id="3" name="Title 2">
+            <a:extLst>
+              <a:ext uri="{FF2B5EF4-FFF2-40B4-BE49-F238E27FC236}">
+                <a16:creationId xmlns:a16="http://schemas.microsoft.com/office/drawing/2014/main" id="{CD055D9A-B3F2-4C90-8E75-A449F9889C21}"/>
+              </a:ext>
+            </a:extLst>
+          </p:cNvPr>
+          <p:cNvSpPr>
+            <a:spLocks noGrp="1"/>
+          </p:cNvSpPr>
+          <p:nvPr>
+            <p:ph type="title"/>
+          </p:nvPr>
+        </p:nvSpPr>
+        <p:spPr/>
+        <p:txBody>
+          <a:bodyPr>
+            <a:normAutofit fontScale="90000"/>
+          </a:bodyPr>
+          <a:lstStyle/>
+          <a:p>
+            <a:r>
+              <a:rPr lang="en-US" dirty="0"/>
+              <a:t>CORS restrictions</a:t>
+            </a:r>
+          </a:p>
+        </p:txBody>
+      </p:sp>
+    </p:spTree>
+    <p:extLst>
+      <p:ext uri="{BB962C8B-B14F-4D97-AF65-F5344CB8AC3E}">
+        <p14:creationId xmlns:p14="http://schemas.microsoft.com/office/powerpoint/2010/main" val="1119536342"/>
+      </p:ext>
+    </p:extLst>
+  </p:cSld>
+  <p:clrMapOvr>
+    <a:masterClrMapping/>
+  </p:clrMapOvr>
+  <p:transition spd="slow">
+    <p:fade/>
+  </p:transition>
+</p:sld>
+</file>
+
 <file path=ppt/slides/slide32.xml><?xml version="1.0" encoding="utf-8"?>
 <p:sld xmlns:a="http://schemas.openxmlformats.org/drawingml/2006/main" xmlns:r="http://schemas.openxmlformats.org/officeDocument/2006/relationships" xmlns:p="http://schemas.openxmlformats.org/presentationml/2006/main">
   <p:cSld>
@@ -11718,220 +11133,6 @@
           <p:cNvPr id="2" name="Content Placeholder 1">
             <a:extLst>
               <a:ext uri="{FF2B5EF4-FFF2-40B4-BE49-F238E27FC236}">
-                <a16:creationId xmlns:a16="http://schemas.microsoft.com/office/drawing/2014/main" id="{5D061FA0-82F6-4C4F-A13F-18509B298754}"/>
-              </a:ext>
-            </a:extLst>
-          </p:cNvPr>
-          <p:cNvSpPr>
-            <a:spLocks noGrp="1"/>
-          </p:cNvSpPr>
-          <p:nvPr>
-            <p:ph idx="16"/>
-          </p:nvPr>
-        </p:nvSpPr>
-        <p:spPr/>
-        <p:txBody>
-          <a:bodyPr/>
-          <a:lstStyle/>
-          <a:p>
-            <a:r>
-              <a:rPr lang="en-US" sz="2400" dirty="0"/>
-              <a:t>Cross-origin resource sharing (</a:t>
-            </a:r>
-            <a:r>
-              <a:rPr lang="en-US" sz="2400" b="1" dirty="0"/>
-              <a:t>CORS</a:t>
-            </a:r>
-            <a:r>
-              <a:rPr lang="en-US" sz="2400" dirty="0"/>
-              <a:t>) is a rule that </a:t>
-            </a:r>
-            <a:r>
-              <a:rPr lang="en-US" sz="2400" dirty="0">
-                <a:solidFill>
-                  <a:srgbClr val="C00000"/>
-                </a:solidFill>
-              </a:rPr>
-              <a:t>websites cannot request resources from other domains</a:t>
-            </a:r>
-          </a:p>
-          <a:p>
-            <a:pPr marL="342900" indent="-342900">
-              <a:buFont typeface="Arial" panose="020B0604020202020204" pitchFamily="34" charset="0"/>
-              <a:buChar char="•"/>
-            </a:pPr>
-            <a:r>
-              <a:rPr lang="en-US" sz="2000" b="1" dirty="0"/>
-              <a:t>aaa.com </a:t>
-            </a:r>
-            <a:r>
-              <a:rPr lang="en-US" sz="2000" dirty="0"/>
-              <a:t>cannot directly request a CSV file hosted on </a:t>
-            </a:r>
-            <a:r>
-              <a:rPr lang="en-US" sz="2000" b="1" dirty="0"/>
-              <a:t>bbb.com</a:t>
-            </a:r>
-            <a:r>
-              <a:rPr lang="en-US" sz="2000" dirty="0"/>
-              <a:t>, </a:t>
-            </a:r>
-            <a:r>
-              <a:rPr lang="en-US" sz="2000" dirty="0">
-                <a:solidFill>
-                  <a:srgbClr val="C00000"/>
-                </a:solidFill>
-              </a:rPr>
-              <a:t>even if it is a public file. </a:t>
-            </a:r>
-            <a:r>
-              <a:rPr lang="en-US" sz="2000" dirty="0">
-                <a:solidFill>
-                  <a:schemeClr val="tx1"/>
-                </a:solidFill>
-              </a:rPr>
-              <a:t>This includes </a:t>
-            </a:r>
-            <a:r>
-              <a:rPr lang="en-US" sz="2000" dirty="0">
-                <a:solidFill>
-                  <a:srgbClr val="C00000"/>
-                </a:solidFill>
-              </a:rPr>
-              <a:t>local files</a:t>
-            </a:r>
-            <a:r>
-              <a:rPr lang="en-US" sz="2000" dirty="0">
-                <a:solidFill>
-                  <a:schemeClr val="tx1"/>
-                </a:solidFill>
-              </a:rPr>
-              <a:t>.</a:t>
-            </a:r>
-          </a:p>
-          <a:p>
-            <a:pPr marL="342900" indent="-342900">
-              <a:buFont typeface="Arial" panose="020B0604020202020204" pitchFamily="34" charset="0"/>
-              <a:buChar char="•"/>
-            </a:pPr>
-            <a:r>
-              <a:rPr lang="en-US" sz="2000" dirty="0"/>
-              <a:t>Instead, aaa.com can only request resources with aaa.com domains, such as aaa.com/file.csv</a:t>
-            </a:r>
-          </a:p>
-          <a:p>
-            <a:pPr marL="342900" indent="-342900">
-              <a:buFont typeface="Arial" panose="020B0604020202020204" pitchFamily="34" charset="0"/>
-              <a:buChar char="•"/>
-            </a:pPr>
-            <a:r>
-              <a:rPr lang="en-US" sz="2000" dirty="0"/>
-              <a:t>It is enforced by most web browsers</a:t>
-            </a:r>
-          </a:p>
-          <a:p>
-            <a:endParaRPr lang="en-US" sz="2000" dirty="0"/>
-          </a:p>
-          <a:p>
-            <a:r>
-              <a:rPr lang="en-US" sz="2400" dirty="0"/>
-              <a:t>Solutions for local development:</a:t>
-            </a:r>
-          </a:p>
-          <a:p>
-            <a:pPr marL="457200" indent="-457200">
-              <a:buFont typeface="+mj-lt"/>
-              <a:buAutoNum type="arabicPeriod"/>
-            </a:pPr>
-            <a:r>
-              <a:rPr lang="en-US" sz="2400" dirty="0"/>
-              <a:t>Start a local server (localhost)</a:t>
-            </a:r>
-          </a:p>
-          <a:p>
-            <a:pPr marL="457200" indent="-457200">
-              <a:buFont typeface="+mj-lt"/>
-              <a:buAutoNum type="arabicPeriod"/>
-            </a:pPr>
-            <a:r>
-              <a:rPr lang="en-US" sz="2400" dirty="0">
-                <a:solidFill>
-                  <a:srgbClr val="C00000"/>
-                </a:solidFill>
-              </a:rPr>
-              <a:t>Use Firefox developer edition and CORS everywhere plugin</a:t>
-            </a:r>
-          </a:p>
-        </p:txBody>
-      </p:sp>
-      <p:sp>
-        <p:nvSpPr>
-          <p:cNvPr id="3" name="Title 2">
-            <a:extLst>
-              <a:ext uri="{FF2B5EF4-FFF2-40B4-BE49-F238E27FC236}">
-                <a16:creationId xmlns:a16="http://schemas.microsoft.com/office/drawing/2014/main" id="{CD055D9A-B3F2-4C90-8E75-A449F9889C21}"/>
-              </a:ext>
-            </a:extLst>
-          </p:cNvPr>
-          <p:cNvSpPr>
-            <a:spLocks noGrp="1"/>
-          </p:cNvSpPr>
-          <p:nvPr>
-            <p:ph type="title"/>
-          </p:nvPr>
-        </p:nvSpPr>
-        <p:spPr/>
-        <p:txBody>
-          <a:bodyPr>
-            <a:normAutofit fontScale="90000"/>
-          </a:bodyPr>
-          <a:lstStyle/>
-          <a:p>
-            <a:r>
-              <a:rPr lang="en-US" dirty="0"/>
-              <a:t>CORS restrictions</a:t>
-            </a:r>
-          </a:p>
-        </p:txBody>
-      </p:sp>
-    </p:spTree>
-    <p:extLst>
-      <p:ext uri="{BB962C8B-B14F-4D97-AF65-F5344CB8AC3E}">
-        <p14:creationId xmlns:p14="http://schemas.microsoft.com/office/powerpoint/2010/main" val="1119536342"/>
-      </p:ext>
-    </p:extLst>
-  </p:cSld>
-  <p:clrMapOvr>
-    <a:masterClrMapping/>
-  </p:clrMapOvr>
-  <p:transition spd="slow">
-    <p:fade/>
-  </p:transition>
-</p:sld>
-</file>
-
-<file path=ppt/slides/slide33.xml><?xml version="1.0" encoding="utf-8"?>
-<p:sld xmlns:a="http://schemas.openxmlformats.org/drawingml/2006/main" xmlns:r="http://schemas.openxmlformats.org/officeDocument/2006/relationships" xmlns:p="http://schemas.openxmlformats.org/presentationml/2006/main">
-  <p:cSld>
-    <p:spTree>
-      <p:nvGrpSpPr>
-        <p:cNvPr id="1" name=""/>
-        <p:cNvGrpSpPr/>
-        <p:nvPr/>
-      </p:nvGrpSpPr>
-      <p:grpSpPr>
-        <a:xfrm>
-          <a:off x="0" y="0"/>
-          <a:ext cx="0" cy="0"/>
-          <a:chOff x="0" y="0"/>
-          <a:chExt cx="0" cy="0"/>
-        </a:xfrm>
-      </p:grpSpPr>
-      <p:sp>
-        <p:nvSpPr>
-          <p:cNvPr id="2" name="Content Placeholder 1">
-            <a:extLst>
-              <a:ext uri="{FF2B5EF4-FFF2-40B4-BE49-F238E27FC236}">
                 <a16:creationId xmlns:a16="http://schemas.microsoft.com/office/drawing/2014/main" id="{290E7EE8-4115-42CB-B5F0-95323C91222D}"/>
               </a:ext>
             </a:extLst>
@@ -12023,7 +11224,7 @@
 </p:sld>
 </file>
 
-<file path=ppt/slides/slide34.xml><?xml version="1.0" encoding="utf-8"?>
+<file path=ppt/slides/slide33.xml><?xml version="1.0" encoding="utf-8"?>
 <p:sld xmlns:a="http://schemas.openxmlformats.org/drawingml/2006/main" xmlns:r="http://schemas.openxmlformats.org/officeDocument/2006/relationships" xmlns:p="http://schemas.openxmlformats.org/presentationml/2006/main">
   <p:cSld>
     <p:spTree>
@@ -12749,7 +11950,7 @@
 </p:sld>
 </file>
 
-<file path=ppt/slides/slide35.xml><?xml version="1.0" encoding="utf-8"?>
+<file path=ppt/slides/slide34.xml><?xml version="1.0" encoding="utf-8"?>
 <p:sld xmlns:a="http://schemas.openxmlformats.org/drawingml/2006/main" xmlns:r="http://schemas.openxmlformats.org/officeDocument/2006/relationships" xmlns:p="http://schemas.openxmlformats.org/presentationml/2006/main">
   <p:cSld>
     <p:spTree>
@@ -13278,7 +12479,7 @@
 </p:sld>
 </file>
 
-<file path=ppt/slides/slide36.xml><?xml version="1.0" encoding="utf-8"?>
+<file path=ppt/slides/slide35.xml><?xml version="1.0" encoding="utf-8"?>
 <p:sld xmlns:a="http://schemas.openxmlformats.org/drawingml/2006/main" xmlns:r="http://schemas.openxmlformats.org/officeDocument/2006/relationships" xmlns:p="http://schemas.openxmlformats.org/presentationml/2006/main">
   <p:cSld>
     <p:spTree>
@@ -13429,6 +12630,169 @@
     <p:extLst>
       <p:ext uri="{BB962C8B-B14F-4D97-AF65-F5344CB8AC3E}">
         <p14:creationId xmlns:p14="http://schemas.microsoft.com/office/powerpoint/2010/main" val="3023814088"/>
+      </p:ext>
+    </p:extLst>
+  </p:cSld>
+  <p:clrMapOvr>
+    <a:masterClrMapping/>
+  </p:clrMapOvr>
+  <p:transition spd="slow">
+    <p:fade/>
+  </p:transition>
+</p:sld>
+</file>
+
+<file path=ppt/slides/slide36.xml><?xml version="1.0" encoding="utf-8"?>
+<p:sld xmlns:a="http://schemas.openxmlformats.org/drawingml/2006/main" xmlns:r="http://schemas.openxmlformats.org/officeDocument/2006/relationships" xmlns:p="http://schemas.openxmlformats.org/presentationml/2006/main">
+  <p:cSld>
+    <p:spTree>
+      <p:nvGrpSpPr>
+        <p:cNvPr id="1" name=""/>
+        <p:cNvGrpSpPr/>
+        <p:nvPr/>
+      </p:nvGrpSpPr>
+      <p:grpSpPr>
+        <a:xfrm>
+          <a:off x="0" y="0"/>
+          <a:ext cx="0" cy="0"/>
+          <a:chOff x="0" y="0"/>
+          <a:chExt cx="0" cy="0"/>
+        </a:xfrm>
+      </p:grpSpPr>
+      <p:sp>
+        <p:nvSpPr>
+          <p:cNvPr id="2" name="Content Placeholder 1">
+            <a:extLst>
+              <a:ext uri="{FF2B5EF4-FFF2-40B4-BE49-F238E27FC236}">
+                <a16:creationId xmlns:a16="http://schemas.microsoft.com/office/drawing/2014/main" id="{490AAB1B-DCC3-45C4-AE39-5909EC22D483}"/>
+              </a:ext>
+            </a:extLst>
+          </p:cNvPr>
+          <p:cNvSpPr>
+            <a:spLocks noGrp="1"/>
+          </p:cNvSpPr>
+          <p:nvPr>
+            <p:ph idx="16"/>
+          </p:nvPr>
+        </p:nvSpPr>
+        <p:spPr/>
+        <p:txBody>
+          <a:bodyPr/>
+          <a:lstStyle/>
+          <a:p>
+            <a:pPr marL="514350" indent="-514350">
+              <a:buFont typeface="+mj-lt"/>
+              <a:buAutoNum type="arabicPeriod"/>
+            </a:pPr>
+            <a:r>
+              <a:rPr lang="en-US" dirty="0"/>
+              <a:t>Fork the repository in GitHub</a:t>
+            </a:r>
+          </a:p>
+          <a:p>
+            <a:pPr marL="514350" indent="-514350">
+              <a:buFont typeface="+mj-lt"/>
+              <a:buAutoNum type="arabicPeriod"/>
+            </a:pPr>
+            <a:r>
+              <a:rPr lang="en-US" dirty="0"/>
+              <a:t>Open project in Visual Studio Code</a:t>
+            </a:r>
+          </a:p>
+          <a:p>
+            <a:pPr marL="514350" indent="-514350">
+              <a:buFont typeface="+mj-lt"/>
+              <a:buAutoNum type="arabicPeriod"/>
+            </a:pPr>
+            <a:r>
+              <a:rPr lang="en-US" dirty="0"/>
+              <a:t>Follow the frontend_instruction.docx or the video</a:t>
+            </a:r>
+          </a:p>
+          <a:p>
+            <a:pPr marL="514350" indent="-514350">
+              <a:buFont typeface="+mj-lt"/>
+              <a:buAutoNum type="arabicPeriod"/>
+            </a:pPr>
+            <a:endParaRPr lang="en-US" dirty="0"/>
+          </a:p>
+          <a:p>
+            <a:r>
+              <a:rPr lang="en-US" dirty="0"/>
+              <a:t>Goals:</a:t>
+            </a:r>
+          </a:p>
+          <a:p>
+            <a:pPr marL="457200" indent="-457200">
+              <a:buFont typeface="Arial" panose="020B0604020202020204" pitchFamily="34" charset="0"/>
+              <a:buChar char="•"/>
+            </a:pPr>
+            <a:r>
+              <a:rPr lang="en-US" dirty="0"/>
+              <a:t>Host the demo on GitHub Page and confirm</a:t>
+            </a:r>
+          </a:p>
+          <a:p>
+            <a:pPr marL="457200" indent="-457200">
+              <a:buFont typeface="Arial" panose="020B0604020202020204" pitchFamily="34" charset="0"/>
+              <a:buChar char="•"/>
+            </a:pPr>
+            <a:r>
+              <a:rPr lang="en-US" dirty="0"/>
+              <a:t>Retrieve and visualize a </a:t>
+            </a:r>
+            <a:r>
+              <a:rPr lang="en-US" dirty="0" err="1"/>
+              <a:t>geoJSON</a:t>
+            </a:r>
+            <a:endParaRPr lang="en-US" dirty="0"/>
+          </a:p>
+          <a:p>
+            <a:pPr marL="457200" indent="-457200">
+              <a:buFont typeface="Arial" panose="020B0604020202020204" pitchFamily="34" charset="0"/>
+              <a:buChar char="•"/>
+            </a:pPr>
+            <a:r>
+              <a:rPr lang="en-US" dirty="0"/>
+              <a:t>Host the updated web page</a:t>
+            </a:r>
+          </a:p>
+        </p:txBody>
+      </p:sp>
+      <p:sp>
+        <p:nvSpPr>
+          <p:cNvPr id="3" name="Title 2">
+            <a:extLst>
+              <a:ext uri="{FF2B5EF4-FFF2-40B4-BE49-F238E27FC236}">
+                <a16:creationId xmlns:a16="http://schemas.microsoft.com/office/drawing/2014/main" id="{CE60C086-8A0A-4B4D-81F3-EA20462CDF50}"/>
+              </a:ext>
+            </a:extLst>
+          </p:cNvPr>
+          <p:cNvSpPr>
+            <a:spLocks noGrp="1"/>
+          </p:cNvSpPr>
+          <p:nvPr>
+            <p:ph type="title"/>
+          </p:nvPr>
+        </p:nvSpPr>
+        <p:spPr/>
+        <p:txBody>
+          <a:bodyPr>
+            <a:normAutofit fontScale="90000"/>
+          </a:bodyPr>
+          <a:lstStyle/>
+          <a:p>
+            <a:r>
+              <a:rPr lang="en-US" dirty="0"/>
+              <a:t>Frontend lab agenda</a:t>
+            </a:r>
+          </a:p>
+        </p:txBody>
+      </p:sp>
+    </p:spTree>
+    <p:extLst>
+      <p:ext uri="{BB962C8B-B14F-4D97-AF65-F5344CB8AC3E}">
+        <p14:creationId xmlns:p14="http://schemas.microsoft.com/office/powerpoint/2010/main" val="3891788319"/>
       </p:ext>
     </p:extLst>
   </p:cSld>
@@ -13463,7 +12827,32 @@
           <p:cNvPr id="2" name="Content Placeholder 1">
             <a:extLst>
               <a:ext uri="{FF2B5EF4-FFF2-40B4-BE49-F238E27FC236}">
-                <a16:creationId xmlns:a16="http://schemas.microsoft.com/office/drawing/2014/main" id="{490AAB1B-DCC3-45C4-AE39-5909EC22D483}"/>
+                <a16:creationId xmlns:a16="http://schemas.microsoft.com/office/drawing/2014/main" id="{9E3F829E-2835-4746-A04A-16C152EE2395}"/>
+              </a:ext>
+            </a:extLst>
+          </p:cNvPr>
+          <p:cNvSpPr>
+            <a:spLocks noGrp="1"/>
+          </p:cNvSpPr>
+          <p:nvPr>
+            <p:ph idx="15"/>
+          </p:nvPr>
+        </p:nvSpPr>
+        <p:spPr/>
+        <p:txBody>
+          <a:bodyPr/>
+          <a:lstStyle/>
+          <a:p>
+            <a:endParaRPr lang="en-US"/>
+          </a:p>
+        </p:txBody>
+      </p:sp>
+      <p:sp>
+        <p:nvSpPr>
+          <p:cNvPr id="3" name="Content Placeholder 2">
+            <a:extLst>
+              <a:ext uri="{FF2B5EF4-FFF2-40B4-BE49-F238E27FC236}">
+                <a16:creationId xmlns:a16="http://schemas.microsoft.com/office/drawing/2014/main" id="{BB2A2DD3-6D0E-4175-B112-9E800C8ECC18}"/>
               </a:ext>
             </a:extLst>
           </p:cNvPr>
@@ -13479,91 +12868,19 @@
           <a:bodyPr/>
           <a:lstStyle/>
           <a:p>
-            <a:pPr marL="514350" indent="-514350">
-              <a:buFont typeface="+mj-lt"/>
-              <a:buAutoNum type="arabicPeriod"/>
-            </a:pPr>
-            <a:r>
-              <a:rPr lang="en-US" dirty="0"/>
-              <a:t>Fork the repository in GitHub</a:t>
-            </a:r>
-          </a:p>
-          <a:p>
-            <a:pPr marL="514350" indent="-514350">
-              <a:buFont typeface="+mj-lt"/>
-              <a:buAutoNum type="arabicPeriod"/>
-            </a:pPr>
-            <a:r>
-              <a:rPr lang="en-US" dirty="0"/>
-              <a:t>Open project in Visual Studio Code</a:t>
-            </a:r>
-          </a:p>
-          <a:p>
-            <a:pPr marL="514350" indent="-514350">
-              <a:buFont typeface="+mj-lt"/>
-              <a:buAutoNum type="arabicPeriod"/>
-            </a:pPr>
-            <a:r>
-              <a:rPr lang="en-US" dirty="0"/>
-              <a:t>Follow the frontend_instruction.docx or the video</a:t>
-            </a:r>
-          </a:p>
-          <a:p>
-            <a:pPr marL="514350" indent="-514350">
-              <a:buFont typeface="+mj-lt"/>
-              <a:buAutoNum type="arabicPeriod"/>
-            </a:pPr>
-            <a:endParaRPr lang="en-US" dirty="0"/>
-          </a:p>
-          <a:p>
-            <a:r>
-              <a:rPr lang="en-US" dirty="0"/>
-              <a:t>Goals:</a:t>
-            </a:r>
-          </a:p>
-          <a:p>
-            <a:pPr marL="457200" indent="-457200">
-              <a:buFont typeface="Arial" panose="020B0604020202020204" pitchFamily="34" charset="0"/>
-              <a:buChar char="•"/>
-            </a:pPr>
-            <a:r>
-              <a:rPr lang="en-US" dirty="0"/>
-              <a:t>Host the demo on GitHub Page and confirm</a:t>
-            </a:r>
-          </a:p>
-          <a:p>
-            <a:pPr marL="457200" indent="-457200">
-              <a:buFont typeface="Arial" panose="020B0604020202020204" pitchFamily="34" charset="0"/>
-              <a:buChar char="•"/>
-            </a:pPr>
-            <a:r>
-              <a:rPr lang="en-US" dirty="0"/>
-              <a:t>Retrieve and visualize a </a:t>
-            </a:r>
-            <a:r>
-              <a:rPr lang="en-US" dirty="0" err="1"/>
-              <a:t>geoJSON</a:t>
-            </a:r>
-            <a:endParaRPr lang="en-US" dirty="0"/>
-          </a:p>
-          <a:p>
-            <a:pPr marL="457200" indent="-457200">
-              <a:buFont typeface="Arial" panose="020B0604020202020204" pitchFamily="34" charset="0"/>
-              <a:buChar char="•"/>
-            </a:pPr>
-            <a:r>
-              <a:rPr lang="en-US" dirty="0"/>
-              <a:t>Host the updated web page</a:t>
-            </a:r>
-          </a:p>
-        </p:txBody>
-      </p:sp>
-      <p:sp>
-        <p:nvSpPr>
-          <p:cNvPr id="3" name="Title 2">
-            <a:extLst>
-              <a:ext uri="{FF2B5EF4-FFF2-40B4-BE49-F238E27FC236}">
-                <a16:creationId xmlns:a16="http://schemas.microsoft.com/office/drawing/2014/main" id="{CE60C086-8A0A-4B4D-81F3-EA20462CDF50}"/>
+            <a:r>
+              <a:rPr lang="en-US" dirty="0"/>
+              <a:t>Go online?</a:t>
+            </a:r>
+          </a:p>
+        </p:txBody>
+      </p:sp>
+      <p:sp>
+        <p:nvSpPr>
+          <p:cNvPr id="4" name="Title 3">
+            <a:extLst>
+              <a:ext uri="{FF2B5EF4-FFF2-40B4-BE49-F238E27FC236}">
+                <a16:creationId xmlns:a16="http://schemas.microsoft.com/office/drawing/2014/main" id="{24DA6D78-2A0B-45C0-AFAC-F1E7A5F6FE3A}"/>
               </a:ext>
             </a:extLst>
           </p:cNvPr>
@@ -13581,17 +12898,14 @@
           </a:bodyPr>
           <a:lstStyle/>
           <a:p>
-            <a:r>
-              <a:rPr lang="en-US" dirty="0"/>
-              <a:t>Frontend lab agenda</a:t>
-            </a:r>
+            <a:endParaRPr lang="en-US"/>
           </a:p>
         </p:txBody>
       </p:sp>
     </p:spTree>
     <p:extLst>
       <p:ext uri="{BB962C8B-B14F-4D97-AF65-F5344CB8AC3E}">
-        <p14:creationId xmlns:p14="http://schemas.microsoft.com/office/powerpoint/2010/main" val="3891788319"/>
+        <p14:creationId xmlns:p14="http://schemas.microsoft.com/office/powerpoint/2010/main" val="2006274447"/>
       </p:ext>
     </p:extLst>
   </p:cSld>
@@ -13626,32 +12940,7 @@
           <p:cNvPr id="2" name="Content Placeholder 1">
             <a:extLst>
               <a:ext uri="{FF2B5EF4-FFF2-40B4-BE49-F238E27FC236}">
-                <a16:creationId xmlns:a16="http://schemas.microsoft.com/office/drawing/2014/main" id="{9E3F829E-2835-4746-A04A-16C152EE2395}"/>
-              </a:ext>
-            </a:extLst>
-          </p:cNvPr>
-          <p:cNvSpPr>
-            <a:spLocks noGrp="1"/>
-          </p:cNvSpPr>
-          <p:nvPr>
-            <p:ph idx="15"/>
-          </p:nvPr>
-        </p:nvSpPr>
-        <p:spPr/>
-        <p:txBody>
-          <a:bodyPr/>
-          <a:lstStyle/>
-          <a:p>
-            <a:endParaRPr lang="en-US"/>
-          </a:p>
-        </p:txBody>
-      </p:sp>
-      <p:sp>
-        <p:nvSpPr>
-          <p:cNvPr id="3" name="Content Placeholder 2">
-            <a:extLst>
-              <a:ext uri="{FF2B5EF4-FFF2-40B4-BE49-F238E27FC236}">
-                <a16:creationId xmlns:a16="http://schemas.microsoft.com/office/drawing/2014/main" id="{BB2A2DD3-6D0E-4175-B112-9E800C8ECC18}"/>
+                <a16:creationId xmlns:a16="http://schemas.microsoft.com/office/drawing/2014/main" id="{63C7E2F0-C899-4739-B005-35F715A8321B}"/>
               </a:ext>
             </a:extLst>
           </p:cNvPr>
@@ -13667,19 +12956,102 @@
           <a:bodyPr/>
           <a:lstStyle/>
           <a:p>
-            <a:r>
-              <a:rPr lang="en-US" dirty="0"/>
-              <a:t>Go online?</a:t>
-            </a:r>
-          </a:p>
-        </p:txBody>
-      </p:sp>
-      <p:sp>
-        <p:nvSpPr>
-          <p:cNvPr id="4" name="Title 3">
-            <a:extLst>
-              <a:ext uri="{FF2B5EF4-FFF2-40B4-BE49-F238E27FC236}">
-                <a16:creationId xmlns:a16="http://schemas.microsoft.com/office/drawing/2014/main" id="{24DA6D78-2A0B-45C0-AFAC-F1E7A5F6FE3A}"/>
+            <a:pPr marL="457200" indent="-457200">
+              <a:buFont typeface="Arial" panose="020B0604020202020204" pitchFamily="34" charset="0"/>
+              <a:buChar char="•"/>
+            </a:pPr>
+            <a:r>
+              <a:rPr lang="en-US" dirty="0"/>
+              <a:t>Borrow or buy a server</a:t>
+            </a:r>
+          </a:p>
+          <a:p>
+            <a:r>
+              <a:rPr lang="en-US" dirty="0"/>
+              <a:t>	- A server is an online computer that works 24/7. </a:t>
+            </a:r>
+          </a:p>
+          <a:p>
+            <a:r>
+              <a:rPr lang="en-US" dirty="0"/>
+              <a:t>	- It can support a back-end and more actions</a:t>
+            </a:r>
+          </a:p>
+          <a:p>
+            <a:pPr marL="457200" indent="-457200">
+              <a:buFont typeface="Arial" panose="020B0604020202020204" pitchFamily="34" charset="0"/>
+              <a:buChar char="•"/>
+            </a:pPr>
+            <a:r>
+              <a:rPr lang="en-US" dirty="0"/>
+              <a:t>GitHub Pages</a:t>
+            </a:r>
+          </a:p>
+          <a:p>
+            <a:r>
+              <a:rPr lang="en-US" dirty="0"/>
+              <a:t>	- Can only support a website without back-end</a:t>
+            </a:r>
+          </a:p>
+          <a:p>
+            <a:r>
+              <a:rPr lang="en-US" dirty="0"/>
+              <a:t>	- </a:t>
+            </a:r>
+            <a:r>
+              <a:rPr lang="en-US" b="1" dirty="0">
+                <a:solidFill>
+                  <a:srgbClr val="C00000"/>
+                </a:solidFill>
+              </a:rPr>
+              <a:t>Free and persistent</a:t>
+            </a:r>
+          </a:p>
+          <a:p>
+            <a:r>
+              <a:rPr lang="en-US" dirty="0"/>
+              <a:t>	- Go to your forked GitHub page -&gt; settings -&gt; Pages -&gt; Source -&gt; select main</a:t>
+            </a:r>
+          </a:p>
+          <a:p>
+            <a:r>
+              <a:rPr lang="en-US" dirty="0"/>
+              <a:t>	- </a:t>
+            </a:r>
+            <a:r>
+              <a:rPr lang="en-US" sz="1600" dirty="0"/>
+              <a:t>access by: </a:t>
+            </a:r>
+            <a:r>
+              <a:rPr lang="en-US" sz="1600" u="sng" dirty="0"/>
+              <a:t>youname.github.io/UCGIS-</a:t>
+            </a:r>
+            <a:r>
+              <a:rPr lang="en-US" sz="1600" u="sng" dirty="0" err="1"/>
+              <a:t>Fullstack</a:t>
+            </a:r>
+            <a:r>
+              <a:rPr lang="en-US" sz="1600" u="sng" dirty="0"/>
+              <a:t>-</a:t>
+            </a:r>
+            <a:r>
+              <a:rPr lang="en-US" sz="1600" u="sng" dirty="0" err="1"/>
+              <a:t>Geovisualization</a:t>
+            </a:r>
+            <a:r>
+              <a:rPr lang="en-US" sz="1600" u="sng" dirty="0"/>
+              <a:t>-Workshop/demo</a:t>
+            </a:r>
+            <a:endParaRPr lang="en-US" u="sng" dirty="0"/>
+          </a:p>
+        </p:txBody>
+      </p:sp>
+      <p:sp>
+        <p:nvSpPr>
+          <p:cNvPr id="3" name="Title 2">
+            <a:extLst>
+              <a:ext uri="{FF2B5EF4-FFF2-40B4-BE49-F238E27FC236}">
+                <a16:creationId xmlns:a16="http://schemas.microsoft.com/office/drawing/2014/main" id="{81DE7EAB-AF7F-49E0-9119-1B50865C2854}"/>
               </a:ext>
             </a:extLst>
           </p:cNvPr>
@@ -13697,14 +13069,17 @@
           </a:bodyPr>
           <a:lstStyle/>
           <a:p>
-            <a:endParaRPr lang="en-US"/>
+            <a:r>
+              <a:rPr lang="en-US" dirty="0"/>
+              <a:t>Solutions to host a website</a:t>
+            </a:r>
           </a:p>
         </p:txBody>
       </p:sp>
     </p:spTree>
     <p:extLst>
       <p:ext uri="{BB962C8B-B14F-4D97-AF65-F5344CB8AC3E}">
-        <p14:creationId xmlns:p14="http://schemas.microsoft.com/office/powerpoint/2010/main" val="2006274447"/>
+        <p14:creationId xmlns:p14="http://schemas.microsoft.com/office/powerpoint/2010/main" val="1976069657"/>
       </p:ext>
     </p:extLst>
   </p:cSld>
@@ -13739,7 +13114,7 @@
           <p:cNvPr id="2" name="Content Placeholder 1">
             <a:extLst>
               <a:ext uri="{FF2B5EF4-FFF2-40B4-BE49-F238E27FC236}">
-                <a16:creationId xmlns:a16="http://schemas.microsoft.com/office/drawing/2014/main" id="{63C7E2F0-C899-4739-B005-35F715A8321B}"/>
+                <a16:creationId xmlns:a16="http://schemas.microsoft.com/office/drawing/2014/main" id="{99DF20CF-7CB8-44F5-9963-A9FAD6F02492}"/>
               </a:ext>
             </a:extLst>
           </p:cNvPr>
@@ -13761,20 +13136,31 @@
             </a:pPr>
             <a:r>
               <a:rPr lang="en-US" dirty="0"/>
-              <a:t>Borrow or buy a server</a:t>
-            </a:r>
-          </a:p>
-          <a:p>
-            <a:r>
-              <a:rPr lang="en-US" dirty="0"/>
-              <a:t>	- A server is an online computer that works 24/7. </a:t>
-            </a:r>
-          </a:p>
-          <a:p>
-            <a:r>
-              <a:rPr lang="en-US" dirty="0"/>
-              <a:t>	- It can support a back-end and more actions</a:t>
-            </a:r>
+              <a:t>Git is a version control software</a:t>
+            </a:r>
+          </a:p>
+          <a:p>
+            <a:r>
+              <a:rPr lang="en-US" dirty="0"/>
+              <a:t>	Record your every </a:t>
+            </a:r>
+            <a:r>
+              <a:rPr lang="en-US" dirty="0">
+                <a:solidFill>
+                  <a:srgbClr val="C00000"/>
+                </a:solidFill>
+              </a:rPr>
+              <a:t>committed </a:t>
+            </a:r>
+            <a:r>
+              <a:rPr lang="en-US" dirty="0"/>
+              <a:t>change</a:t>
+            </a:r>
+            <a:endParaRPr lang="en-US" dirty="0">
+              <a:solidFill>
+                <a:srgbClr val="C00000"/>
+              </a:solidFill>
+            </a:endParaRPr>
           </a:p>
           <a:p>
             <a:pPr marL="457200" indent="-457200">
@@ -13783,65 +13169,70 @@
             </a:pPr>
             <a:r>
               <a:rPr lang="en-US" dirty="0"/>
-              <a:t>GitHub Pages</a:t>
-            </a:r>
-          </a:p>
-          <a:p>
-            <a:r>
-              <a:rPr lang="en-US" dirty="0"/>
-              <a:t>	- Can only support a website without back-end</a:t>
-            </a:r>
-          </a:p>
-          <a:p>
-            <a:r>
-              <a:rPr lang="en-US" dirty="0"/>
-              <a:t>	- </a:t>
-            </a:r>
-            <a:r>
-              <a:rPr lang="en-US" b="1" dirty="0">
+              <a:t>GitHub is a free website to host these changes</a:t>
+            </a:r>
+          </a:p>
+          <a:p>
+            <a:endParaRPr lang="en-US" dirty="0"/>
+          </a:p>
+          <a:p>
+            <a:r>
+              <a:rPr lang="en-US" dirty="0"/>
+              <a:t>To save your changes on the online map:</a:t>
+            </a:r>
+          </a:p>
+          <a:p>
+            <a:pPr marL="457200" indent="-457200">
+              <a:buFont typeface="Arial" panose="020B0604020202020204" pitchFamily="34" charset="0"/>
+              <a:buChar char="•"/>
+            </a:pPr>
+            <a:r>
+              <a:rPr lang="en-US" dirty="0">
                 <a:solidFill>
                   <a:srgbClr val="C00000"/>
                 </a:solidFill>
               </a:rPr>
-              <a:t>Free and persistent</a:t>
-            </a:r>
-          </a:p>
-          <a:p>
-            <a:r>
-              <a:rPr lang="en-US" dirty="0"/>
-              <a:t>	- Go to your forked GitHub page -&gt; settings -&gt; Pages -&gt; Source -&gt; select main</a:t>
-            </a:r>
-          </a:p>
-          <a:p>
-            <a:r>
-              <a:rPr lang="en-US" dirty="0"/>
-              <a:t>	- </a:t>
-            </a:r>
-            <a:r>
-              <a:rPr lang="en-US" sz="1600" dirty="0"/>
-              <a:t>access by: </a:t>
-            </a:r>
-            <a:r>
-              <a:rPr lang="en-US" sz="1600" u="sng" dirty="0"/>
-              <a:t>youname.github.io/UCGIS-</a:t>
-            </a:r>
-            <a:r>
-              <a:rPr lang="en-US" sz="1600" u="sng" dirty="0" err="1"/>
-              <a:t>Fullstack</a:t>
-            </a:r>
-            <a:r>
-              <a:rPr lang="en-US" sz="1600" u="sng" dirty="0"/>
-              <a:t>-</a:t>
-            </a:r>
-            <a:r>
-              <a:rPr lang="en-US" sz="1600" u="sng" dirty="0" err="1"/>
-              <a:t>Geovisualization</a:t>
-            </a:r>
-            <a:r>
-              <a:rPr lang="en-US" sz="1600" u="sng" dirty="0"/>
-              <a:t>-Workshop/demo</a:t>
-            </a:r>
-            <a:endParaRPr lang="en-US" u="sng" dirty="0"/>
+              <a:t>Commit</a:t>
+            </a:r>
+            <a:r>
+              <a:rPr lang="en-US" dirty="0"/>
+              <a:t>: record your current change to local</a:t>
+            </a:r>
+          </a:p>
+          <a:p>
+            <a:pPr marL="457200" indent="-457200">
+              <a:buFont typeface="Arial" panose="020B0604020202020204" pitchFamily="34" charset="0"/>
+              <a:buChar char="•"/>
+            </a:pPr>
+            <a:r>
+              <a:rPr lang="en-US" dirty="0">
+                <a:solidFill>
+                  <a:srgbClr val="C00000"/>
+                </a:solidFill>
+              </a:rPr>
+              <a:t>Push</a:t>
+            </a:r>
+            <a:r>
+              <a:rPr lang="en-US" dirty="0"/>
+              <a:t>: upload your files to the GitHub server</a:t>
+            </a:r>
+          </a:p>
+          <a:p>
+            <a:pPr marL="457200" indent="-457200">
+              <a:buFont typeface="Arial" panose="020B0604020202020204" pitchFamily="34" charset="0"/>
+              <a:buChar char="•"/>
+            </a:pPr>
+            <a:r>
+              <a:rPr lang="en-US" dirty="0"/>
+              <a:t>In few minutes, the Pages will update your change</a:t>
+            </a:r>
+          </a:p>
+          <a:p>
+            <a:endParaRPr lang="en-US" dirty="0">
+              <a:solidFill>
+                <a:srgbClr val="C00000"/>
+              </a:solidFill>
+            </a:endParaRPr>
           </a:p>
         </p:txBody>
       </p:sp>
@@ -13850,7 +13241,7 @@
           <p:cNvPr id="3" name="Title 2">
             <a:extLst>
               <a:ext uri="{FF2B5EF4-FFF2-40B4-BE49-F238E27FC236}">
-                <a16:creationId xmlns:a16="http://schemas.microsoft.com/office/drawing/2014/main" id="{81DE7EAB-AF7F-49E0-9119-1B50865C2854}"/>
+                <a16:creationId xmlns:a16="http://schemas.microsoft.com/office/drawing/2014/main" id="{40142686-B082-4970-97C4-744F6D190004}"/>
               </a:ext>
             </a:extLst>
           </p:cNvPr>
@@ -13870,7 +13261,7 @@
           <a:p>
             <a:r>
               <a:rPr lang="en-US" dirty="0"/>
-              <a:t>Solutions to host a website</a:t>
+              <a:t>GitHub and Git</a:t>
             </a:r>
           </a:p>
         </p:txBody>
@@ -13878,7 +13269,7 @@
     </p:spTree>
     <p:extLst>
       <p:ext uri="{BB962C8B-B14F-4D97-AF65-F5344CB8AC3E}">
-        <p14:creationId xmlns:p14="http://schemas.microsoft.com/office/powerpoint/2010/main" val="1976069657"/>
+        <p14:creationId xmlns:p14="http://schemas.microsoft.com/office/powerpoint/2010/main" val="2733336902"/>
       </p:ext>
     </p:extLst>
   </p:cSld>
@@ -13924,13 +13315,13 @@
         </p:nvPicPr>
         <p:blipFill rotWithShape="1">
           <a:blip r:embed="rId3"/>
-          <a:srcRect l="-74" t="2910" r="45145" b="41367"/>
+          <a:srcRect l="5582" t="30376" r="62593" b="41367"/>
           <a:stretch/>
         </p:blipFill>
         <p:spPr>
           <a:xfrm>
-            <a:off x="4751382" y="1734522"/>
-            <a:ext cx="4344616" cy="2479201"/>
+            <a:off x="5559078" y="1931800"/>
+            <a:ext cx="2980092" cy="1488420"/>
           </a:xfrm>
           <a:prstGeom prst="rect">
             <a:avLst/>
@@ -13968,24 +13359,32 @@
               <a:buChar char="•"/>
             </a:pPr>
             <a:r>
-              <a:rPr lang="en-US" sz="3200" dirty="0"/>
-              <a:t>Open source</a:t>
-            </a:r>
-          </a:p>
-          <a:p>
-            <a:r>
-              <a:rPr lang="en-US" sz="3200" dirty="0"/>
+              <a:rPr lang="en-US" dirty="0"/>
+              <a:t>Accessible</a:t>
+            </a:r>
+          </a:p>
+          <a:p>
+            <a:r>
+              <a:rPr lang="en-US" sz="2400" dirty="0"/>
               <a:t>    - No cost for users</a:t>
             </a:r>
           </a:p>
           <a:p>
-            <a:r>
-              <a:rPr lang="en-US" sz="3200" dirty="0"/>
-              <a:t>	- Reusable for developers</a:t>
-            </a:r>
-          </a:p>
-          <a:p>
-            <a:endParaRPr lang="en-US" sz="2400" dirty="0"/>
+            <a:pPr marL="571500" indent="-571500">
+              <a:buFont typeface="Arial" panose="020B0604020202020204" pitchFamily="34" charset="0"/>
+              <a:buChar char="•"/>
+            </a:pPr>
+            <a:r>
+              <a:rPr lang="en-US" dirty="0"/>
+              <a:t>Persistent</a:t>
+            </a:r>
+          </a:p>
+          <a:p>
+            <a:r>
+              <a:rPr lang="en-US" sz="2400" dirty="0"/>
+              <a:t>	- Online 24/7</a:t>
+            </a:r>
+            <a:endParaRPr lang="en-US" sz="1800" dirty="0"/>
           </a:p>
           <a:p>
             <a:pPr marL="457200" indent="-457200">
@@ -13993,27 +13392,27 @@
               <a:buChar char="•"/>
             </a:pPr>
             <a:r>
-              <a:rPr lang="en-US" sz="3200" dirty="0"/>
-              <a:t>Few dependency</a:t>
-            </a:r>
-          </a:p>
-          <a:p>
-            <a:r>
-              <a:rPr lang="en-US" sz="3200" dirty="0"/>
-              <a:t>	- Only browser</a:t>
-            </a:r>
-          </a:p>
-          <a:p>
-            <a:r>
-              <a:rPr lang="en-US" sz="3200" dirty="0"/>
-              <a:t>	- No installation</a:t>
-            </a:r>
-          </a:p>
-          <a:p>
-            <a:r>
-              <a:rPr lang="en-US" sz="3200" dirty="0"/>
-              <a:t>	- No prerequisites</a:t>
-            </a:r>
+              <a:rPr lang="en-US" dirty="0"/>
+              <a:t>Compatible</a:t>
+            </a:r>
+          </a:p>
+          <a:p>
+            <a:r>
+              <a:rPr lang="en-US" sz="2400" dirty="0"/>
+              <a:t>	- Cross platforms</a:t>
+            </a:r>
+          </a:p>
+          <a:p>
+            <a:r>
+              <a:rPr lang="en-US" sz="2400" dirty="0"/>
+              <a:t>	- Touching screen friendly</a:t>
+            </a:r>
+          </a:p>
+          <a:p>
+            <a:endParaRPr lang="en-US" dirty="0"/>
+          </a:p>
+          <a:p>
+            <a:endParaRPr lang="en-US" sz="2000" dirty="0"/>
           </a:p>
         </p:txBody>
       </p:sp>
@@ -14042,17 +13441,17 @@
           <a:p>
             <a:r>
               <a:rPr lang="en-US" dirty="0"/>
-              <a:t>Why web-map? Accessible</a:t>
+              <a:t>Why web-map?</a:t>
             </a:r>
           </a:p>
         </p:txBody>
       </p:sp>
       <p:pic>
         <p:nvPicPr>
-          <p:cNvPr id="1028" name="Picture 4" descr="Free Images : smartphone, hand, person, technology, male, social, finger,  telephone, gadget, mobile phone, holding, glasses, cellphone, casual, cell,  using, sms, portable communications device, communication device 7360x4912  - - 720898 - Free stock ...">
-            <a:extLst>
-              <a:ext uri="{FF2B5EF4-FFF2-40B4-BE49-F238E27FC236}">
-                <a16:creationId xmlns:a16="http://schemas.microsoft.com/office/drawing/2014/main" id="{5C4BE1AF-8A8B-4587-AEC1-91FB09AEA009}"/>
+          <p:cNvPr id="6" name="Picture 6" descr="Free Images : laptop, desk, notebook, mobile, work, ipad, technology,  notepad, communication, furniture, digital, freelance, wireless, desktop  computer, personal computer, tablet pc, tablet computer, personal computer  hardware 5472x3648 - - 1032563 ...">
+            <a:extLst>
+              <a:ext uri="{FF2B5EF4-FFF2-40B4-BE49-F238E27FC236}">
+                <a16:creationId xmlns:a16="http://schemas.microsoft.com/office/drawing/2014/main" id="{405CE633-7924-4CC2-B037-AD22BB5CB2BE}"/>
               </a:ext>
             </a:extLst>
           </p:cNvPr>
@@ -14069,13 +13468,13 @@
               </a:ext>
             </a:extLst>
           </a:blip>
-          <a:srcRect t="12929" b="362"/>
+          <a:srcRect l="7225" t="13000" b="14319"/>
           <a:stretch/>
         </p:blipFill>
         <p:spPr bwMode="auto">
           <a:xfrm>
-            <a:off x="4799384" y="4378800"/>
-            <a:ext cx="4296614" cy="2479200"/>
+            <a:off x="5401490" y="3470524"/>
+            <a:ext cx="2839408" cy="1480241"/>
           </a:xfrm>
           <a:prstGeom prst="rect">
             <a:avLst/>
@@ -14090,6 +13489,35 @@
               </a14:hiddenFill>
             </a:ext>
           </a:extLst>
+        </p:spPr>
+      </p:pic>
+      <p:pic>
+        <p:nvPicPr>
+          <p:cNvPr id="8" name="Picture 7" descr="Graphical user interface, text, application&#10;&#10;Description automatically generated">
+            <a:extLst>
+              <a:ext uri="{FF2B5EF4-FFF2-40B4-BE49-F238E27FC236}">
+                <a16:creationId xmlns:a16="http://schemas.microsoft.com/office/drawing/2014/main" id="{2B13A540-F30C-420E-8792-A553A1E75040}"/>
+              </a:ext>
+            </a:extLst>
+          </p:cNvPr>
+          <p:cNvPicPr>
+            <a:picLocks noChangeAspect="1"/>
+          </p:cNvPicPr>
+          <p:nvPr/>
+        </p:nvPicPr>
+        <p:blipFill rotWithShape="1">
+          <a:blip r:embed="rId5"/>
+          <a:srcRect l="1999" r="12917" b="22000"/>
+          <a:stretch/>
+        </p:blipFill>
+        <p:spPr>
+          <a:xfrm>
+            <a:off x="5401490" y="4983682"/>
+            <a:ext cx="2870515" cy="1480241"/>
+          </a:xfrm>
+          <a:prstGeom prst="rect">
+            <a:avLst/>
+          </a:prstGeom>
         </p:spPr>
       </p:pic>
     </p:spTree>
@@ -14127,157 +13555,40 @@
       </p:grpSpPr>
       <p:sp>
         <p:nvSpPr>
-          <p:cNvPr id="2" name="Content Placeholder 1">
-            <a:extLst>
-              <a:ext uri="{FF2B5EF4-FFF2-40B4-BE49-F238E27FC236}">
-                <a16:creationId xmlns:a16="http://schemas.microsoft.com/office/drawing/2014/main" id="{99DF20CF-7CB8-44F5-9963-A9FAD6F02492}"/>
-              </a:ext>
-            </a:extLst>
-          </p:cNvPr>
-          <p:cNvSpPr>
-            <a:spLocks noGrp="1"/>
-          </p:cNvSpPr>
-          <p:nvPr>
-            <p:ph idx="16"/>
-          </p:nvPr>
-        </p:nvSpPr>
-        <p:spPr/>
-        <p:txBody>
-          <a:bodyPr/>
-          <a:lstStyle/>
-          <a:p>
-            <a:pPr marL="457200" indent="-457200">
-              <a:buFont typeface="Arial" panose="020B0604020202020204" pitchFamily="34" charset="0"/>
-              <a:buChar char="•"/>
-            </a:pPr>
-            <a:r>
-              <a:rPr lang="en-US" dirty="0"/>
-              <a:t>Git is a version control software</a:t>
-            </a:r>
-          </a:p>
-          <a:p>
-            <a:r>
-              <a:rPr lang="en-US" dirty="0"/>
-              <a:t>	Record your every </a:t>
-            </a:r>
-            <a:r>
-              <a:rPr lang="en-US" dirty="0">
-                <a:solidFill>
-                  <a:srgbClr val="C00000"/>
-                </a:solidFill>
-              </a:rPr>
-              <a:t>committed </a:t>
-            </a:r>
-            <a:r>
-              <a:rPr lang="en-US" dirty="0"/>
-              <a:t>change</a:t>
-            </a:r>
-            <a:endParaRPr lang="en-US" dirty="0">
-              <a:solidFill>
-                <a:srgbClr val="C00000"/>
-              </a:solidFill>
-            </a:endParaRPr>
-          </a:p>
-          <a:p>
-            <a:pPr marL="457200" indent="-457200">
-              <a:buFont typeface="Arial" panose="020B0604020202020204" pitchFamily="34" charset="0"/>
-              <a:buChar char="•"/>
-            </a:pPr>
-            <a:r>
-              <a:rPr lang="en-US" dirty="0"/>
-              <a:t>GitHub is a free website to host these changes</a:t>
-            </a:r>
-          </a:p>
-          <a:p>
-            <a:endParaRPr lang="en-US" dirty="0"/>
-          </a:p>
-          <a:p>
-            <a:r>
-              <a:rPr lang="en-US" dirty="0"/>
-              <a:t>To save your changes on the online map:</a:t>
-            </a:r>
-          </a:p>
-          <a:p>
-            <a:pPr marL="457200" indent="-457200">
-              <a:buFont typeface="Arial" panose="020B0604020202020204" pitchFamily="34" charset="0"/>
-              <a:buChar char="•"/>
-            </a:pPr>
-            <a:r>
-              <a:rPr lang="en-US" dirty="0">
-                <a:solidFill>
-                  <a:srgbClr val="C00000"/>
-                </a:solidFill>
-              </a:rPr>
-              <a:t>Commit</a:t>
-            </a:r>
-            <a:r>
-              <a:rPr lang="en-US" dirty="0"/>
-              <a:t>: record your current change to local</a:t>
-            </a:r>
-          </a:p>
-          <a:p>
-            <a:pPr marL="457200" indent="-457200">
-              <a:buFont typeface="Arial" panose="020B0604020202020204" pitchFamily="34" charset="0"/>
-              <a:buChar char="•"/>
-            </a:pPr>
-            <a:r>
-              <a:rPr lang="en-US" dirty="0">
-                <a:solidFill>
-                  <a:srgbClr val="C00000"/>
-                </a:solidFill>
-              </a:rPr>
-              <a:t>Push</a:t>
-            </a:r>
-            <a:r>
-              <a:rPr lang="en-US" dirty="0"/>
-              <a:t>: upload your files to the GitHub server</a:t>
-            </a:r>
-          </a:p>
-          <a:p>
-            <a:pPr marL="457200" indent="-457200">
-              <a:buFont typeface="Arial" panose="020B0604020202020204" pitchFamily="34" charset="0"/>
-              <a:buChar char="•"/>
-            </a:pPr>
-            <a:r>
-              <a:rPr lang="en-US" dirty="0"/>
-              <a:t>In few minutes, the Pages will update your change</a:t>
-            </a:r>
-          </a:p>
-          <a:p>
-            <a:endParaRPr lang="en-US" dirty="0">
-              <a:solidFill>
-                <a:srgbClr val="C00000"/>
-              </a:solidFill>
-            </a:endParaRPr>
-          </a:p>
-        </p:txBody>
-      </p:sp>
-      <p:sp>
-        <p:nvSpPr>
-          <p:cNvPr id="3" name="Title 2">
-            <a:extLst>
-              <a:ext uri="{FF2B5EF4-FFF2-40B4-BE49-F238E27FC236}">
-                <a16:creationId xmlns:a16="http://schemas.microsoft.com/office/drawing/2014/main" id="{40142686-B082-4970-97C4-744F6D190004}"/>
-              </a:ext>
-            </a:extLst>
-          </p:cNvPr>
-          <p:cNvSpPr>
-            <a:spLocks noGrp="1"/>
-          </p:cNvSpPr>
-          <p:nvPr>
-            <p:ph type="title"/>
-          </p:nvPr>
-        </p:nvSpPr>
-        <p:spPr/>
-        <p:txBody>
-          <a:bodyPr>
-            <a:normAutofit fontScale="90000"/>
+          <p:cNvPr id="2" name="TextBox 1">
+            <a:extLst>
+              <a:ext uri="{FF2B5EF4-FFF2-40B4-BE49-F238E27FC236}">
+                <a16:creationId xmlns:a16="http://schemas.microsoft.com/office/drawing/2014/main" id="{782C6922-70DD-4510-A55F-60F1E5A7AEC6}"/>
+              </a:ext>
+            </a:extLst>
+          </p:cNvPr>
+          <p:cNvSpPr txBox="1"/>
+          <p:nvPr/>
+        </p:nvSpPr>
+        <p:spPr>
+          <a:xfrm>
+            <a:off x="1014573" y="3873357"/>
+            <a:ext cx="7114854" cy="1107996"/>
+          </a:xfrm>
+          <a:prstGeom prst="rect">
+            <a:avLst/>
+          </a:prstGeom>
+          <a:noFill/>
+        </p:spPr>
+        <p:txBody>
+          <a:bodyPr wrap="square" rtlCol="0">
+            <a:spAutoFit/>
           </a:bodyPr>
           <a:lstStyle/>
           <a:p>
-            <a:r>
-              <a:rPr lang="en-US" dirty="0"/>
-              <a:t>GitHub and Git</a:t>
+            <a:pPr algn="ctr"/>
+            <a:r>
+              <a:rPr lang="en-US" sz="6600" dirty="0">
+                <a:solidFill>
+                  <a:schemeClr val="bg1"/>
+                </a:solidFill>
+              </a:rPr>
+              <a:t>Back-end lecture</a:t>
             </a:r>
           </a:p>
         </p:txBody>
@@ -14285,7 +13596,7 @@
     </p:spTree>
     <p:extLst>
       <p:ext uri="{BB962C8B-B14F-4D97-AF65-F5344CB8AC3E}">
-        <p14:creationId xmlns:p14="http://schemas.microsoft.com/office/powerpoint/2010/main" val="2733336902"/>
+        <p14:creationId xmlns:p14="http://schemas.microsoft.com/office/powerpoint/2010/main" val="3372648031"/>
       </p:ext>
     </p:extLst>
   </p:cSld>
@@ -14317,40 +13628,124 @@
       </p:grpSpPr>
       <p:sp>
         <p:nvSpPr>
-          <p:cNvPr id="2" name="TextBox 1">
-            <a:extLst>
-              <a:ext uri="{FF2B5EF4-FFF2-40B4-BE49-F238E27FC236}">
-                <a16:creationId xmlns:a16="http://schemas.microsoft.com/office/drawing/2014/main" id="{782C6922-70DD-4510-A55F-60F1E5A7AEC6}"/>
-              </a:ext>
-            </a:extLst>
-          </p:cNvPr>
-          <p:cNvSpPr txBox="1"/>
-          <p:nvPr/>
-        </p:nvSpPr>
-        <p:spPr>
-          <a:xfrm>
-            <a:off x="1014573" y="3873357"/>
-            <a:ext cx="7114854" cy="1107996"/>
-          </a:xfrm>
-          <a:prstGeom prst="rect">
-            <a:avLst/>
-          </a:prstGeom>
-          <a:noFill/>
-        </p:spPr>
-        <p:txBody>
-          <a:bodyPr wrap="square" rtlCol="0">
-            <a:spAutoFit/>
+          <p:cNvPr id="2" name="Content Placeholder 1">
+            <a:extLst>
+              <a:ext uri="{FF2B5EF4-FFF2-40B4-BE49-F238E27FC236}">
+                <a16:creationId xmlns:a16="http://schemas.microsoft.com/office/drawing/2014/main" id="{CB60872B-A375-407D-B604-CE1599E37B83}"/>
+              </a:ext>
+            </a:extLst>
+          </p:cNvPr>
+          <p:cNvSpPr>
+            <a:spLocks noGrp="1"/>
+          </p:cNvSpPr>
+          <p:nvPr>
+            <p:ph idx="16"/>
+          </p:nvPr>
+        </p:nvSpPr>
+        <p:spPr/>
+        <p:txBody>
+          <a:bodyPr/>
+          <a:lstStyle/>
+          <a:p>
+            <a:r>
+              <a:rPr lang="en-US" dirty="0"/>
+              <a:t>In web development, generally:</a:t>
+            </a:r>
+          </a:p>
+          <a:p>
+            <a:pPr marL="457200" indent="-457200">
+              <a:buFont typeface="Arial" panose="020B0604020202020204" pitchFamily="34" charset="0"/>
+              <a:buChar char="•"/>
+            </a:pPr>
+            <a:r>
+              <a:rPr lang="en-US" dirty="0"/>
+              <a:t>Front-end focus on user interface</a:t>
+            </a:r>
+          </a:p>
+          <a:p>
+            <a:r>
+              <a:rPr lang="en-US" dirty="0"/>
+              <a:t>	Anything that happens in your web browser</a:t>
+            </a:r>
+          </a:p>
+          <a:p>
+            <a:r>
+              <a:rPr lang="en-US" dirty="0"/>
+              <a:t>	- HTML, JS, CSS</a:t>
+            </a:r>
+          </a:p>
+          <a:p>
+            <a:pPr marL="457200" indent="-457200">
+              <a:buFont typeface="Arial" panose="020B0604020202020204" pitchFamily="34" charset="0"/>
+              <a:buChar char="•"/>
+            </a:pPr>
+            <a:r>
+              <a:rPr lang="en-US" dirty="0">
+                <a:solidFill>
+                  <a:srgbClr val="C00000"/>
+                </a:solidFill>
+              </a:rPr>
+              <a:t>Back-end focus on server and infrastructure</a:t>
+            </a:r>
+          </a:p>
+          <a:p>
+            <a:r>
+              <a:rPr lang="en-US" dirty="0">
+                <a:solidFill>
+                  <a:srgbClr val="C00000"/>
+                </a:solidFill>
+              </a:rPr>
+              <a:t>	- Database</a:t>
+            </a:r>
+          </a:p>
+          <a:p>
+            <a:r>
+              <a:rPr lang="en-US" dirty="0">
+                <a:solidFill>
+                  <a:srgbClr val="C00000"/>
+                </a:solidFill>
+              </a:rPr>
+              <a:t>	- API that serves the data in the database</a:t>
+            </a:r>
+          </a:p>
+          <a:p>
+            <a:r>
+              <a:rPr lang="en-US" dirty="0">
+                <a:solidFill>
+                  <a:srgbClr val="C00000"/>
+                </a:solidFill>
+              </a:rPr>
+              <a:t>	- MongoDB and Python-eve</a:t>
+            </a:r>
+          </a:p>
+        </p:txBody>
+      </p:sp>
+      <p:sp>
+        <p:nvSpPr>
+          <p:cNvPr id="3" name="Title 2">
+            <a:extLst>
+              <a:ext uri="{FF2B5EF4-FFF2-40B4-BE49-F238E27FC236}">
+                <a16:creationId xmlns:a16="http://schemas.microsoft.com/office/drawing/2014/main" id="{CF42B6C6-EBBF-4C3A-9865-C412FFA2F680}"/>
+              </a:ext>
+            </a:extLst>
+          </p:cNvPr>
+          <p:cNvSpPr>
+            <a:spLocks noGrp="1"/>
+          </p:cNvSpPr>
+          <p:nvPr>
+            <p:ph type="title"/>
+          </p:nvPr>
+        </p:nvSpPr>
+        <p:spPr/>
+        <p:txBody>
+          <a:bodyPr>
+            <a:normAutofit fontScale="90000"/>
           </a:bodyPr>
           <a:lstStyle/>
           <a:p>
-            <a:pPr algn="ctr"/>
-            <a:r>
-              <a:rPr lang="en-US" sz="6600" dirty="0">
-                <a:solidFill>
-                  <a:schemeClr val="bg1"/>
-                </a:solidFill>
-              </a:rPr>
-              <a:t>Back-end lecture</a:t>
+            <a:r>
+              <a:rPr lang="en-US" dirty="0"/>
+              <a:t>What is front- and back-end?</a:t>
             </a:r>
           </a:p>
         </p:txBody>
@@ -14358,7 +13753,7 @@
     </p:spTree>
     <p:extLst>
       <p:ext uri="{BB962C8B-B14F-4D97-AF65-F5344CB8AC3E}">
-        <p14:creationId xmlns:p14="http://schemas.microsoft.com/office/powerpoint/2010/main" val="3372648031"/>
+        <p14:creationId xmlns:p14="http://schemas.microsoft.com/office/powerpoint/2010/main" val="1676520336"/>
       </p:ext>
     </p:extLst>
   </p:cSld>
@@ -14393,7 +13788,7 @@
           <p:cNvPr id="2" name="Content Placeholder 1">
             <a:extLst>
               <a:ext uri="{FF2B5EF4-FFF2-40B4-BE49-F238E27FC236}">
-                <a16:creationId xmlns:a16="http://schemas.microsoft.com/office/drawing/2014/main" id="{CB60872B-A375-407D-B604-CE1599E37B83}"/>
+                <a16:creationId xmlns:a16="http://schemas.microsoft.com/office/drawing/2014/main" id="{C638977C-2953-42B7-91E8-6A8F2FE72372}"/>
               </a:ext>
             </a:extLst>
           </p:cNvPr>
@@ -14409,31 +13804,13 @@
           <a:bodyPr/>
           <a:lstStyle/>
           <a:p>
-            <a:r>
-              <a:rPr lang="en-US" dirty="0"/>
-              <a:t>In web development, generally:</a:t>
-            </a:r>
-          </a:p>
-          <a:p>
             <a:pPr marL="457200" indent="-457200">
               <a:buFont typeface="Arial" panose="020B0604020202020204" pitchFamily="34" charset="0"/>
               <a:buChar char="•"/>
             </a:pPr>
             <a:r>
               <a:rPr lang="en-US" dirty="0"/>
-              <a:t>Front-end focus on user interface</a:t>
-            </a:r>
-          </a:p>
-          <a:p>
-            <a:r>
-              <a:rPr lang="en-US" dirty="0"/>
-              <a:t>	Anything that happens in your web browser</a:t>
-            </a:r>
-          </a:p>
-          <a:p>
-            <a:r>
-              <a:rPr lang="en-US" dirty="0"/>
-              <a:t>	- HTML, JS, CSS</a:t>
+              <a:t>Python 3</a:t>
             </a:r>
           </a:p>
           <a:p>
@@ -14442,42 +13819,28 @@
               <a:buChar char="•"/>
             </a:pPr>
             <a:r>
-              <a:rPr lang="en-US" dirty="0">
-                <a:solidFill>
-                  <a:srgbClr val="C00000"/>
-                </a:solidFill>
-              </a:rPr>
-              <a:t>Back-end focus on server and infrastructure</a:t>
-            </a:r>
-          </a:p>
-          <a:p>
-            <a:r>
-              <a:rPr lang="en-US" dirty="0">
-                <a:solidFill>
-                  <a:srgbClr val="C00000"/>
-                </a:solidFill>
-              </a:rPr>
-              <a:t>	- Database</a:t>
-            </a:r>
-          </a:p>
-          <a:p>
-            <a:r>
-              <a:rPr lang="en-US" dirty="0">
-                <a:solidFill>
-                  <a:srgbClr val="C00000"/>
-                </a:solidFill>
-              </a:rPr>
-              <a:t>	- API that serves the data in the database</a:t>
-            </a:r>
-          </a:p>
-          <a:p>
-            <a:r>
-              <a:rPr lang="en-US" dirty="0">
-                <a:solidFill>
-                  <a:srgbClr val="C00000"/>
-                </a:solidFill>
-              </a:rPr>
-              <a:t>	- MongoDB and Python-eve</a:t>
+              <a:rPr lang="en-US" dirty="0"/>
+              <a:t>EVE library in Python: pip install eve</a:t>
+            </a:r>
+          </a:p>
+          <a:p>
+            <a:pPr marL="457200" indent="-457200">
+              <a:buFont typeface="Arial" panose="020B0604020202020204" pitchFamily="34" charset="0"/>
+              <a:buChar char="•"/>
+            </a:pPr>
+            <a:r>
+              <a:rPr lang="en-US" dirty="0"/>
+              <a:t>MongoDB</a:t>
+            </a:r>
+          </a:p>
+          <a:p>
+            <a:pPr marL="457200" indent="-457200">
+              <a:buFont typeface="Arial" panose="020B0604020202020204" pitchFamily="34" charset="0"/>
+              <a:buChar char="•"/>
+            </a:pPr>
+            <a:r>
+              <a:rPr lang="en-US" dirty="0"/>
+              <a:t>Robo3T: MongoDB </a:t>
             </a:r>
           </a:p>
         </p:txBody>
@@ -14487,7 +13850,7 @@
           <p:cNvPr id="3" name="Title 2">
             <a:extLst>
               <a:ext uri="{FF2B5EF4-FFF2-40B4-BE49-F238E27FC236}">
-                <a16:creationId xmlns:a16="http://schemas.microsoft.com/office/drawing/2014/main" id="{CF42B6C6-EBBF-4C3A-9865-C412FFA2F680}"/>
+                <a16:creationId xmlns:a16="http://schemas.microsoft.com/office/drawing/2014/main" id="{070423B2-8052-43DC-97C5-B1C52CBD86F3}"/>
               </a:ext>
             </a:extLst>
           </p:cNvPr>
@@ -14507,7 +13870,7 @@
           <a:p>
             <a:r>
               <a:rPr lang="en-US" dirty="0"/>
-              <a:t>What is front- and back-end?</a:t>
+              <a:t>Backend checklist</a:t>
             </a:r>
           </a:p>
         </p:txBody>
@@ -14515,7 +13878,7 @@
     </p:spTree>
     <p:extLst>
       <p:ext uri="{BB962C8B-B14F-4D97-AF65-F5344CB8AC3E}">
-        <p14:creationId xmlns:p14="http://schemas.microsoft.com/office/powerpoint/2010/main" val="1676520336"/>
+        <p14:creationId xmlns:p14="http://schemas.microsoft.com/office/powerpoint/2010/main" val="3990155501"/>
       </p:ext>
     </p:extLst>
   </p:cSld>
@@ -14550,131 +13913,6 @@
           <p:cNvPr id="2" name="Content Placeholder 1">
             <a:extLst>
               <a:ext uri="{FF2B5EF4-FFF2-40B4-BE49-F238E27FC236}">
-                <a16:creationId xmlns:a16="http://schemas.microsoft.com/office/drawing/2014/main" id="{C638977C-2953-42B7-91E8-6A8F2FE72372}"/>
-              </a:ext>
-            </a:extLst>
-          </p:cNvPr>
-          <p:cNvSpPr>
-            <a:spLocks noGrp="1"/>
-          </p:cNvSpPr>
-          <p:nvPr>
-            <p:ph idx="16"/>
-          </p:nvPr>
-        </p:nvSpPr>
-        <p:spPr/>
-        <p:txBody>
-          <a:bodyPr/>
-          <a:lstStyle/>
-          <a:p>
-            <a:pPr marL="457200" indent="-457200">
-              <a:buFont typeface="Arial" panose="020B0604020202020204" pitchFamily="34" charset="0"/>
-              <a:buChar char="•"/>
-            </a:pPr>
-            <a:r>
-              <a:rPr lang="en-US" dirty="0"/>
-              <a:t>Python 3</a:t>
-            </a:r>
-          </a:p>
-          <a:p>
-            <a:pPr marL="457200" indent="-457200">
-              <a:buFont typeface="Arial" panose="020B0604020202020204" pitchFamily="34" charset="0"/>
-              <a:buChar char="•"/>
-            </a:pPr>
-            <a:r>
-              <a:rPr lang="en-US" dirty="0"/>
-              <a:t>EVE library in Python: pip install eve</a:t>
-            </a:r>
-          </a:p>
-          <a:p>
-            <a:pPr marL="457200" indent="-457200">
-              <a:buFont typeface="Arial" panose="020B0604020202020204" pitchFamily="34" charset="0"/>
-              <a:buChar char="•"/>
-            </a:pPr>
-            <a:r>
-              <a:rPr lang="en-US" dirty="0"/>
-              <a:t>MongoDB</a:t>
-            </a:r>
-          </a:p>
-          <a:p>
-            <a:pPr marL="457200" indent="-457200">
-              <a:buFont typeface="Arial" panose="020B0604020202020204" pitchFamily="34" charset="0"/>
-              <a:buChar char="•"/>
-            </a:pPr>
-            <a:r>
-              <a:rPr lang="en-US" dirty="0"/>
-              <a:t>Robo3T: MongoDB </a:t>
-            </a:r>
-          </a:p>
-        </p:txBody>
-      </p:sp>
-      <p:sp>
-        <p:nvSpPr>
-          <p:cNvPr id="3" name="Title 2">
-            <a:extLst>
-              <a:ext uri="{FF2B5EF4-FFF2-40B4-BE49-F238E27FC236}">
-                <a16:creationId xmlns:a16="http://schemas.microsoft.com/office/drawing/2014/main" id="{070423B2-8052-43DC-97C5-B1C52CBD86F3}"/>
-              </a:ext>
-            </a:extLst>
-          </p:cNvPr>
-          <p:cNvSpPr>
-            <a:spLocks noGrp="1"/>
-          </p:cNvSpPr>
-          <p:nvPr>
-            <p:ph type="title"/>
-          </p:nvPr>
-        </p:nvSpPr>
-        <p:spPr/>
-        <p:txBody>
-          <a:bodyPr>
-            <a:normAutofit fontScale="90000"/>
-          </a:bodyPr>
-          <a:lstStyle/>
-          <a:p>
-            <a:r>
-              <a:rPr lang="en-US" dirty="0"/>
-              <a:t>Backend checklist</a:t>
-            </a:r>
-          </a:p>
-        </p:txBody>
-      </p:sp>
-    </p:spTree>
-    <p:extLst>
-      <p:ext uri="{BB962C8B-B14F-4D97-AF65-F5344CB8AC3E}">
-        <p14:creationId xmlns:p14="http://schemas.microsoft.com/office/powerpoint/2010/main" val="3990155501"/>
-      </p:ext>
-    </p:extLst>
-  </p:cSld>
-  <p:clrMapOvr>
-    <a:masterClrMapping/>
-  </p:clrMapOvr>
-  <p:transition spd="slow">
-    <p:fade/>
-  </p:transition>
-</p:sld>
-</file>
-
-<file path=ppt/slides/slide44.xml><?xml version="1.0" encoding="utf-8"?>
-<p:sld xmlns:a="http://schemas.openxmlformats.org/drawingml/2006/main" xmlns:r="http://schemas.openxmlformats.org/officeDocument/2006/relationships" xmlns:p="http://schemas.openxmlformats.org/presentationml/2006/main">
-  <p:cSld>
-    <p:spTree>
-      <p:nvGrpSpPr>
-        <p:cNvPr id="1" name=""/>
-        <p:cNvGrpSpPr/>
-        <p:nvPr/>
-      </p:nvGrpSpPr>
-      <p:grpSpPr>
-        <a:xfrm>
-          <a:off x="0" y="0"/>
-          <a:ext cx="0" cy="0"/>
-          <a:chOff x="0" y="0"/>
-          <a:chExt cx="0" cy="0"/>
-        </a:xfrm>
-      </p:grpSpPr>
-      <p:sp>
-        <p:nvSpPr>
-          <p:cNvPr id="2" name="Content Placeholder 1">
-            <a:extLst>
-              <a:ext uri="{FF2B5EF4-FFF2-40B4-BE49-F238E27FC236}">
                 <a16:creationId xmlns:a16="http://schemas.microsoft.com/office/drawing/2014/main" id="{B3C1944E-69DF-45FA-92A0-C6C07CFDA350}"/>
               </a:ext>
             </a:extLst>
@@ -14795,7 +14033,7 @@
 </p:sld>
 </file>
 
-<file path=ppt/slides/slide45.xml><?xml version="1.0" encoding="utf-8"?>
+<file path=ppt/slides/slide44.xml><?xml version="1.0" encoding="utf-8"?>
 <p:sld xmlns:a="http://schemas.openxmlformats.org/drawingml/2006/main" xmlns:r="http://schemas.openxmlformats.org/officeDocument/2006/relationships" xmlns:p="http://schemas.openxmlformats.org/presentationml/2006/main">
   <p:cSld>
     <p:spTree>
@@ -15288,7 +14526,7 @@
 </p:sld>
 </file>
 
-<file path=ppt/slides/slide46.xml><?xml version="1.0" encoding="utf-8"?>
+<file path=ppt/slides/slide45.xml><?xml version="1.0" encoding="utf-8"?>
 <p:sld xmlns:a="http://schemas.openxmlformats.org/drawingml/2006/main" xmlns:r="http://schemas.openxmlformats.org/officeDocument/2006/relationships" xmlns:p="http://schemas.openxmlformats.org/presentationml/2006/main">
   <p:cSld>
     <p:spTree>
@@ -15559,7 +14797,7 @@
 </p:sld>
 </file>
 
-<file path=ppt/slides/slide47.xml><?xml version="1.0" encoding="utf-8"?>
+<file path=ppt/slides/slide46.xml><?xml version="1.0" encoding="utf-8"?>
 <p:sld xmlns:a="http://schemas.openxmlformats.org/drawingml/2006/main" xmlns:r="http://schemas.openxmlformats.org/officeDocument/2006/relationships" xmlns:p="http://schemas.openxmlformats.org/presentationml/2006/main">
   <p:cSld>
     <p:spTree>
@@ -16336,7 +15574,7 @@
 </p:sld>
 </file>
 
-<file path=ppt/slides/slide48.xml><?xml version="1.0" encoding="utf-8"?>
+<file path=ppt/slides/slide47.xml><?xml version="1.0" encoding="utf-8"?>
 <p:sld xmlns:a="http://schemas.openxmlformats.org/drawingml/2006/main" xmlns:r="http://schemas.openxmlformats.org/officeDocument/2006/relationships" xmlns:p="http://schemas.openxmlformats.org/presentationml/2006/main">
   <p:cSld>
     <p:spTree>
@@ -16459,7 +15697,7 @@
 </p:sld>
 </file>
 
-<file path=ppt/slides/slide49.xml><?xml version="1.0" encoding="utf-8"?>
+<file path=ppt/slides/slide48.xml><?xml version="1.0" encoding="utf-8"?>
 <p:sld xmlns:a="http://schemas.openxmlformats.org/drawingml/2006/main" xmlns:r="http://schemas.openxmlformats.org/officeDocument/2006/relationships" xmlns:p="http://schemas.openxmlformats.org/presentationml/2006/main">
   <p:cSld>
     <p:spTree>
@@ -16569,223 +15807,6 @@
           <a:chExt cx="0" cy="0"/>
         </a:xfrm>
       </p:grpSpPr>
-      <p:pic>
-        <p:nvPicPr>
-          <p:cNvPr id="6" name="Picture 5" descr="Graphical user interface, text, application&#10;&#10;Description automatically generated">
-            <a:extLst>
-              <a:ext uri="{FF2B5EF4-FFF2-40B4-BE49-F238E27FC236}">
-                <a16:creationId xmlns:a16="http://schemas.microsoft.com/office/drawing/2014/main" id="{9A78018C-B9FD-4791-B364-A0A6C30D9649}"/>
-              </a:ext>
-            </a:extLst>
-          </p:cNvPr>
-          <p:cNvPicPr>
-            <a:picLocks noChangeAspect="1"/>
-          </p:cNvPicPr>
-          <p:nvPr/>
-        </p:nvPicPr>
-        <p:blipFill rotWithShape="1">
-          <a:blip r:embed="rId3"/>
-          <a:srcRect l="1999" r="12917" b="22000"/>
-          <a:stretch/>
-        </p:blipFill>
-        <p:spPr>
-          <a:xfrm>
-            <a:off x="5082101" y="2186566"/>
-            <a:ext cx="4061899" cy="2094603"/>
-          </a:xfrm>
-          <a:prstGeom prst="rect">
-            <a:avLst/>
-          </a:prstGeom>
-        </p:spPr>
-      </p:pic>
-      <p:sp>
-        <p:nvSpPr>
-          <p:cNvPr id="2" name="Content Placeholder 1">
-            <a:extLst>
-              <a:ext uri="{FF2B5EF4-FFF2-40B4-BE49-F238E27FC236}">
-                <a16:creationId xmlns:a16="http://schemas.microsoft.com/office/drawing/2014/main" id="{E58EE76E-9FC7-43AE-B9E2-6307DB0405D8}"/>
-              </a:ext>
-            </a:extLst>
-          </p:cNvPr>
-          <p:cNvSpPr>
-            <a:spLocks noGrp="1"/>
-          </p:cNvSpPr>
-          <p:nvPr>
-            <p:ph idx="16"/>
-          </p:nvPr>
-        </p:nvSpPr>
-        <p:spPr>
-          <a:xfrm>
-            <a:off x="152804" y="1881496"/>
-            <a:ext cx="5569902" cy="4417350"/>
-          </a:xfrm>
-        </p:spPr>
-        <p:txBody>
-          <a:bodyPr/>
-          <a:lstStyle/>
-          <a:p>
-            <a:pPr marL="571500" indent="-571500">
-              <a:buFont typeface="Arial" panose="020B0604020202020204" pitchFamily="34" charset="0"/>
-              <a:buChar char="•"/>
-            </a:pPr>
-            <a:r>
-              <a:rPr lang="en-US" sz="3200" dirty="0"/>
-              <a:t>Persistent</a:t>
-            </a:r>
-          </a:p>
-          <a:p>
-            <a:r>
-              <a:rPr lang="en-US" sz="3200" dirty="0"/>
-              <a:t>	- Online 24/7</a:t>
-            </a:r>
-          </a:p>
-          <a:p>
-            <a:r>
-              <a:rPr lang="en-US" sz="3200" dirty="0"/>
-              <a:t>	- Low risk of failing</a:t>
-            </a:r>
-          </a:p>
-          <a:p>
-            <a:endParaRPr lang="en-US" sz="2400" dirty="0"/>
-          </a:p>
-          <a:p>
-            <a:pPr marL="457200" indent="-457200">
-              <a:buFont typeface="Arial" panose="020B0604020202020204" pitchFamily="34" charset="0"/>
-              <a:buChar char="•"/>
-            </a:pPr>
-            <a:r>
-              <a:rPr lang="en-US" sz="3200" dirty="0"/>
-              <a:t>Compatible</a:t>
-            </a:r>
-          </a:p>
-          <a:p>
-            <a:r>
-              <a:rPr lang="en-US" sz="3200" dirty="0"/>
-              <a:t>	- Cross platforms</a:t>
-            </a:r>
-          </a:p>
-          <a:p>
-            <a:r>
-              <a:rPr lang="en-US" sz="3200" dirty="0"/>
-              <a:t>	- Touching screen </a:t>
-            </a:r>
-          </a:p>
-          <a:p>
-            <a:r>
-              <a:rPr lang="en-US" sz="3200" dirty="0"/>
-              <a:t>	  friendly</a:t>
-            </a:r>
-          </a:p>
-        </p:txBody>
-      </p:sp>
-      <p:sp>
-        <p:nvSpPr>
-          <p:cNvPr id="3" name="Title 2">
-            <a:extLst>
-              <a:ext uri="{FF2B5EF4-FFF2-40B4-BE49-F238E27FC236}">
-                <a16:creationId xmlns:a16="http://schemas.microsoft.com/office/drawing/2014/main" id="{6E94D9A8-CAFE-4B21-9A6F-2A4923DD7455}"/>
-              </a:ext>
-            </a:extLst>
-          </p:cNvPr>
-          <p:cNvSpPr>
-            <a:spLocks noGrp="1"/>
-          </p:cNvSpPr>
-          <p:nvPr>
-            <p:ph type="title"/>
-          </p:nvPr>
-        </p:nvSpPr>
-        <p:spPr/>
-        <p:txBody>
-          <a:bodyPr>
-            <a:noAutofit/>
-          </a:bodyPr>
-          <a:lstStyle/>
-          <a:p>
-            <a:r>
-              <a:rPr lang="en-US" dirty="0"/>
-              <a:t>Why web-map? Robustness</a:t>
-            </a:r>
-          </a:p>
-        </p:txBody>
-      </p:sp>
-      <p:pic>
-        <p:nvPicPr>
-          <p:cNvPr id="8" name="Picture 6" descr="Free Images : laptop, desk, notebook, mobile, work, ipad, technology,  notepad, communication, furniture, digital, freelance, wireless, desktop  computer, personal computer, tablet pc, tablet computer, personal computer  hardware 5472x3648 - - 1032563 ...">
-            <a:extLst>
-              <a:ext uri="{FF2B5EF4-FFF2-40B4-BE49-F238E27FC236}">
-                <a16:creationId xmlns:a16="http://schemas.microsoft.com/office/drawing/2014/main" id="{203BD79D-D582-482A-B344-E52A85FB7382}"/>
-              </a:ext>
-            </a:extLst>
-          </p:cNvPr>
-          <p:cNvPicPr>
-            <a:picLocks noChangeAspect="1" noChangeArrowheads="1"/>
-          </p:cNvPicPr>
-          <p:nvPr/>
-        </p:nvPicPr>
-        <p:blipFill rotWithShape="1">
-          <a:blip r:embed="rId4">
-            <a:extLst>
-              <a:ext uri="{28A0092B-C50C-407E-A947-70E740481C1C}">
-                <a14:useLocalDpi xmlns:a14="http://schemas.microsoft.com/office/drawing/2010/main" val="0"/>
-              </a:ext>
-            </a:extLst>
-          </a:blip>
-          <a:srcRect t="13000" b="14319"/>
-          <a:stretch/>
-        </p:blipFill>
-        <p:spPr bwMode="auto">
-          <a:xfrm>
-            <a:off x="4964387" y="4586239"/>
-            <a:ext cx="4106520" cy="1986143"/>
-          </a:xfrm>
-          <a:prstGeom prst="rect">
-            <a:avLst/>
-          </a:prstGeom>
-          <a:noFill/>
-          <a:extLst>
-            <a:ext uri="{909E8E84-426E-40DD-AFC4-6F175D3DCCD1}">
-              <a14:hiddenFill xmlns:a14="http://schemas.microsoft.com/office/drawing/2010/main">
-                <a:solidFill>
-                  <a:srgbClr val="FFFFFF"/>
-                </a:solidFill>
-              </a14:hiddenFill>
-            </a:ext>
-          </a:extLst>
-        </p:spPr>
-      </p:pic>
-    </p:spTree>
-    <p:extLst>
-      <p:ext uri="{BB962C8B-B14F-4D97-AF65-F5344CB8AC3E}">
-        <p14:creationId xmlns:p14="http://schemas.microsoft.com/office/powerpoint/2010/main" val="3329729510"/>
-      </p:ext>
-    </p:extLst>
-  </p:cSld>
-  <p:clrMapOvr>
-    <a:masterClrMapping/>
-  </p:clrMapOvr>
-  <p:transition spd="slow">
-    <p:fade/>
-  </p:transition>
-</p:sld>
-</file>
-
-<file path=ppt/slides/slide6.xml><?xml version="1.0" encoding="utf-8"?>
-<p:sld xmlns:a="http://schemas.openxmlformats.org/drawingml/2006/main" xmlns:r="http://schemas.openxmlformats.org/officeDocument/2006/relationships" xmlns:p="http://schemas.openxmlformats.org/presentationml/2006/main">
-  <p:cSld>
-    <p:spTree>
-      <p:nvGrpSpPr>
-        <p:cNvPr id="1" name=""/>
-        <p:cNvGrpSpPr/>
-        <p:nvPr/>
-      </p:nvGrpSpPr>
-      <p:grpSpPr>
-        <a:xfrm>
-          <a:off x="0" y="0"/>
-          <a:ext cx="0" cy="0"/>
-          <a:chOff x="0" y="0"/>
-          <a:chExt cx="0" cy="0"/>
-        </a:xfrm>
-      </p:grpSpPr>
       <p:sp>
         <p:nvSpPr>
           <p:cNvPr id="2" name="TextBox 1">
@@ -16842,7 +15863,7 @@
 </p:sld>
 </file>
 
-<file path=ppt/slides/slide7.xml><?xml version="1.0" encoding="utf-8"?>
+<file path=ppt/slides/slide6.xml><?xml version="1.0" encoding="utf-8"?>
 <p:sld xmlns:a="http://schemas.openxmlformats.org/drawingml/2006/main" xmlns:r="http://schemas.openxmlformats.org/officeDocument/2006/relationships" xmlns:p="http://schemas.openxmlformats.org/presentationml/2006/main">
   <p:cSld>
     <p:spTree>
@@ -17086,6 +16107,159 @@
 </p:sld>
 </file>
 
+<file path=ppt/slides/slide7.xml><?xml version="1.0" encoding="utf-8"?>
+<p:sld xmlns:a="http://schemas.openxmlformats.org/drawingml/2006/main" xmlns:r="http://schemas.openxmlformats.org/officeDocument/2006/relationships" xmlns:p="http://schemas.openxmlformats.org/presentationml/2006/main">
+  <p:cSld>
+    <p:spTree>
+      <p:nvGrpSpPr>
+        <p:cNvPr id="1" name=""/>
+        <p:cNvGrpSpPr/>
+        <p:nvPr/>
+      </p:nvGrpSpPr>
+      <p:grpSpPr>
+        <a:xfrm>
+          <a:off x="0" y="0"/>
+          <a:ext cx="0" cy="0"/>
+          <a:chOff x="0" y="0"/>
+          <a:chExt cx="0" cy="0"/>
+        </a:xfrm>
+      </p:grpSpPr>
+      <p:sp>
+        <p:nvSpPr>
+          <p:cNvPr id="2" name="Content Placeholder 1">
+            <a:extLst>
+              <a:ext uri="{FF2B5EF4-FFF2-40B4-BE49-F238E27FC236}">
+                <a16:creationId xmlns:a16="http://schemas.microsoft.com/office/drawing/2014/main" id="{CB60872B-A375-407D-B604-CE1599E37B83}"/>
+              </a:ext>
+            </a:extLst>
+          </p:cNvPr>
+          <p:cNvSpPr>
+            <a:spLocks noGrp="1"/>
+          </p:cNvSpPr>
+          <p:nvPr>
+            <p:ph idx="16"/>
+          </p:nvPr>
+        </p:nvSpPr>
+        <p:spPr/>
+        <p:txBody>
+          <a:bodyPr/>
+          <a:lstStyle/>
+          <a:p>
+            <a:r>
+              <a:rPr lang="en-US" dirty="0"/>
+              <a:t>In web development, generally:</a:t>
+            </a:r>
+          </a:p>
+          <a:p>
+            <a:pPr marL="457200" indent="-457200">
+              <a:buFont typeface="Arial" panose="020B0604020202020204" pitchFamily="34" charset="0"/>
+              <a:buChar char="•"/>
+            </a:pPr>
+            <a:r>
+              <a:rPr lang="en-US" dirty="0">
+                <a:solidFill>
+                  <a:srgbClr val="C00000"/>
+                </a:solidFill>
+              </a:rPr>
+              <a:t>Front-end focus on user interface</a:t>
+            </a:r>
+          </a:p>
+          <a:p>
+            <a:r>
+              <a:rPr lang="en-US" dirty="0">
+                <a:solidFill>
+                  <a:srgbClr val="C00000"/>
+                </a:solidFill>
+              </a:rPr>
+              <a:t>	Anything that happens in your web browser</a:t>
+            </a:r>
+          </a:p>
+          <a:p>
+            <a:r>
+              <a:rPr lang="en-US" dirty="0">
+                <a:solidFill>
+                  <a:srgbClr val="C00000"/>
+                </a:solidFill>
+              </a:rPr>
+              <a:t>	- HTML, JS, CSS</a:t>
+            </a:r>
+          </a:p>
+          <a:p>
+            <a:pPr marL="457200" indent="-457200">
+              <a:buFont typeface="Arial" panose="020B0604020202020204" pitchFamily="34" charset="0"/>
+              <a:buChar char="•"/>
+            </a:pPr>
+            <a:r>
+              <a:rPr lang="en-US" dirty="0"/>
+              <a:t>Back-end focus on server and infrastructure</a:t>
+            </a:r>
+          </a:p>
+          <a:p>
+            <a:r>
+              <a:rPr lang="en-US" dirty="0"/>
+              <a:t>	- Database</a:t>
+            </a:r>
+          </a:p>
+          <a:p>
+            <a:r>
+              <a:rPr lang="en-US" dirty="0"/>
+              <a:t>	- API that serves the data in the database</a:t>
+            </a:r>
+          </a:p>
+          <a:p>
+            <a:r>
+              <a:rPr lang="en-US" dirty="0"/>
+              <a:t>	- MongoDB and Python-eve</a:t>
+            </a:r>
+          </a:p>
+        </p:txBody>
+      </p:sp>
+      <p:sp>
+        <p:nvSpPr>
+          <p:cNvPr id="3" name="Title 2">
+            <a:extLst>
+              <a:ext uri="{FF2B5EF4-FFF2-40B4-BE49-F238E27FC236}">
+                <a16:creationId xmlns:a16="http://schemas.microsoft.com/office/drawing/2014/main" id="{CF42B6C6-EBBF-4C3A-9865-C412FFA2F680}"/>
+              </a:ext>
+            </a:extLst>
+          </p:cNvPr>
+          <p:cNvSpPr>
+            <a:spLocks noGrp="1"/>
+          </p:cNvSpPr>
+          <p:nvPr>
+            <p:ph type="title"/>
+          </p:nvPr>
+        </p:nvSpPr>
+        <p:spPr/>
+        <p:txBody>
+          <a:bodyPr>
+            <a:normAutofit fontScale="90000"/>
+          </a:bodyPr>
+          <a:lstStyle/>
+          <a:p>
+            <a:r>
+              <a:rPr lang="en-US" dirty="0"/>
+              <a:t>What is front- and back-end?</a:t>
+            </a:r>
+          </a:p>
+        </p:txBody>
+      </p:sp>
+    </p:spTree>
+    <p:extLst>
+      <p:ext uri="{BB962C8B-B14F-4D97-AF65-F5344CB8AC3E}">
+        <p14:creationId xmlns:p14="http://schemas.microsoft.com/office/powerpoint/2010/main" val="1523849289"/>
+      </p:ext>
+    </p:extLst>
+  </p:cSld>
+  <p:clrMapOvr>
+    <a:masterClrMapping/>
+  </p:clrMapOvr>
+  <p:transition spd="slow">
+    <p:fade/>
+  </p:transition>
+</p:sld>
+</file>
+
 <file path=ppt/slides/slide8.xml><?xml version="1.0" encoding="utf-8"?>
 <p:sld xmlns:a="http://schemas.openxmlformats.org/drawingml/2006/main" xmlns:r="http://schemas.openxmlformats.org/officeDocument/2006/relationships" xmlns:p="http://schemas.openxmlformats.org/presentationml/2006/main">
   <p:cSld>
@@ -17108,7 +16282,32 @@
           <p:cNvPr id="2" name="Content Placeholder 1">
             <a:extLst>
               <a:ext uri="{FF2B5EF4-FFF2-40B4-BE49-F238E27FC236}">
-                <a16:creationId xmlns:a16="http://schemas.microsoft.com/office/drawing/2014/main" id="{CB60872B-A375-407D-B604-CE1599E37B83}"/>
+                <a16:creationId xmlns:a16="http://schemas.microsoft.com/office/drawing/2014/main" id="{F31E45B0-10E6-4873-B4A5-2343726646E4}"/>
+              </a:ext>
+            </a:extLst>
+          </p:cNvPr>
+          <p:cNvSpPr>
+            <a:spLocks noGrp="1"/>
+          </p:cNvSpPr>
+          <p:nvPr>
+            <p:ph idx="15"/>
+          </p:nvPr>
+        </p:nvSpPr>
+        <p:spPr/>
+        <p:txBody>
+          <a:bodyPr/>
+          <a:lstStyle/>
+          <a:p>
+            <a:endParaRPr lang="en-US"/>
+          </a:p>
+        </p:txBody>
+      </p:sp>
+      <p:sp>
+        <p:nvSpPr>
+          <p:cNvPr id="3" name="Content Placeholder 2">
+            <a:extLst>
+              <a:ext uri="{FF2B5EF4-FFF2-40B4-BE49-F238E27FC236}">
+                <a16:creationId xmlns:a16="http://schemas.microsoft.com/office/drawing/2014/main" id="{AC8940AE-B355-4DAB-A058-48BC2ED97933}"/>
               </a:ext>
             </a:extLst>
           </p:cNvPr>
@@ -17126,79 +16325,17 @@
           <a:p>
             <a:r>
               <a:rPr lang="en-US" dirty="0"/>
-              <a:t>In web development, generally:</a:t>
-            </a:r>
-          </a:p>
-          <a:p>
-            <a:pPr marL="457200" indent="-457200">
-              <a:buFont typeface="Arial" panose="020B0604020202020204" pitchFamily="34" charset="0"/>
-              <a:buChar char="•"/>
-            </a:pPr>
-            <a:r>
-              <a:rPr lang="en-US" dirty="0">
-                <a:solidFill>
-                  <a:srgbClr val="C00000"/>
-                </a:solidFill>
-              </a:rPr>
-              <a:t>Front-end focus on user interface</a:t>
-            </a:r>
-          </a:p>
-          <a:p>
-            <a:r>
-              <a:rPr lang="en-US" dirty="0">
-                <a:solidFill>
-                  <a:srgbClr val="C00000"/>
-                </a:solidFill>
-              </a:rPr>
-              <a:t>	Anything that happens in your web browser</a:t>
-            </a:r>
-          </a:p>
-          <a:p>
-            <a:r>
-              <a:rPr lang="en-US" dirty="0">
-                <a:solidFill>
-                  <a:srgbClr val="C00000"/>
-                </a:solidFill>
-              </a:rPr>
-              <a:t>	- HTML, JS, CSS</a:t>
-            </a:r>
-          </a:p>
-          <a:p>
-            <a:pPr marL="457200" indent="-457200">
-              <a:buFont typeface="Arial" panose="020B0604020202020204" pitchFamily="34" charset="0"/>
-              <a:buChar char="•"/>
-            </a:pPr>
-            <a:r>
-              <a:rPr lang="en-US" dirty="0"/>
-              <a:t>Back-end focus on server and infrastructure</a:t>
-            </a:r>
-          </a:p>
-          <a:p>
-            <a:r>
-              <a:rPr lang="en-US" dirty="0"/>
-              <a:t>	- Database</a:t>
-            </a:r>
-          </a:p>
-          <a:p>
-            <a:r>
-              <a:rPr lang="en-US" dirty="0"/>
-              <a:t>	- API that serves the data in the database</a:t>
-            </a:r>
-          </a:p>
-          <a:p>
-            <a:r>
-              <a:rPr lang="en-US" dirty="0"/>
-              <a:t>	- MongoDB and Python-eve</a:t>
-            </a:r>
-          </a:p>
-        </p:txBody>
-      </p:sp>
-      <p:sp>
-        <p:nvSpPr>
-          <p:cNvPr id="3" name="Title 2">
-            <a:extLst>
-              <a:ext uri="{FF2B5EF4-FFF2-40B4-BE49-F238E27FC236}">
-                <a16:creationId xmlns:a16="http://schemas.microsoft.com/office/drawing/2014/main" id="{CF42B6C6-EBBF-4C3A-9865-C412FFA2F680}"/>
+              <a:t>Webpage basics - HTML</a:t>
+            </a:r>
+          </a:p>
+        </p:txBody>
+      </p:sp>
+      <p:sp>
+        <p:nvSpPr>
+          <p:cNvPr id="4" name="Title 3">
+            <a:extLst>
+              <a:ext uri="{FF2B5EF4-FFF2-40B4-BE49-F238E27FC236}">
+                <a16:creationId xmlns:a16="http://schemas.microsoft.com/office/drawing/2014/main" id="{DA0971AE-B79E-44C6-BD45-0629FA0C7FEA}"/>
               </a:ext>
             </a:extLst>
           </p:cNvPr>
@@ -17216,17 +16353,14 @@
           </a:bodyPr>
           <a:lstStyle/>
           <a:p>
-            <a:r>
-              <a:rPr lang="en-US" dirty="0"/>
-              <a:t>What is front- and back-end?</a:t>
-            </a:r>
+            <a:endParaRPr lang="en-US"/>
           </a:p>
         </p:txBody>
       </p:sp>
     </p:spTree>
     <p:extLst>
       <p:ext uri="{BB962C8B-B14F-4D97-AF65-F5344CB8AC3E}">
-        <p14:creationId xmlns:p14="http://schemas.microsoft.com/office/powerpoint/2010/main" val="1523849289"/>
+        <p14:creationId xmlns:p14="http://schemas.microsoft.com/office/powerpoint/2010/main" val="370324397"/>
       </p:ext>
     </p:extLst>
   </p:cSld>
@@ -17261,32 +16395,7 @@
           <p:cNvPr id="2" name="Content Placeholder 1">
             <a:extLst>
               <a:ext uri="{FF2B5EF4-FFF2-40B4-BE49-F238E27FC236}">
-                <a16:creationId xmlns:a16="http://schemas.microsoft.com/office/drawing/2014/main" id="{F31E45B0-10E6-4873-B4A5-2343726646E4}"/>
-              </a:ext>
-            </a:extLst>
-          </p:cNvPr>
-          <p:cNvSpPr>
-            <a:spLocks noGrp="1"/>
-          </p:cNvSpPr>
-          <p:nvPr>
-            <p:ph idx="15"/>
-          </p:nvPr>
-        </p:nvSpPr>
-        <p:spPr/>
-        <p:txBody>
-          <a:bodyPr/>
-          <a:lstStyle/>
-          <a:p>
-            <a:endParaRPr lang="en-US"/>
-          </a:p>
-        </p:txBody>
-      </p:sp>
-      <p:sp>
-        <p:nvSpPr>
-          <p:cNvPr id="3" name="Content Placeholder 2">
-            <a:extLst>
-              <a:ext uri="{FF2B5EF4-FFF2-40B4-BE49-F238E27FC236}">
-                <a16:creationId xmlns:a16="http://schemas.microsoft.com/office/drawing/2014/main" id="{AC8940AE-B355-4DAB-A058-48BC2ED97933}"/>
+                <a16:creationId xmlns:a16="http://schemas.microsoft.com/office/drawing/2014/main" id="{DB6D1B1B-F346-411F-892F-255DB956D4B3}"/>
               </a:ext>
             </a:extLst>
           </p:cNvPr>
@@ -17297,24 +16406,293 @@
             <p:ph idx="16"/>
           </p:nvPr>
         </p:nvSpPr>
-        <p:spPr/>
+        <p:spPr>
+          <a:xfrm>
+            <a:off x="116341" y="1734522"/>
+            <a:ext cx="8374748" cy="4417350"/>
+          </a:xfrm>
+        </p:spPr>
         <p:txBody>
           <a:bodyPr/>
           <a:lstStyle/>
           <a:p>
             <a:r>
-              <a:rPr lang="en-US" dirty="0"/>
-              <a:t>Webpage basics - HTML</a:t>
-            </a:r>
-          </a:p>
-        </p:txBody>
-      </p:sp>
-      <p:sp>
-        <p:nvSpPr>
-          <p:cNvPr id="4" name="Title 3">
-            <a:extLst>
-              <a:ext uri="{FF2B5EF4-FFF2-40B4-BE49-F238E27FC236}">
-                <a16:creationId xmlns:a16="http://schemas.microsoft.com/office/drawing/2014/main" id="{DA0971AE-B79E-44C6-BD45-0629FA0C7FEA}"/>
+              <a:rPr lang="en-US" dirty="0">
+                <a:solidFill>
+                  <a:schemeClr val="tx1"/>
+                </a:solidFill>
+              </a:rPr>
+              <a:t>Web page is essentially</a:t>
+            </a:r>
+            <a:r>
+              <a:rPr lang="en-US" dirty="0">
+                <a:solidFill>
+                  <a:srgbClr val="C00000"/>
+                </a:solidFill>
+              </a:rPr>
+              <a:t> contents in web browser</a:t>
+            </a:r>
+          </a:p>
+          <a:p>
+            <a:endParaRPr lang="en-US" dirty="0">
+              <a:solidFill>
+                <a:srgbClr val="C00000"/>
+              </a:solidFill>
+            </a:endParaRPr>
+          </a:p>
+          <a:p>
+            <a:pPr marL="457200" indent="-457200">
+              <a:buFont typeface="Arial" panose="020B0604020202020204" pitchFamily="34" charset="0"/>
+              <a:buChar char="•"/>
+            </a:pPr>
+            <a:endParaRPr lang="en-US" dirty="0">
+              <a:solidFill>
+                <a:srgbClr val="C00000"/>
+              </a:solidFill>
+            </a:endParaRPr>
+          </a:p>
+        </p:txBody>
+      </p:sp>
+      <p:sp>
+        <p:nvSpPr>
+          <p:cNvPr id="7" name="Content Placeholder 1">
+            <a:extLst>
+              <a:ext uri="{FF2B5EF4-FFF2-40B4-BE49-F238E27FC236}">
+                <a16:creationId xmlns:a16="http://schemas.microsoft.com/office/drawing/2014/main" id="{A241D32F-8072-48FA-975B-F6F4E06A1A8F}"/>
+              </a:ext>
+            </a:extLst>
+          </p:cNvPr>
+          <p:cNvSpPr txBox="1">
+            <a:spLocks/>
+          </p:cNvSpPr>
+          <p:nvPr/>
+        </p:nvSpPr>
+        <p:spPr>
+          <a:xfrm>
+            <a:off x="116341" y="716499"/>
+            <a:ext cx="4488093" cy="4417350"/>
+          </a:xfrm>
+          <a:prstGeom prst="rect">
+            <a:avLst/>
+          </a:prstGeom>
+          <a:ln>
+            <a:noFill/>
+          </a:ln>
+        </p:spPr>
+        <p:txBody>
+          <a:bodyPr/>
+          <a:lstStyle>
+            <a:lvl1pPr marL="0" indent="0" algn="l" defTabSz="457200" rtl="0" eaLnBrk="1" latinLnBrk="0" hangingPunct="1">
+              <a:lnSpc>
+                <a:spcPct val="125000"/>
+              </a:lnSpc>
+              <a:spcBef>
+                <a:spcPts val="0"/>
+              </a:spcBef>
+              <a:buFont typeface="Arial"/>
+              <a:buNone/>
+              <a:defRPr sz="2800" b="0" kern="1200" baseline="0">
+                <a:solidFill>
+                  <a:schemeClr val="tx1">
+                    <a:lumMod val="95000"/>
+                    <a:lumOff val="5000"/>
+                  </a:schemeClr>
+                </a:solidFill>
+                <a:latin typeface="+mj-lt"/>
+                <a:ea typeface="+mn-ea"/>
+                <a:cs typeface="+mn-cs"/>
+              </a:defRPr>
+            </a:lvl1pPr>
+            <a:lvl2pPr marL="0" indent="0" algn="l" defTabSz="457200" rtl="0" eaLnBrk="1" latinLnBrk="0" hangingPunct="1">
+              <a:spcBef>
+                <a:spcPts val="600"/>
+              </a:spcBef>
+              <a:buFont typeface="Arial"/>
+              <a:buNone/>
+              <a:defRPr sz="2400" kern="1200">
+                <a:solidFill>
+                  <a:schemeClr val="tx1">
+                    <a:lumMod val="65000"/>
+                    <a:lumOff val="35000"/>
+                  </a:schemeClr>
+                </a:solidFill>
+                <a:latin typeface="+mn-lt"/>
+                <a:ea typeface="+mn-ea"/>
+                <a:cs typeface="+mn-cs"/>
+              </a:defRPr>
+            </a:lvl2pPr>
+            <a:lvl3pPr marL="0" indent="-228600" algn="l" defTabSz="457200" rtl="0" eaLnBrk="1" latinLnBrk="0" hangingPunct="1">
+              <a:spcBef>
+                <a:spcPts val="0"/>
+              </a:spcBef>
+              <a:buFont typeface="Arial"/>
+              <a:buChar char="•"/>
+              <a:defRPr sz="2000" kern="1200">
+                <a:solidFill>
+                  <a:schemeClr val="tx1">
+                    <a:lumMod val="65000"/>
+                    <a:lumOff val="35000"/>
+                  </a:schemeClr>
+                </a:solidFill>
+                <a:latin typeface="+mn-lt"/>
+                <a:ea typeface="+mn-ea"/>
+                <a:cs typeface="+mn-cs"/>
+              </a:defRPr>
+            </a:lvl3pPr>
+            <a:lvl4pPr marL="548640" indent="0" algn="l" defTabSz="457200" rtl="0" eaLnBrk="1" latinLnBrk="0" hangingPunct="1">
+              <a:spcBef>
+                <a:spcPts val="0"/>
+              </a:spcBef>
+              <a:buFont typeface="Arial"/>
+              <a:buNone/>
+              <a:defRPr sz="2000" kern="1200">
+                <a:solidFill>
+                  <a:schemeClr val="tx1"/>
+                </a:solidFill>
+                <a:latin typeface="+mn-lt"/>
+                <a:ea typeface="+mn-ea"/>
+                <a:cs typeface="+mn-cs"/>
+              </a:defRPr>
+            </a:lvl4pPr>
+            <a:lvl5pPr marL="502920" indent="0" algn="l" defTabSz="457200" rtl="0" eaLnBrk="1" latinLnBrk="0" hangingPunct="1">
+              <a:spcBef>
+                <a:spcPts val="350"/>
+              </a:spcBef>
+              <a:buFont typeface="Arial"/>
+              <a:buNone/>
+              <a:defRPr sz="1600" kern="1200">
+                <a:solidFill>
+                  <a:schemeClr val="tx1">
+                    <a:lumMod val="65000"/>
+                    <a:lumOff val="35000"/>
+                  </a:schemeClr>
+                </a:solidFill>
+                <a:latin typeface="+mn-lt"/>
+                <a:ea typeface="+mn-ea"/>
+                <a:cs typeface="+mn-cs"/>
+              </a:defRPr>
+            </a:lvl5pPr>
+            <a:lvl6pPr marL="2514600" indent="-228600" algn="l" defTabSz="457200" rtl="0" eaLnBrk="1" latinLnBrk="0" hangingPunct="1">
+              <a:spcBef>
+                <a:spcPct val="20000"/>
+              </a:spcBef>
+              <a:buFont typeface="Arial"/>
+              <a:buChar char="•"/>
+              <a:defRPr sz="2000" kern="1200">
+                <a:solidFill>
+                  <a:schemeClr val="tx1"/>
+                </a:solidFill>
+                <a:latin typeface="+mn-lt"/>
+                <a:ea typeface="+mn-ea"/>
+                <a:cs typeface="+mn-cs"/>
+              </a:defRPr>
+            </a:lvl6pPr>
+            <a:lvl7pPr marL="2971800" indent="-228600" algn="l" defTabSz="457200" rtl="0" eaLnBrk="1" latinLnBrk="0" hangingPunct="1">
+              <a:spcBef>
+                <a:spcPct val="20000"/>
+              </a:spcBef>
+              <a:buFont typeface="Arial"/>
+              <a:buChar char="•"/>
+              <a:defRPr sz="2000" kern="1200">
+                <a:solidFill>
+                  <a:schemeClr val="tx1"/>
+                </a:solidFill>
+                <a:latin typeface="+mn-lt"/>
+                <a:ea typeface="+mn-ea"/>
+                <a:cs typeface="+mn-cs"/>
+              </a:defRPr>
+            </a:lvl7pPr>
+            <a:lvl8pPr marL="3429000" indent="-228600" algn="l" defTabSz="457200" rtl="0" eaLnBrk="1" latinLnBrk="0" hangingPunct="1">
+              <a:spcBef>
+                <a:spcPct val="20000"/>
+              </a:spcBef>
+              <a:buFont typeface="Arial"/>
+              <a:buChar char="•"/>
+              <a:defRPr sz="2000" kern="1200">
+                <a:solidFill>
+                  <a:schemeClr val="tx1"/>
+                </a:solidFill>
+                <a:latin typeface="+mn-lt"/>
+                <a:ea typeface="+mn-ea"/>
+                <a:cs typeface="+mn-cs"/>
+              </a:defRPr>
+            </a:lvl8pPr>
+            <a:lvl9pPr marL="3886200" indent="-228600" algn="l" defTabSz="457200" rtl="0" eaLnBrk="1" latinLnBrk="0" hangingPunct="1">
+              <a:spcBef>
+                <a:spcPct val="20000"/>
+              </a:spcBef>
+              <a:buFont typeface="Arial"/>
+              <a:buChar char="•"/>
+              <a:defRPr sz="2000" kern="1200">
+                <a:solidFill>
+                  <a:schemeClr val="tx1"/>
+                </a:solidFill>
+                <a:latin typeface="+mn-lt"/>
+                <a:ea typeface="+mn-ea"/>
+                <a:cs typeface="+mn-cs"/>
+              </a:defRPr>
+            </a:lvl9pPr>
+          </a:lstStyle>
+          <a:p>
+            <a:endParaRPr lang="en-US" dirty="0"/>
+          </a:p>
+          <a:p>
+            <a:endParaRPr lang="en-US" dirty="0"/>
+          </a:p>
+          <a:p>
+            <a:endParaRPr lang="en-US" dirty="0"/>
+          </a:p>
+          <a:p>
+            <a:r>
+              <a:rPr lang="en-US" sz="2400" dirty="0"/>
+              <a:t>A typical web page consists of three parts:</a:t>
+            </a:r>
+          </a:p>
+          <a:p>
+            <a:pPr marL="457200" indent="-457200">
+              <a:buFont typeface="Arial" panose="020B0604020202020204" pitchFamily="34" charset="0"/>
+              <a:buChar char="•"/>
+            </a:pPr>
+            <a:r>
+              <a:rPr lang="en-US" dirty="0"/>
+              <a:t>HTML </a:t>
+            </a:r>
+          </a:p>
+          <a:p>
+            <a:pPr marL="457200" indent="-457200">
+              <a:buFont typeface="Arial" panose="020B0604020202020204" pitchFamily="34" charset="0"/>
+              <a:buChar char="•"/>
+            </a:pPr>
+            <a:r>
+              <a:rPr lang="en-US" dirty="0"/>
+              <a:t>JavaScript</a:t>
+            </a:r>
+          </a:p>
+          <a:p>
+            <a:pPr marL="457200" indent="-457200">
+              <a:buFont typeface="Arial" panose="020B0604020202020204" pitchFamily="34" charset="0"/>
+              <a:buChar char="•"/>
+            </a:pPr>
+            <a:r>
+              <a:rPr lang="en-US" dirty="0"/>
+              <a:t>CSS</a:t>
+            </a:r>
+          </a:p>
+          <a:p>
+            <a:pPr marL="457200" indent="-457200">
+              <a:buFont typeface="Arial" panose="020B0604020202020204" pitchFamily="34" charset="0"/>
+              <a:buChar char="•"/>
+            </a:pPr>
+            <a:endParaRPr lang="en-US" dirty="0"/>
+          </a:p>
+        </p:txBody>
+      </p:sp>
+      <p:sp>
+        <p:nvSpPr>
+          <p:cNvPr id="3" name="Title 2">
+            <a:extLst>
+              <a:ext uri="{FF2B5EF4-FFF2-40B4-BE49-F238E27FC236}">
+                <a16:creationId xmlns:a16="http://schemas.microsoft.com/office/drawing/2014/main" id="{91620D77-B09C-499F-94A0-FE169D5525E8}"/>
               </a:ext>
             </a:extLst>
           </p:cNvPr>
@@ -17325,13 +16703,361 @@
             <p:ph type="title"/>
           </p:nvPr>
         </p:nvSpPr>
-        <p:spPr/>
+        <p:spPr>
+          <a:xfrm>
+            <a:off x="116341" y="1171938"/>
+            <a:ext cx="8537825" cy="508313"/>
+          </a:xfrm>
+        </p:spPr>
         <p:txBody>
           <a:bodyPr>
             <a:normAutofit fontScale="90000"/>
           </a:bodyPr>
           <a:lstStyle/>
           <a:p>
+            <a:r>
+              <a:rPr lang="en-US" dirty="0"/>
+              <a:t>Web page</a:t>
+            </a:r>
+          </a:p>
+        </p:txBody>
+      </p:sp>
+      <p:sp>
+        <p:nvSpPr>
+          <p:cNvPr id="4" name="Content Placeholder 1">
+            <a:extLst>
+              <a:ext uri="{FF2B5EF4-FFF2-40B4-BE49-F238E27FC236}">
+                <a16:creationId xmlns:a16="http://schemas.microsoft.com/office/drawing/2014/main" id="{79D885D0-3031-47AF-942D-DA026BFD2228}"/>
+              </a:ext>
+            </a:extLst>
+          </p:cNvPr>
+          <p:cNvSpPr txBox="1">
+            <a:spLocks/>
+          </p:cNvSpPr>
+          <p:nvPr/>
+        </p:nvSpPr>
+        <p:spPr>
+          <a:xfrm>
+            <a:off x="4572000" y="706128"/>
+            <a:ext cx="4572000" cy="4417350"/>
+          </a:xfrm>
+          <a:prstGeom prst="rect">
+            <a:avLst/>
+          </a:prstGeom>
+          <a:ln>
+            <a:noFill/>
+          </a:ln>
+        </p:spPr>
+        <p:txBody>
+          <a:bodyPr/>
+          <a:lstStyle>
+            <a:lvl1pPr marL="0" indent="0" algn="l" defTabSz="457200" rtl="0" eaLnBrk="1" latinLnBrk="0" hangingPunct="1">
+              <a:lnSpc>
+                <a:spcPct val="125000"/>
+              </a:lnSpc>
+              <a:spcBef>
+                <a:spcPts val="0"/>
+              </a:spcBef>
+              <a:buFont typeface="Arial"/>
+              <a:buNone/>
+              <a:defRPr sz="2800" b="0" kern="1200" baseline="0">
+                <a:solidFill>
+                  <a:schemeClr val="tx1">
+                    <a:lumMod val="95000"/>
+                    <a:lumOff val="5000"/>
+                  </a:schemeClr>
+                </a:solidFill>
+                <a:latin typeface="+mj-lt"/>
+                <a:ea typeface="+mn-ea"/>
+                <a:cs typeface="+mn-cs"/>
+              </a:defRPr>
+            </a:lvl1pPr>
+            <a:lvl2pPr marL="0" indent="0" algn="l" defTabSz="457200" rtl="0" eaLnBrk="1" latinLnBrk="0" hangingPunct="1">
+              <a:spcBef>
+                <a:spcPts val="600"/>
+              </a:spcBef>
+              <a:buFont typeface="Arial"/>
+              <a:buNone/>
+              <a:defRPr sz="2400" kern="1200">
+                <a:solidFill>
+                  <a:schemeClr val="tx1">
+                    <a:lumMod val="65000"/>
+                    <a:lumOff val="35000"/>
+                  </a:schemeClr>
+                </a:solidFill>
+                <a:latin typeface="+mn-lt"/>
+                <a:ea typeface="+mn-ea"/>
+                <a:cs typeface="+mn-cs"/>
+              </a:defRPr>
+            </a:lvl2pPr>
+            <a:lvl3pPr marL="0" indent="-228600" algn="l" defTabSz="457200" rtl="0" eaLnBrk="1" latinLnBrk="0" hangingPunct="1">
+              <a:spcBef>
+                <a:spcPts val="0"/>
+              </a:spcBef>
+              <a:buFont typeface="Arial"/>
+              <a:buChar char="•"/>
+              <a:defRPr sz="2000" kern="1200">
+                <a:solidFill>
+                  <a:schemeClr val="tx1">
+                    <a:lumMod val="65000"/>
+                    <a:lumOff val="35000"/>
+                  </a:schemeClr>
+                </a:solidFill>
+                <a:latin typeface="+mn-lt"/>
+                <a:ea typeface="+mn-ea"/>
+                <a:cs typeface="+mn-cs"/>
+              </a:defRPr>
+            </a:lvl3pPr>
+            <a:lvl4pPr marL="548640" indent="0" algn="l" defTabSz="457200" rtl="0" eaLnBrk="1" latinLnBrk="0" hangingPunct="1">
+              <a:spcBef>
+                <a:spcPts val="0"/>
+              </a:spcBef>
+              <a:buFont typeface="Arial"/>
+              <a:buNone/>
+              <a:defRPr sz="2000" kern="1200">
+                <a:solidFill>
+                  <a:schemeClr val="tx1"/>
+                </a:solidFill>
+                <a:latin typeface="+mn-lt"/>
+                <a:ea typeface="+mn-ea"/>
+                <a:cs typeface="+mn-cs"/>
+              </a:defRPr>
+            </a:lvl4pPr>
+            <a:lvl5pPr marL="502920" indent="0" algn="l" defTabSz="457200" rtl="0" eaLnBrk="1" latinLnBrk="0" hangingPunct="1">
+              <a:spcBef>
+                <a:spcPts val="350"/>
+              </a:spcBef>
+              <a:buFont typeface="Arial"/>
+              <a:buNone/>
+              <a:defRPr sz="1600" kern="1200">
+                <a:solidFill>
+                  <a:schemeClr val="tx1">
+                    <a:lumMod val="65000"/>
+                    <a:lumOff val="35000"/>
+                  </a:schemeClr>
+                </a:solidFill>
+                <a:latin typeface="+mn-lt"/>
+                <a:ea typeface="+mn-ea"/>
+                <a:cs typeface="+mn-cs"/>
+              </a:defRPr>
+            </a:lvl5pPr>
+            <a:lvl6pPr marL="2514600" indent="-228600" algn="l" defTabSz="457200" rtl="0" eaLnBrk="1" latinLnBrk="0" hangingPunct="1">
+              <a:spcBef>
+                <a:spcPct val="20000"/>
+              </a:spcBef>
+              <a:buFont typeface="Arial"/>
+              <a:buChar char="•"/>
+              <a:defRPr sz="2000" kern="1200">
+                <a:solidFill>
+                  <a:schemeClr val="tx1"/>
+                </a:solidFill>
+                <a:latin typeface="+mn-lt"/>
+                <a:ea typeface="+mn-ea"/>
+                <a:cs typeface="+mn-cs"/>
+              </a:defRPr>
+            </a:lvl6pPr>
+            <a:lvl7pPr marL="2971800" indent="-228600" algn="l" defTabSz="457200" rtl="0" eaLnBrk="1" latinLnBrk="0" hangingPunct="1">
+              <a:spcBef>
+                <a:spcPct val="20000"/>
+              </a:spcBef>
+              <a:buFont typeface="Arial"/>
+              <a:buChar char="•"/>
+              <a:defRPr sz="2000" kern="1200">
+                <a:solidFill>
+                  <a:schemeClr val="tx1"/>
+                </a:solidFill>
+                <a:latin typeface="+mn-lt"/>
+                <a:ea typeface="+mn-ea"/>
+                <a:cs typeface="+mn-cs"/>
+              </a:defRPr>
+            </a:lvl7pPr>
+            <a:lvl8pPr marL="3429000" indent="-228600" algn="l" defTabSz="457200" rtl="0" eaLnBrk="1" latinLnBrk="0" hangingPunct="1">
+              <a:spcBef>
+                <a:spcPct val="20000"/>
+              </a:spcBef>
+              <a:buFont typeface="Arial"/>
+              <a:buChar char="•"/>
+              <a:defRPr sz="2000" kern="1200">
+                <a:solidFill>
+                  <a:schemeClr val="tx1"/>
+                </a:solidFill>
+                <a:latin typeface="+mn-lt"/>
+                <a:ea typeface="+mn-ea"/>
+                <a:cs typeface="+mn-cs"/>
+              </a:defRPr>
+            </a:lvl8pPr>
+            <a:lvl9pPr marL="3886200" indent="-228600" algn="l" defTabSz="457200" rtl="0" eaLnBrk="1" latinLnBrk="0" hangingPunct="1">
+              <a:spcBef>
+                <a:spcPct val="20000"/>
+              </a:spcBef>
+              <a:buFont typeface="Arial"/>
+              <a:buChar char="•"/>
+              <a:defRPr sz="2000" kern="1200">
+                <a:solidFill>
+                  <a:schemeClr val="tx1"/>
+                </a:solidFill>
+                <a:latin typeface="+mn-lt"/>
+                <a:ea typeface="+mn-ea"/>
+                <a:cs typeface="+mn-cs"/>
+              </a:defRPr>
+            </a:lvl9pPr>
+          </a:lstStyle>
+          <a:p>
+            <a:endParaRPr lang="en-US" dirty="0"/>
+          </a:p>
+          <a:p>
+            <a:endParaRPr lang="en-US" dirty="0"/>
+          </a:p>
+          <a:p>
+            <a:endParaRPr lang="en-US" dirty="0"/>
+          </a:p>
+          <a:p>
+            <a:r>
+              <a:rPr lang="en-US" sz="2400" dirty="0"/>
+              <a:t>We can think this webpage as a human’s face:</a:t>
+            </a:r>
+          </a:p>
+          <a:p>
+            <a:pPr marL="457200" indent="-457200">
+              <a:buFont typeface="Arial" panose="020B0604020202020204" pitchFamily="34" charset="0"/>
+              <a:buChar char="•"/>
+            </a:pPr>
+            <a:r>
+              <a:rPr lang="en-US" dirty="0"/>
+              <a:t>Bone </a:t>
+            </a:r>
+          </a:p>
+          <a:p>
+            <a:pPr marL="457200" indent="-457200">
+              <a:buFont typeface="Arial" panose="020B0604020202020204" pitchFamily="34" charset="0"/>
+              <a:buChar char="•"/>
+            </a:pPr>
+            <a:r>
+              <a:rPr lang="en-US" dirty="0"/>
+              <a:t>Muscle and skin</a:t>
+            </a:r>
+          </a:p>
+          <a:p>
+            <a:pPr marL="457200" indent="-457200">
+              <a:buFont typeface="Arial" panose="020B0604020202020204" pitchFamily="34" charset="0"/>
+              <a:buChar char="•"/>
+            </a:pPr>
+            <a:r>
+              <a:rPr lang="en-US" dirty="0"/>
+              <a:t>Make-up</a:t>
+            </a:r>
+          </a:p>
+          <a:p>
+            <a:pPr marL="457200" indent="-457200">
+              <a:buFont typeface="Arial" panose="020B0604020202020204" pitchFamily="34" charset="0"/>
+              <a:buChar char="•"/>
+            </a:pPr>
+            <a:endParaRPr lang="en-US" dirty="0"/>
+          </a:p>
+        </p:txBody>
+      </p:sp>
+      <p:pic>
+        <p:nvPicPr>
+          <p:cNvPr id="9" name="Picture 8" descr="A picture containing person&#10;&#10;Description automatically generated">
+            <a:extLst>
+              <a:ext uri="{FF2B5EF4-FFF2-40B4-BE49-F238E27FC236}">
+                <a16:creationId xmlns:a16="http://schemas.microsoft.com/office/drawing/2014/main" id="{B9F51BAE-AFED-4824-BE35-9A83B45FAD3B}"/>
+              </a:ext>
+            </a:extLst>
+          </p:cNvPr>
+          <p:cNvPicPr>
+            <a:picLocks noChangeAspect="1"/>
+          </p:cNvPicPr>
+          <p:nvPr/>
+        </p:nvPicPr>
+        <p:blipFill>
+          <a:blip r:embed="rId2"/>
+          <a:stretch>
+            <a:fillRect/>
+          </a:stretch>
+        </p:blipFill>
+        <p:spPr>
+          <a:xfrm>
+            <a:off x="5362304" y="4979658"/>
+            <a:ext cx="2774022" cy="1862906"/>
+          </a:xfrm>
+          <a:prstGeom prst="rect">
+            <a:avLst/>
+          </a:prstGeom>
+        </p:spPr>
+      </p:pic>
+      <p:pic>
+        <p:nvPicPr>
+          <p:cNvPr id="11" name="Picture 10">
+            <a:extLst>
+              <a:ext uri="{FF2B5EF4-FFF2-40B4-BE49-F238E27FC236}">
+                <a16:creationId xmlns:a16="http://schemas.microsoft.com/office/drawing/2014/main" id="{63151639-FE40-48F1-9D87-E7D29A787B7B}"/>
+              </a:ext>
+            </a:extLst>
+          </p:cNvPr>
+          <p:cNvPicPr>
+            <a:picLocks noChangeAspect="1"/>
+          </p:cNvPicPr>
+          <p:nvPr/>
+        </p:nvPicPr>
+        <p:blipFill rotWithShape="1">
+          <a:blip r:embed="rId3"/>
+          <a:srcRect l="16391" r="15920"/>
+          <a:stretch/>
+        </p:blipFill>
+        <p:spPr>
+          <a:xfrm>
+            <a:off x="685345" y="5025286"/>
+            <a:ext cx="2898119" cy="1771650"/>
+          </a:xfrm>
+          <a:prstGeom prst="rect">
+            <a:avLst/>
+          </a:prstGeom>
+        </p:spPr>
+      </p:pic>
+      <p:sp>
+        <p:nvSpPr>
+          <p:cNvPr id="5" name="Arrow: Left-Right 4">
+            <a:extLst>
+              <a:ext uri="{FF2B5EF4-FFF2-40B4-BE49-F238E27FC236}">
+                <a16:creationId xmlns:a16="http://schemas.microsoft.com/office/drawing/2014/main" id="{6879BC82-FC4C-41C1-ABCA-98C1270948E0}"/>
+              </a:ext>
+            </a:extLst>
+          </p:cNvPr>
+          <p:cNvSpPr/>
+          <p:nvPr/>
+        </p:nvSpPr>
+        <p:spPr>
+          <a:xfrm>
+            <a:off x="3814130" y="5686062"/>
+            <a:ext cx="1193411" cy="520081"/>
+          </a:xfrm>
+          <a:prstGeom prst="leftRightArrow">
+            <a:avLst/>
+          </a:prstGeom>
+          <a:solidFill>
+            <a:srgbClr val="0070C0"/>
+          </a:solidFill>
+        </p:spPr>
+        <p:style>
+          <a:lnRef idx="1">
+            <a:schemeClr val="accent1"/>
+          </a:lnRef>
+          <a:fillRef idx="3">
+            <a:schemeClr val="accent1"/>
+          </a:fillRef>
+          <a:effectRef idx="2">
+            <a:schemeClr val="accent1"/>
+          </a:effectRef>
+          <a:fontRef idx="minor">
+            <a:schemeClr val="lt1"/>
+          </a:fontRef>
+        </p:style>
+        <p:txBody>
+          <a:bodyPr rtlCol="0" anchor="ctr"/>
+          <a:lstStyle/>
+          <a:p>
+            <a:pPr algn="ctr"/>
             <a:endParaRPr lang="en-US"/>
           </a:p>
         </p:txBody>
@@ -17339,7 +17065,7 @@
     </p:spTree>
     <p:extLst>
       <p:ext uri="{BB962C8B-B14F-4D97-AF65-F5344CB8AC3E}">
-        <p14:creationId xmlns:p14="http://schemas.microsoft.com/office/powerpoint/2010/main" val="370324397"/>
+        <p14:creationId xmlns:p14="http://schemas.microsoft.com/office/powerpoint/2010/main" val="3869313647"/>
       </p:ext>
     </p:extLst>
   </p:cSld>
@@ -18631,15 +18357,6 @@
 </file>
 
 <file path=customXml/item1.xml><?xml version="1.0" encoding="utf-8"?>
-<?mso-contentType ?>
-<FormTemplates xmlns="http://schemas.microsoft.com/sharepoint/v3/contenttype/forms">
-  <Display>DocumentLibraryForm</Display>
-  <Edit>DocumentLibraryForm</Edit>
-  <New>DocumentLibraryForm</New>
-</FormTemplates>
-</file>
-
-<file path=customXml/item2.xml><?xml version="1.0" encoding="utf-8"?>
 <ct:contentTypeSchema xmlns:ct="http://schemas.microsoft.com/office/2006/metadata/contentType" xmlns:ma="http://schemas.microsoft.com/office/2006/metadata/properties/metaAttributes" ct:_="" ma:_="" ma:contentTypeName="Document" ma:contentTypeID="0x010100E930CDF73BC53D41B7E133DF537BDA40" ma:contentTypeVersion="4" ma:contentTypeDescription="Create a new document." ma:contentTypeScope="" ma:versionID="9837b0592f411cf3688bf15e48e4d766">
   <xsd:schema xmlns:xsd="http://www.w3.org/2001/XMLSchema" xmlns:xs="http://www.w3.org/2001/XMLSchema" xmlns:p="http://schemas.microsoft.com/office/2006/metadata/properties" xmlns:ns2="ec0d9b4f-8739-43ee-a99c-7c904fd80ae7" targetNamespace="http://schemas.microsoft.com/office/2006/metadata/properties" ma:root="true" ma:fieldsID="63d497057f8bc113e15388da07a12c07" ns2:_="">
     <xsd:import namespace="ec0d9b4f-8739-43ee-a99c-7c904fd80ae7"/>
@@ -18785,6 +18502,15 @@
 </ct:contentTypeSchema>
 </file>
 
+<file path=customXml/item2.xml><?xml version="1.0" encoding="utf-8"?>
+<?mso-contentType ?>
+<FormTemplates xmlns="http://schemas.microsoft.com/sharepoint/v3/contenttype/forms">
+  <Display>DocumentLibraryForm</Display>
+  <Edit>DocumentLibraryForm</Edit>
+  <New>DocumentLibraryForm</New>
+</FormTemplates>
+</file>
+
 <file path=customXml/item3.xml><?xml version="1.0" encoding="utf-8"?>
 <p:properties xmlns:p="http://schemas.microsoft.com/office/2006/metadata/properties" xmlns:xsi="http://www.w3.org/2001/XMLSchema-instance" xmlns:pc="http://schemas.microsoft.com/office/infopath/2007/PartnerControls">
   <documentManagement/>
@@ -18792,14 +18518,6 @@
 </file>
 
 <file path=customXml/itemProps1.xml><?xml version="1.0" encoding="utf-8"?>
-<ds:datastoreItem xmlns:ds="http://schemas.openxmlformats.org/officeDocument/2006/customXml" ds:itemID="{2235C39A-9318-4158-BB93-21D0B59CA321}">
-  <ds:schemaRefs>
-    <ds:schemaRef ds:uri="http://schemas.microsoft.com/sharepoint/v3/contenttype/forms"/>
-  </ds:schemaRefs>
-</ds:datastoreItem>
-</file>
-
-<file path=customXml/itemProps2.xml><?xml version="1.0" encoding="utf-8"?>
 <ds:datastoreItem xmlns:ds="http://schemas.openxmlformats.org/officeDocument/2006/customXml" ds:itemID="{DFDDDCD3-9822-49C9-98E5-FB1DFD31C0B0}">
   <ds:schemaRefs>
     <ds:schemaRef ds:uri="http://schemas.microsoft.com/office/2006/metadata/contentType"/>
@@ -18817,6 +18535,14 @@
 </ds:datastoreItem>
 </file>
 
+<file path=customXml/itemProps2.xml><?xml version="1.0" encoding="utf-8"?>
+<ds:datastoreItem xmlns:ds="http://schemas.openxmlformats.org/officeDocument/2006/customXml" ds:itemID="{2235C39A-9318-4158-BB93-21D0B59CA321}">
+  <ds:schemaRefs>
+    <ds:schemaRef ds:uri="http://schemas.microsoft.com/sharepoint/v3/contenttype/forms"/>
+  </ds:schemaRefs>
+</ds:datastoreItem>
+</file>
+
 <file path=customXml/itemProps3.xml><?xml version="1.0" encoding="utf-8"?>
 <ds:datastoreItem xmlns:ds="http://schemas.openxmlformats.org/officeDocument/2006/customXml" ds:itemID="{38D28F27-5C59-4CD4-8DF0-94A9CE9B5602}">
   <ds:schemaRefs>

--- a/doc/presentation.pptx
+++ b/doc/presentation.pptx
@@ -393,7 +393,7 @@
           </a:lstStyle>
           <a:p>
             <a:fld id="{9A5B6E0F-1DB3-5A43-B8F9-5E1E696749DF}" type="datetimeFigureOut">
-              <a:t>5/18/2021</a:t>
+              <a:t>5/26/2021</a:t>
             </a:fld>
             <a:endParaRPr lang="en-US" dirty="0"/>
           </a:p>
@@ -556,7 +556,7 @@
           </a:lstStyle>
           <a:p>
             <a:fld id="{C61BC211-ACBD-CB48-B939-364088D2CD6D}" type="datetimeFigureOut">
-              <a:t>5/18/2021</a:t>
+              <a:t>5/26/2021</a:t>
             </a:fld>
             <a:endParaRPr lang="en-US" dirty="0"/>
           </a:p>
@@ -3857,7 +3857,7 @@
             <a:fld id="{0F0D8E7B-AF3B-B444-8E74-E549FC814F53}" type="datetimeFigureOut">
               <a:rPr lang="en-US" smtClean="0"/>
               <a:pPr/>
-              <a:t>5/18/2021</a:t>
+              <a:t>5/26/2021</a:t>
             </a:fld>
             <a:endParaRPr lang="en-US" dirty="0"/>
           </a:p>
@@ -6030,14 +6030,14 @@
             </a:pPr>
             <a:r>
               <a:rPr lang="en-US" dirty="0"/>
-              <a:t>Class -&gt; a name for a group of elements</a:t>
+              <a:t>Id -&gt; a name for this specific element</a:t>
             </a:r>
           </a:p>
           <a:p>
             <a:pPr lvl="1"/>
             <a:r>
               <a:rPr lang="en-US" dirty="0"/>
-              <a:t>	Useful to select or apply settings on many elements</a:t>
+              <a:t>	Useful to select a specific element</a:t>
             </a:r>
           </a:p>
           <a:p>
@@ -6047,14 +6047,25 @@
             </a:pPr>
             <a:r>
               <a:rPr lang="en-US" dirty="0"/>
-              <a:t>Id -&gt; a name for this specific element</a:t>
-            </a:r>
-          </a:p>
-          <a:p>
-            <a:pPr lvl="1"/>
-            <a:r>
-              <a:rPr lang="en-US" dirty="0"/>
-              <a:t>	Useful to select a specific element</a:t>
+              <a:t>Class -&gt; a name for a group of elements	</a:t>
+            </a:r>
+          </a:p>
+          <a:p>
+            <a:pPr marL="457200" indent="-457200">
+              <a:buFont typeface="Arial" panose="020B0604020202020204" pitchFamily="34" charset="0"/>
+              <a:buChar char="•"/>
+            </a:pPr>
+            <a:r>
+              <a:rPr lang="en-US" sz="2400" dirty="0">
+                <a:solidFill>
+                  <a:schemeClr val="tx1">
+                    <a:lumMod val="65000"/>
+                    <a:lumOff val="35000"/>
+                  </a:schemeClr>
+                </a:solidFill>
+                <a:latin typeface="+mn-lt"/>
+              </a:rPr>
+              <a:t>Useful to select or apply settings on many elements</a:t>
             </a:r>
           </a:p>
           <a:p>
@@ -6962,7 +6973,7 @@
 </file>
 
 <file path=ppt/slides/slide17.xml><?xml version="1.0" encoding="utf-8"?>
-<p:sld xmlns:a="http://schemas.openxmlformats.org/drawingml/2006/main" xmlns:r="http://schemas.openxmlformats.org/officeDocument/2006/relationships" xmlns:p="http://schemas.openxmlformats.org/presentationml/2006/main">
+<p:sld xmlns:a="http://schemas.openxmlformats.org/drawingml/2006/main" xmlns:r="http://schemas.openxmlformats.org/officeDocument/2006/relationships" xmlns:p="http://schemas.openxmlformats.org/presentationml/2006/main" show="0">
   <p:cSld>
     <p:spTree>
       <p:nvGrpSpPr>
@@ -7225,7 +7236,7 @@
 </file>
 
 <file path=ppt/slides/slide18.xml><?xml version="1.0" encoding="utf-8"?>
-<p:sld xmlns:a="http://schemas.openxmlformats.org/drawingml/2006/main" xmlns:r="http://schemas.openxmlformats.org/officeDocument/2006/relationships" xmlns:p="http://schemas.openxmlformats.org/presentationml/2006/main">
+<p:sld xmlns:a="http://schemas.openxmlformats.org/drawingml/2006/main" xmlns:r="http://schemas.openxmlformats.org/officeDocument/2006/relationships" xmlns:p="http://schemas.openxmlformats.org/presentationml/2006/main" show="0">
   <p:cSld>
     <p:spTree>
       <p:nvGrpSpPr>
@@ -7971,11 +7982,25 @@
             </a:pPr>
             <a:r>
               <a:rPr lang="en-US" dirty="0"/>
+              <a:t>Report the functions of an API </a:t>
+            </a:r>
+            <a:r>
+              <a:rPr lang="en-US" sz="1800" dirty="0"/>
+              <a:t>(for backend part only)</a:t>
+            </a:r>
+          </a:p>
+          <a:p>
+            <a:pPr marL="457200" indent="-457200">
+              <a:buFont typeface="Arial" panose="020B0604020202020204" pitchFamily="34" charset="0"/>
+              <a:buChar char="•"/>
+            </a:pPr>
+            <a:r>
+              <a:rPr lang="en-US" dirty="0"/>
               <a:t>Reproduce a simple back-end with MongoDB and python-eve </a:t>
             </a:r>
             <a:r>
               <a:rPr lang="en-US" sz="1800" dirty="0"/>
-              <a:t>(for back-end part only)</a:t>
+              <a:t>(for backend part only)</a:t>
             </a:r>
           </a:p>
           <a:p>
@@ -10649,7 +10674,7 @@
           <a:p>
             <a:r>
               <a:rPr lang="en-US" dirty="0"/>
-              <a:t>0. Short survey</a:t>
+              <a:t>0. Short survey (4:00 – 4:05pm EST)</a:t>
             </a:r>
           </a:p>
           <a:p>
@@ -10659,7 +10684,7 @@
             </a:pPr>
             <a:r>
               <a:rPr lang="en-US" dirty="0"/>
-              <a:t>Minilecture (4:05 – 4:35pm EST)</a:t>
+              <a:t>Frontend minilecture (4:05 – 4:45pm)</a:t>
             </a:r>
           </a:p>
           <a:p>
@@ -10669,7 +10694,7 @@
             </a:pPr>
             <a:r>
               <a:rPr lang="en-US" dirty="0"/>
-              <a:t>Front-end lab (4:35pm – 5:10pm)</a:t>
+              <a:t>Frontend lab (4:45pm – 5:20pm)</a:t>
             </a:r>
           </a:p>
           <a:p>
@@ -10679,7 +10704,7 @@
             </a:pPr>
             <a:r>
               <a:rPr lang="en-US" dirty="0"/>
-              <a:t>Short break and Q&amp;A for front-end part (5:10 – 5:20pm)</a:t>
+              <a:t>Short break and Q&amp;A for frontend part (5:20 – 5:30pm)</a:t>
             </a:r>
           </a:p>
           <a:p>
@@ -10689,7 +10714,7 @@
             </a:pPr>
             <a:r>
               <a:rPr lang="en-US" dirty="0"/>
-              <a:t>Back-end lab (5:20pm – 5:50pm)</a:t>
+              <a:t>Backend lab (5:30pm – 5:50pm)</a:t>
             </a:r>
           </a:p>
           <a:p>
@@ -12680,33 +12705,19 @@
           <a:bodyPr/>
           <a:lstStyle/>
           <a:p>
-            <a:pPr marL="514350" indent="-514350">
-              <a:buFont typeface="+mj-lt"/>
-              <a:buAutoNum type="arabicPeriod"/>
-            </a:pPr>
-            <a:r>
-              <a:rPr lang="en-US" dirty="0"/>
-              <a:t>Fork the repository in GitHub</a:t>
-            </a:r>
-          </a:p>
-          <a:p>
-            <a:pPr marL="514350" indent="-514350">
-              <a:buFont typeface="+mj-lt"/>
-              <a:buAutoNum type="arabicPeriod"/>
-            </a:pPr>
-            <a:r>
-              <a:rPr lang="en-US" dirty="0"/>
-              <a:t>Open project in Visual Studio Code</a:t>
-            </a:r>
-          </a:p>
-          <a:p>
-            <a:pPr marL="514350" indent="-514350">
-              <a:buFont typeface="+mj-lt"/>
-              <a:buAutoNum type="arabicPeriod"/>
-            </a:pPr>
-            <a:r>
-              <a:rPr lang="en-US" dirty="0"/>
-              <a:t>Follow the frontend_instruction.docx or the video</a:t>
+            <a:r>
+              <a:rPr lang="en-US" dirty="0"/>
+              <a:t>Follow the instruction on </a:t>
+            </a:r>
+            <a:r>
+              <a:rPr lang="en-US" sz="2400" dirty="0">
+                <a:hlinkClick r:id="rId2"/>
+              </a:rPr>
+              <a:t>https://luyuliu.github.io/UCGIS-Fullstack-Geovisualization-Workshop/</a:t>
+            </a:r>
+            <a:r>
+              <a:rPr lang="en-US" sz="2400" dirty="0"/>
+              <a:t> </a:t>
             </a:r>
           </a:p>
           <a:p>
@@ -12755,6 +12766,19 @@
             <a:r>
               <a:rPr lang="en-US" dirty="0"/>
               <a:t>Host the updated web page</a:t>
+            </a:r>
+          </a:p>
+          <a:p>
+            <a:pPr marL="457200" indent="-457200">
+              <a:buFont typeface="Arial" panose="020B0604020202020204" pitchFamily="34" charset="0"/>
+              <a:buChar char="•"/>
+            </a:pPr>
+            <a:endParaRPr lang="en-US" dirty="0"/>
+          </a:p>
+          <a:p>
+            <a:r>
+              <a:rPr lang="en-US" dirty="0"/>
+              <a:t>Any questions about the frontend lecture?</a:t>
             </a:r>
           </a:p>
         </p:txBody>
@@ -13588,7 +13612,7 @@
                   <a:schemeClr val="bg1"/>
                 </a:solidFill>
               </a:rPr>
-              <a:t>Back-end lecture</a:t>
+              <a:t>Backend lecture</a:t>
             </a:r>
           </a:p>
         </p:txBody>
@@ -13840,8 +13864,55 @@
             </a:pPr>
             <a:r>
               <a:rPr lang="en-US" dirty="0"/>
-              <a:t>Robo3T: MongoDB </a:t>
-            </a:r>
+              <a:t>MongoDB Compass</a:t>
+            </a:r>
+          </a:p>
+          <a:p>
+            <a:pPr marL="457200" indent="-457200">
+              <a:buFont typeface="Arial" panose="020B0604020202020204" pitchFamily="34" charset="0"/>
+              <a:buChar char="•"/>
+            </a:pPr>
+            <a:r>
+              <a:rPr lang="en-US" dirty="0"/>
+              <a:t>Firefox Developer edition</a:t>
+            </a:r>
+          </a:p>
+          <a:p>
+            <a:pPr marL="457200" indent="-457200">
+              <a:buFont typeface="Arial" panose="020B0604020202020204" pitchFamily="34" charset="0"/>
+              <a:buChar char="•"/>
+            </a:pPr>
+            <a:r>
+              <a:rPr lang="en-US" dirty="0"/>
+              <a:t>CORS everywhere plugin</a:t>
+            </a:r>
+          </a:p>
+          <a:p>
+            <a:pPr marL="457200" indent="-457200">
+              <a:buFont typeface="Arial" panose="020B0604020202020204" pitchFamily="34" charset="0"/>
+              <a:buChar char="•"/>
+            </a:pPr>
+            <a:endParaRPr lang="en-US" dirty="0"/>
+          </a:p>
+          <a:p>
+            <a:r>
+              <a:rPr lang="en-US"/>
+              <a:t>Instruction</a:t>
+            </a:r>
+            <a:r>
+              <a:rPr lang="en-US" dirty="0"/>
+              <a:t>: </a:t>
+            </a:r>
+            <a:r>
+              <a:rPr lang="en-US" sz="2800" dirty="0">
+                <a:hlinkClick r:id="rId2"/>
+              </a:rPr>
+              <a:t>https://luyuliu.github.io/UCGIS-Fullstack-Geovisualization-Workshop/</a:t>
+            </a:r>
+            <a:endParaRPr lang="en-US" sz="2800" dirty="0"/>
+          </a:p>
+          <a:p>
+            <a:endParaRPr lang="en-US" dirty="0"/>
           </a:p>
         </p:txBody>
       </p:sp>
@@ -15140,8 +15211,8 @@
         </p:nvSpPr>
         <p:spPr>
           <a:xfrm>
-            <a:off x="4191126" y="3560376"/>
-            <a:ext cx="761747" cy="523220"/>
+            <a:off x="4134299" y="3560376"/>
+            <a:ext cx="1043876" cy="646331"/>
           </a:xfrm>
           <a:prstGeom prst="rect">
             <a:avLst/>
@@ -15155,7 +15226,13 @@
           <a:lstStyle/>
           <a:p>
             <a:r>
-              <a:rPr lang="en-US" sz="2800" dirty="0"/>
+              <a:rPr lang="en-US" dirty="0"/>
+              <a:t>RESTful</a:t>
+            </a:r>
+          </a:p>
+          <a:p>
+            <a:r>
+              <a:rPr lang="en-US" dirty="0"/>
               <a:t>API</a:t>
             </a:r>
           </a:p>
@@ -15618,7 +15695,7 @@
             </a:pPr>
             <a:r>
               <a:rPr lang="en-US" dirty="0"/>
-              <a:t>Import the csv file to MongoDB</a:t>
+              <a:t>Populate the MongoDB database</a:t>
             </a:r>
           </a:p>
           <a:p>
@@ -15628,15 +15705,7 @@
             </a:pPr>
             <a:r>
               <a:rPr lang="en-US" dirty="0"/>
-              <a:t>Reproduce an eve </a:t>
-            </a:r>
-            <a:r>
-              <a:rPr lang="en-US" dirty="0" err="1"/>
-              <a:t>mongoDB</a:t>
-            </a:r>
-            <a:r>
-              <a:rPr lang="en-US" dirty="0"/>
-              <a:t> REST API and run it locally</a:t>
+              <a:t>Reproduce a RESTful API and run it locally</a:t>
             </a:r>
           </a:p>
           <a:p>
@@ -15647,6 +15716,26 @@
             <a:r>
               <a:rPr lang="en-US" dirty="0"/>
               <a:t>Connect the backend and frontend</a:t>
+            </a:r>
+          </a:p>
+          <a:p>
+            <a:pPr marL="457200" indent="-457200">
+              <a:buFont typeface="Arial" panose="020B0604020202020204" pitchFamily="34" charset="0"/>
+              <a:buChar char="•"/>
+            </a:pPr>
+            <a:endParaRPr lang="en-US" dirty="0"/>
+          </a:p>
+          <a:p>
+            <a:pPr marL="457200" indent="-457200">
+              <a:buFont typeface="Arial" panose="020B0604020202020204" pitchFamily="34" charset="0"/>
+              <a:buChar char="•"/>
+            </a:pPr>
+            <a:endParaRPr lang="en-US" dirty="0"/>
+          </a:p>
+          <a:p>
+            <a:r>
+              <a:rPr lang="en-US" dirty="0"/>
+              <a:t>Questions about the backend lecture?</a:t>
             </a:r>
           </a:p>
         </p:txBody>
@@ -15842,7 +15931,7 @@
                   <a:schemeClr val="bg1"/>
                 </a:solidFill>
               </a:rPr>
-              <a:t>Front-end lecture</a:t>
+              <a:t>Frontend lecture</a:t>
             </a:r>
           </a:p>
         </p:txBody>
@@ -15936,7 +16025,17 @@
             </a:pPr>
             <a:r>
               <a:rPr lang="en-US" dirty="0"/>
-              <a:t>     Firefox browser developer edition</a:t>
+              <a:t>Fork this project: </a:t>
+            </a:r>
+            <a:r>
+              <a:rPr lang="en-US" sz="1800" dirty="0">
+                <a:hlinkClick r:id="rId2"/>
+              </a:rPr>
+              <a:t>https://github.com/luyuliu/UCGIS-Fullstack-Geovisualization-Workshop</a:t>
+            </a:r>
+            <a:r>
+              <a:rPr lang="en-US" sz="1800" dirty="0"/>
+              <a:t> </a:t>
             </a:r>
           </a:p>
           <a:p>
@@ -15944,30 +16043,28 @@
               <a:buFont typeface="Arial" panose="020B0604020202020204" pitchFamily="34" charset="0"/>
               <a:buChar char="•"/>
             </a:pPr>
-            <a:r>
-              <a:rPr lang="en-US" dirty="0"/>
-              <a:t>This slide</a:t>
-            </a:r>
-          </a:p>
-          <a:p>
-            <a:pPr marL="457200" indent="-457200">
-              <a:buFont typeface="Arial" panose="020B0604020202020204" pitchFamily="34" charset="0"/>
-              <a:buChar char="•"/>
-            </a:pPr>
-            <a:r>
-              <a:rPr lang="en-US" dirty="0"/>
-              <a:t>Our demo package. Fork this project: </a:t>
+            <a:endParaRPr lang="en-US" sz="1800" dirty="0"/>
+          </a:p>
+          <a:p>
+            <a:r>
+              <a:rPr lang="en-US" dirty="0"/>
+              <a:t>Instruction: </a:t>
             </a:r>
             <a:r>
               <a:rPr lang="en-US" sz="1800" dirty="0">
-                <a:hlinkClick r:id="rId2"/>
+                <a:hlinkClick r:id="rId3">
+                  <a:extLst>
+                    <a:ext uri="{A12FA001-AC4F-418D-AE19-62706E023703}">
+                      <ahyp:hlinkClr xmlns:ahyp="http://schemas.microsoft.com/office/drawing/2018/hyperlinkcolor" val="tx"/>
+                    </a:ext>
+                  </a:extLst>
+                </a:hlinkClick>
               </a:rPr>
-              <a:t>https://github.com/luyuliu/UCGIS-Fullstack-Geovisualization-Workshop</a:t>
-            </a:r>
-            <a:r>
-              <a:rPr lang="en-US" sz="1800" dirty="0"/>
-              <a:t> </a:t>
-            </a:r>
+              <a:t>https://luyuliu.github.io/UCGIS-Fullstack-Geovisualization-Workshop/</a:t>
+            </a:r>
+            <a:endParaRPr lang="en-US" sz="1800" dirty="0"/>
+          </a:p>
+          <a:p>
             <a:endParaRPr lang="en-US" dirty="0"/>
           </a:p>
         </p:txBody>
@@ -15997,7 +16094,7 @@
           <a:p>
             <a:r>
               <a:rPr lang="en-US" sz="3600" dirty="0"/>
-              <a:t>Front-end checklist before we started</a:t>
+              <a:t>Frontend checklist before we started</a:t>
             </a:r>
           </a:p>
         </p:txBody>
@@ -16017,7 +16114,7 @@
           <p:nvPr/>
         </p:nvPicPr>
         <p:blipFill>
-          <a:blip r:embed="rId3"/>
+          <a:blip r:embed="rId4"/>
           <a:stretch>
             <a:fillRect/>
           </a:stretch>
@@ -16047,7 +16144,7 @@
           <p:nvPr/>
         </p:nvPicPr>
         <p:blipFill>
-          <a:blip r:embed="rId4"/>
+          <a:blip r:embed="rId5"/>
           <a:stretch>
             <a:fillRect/>
           </a:stretch>
@@ -16056,35 +16153,6 @@
           <a:xfrm>
             <a:off x="720635" y="3523776"/>
             <a:ext cx="428625" cy="323850"/>
-          </a:xfrm>
-          <a:prstGeom prst="rect">
-            <a:avLst/>
-          </a:prstGeom>
-        </p:spPr>
-      </p:pic>
-      <p:pic>
-        <p:nvPicPr>
-          <p:cNvPr id="9" name="Picture 8">
-            <a:extLst>
-              <a:ext uri="{FF2B5EF4-FFF2-40B4-BE49-F238E27FC236}">
-                <a16:creationId xmlns:a16="http://schemas.microsoft.com/office/drawing/2014/main" id="{FA8FFD97-C4BE-4E65-AC20-2EE9F3CC2298}"/>
-              </a:ext>
-            </a:extLst>
-          </p:cNvPr>
-          <p:cNvPicPr>
-            <a:picLocks noChangeAspect="1"/>
-          </p:cNvPicPr>
-          <p:nvPr/>
-        </p:nvPicPr>
-        <p:blipFill rotWithShape="1">
-          <a:blip r:embed="rId5"/>
-          <a:srcRect r="13462" b="10500"/>
-          <a:stretch/>
-        </p:blipFill>
-        <p:spPr>
-          <a:xfrm>
-            <a:off x="720635" y="4009551"/>
-            <a:ext cx="428625" cy="426244"/>
           </a:xfrm>
           <a:prstGeom prst="rect">
             <a:avLst/>
@@ -16161,7 +16229,7 @@
                   <a:srgbClr val="C00000"/>
                 </a:solidFill>
               </a:rPr>
-              <a:t>Front-end focus on user interface</a:t>
+              <a:t>Frontend focus on user interface</a:t>
             </a:r>
           </a:p>
           <a:p>
@@ -16191,7 +16259,7 @@
             </a:pPr>
             <a:r>
               <a:rPr lang="en-US" dirty="0"/>
-              <a:t>Back-end focus on server and infrastructure</a:t>
+              <a:t>Backend focus on server and infrastructure</a:t>
             </a:r>
           </a:p>
           <a:p>
@@ -16239,7 +16307,7 @@
           <a:p>
             <a:r>
               <a:rPr lang="en-US" dirty="0"/>
-              <a:t>What is front- and back-end?</a:t>
+              <a:t>What is front- and backend?</a:t>
             </a:r>
           </a:p>
         </p:txBody>
@@ -18357,6 +18425,15 @@
 </file>
 
 <file path=customXml/item1.xml><?xml version="1.0" encoding="utf-8"?>
+<?mso-contentType ?>
+<FormTemplates xmlns="http://schemas.microsoft.com/sharepoint/v3/contenttype/forms">
+  <Display>DocumentLibraryForm</Display>
+  <Edit>DocumentLibraryForm</Edit>
+  <New>DocumentLibraryForm</New>
+</FormTemplates>
+</file>
+
+<file path=customXml/item2.xml><?xml version="1.0" encoding="utf-8"?>
 <ct:contentTypeSchema xmlns:ct="http://schemas.microsoft.com/office/2006/metadata/contentType" xmlns:ma="http://schemas.microsoft.com/office/2006/metadata/properties/metaAttributes" ct:_="" ma:_="" ma:contentTypeName="Document" ma:contentTypeID="0x010100E930CDF73BC53D41B7E133DF537BDA40" ma:contentTypeVersion="4" ma:contentTypeDescription="Create a new document." ma:contentTypeScope="" ma:versionID="9837b0592f411cf3688bf15e48e4d766">
   <xsd:schema xmlns:xsd="http://www.w3.org/2001/XMLSchema" xmlns:xs="http://www.w3.org/2001/XMLSchema" xmlns:p="http://schemas.microsoft.com/office/2006/metadata/properties" xmlns:ns2="ec0d9b4f-8739-43ee-a99c-7c904fd80ae7" targetNamespace="http://schemas.microsoft.com/office/2006/metadata/properties" ma:root="true" ma:fieldsID="63d497057f8bc113e15388da07a12c07" ns2:_="">
     <xsd:import namespace="ec0d9b4f-8739-43ee-a99c-7c904fd80ae7"/>
@@ -18502,15 +18579,6 @@
 </ct:contentTypeSchema>
 </file>
 
-<file path=customXml/item2.xml><?xml version="1.0" encoding="utf-8"?>
-<?mso-contentType ?>
-<FormTemplates xmlns="http://schemas.microsoft.com/sharepoint/v3/contenttype/forms">
-  <Display>DocumentLibraryForm</Display>
-  <Edit>DocumentLibraryForm</Edit>
-  <New>DocumentLibraryForm</New>
-</FormTemplates>
-</file>
-
 <file path=customXml/item3.xml><?xml version="1.0" encoding="utf-8"?>
 <p:properties xmlns:p="http://schemas.microsoft.com/office/2006/metadata/properties" xmlns:xsi="http://www.w3.org/2001/XMLSchema-instance" xmlns:pc="http://schemas.microsoft.com/office/infopath/2007/PartnerControls">
   <documentManagement/>
@@ -18518,6 +18586,14 @@
 </file>
 
 <file path=customXml/itemProps1.xml><?xml version="1.0" encoding="utf-8"?>
+<ds:datastoreItem xmlns:ds="http://schemas.openxmlformats.org/officeDocument/2006/customXml" ds:itemID="{2235C39A-9318-4158-BB93-21D0B59CA321}">
+  <ds:schemaRefs>
+    <ds:schemaRef ds:uri="http://schemas.microsoft.com/sharepoint/v3/contenttype/forms"/>
+  </ds:schemaRefs>
+</ds:datastoreItem>
+</file>
+
+<file path=customXml/itemProps2.xml><?xml version="1.0" encoding="utf-8"?>
 <ds:datastoreItem xmlns:ds="http://schemas.openxmlformats.org/officeDocument/2006/customXml" ds:itemID="{DFDDDCD3-9822-49C9-98E5-FB1DFD31C0B0}">
   <ds:schemaRefs>
     <ds:schemaRef ds:uri="http://schemas.microsoft.com/office/2006/metadata/contentType"/>
@@ -18535,14 +18611,6 @@
 </ds:datastoreItem>
 </file>
 
-<file path=customXml/itemProps2.xml><?xml version="1.0" encoding="utf-8"?>
-<ds:datastoreItem xmlns:ds="http://schemas.openxmlformats.org/officeDocument/2006/customXml" ds:itemID="{2235C39A-9318-4158-BB93-21D0B59CA321}">
-  <ds:schemaRefs>
-    <ds:schemaRef ds:uri="http://schemas.microsoft.com/sharepoint/v3/contenttype/forms"/>
-  </ds:schemaRefs>
-</ds:datastoreItem>
-</file>
-
 <file path=customXml/itemProps3.xml><?xml version="1.0" encoding="utf-8"?>
 <ds:datastoreItem xmlns:ds="http://schemas.openxmlformats.org/officeDocument/2006/customXml" ds:itemID="{38D28F27-5C59-4CD4-8DF0-94A9CE9B5602}">
   <ds:schemaRefs>

--- a/doc/presentation.pptx
+++ b/doc/presentation.pptx
@@ -153,6 +153,11 @@
       </a:defRPr>
     </a:lvl9pPr>
   </p:defaultTextStyle>
+  <p:extLst>
+    <p:ext uri="{EFAFB233-063F-42B5-8137-9DF3F51BA10A}">
+      <p15:sldGuideLst xmlns:p15="http://schemas.microsoft.com/office/powerpoint/2012/main"/>
+    </p:ext>
+  </p:extLst>
 </p:presentation>
 </file>
 
@@ -238,7 +243,7 @@
           <a:p>
             <a:fld id="{A665B8CE-B7EA-48CF-8C87-0BE3186CB14D}" type="datetimeFigureOut">
               <a:rPr lang="en-US" smtClean="0"/>
-              <a:t>6/7/2021</a:t>
+              <a:t>6/8/2021</a:t>
             </a:fld>
             <a:endParaRPr lang="en-US"/>
           </a:p>
@@ -658,7 +663,7 @@
           <a:p>
             <a:fld id="{8CE0AF47-EA74-41A7-80E0-2F285A07CDF7}" type="datetime1">
               <a:rPr lang="en-US" smtClean="0"/>
-              <a:t>6/7/2021</a:t>
+              <a:t>6/8/2021</a:t>
             </a:fld>
             <a:endParaRPr lang="en-US"/>
           </a:p>
@@ -860,7 +865,7 @@
           <a:p>
             <a:fld id="{5BE0D661-6592-45BF-9F9B-140A66F2A8DF}" type="datetime1">
               <a:rPr lang="en-US" smtClean="0"/>
-              <a:t>6/7/2021</a:t>
+              <a:t>6/8/2021</a:t>
             </a:fld>
             <a:endParaRPr lang="en-US"/>
           </a:p>
@@ -1108,7 +1113,7 @@
           <a:p>
             <a:fld id="{8489D436-87DA-4914-B4D7-7F95396E6290}" type="datetime1">
               <a:rPr lang="en-US" smtClean="0"/>
-              <a:t>6/7/2021</a:t>
+              <a:t>6/8/2021</a:t>
             </a:fld>
             <a:endParaRPr lang="en-US"/>
           </a:p>
@@ -1348,7 +1353,7 @@
           <a:p>
             <a:fld id="{31026531-1782-42E1-BA6D-EB320236770C}" type="datetime1">
               <a:rPr lang="en-US" smtClean="0"/>
-              <a:t>6/7/2021</a:t>
+              <a:t>6/8/2021</a:t>
             </a:fld>
             <a:endParaRPr lang="en-US"/>
           </a:p>
@@ -1668,7 +1673,7 @@
           <a:p>
             <a:fld id="{870F9AF4-A28F-43E1-8B38-899E40FB890C}" type="datetime1">
               <a:rPr lang="en-US" smtClean="0"/>
-              <a:t>6/7/2021</a:t>
+              <a:t>6/8/2021</a:t>
             </a:fld>
             <a:endParaRPr lang="en-US"/>
           </a:p>
@@ -1696,10 +1701,9 @@
           <a:lstStyle/>
           <a:p>
             <a:r>
-              <a:rPr lang="en-US"/>
+              <a:rPr lang="en-US" dirty="0"/>
               <a:t>Copyright © 2021 Luyu Liu, Liu.6544@osu.edu</a:t>
             </a:r>
-            <a:endParaRPr lang="en-US" dirty="0"/>
           </a:p>
         </p:txBody>
       </p:sp>
@@ -1937,7 +1941,7 @@
           <a:p>
             <a:fld id="{8DF15B70-4CF4-49DB-B971-0C528B80EBB8}" type="datetime1">
               <a:rPr lang="en-US" smtClean="0"/>
-              <a:t>6/7/2021</a:t>
+              <a:t>6/8/2021</a:t>
             </a:fld>
             <a:endParaRPr lang="en-US"/>
           </a:p>
@@ -1965,10 +1969,9 @@
           <a:lstStyle/>
           <a:p>
             <a:r>
-              <a:rPr lang="en-US"/>
+              <a:rPr lang="en-US" dirty="0"/>
               <a:t>Copyright © 2021 Luyu Liu, Liu.6544@osu.edu</a:t>
             </a:r>
-            <a:endParaRPr lang="en-US" dirty="0"/>
           </a:p>
         </p:txBody>
       </p:sp>
@@ -2389,7 +2392,7 @@
           <a:p>
             <a:fld id="{58138131-BC32-479A-89CD-5B914C6E5F6B}" type="datetime1">
               <a:rPr lang="en-US" smtClean="0"/>
-              <a:t>6/7/2021</a:t>
+              <a:t>6/8/2021</a:t>
             </a:fld>
             <a:endParaRPr lang="en-US"/>
           </a:p>
@@ -2417,10 +2420,9 @@
           <a:lstStyle/>
           <a:p>
             <a:r>
-              <a:rPr lang="en-US"/>
+              <a:rPr lang="en-US" dirty="0"/>
               <a:t>Copyright © 2021 Luyu Liu, Liu.6544@osu.edu</a:t>
             </a:r>
-            <a:endParaRPr lang="en-US" dirty="0"/>
           </a:p>
         </p:txBody>
       </p:sp>
@@ -2570,7 +2572,7 @@
           <a:p>
             <a:fld id="{678A65FA-25E4-41C2-86FF-29B58CDBC364}" type="datetime1">
               <a:rPr lang="en-US" smtClean="0"/>
-              <a:t>6/7/2021</a:t>
+              <a:t>6/8/2021</a:t>
             </a:fld>
             <a:endParaRPr lang="en-US"/>
           </a:p>
@@ -2598,10 +2600,9 @@
           <a:lstStyle/>
           <a:p>
             <a:r>
-              <a:rPr lang="en-US"/>
+              <a:rPr lang="en-US" dirty="0"/>
               <a:t>Copyright © 2021 Luyu Liu, Liu.6544@osu.edu</a:t>
             </a:r>
-            <a:endParaRPr lang="en-US" dirty="0"/>
           </a:p>
         </p:txBody>
       </p:sp>
@@ -2723,7 +2724,7 @@
           <a:p>
             <a:fld id="{AA622C73-11C5-4109-A690-C0E12F23091D}" type="datetime1">
               <a:rPr lang="en-US" smtClean="0"/>
-              <a:t>6/7/2021</a:t>
+              <a:t>6/8/2021</a:t>
             </a:fld>
             <a:endParaRPr lang="en-US"/>
           </a:p>
@@ -2751,10 +2752,9 @@
           <a:lstStyle/>
           <a:p>
             <a:r>
-              <a:rPr lang="en-US"/>
+              <a:rPr lang="en-US" dirty="0"/>
               <a:t>Copyright © 2021 Luyu Liu, Liu.6544@osu.edu</a:t>
             </a:r>
-            <a:endParaRPr lang="en-US" dirty="0"/>
           </a:p>
         </p:txBody>
       </p:sp>
@@ -3038,7 +3038,7 @@
           <a:p>
             <a:fld id="{D885AEDE-0B12-4C8F-8699-CD2CAA720354}" type="datetime1">
               <a:rPr lang="en-US" smtClean="0"/>
-              <a:t>6/7/2021</a:t>
+              <a:t>6/8/2021</a:t>
             </a:fld>
             <a:endParaRPr lang="en-US"/>
           </a:p>
@@ -3066,10 +3066,9 @@
           <a:lstStyle/>
           <a:p>
             <a:r>
-              <a:rPr lang="en-US"/>
+              <a:rPr lang="en-US" dirty="0"/>
               <a:t>Copyright © 2021 Luyu Liu, Liu.6544@osu.edu</a:t>
             </a:r>
-            <a:endParaRPr lang="en-US" dirty="0"/>
           </a:p>
         </p:txBody>
       </p:sp>
@@ -3366,7 +3365,7 @@
           <a:p>
             <a:fld id="{5BD475CC-F05D-4FDA-AF67-3B2C90729A6E}" type="datetime1">
               <a:rPr lang="en-US" smtClean="0"/>
-              <a:t>6/7/2021</a:t>
+              <a:t>6/8/2021</a:t>
             </a:fld>
             <a:endParaRPr lang="en-US"/>
           </a:p>
@@ -3394,10 +3393,9 @@
           <a:lstStyle/>
           <a:p>
             <a:r>
-              <a:rPr lang="en-US"/>
+              <a:rPr lang="en-US" dirty="0"/>
               <a:t>Copyright © 2021 Luyu Liu, Liu.6544@osu.edu</a:t>
             </a:r>
-            <a:endParaRPr lang="en-US" dirty="0"/>
           </a:p>
         </p:txBody>
       </p:sp>
@@ -3647,7 +3645,7 @@
           <a:p>
             <a:fld id="{918F5A97-4E10-40B9-B25D-F19CB7779816}" type="datetime1">
               <a:rPr lang="en-US" smtClean="0"/>
-              <a:t>6/7/2021</a:t>
+              <a:t>6/8/2021</a:t>
             </a:fld>
             <a:endParaRPr lang="en-US"/>
           </a:p>
@@ -4244,10 +4242,15 @@
           <a:lstStyle/>
           <a:p>
             <a:r>
-              <a:rPr lang="en-US"/>
-              <a:t>Copyright © 2021 Luyu Liu, Liu.6544@osu.edu</a:t>
-            </a:r>
-            <a:endParaRPr lang="en-US" dirty="0"/>
+              <a:rPr lang="en-US" dirty="0"/>
+              <a:t>Copyright © 2021 Luyu Liu, </a:t>
+            </a:r>
+          </a:p>
+          <a:p>
+            <a:r>
+              <a:rPr lang="en-US" dirty="0"/>
+              <a:t>Liu.6544@osu.edu</a:t>
+            </a:r>
           </a:p>
         </p:txBody>
       </p:sp>
@@ -4678,10 +4681,15 @@
           <a:lstStyle/>
           <a:p>
             <a:r>
-              <a:rPr lang="en-US"/>
-              <a:t>Copyright © 2021 Luyu Liu, Liu.6544@osu.edu</a:t>
-            </a:r>
-            <a:endParaRPr lang="en-US" dirty="0"/>
+              <a:rPr lang="en-US" dirty="0"/>
+              <a:t>Copyright © 2021 Luyu Liu, </a:t>
+            </a:r>
+          </a:p>
+          <a:p>
+            <a:r>
+              <a:rPr lang="en-US" dirty="0"/>
+              <a:t>Liu.6544@osu.edu</a:t>
+            </a:r>
           </a:p>
         </p:txBody>
       </p:sp>
@@ -5406,41 +5414,6 @@
                 <a:srgbClr val="C00000"/>
               </a:solidFill>
             </a:endParaRPr>
-          </a:p>
-        </p:txBody>
-      </p:sp>
-      <p:sp>
-        <p:nvSpPr>
-          <p:cNvPr id="10" name="Footer Placeholder 9">
-            <a:extLst>
-              <a:ext uri="{FF2B5EF4-FFF2-40B4-BE49-F238E27FC236}">
-                <a16:creationId xmlns:a16="http://schemas.microsoft.com/office/drawing/2014/main" id="{C63958F1-5B8E-4A76-9097-4A6A0595A789}"/>
-              </a:ext>
-            </a:extLst>
-          </p:cNvPr>
-          <p:cNvSpPr>
-            <a:spLocks noGrp="1"/>
-          </p:cNvSpPr>
-          <p:nvPr>
-            <p:ph type="ftr" sz="quarter" idx="11"/>
-          </p:nvPr>
-        </p:nvSpPr>
-        <p:spPr/>
-        <p:txBody>
-          <a:bodyPr/>
-          <a:lstStyle/>
-          <a:p>
-            <a:r>
-              <a:rPr lang="en-US"/>
-              <a:t>Copyright © 2021 Luyu Liu,</a:t>
-            </a:r>
-          </a:p>
-          <a:p>
-            <a:r>
-              <a:rPr lang="en-US"/>
-              <a:t>Liu.6544@osu.edu</a:t>
-            </a:r>
-            <a:endParaRPr lang="en-US" dirty="0"/>
           </a:p>
         </p:txBody>
       </p:sp>
@@ -9293,7 +9266,12 @@
             <p:ph type="ftr" sz="quarter" idx="11"/>
           </p:nvPr>
         </p:nvSpPr>
-        <p:spPr/>
+        <p:spPr>
+          <a:xfrm>
+            <a:off x="1364096" y="6434579"/>
+            <a:ext cx="4114800" cy="365125"/>
+          </a:xfrm>
+        </p:spPr>
         <p:txBody>
           <a:bodyPr/>
           <a:lstStyle/>
@@ -10219,10 +10197,15 @@
           <a:lstStyle/>
           <a:p>
             <a:r>
-              <a:rPr lang="en-US"/>
-              <a:t>Copyright © 2021 Luyu Liu, Liu.6544@osu.edu</a:t>
-            </a:r>
-            <a:endParaRPr lang="en-US" dirty="0"/>
+              <a:rPr lang="en-US" dirty="0"/>
+              <a:t>Copyright © 2021 Luyu Liu, </a:t>
+            </a:r>
+          </a:p>
+          <a:p>
+            <a:r>
+              <a:rPr lang="en-US" dirty="0"/>
+              <a:t>Liu.6544@osu.edu</a:t>
+            </a:r>
           </a:p>
         </p:txBody>
       </p:sp>
@@ -10544,41 +10527,6 @@
           </a:p>
         </p:txBody>
       </p:sp>
-      <p:sp>
-        <p:nvSpPr>
-          <p:cNvPr id="10" name="Footer Placeholder 9">
-            <a:extLst>
-              <a:ext uri="{FF2B5EF4-FFF2-40B4-BE49-F238E27FC236}">
-                <a16:creationId xmlns:a16="http://schemas.microsoft.com/office/drawing/2014/main" id="{1A7A7432-F658-4F02-952B-6C2C8779C76A}"/>
-              </a:ext>
-            </a:extLst>
-          </p:cNvPr>
-          <p:cNvSpPr>
-            <a:spLocks noGrp="1"/>
-          </p:cNvSpPr>
-          <p:nvPr>
-            <p:ph type="ftr" sz="quarter" idx="11"/>
-          </p:nvPr>
-        </p:nvSpPr>
-        <p:spPr/>
-        <p:txBody>
-          <a:bodyPr/>
-          <a:lstStyle/>
-          <a:p>
-            <a:r>
-              <a:rPr lang="en-US"/>
-              <a:t>Copyright © 2021 Luyu Liu,</a:t>
-            </a:r>
-          </a:p>
-          <a:p>
-            <a:r>
-              <a:rPr lang="en-US"/>
-              <a:t>Liu.6544@osu.edu</a:t>
-            </a:r>
-            <a:endParaRPr lang="en-US" dirty="0"/>
-          </a:p>
-        </p:txBody>
-      </p:sp>
     </p:spTree>
     <p:extLst>
       <p:ext uri="{BB962C8B-B14F-4D97-AF65-F5344CB8AC3E}">
@@ -11358,10 +11306,15 @@
           <a:lstStyle/>
           <a:p>
             <a:r>
-              <a:rPr lang="en-US"/>
-              <a:t>Copyright © 2021 Luyu Liu, Liu.6544@osu.edu</a:t>
-            </a:r>
-            <a:endParaRPr lang="en-US" dirty="0"/>
+              <a:rPr lang="en-US" dirty="0"/>
+              <a:t>Copyright © 2021 Luyu Liu, </a:t>
+            </a:r>
+          </a:p>
+          <a:p>
+            <a:r>
+              <a:rPr lang="en-US" dirty="0"/>
+              <a:t>Liu.6544@osu.edu</a:t>
+            </a:r>
           </a:p>
         </p:txBody>
       </p:sp>
@@ -12333,41 +12286,6 @@
               <a:rPr lang="en-US" sz="1400" i="1" dirty="0"/>
               <a:t>”, and set my view to this place with this zoom level</a:t>
             </a:r>
-          </a:p>
-        </p:txBody>
-      </p:sp>
-      <p:sp>
-        <p:nvSpPr>
-          <p:cNvPr id="21" name="Footer Placeholder 20">
-            <a:extLst>
-              <a:ext uri="{FF2B5EF4-FFF2-40B4-BE49-F238E27FC236}">
-                <a16:creationId xmlns:a16="http://schemas.microsoft.com/office/drawing/2014/main" id="{9D4A7BA0-3EC8-4DA0-9056-D99A5C4A6ED6}"/>
-              </a:ext>
-            </a:extLst>
-          </p:cNvPr>
-          <p:cNvSpPr>
-            <a:spLocks noGrp="1"/>
-          </p:cNvSpPr>
-          <p:nvPr>
-            <p:ph type="ftr" sz="quarter" idx="11"/>
-          </p:nvPr>
-        </p:nvSpPr>
-        <p:spPr/>
-        <p:txBody>
-          <a:bodyPr/>
-          <a:lstStyle/>
-          <a:p>
-            <a:r>
-              <a:rPr lang="en-US"/>
-              <a:t>Copyright © 2021 Luyu Liu,</a:t>
-            </a:r>
-          </a:p>
-          <a:p>
-            <a:r>
-              <a:rPr lang="en-US"/>
-              <a:t>Liu.6544@osu.edu</a:t>
-            </a:r>
-            <a:endParaRPr lang="en-US" dirty="0"/>
           </a:p>
         </p:txBody>
       </p:sp>
@@ -12935,41 +12853,6 @@
           </a:prstGeom>
         </p:spPr>
       </p:pic>
-      <p:sp>
-        <p:nvSpPr>
-          <p:cNvPr id="16" name="Footer Placeholder 15">
-            <a:extLst>
-              <a:ext uri="{FF2B5EF4-FFF2-40B4-BE49-F238E27FC236}">
-                <a16:creationId xmlns:a16="http://schemas.microsoft.com/office/drawing/2014/main" id="{C98FF6D6-E14C-47AB-8038-9C7296B16E60}"/>
-              </a:ext>
-            </a:extLst>
-          </p:cNvPr>
-          <p:cNvSpPr>
-            <a:spLocks noGrp="1"/>
-          </p:cNvSpPr>
-          <p:nvPr>
-            <p:ph type="ftr" sz="quarter" idx="11"/>
-          </p:nvPr>
-        </p:nvSpPr>
-        <p:spPr/>
-        <p:txBody>
-          <a:bodyPr/>
-          <a:lstStyle/>
-          <a:p>
-            <a:r>
-              <a:rPr lang="en-US"/>
-              <a:t>Copyright © 2021 Luyu Liu,</a:t>
-            </a:r>
-          </a:p>
-          <a:p>
-            <a:r>
-              <a:rPr lang="en-US"/>
-              <a:t>Liu.6544@osu.edu</a:t>
-            </a:r>
-            <a:endParaRPr lang="en-US" dirty="0"/>
-          </a:p>
-        </p:txBody>
-      </p:sp>
     </p:spTree>
     <p:extLst>
       <p:ext uri="{BB962C8B-B14F-4D97-AF65-F5344CB8AC3E}">
@@ -13322,10 +13205,15 @@
           <a:lstStyle/>
           <a:p>
             <a:r>
-              <a:rPr lang="en-US"/>
-              <a:t>Copyright © 2021 Luyu Liu, Liu.6544@osu.edu</a:t>
-            </a:r>
-            <a:endParaRPr lang="en-US" dirty="0"/>
+              <a:rPr lang="en-US" dirty="0"/>
+              <a:t>Copyright © 2021 Luyu Liu, </a:t>
+            </a:r>
+          </a:p>
+          <a:p>
+            <a:r>
+              <a:rPr lang="en-US" dirty="0"/>
+              <a:t>Liu.6544@osu.edu</a:t>
+            </a:r>
           </a:p>
         </p:txBody>
       </p:sp>
@@ -13914,7 +13802,10 @@
           <a:bodyPr/>
           <a:lstStyle/>
           <a:p>
-            <a:endParaRPr lang="en-US"/>
+            <a:r>
+              <a:rPr lang="en-US" dirty="0"/>
+              <a:t>2:50 – 3:35</a:t>
+            </a:r>
           </a:p>
         </p:txBody>
       </p:sp>
@@ -13969,10 +13860,15 @@
           <a:lstStyle/>
           <a:p>
             <a:r>
-              <a:rPr lang="en-US"/>
-              <a:t>Copyright © 2021 Luyu Liu, Liu.6544@osu.edu</a:t>
-            </a:r>
-            <a:endParaRPr lang="en-US" dirty="0"/>
+              <a:rPr lang="en-US" dirty="0"/>
+              <a:t>Copyright © 2021 Luyu Liu, </a:t>
+            </a:r>
+          </a:p>
+          <a:p>
+            <a:r>
+              <a:rPr lang="en-US" dirty="0"/>
+              <a:t>Liu.6544@osu.edu</a:t>
+            </a:r>
           </a:p>
         </p:txBody>
       </p:sp>
@@ -14280,7 +14176,10 @@
           <a:bodyPr/>
           <a:lstStyle/>
           <a:p>
-            <a:endParaRPr lang="en-US"/>
+            <a:r>
+              <a:rPr lang="en-US" dirty="0"/>
+              <a:t>3:35 – 3:45</a:t>
+            </a:r>
           </a:p>
         </p:txBody>
       </p:sp>
@@ -14335,10 +14234,15 @@
           <a:lstStyle/>
           <a:p>
             <a:r>
-              <a:rPr lang="en-US"/>
-              <a:t>Copyright © 2021 Luyu Liu, Liu.6544@osu.edu</a:t>
-            </a:r>
-            <a:endParaRPr lang="en-US" dirty="0"/>
+              <a:rPr lang="en-US" dirty="0"/>
+              <a:t>Copyright © 2021 Luyu Liu, </a:t>
+            </a:r>
+          </a:p>
+          <a:p>
+            <a:r>
+              <a:rPr lang="en-US" dirty="0"/>
+              <a:t>Liu.6544@osu.edu</a:t>
+            </a:r>
           </a:p>
         </p:txBody>
       </p:sp>
@@ -14706,10 +14610,15 @@
           <a:lstStyle/>
           <a:p>
             <a:r>
-              <a:rPr lang="en-US"/>
-              <a:t>Copyright © 2021 Luyu Liu, Liu.6544@osu.edu</a:t>
-            </a:r>
-            <a:endParaRPr lang="en-US" dirty="0"/>
+              <a:rPr lang="en-US" dirty="0"/>
+              <a:t>Copyright © 2021 Luyu Liu, </a:t>
+            </a:r>
+          </a:p>
+          <a:p>
+            <a:r>
+              <a:rPr lang="en-US" dirty="0"/>
+              <a:t>Liu.6544@osu.edu</a:t>
+            </a:r>
           </a:p>
         </p:txBody>
       </p:sp>
@@ -15319,7 +15228,7 @@
             </a:r>
             <a:r>
               <a:rPr lang="en-US" dirty="0"/>
-              <a:t>, MC access</a:t>
+              <a:t>, MS access</a:t>
             </a:r>
           </a:p>
           <a:p>
@@ -15510,10 +15419,15 @@
           <a:lstStyle/>
           <a:p>
             <a:r>
-              <a:rPr lang="en-US"/>
-              <a:t>Copyright © 2021 Luyu Liu, Liu.6544@osu.edu</a:t>
-            </a:r>
-            <a:endParaRPr lang="en-US" dirty="0"/>
+              <a:rPr lang="en-US" dirty="0"/>
+              <a:t>Copyright © 2021 Luyu Liu, </a:t>
+            </a:r>
+          </a:p>
+          <a:p>
+            <a:r>
+              <a:rPr lang="en-US" dirty="0"/>
+              <a:t>Liu.6544@osu.edu</a:t>
+            </a:r>
           </a:p>
         </p:txBody>
       </p:sp>
@@ -15803,22 +15717,26 @@
             <p:ph type="ftr" sz="quarter" idx="11"/>
           </p:nvPr>
         </p:nvSpPr>
-        <p:spPr/>
-        <p:txBody>
-          <a:bodyPr/>
-          <a:lstStyle/>
-          <a:p>
-            <a:r>
-              <a:rPr lang="en-US"/>
+        <p:spPr>
+          <a:xfrm>
+            <a:off x="5441272" y="6443447"/>
+            <a:ext cx="4114800" cy="365125"/>
+          </a:xfrm>
+        </p:spPr>
+        <p:txBody>
+          <a:bodyPr/>
+          <a:lstStyle/>
+          <a:p>
+            <a:r>
+              <a:rPr lang="en-US" dirty="0"/>
               <a:t>Copyright © 2021 Luyu Liu,</a:t>
             </a:r>
           </a:p>
           <a:p>
             <a:r>
-              <a:rPr lang="en-US"/>
+              <a:rPr lang="en-US" dirty="0"/>
               <a:t>Liu.6544@osu.edu</a:t>
             </a:r>
-            <a:endParaRPr lang="en-US" dirty="0"/>
           </a:p>
         </p:txBody>
       </p:sp>
@@ -16738,7 +16656,10 @@
           <a:bodyPr/>
           <a:lstStyle/>
           <a:p>
-            <a:endParaRPr lang="en-US"/>
+            <a:r>
+              <a:rPr lang="en-US" dirty="0"/>
+              <a:t>3:45 – 4:00</a:t>
+            </a:r>
           </a:p>
         </p:txBody>
       </p:sp>
@@ -16793,10 +16714,15 @@
           <a:lstStyle/>
           <a:p>
             <a:r>
-              <a:rPr lang="en-US"/>
-              <a:t>Copyright © 2021 Luyu Liu, Liu.6544@osu.edu</a:t>
-            </a:r>
-            <a:endParaRPr lang="en-US" dirty="0"/>
+              <a:rPr lang="en-US" dirty="0"/>
+              <a:t>Copyright © 2021 Luyu Liu, </a:t>
+            </a:r>
+          </a:p>
+          <a:p>
+            <a:r>
+              <a:rPr lang="en-US" dirty="0"/>
+              <a:t>Liu.6544@osu.edu</a:t>
+            </a:r>
           </a:p>
         </p:txBody>
       </p:sp>
@@ -17079,7 +17005,7 @@
           <a:bodyPr/>
           <a:lstStyle/>
           <a:p>
-            <a:endParaRPr lang="en-US"/>
+            <a:endParaRPr lang="en-US" dirty="0"/>
           </a:p>
         </p:txBody>
       </p:sp>
@@ -17134,10 +17060,15 @@
           <a:lstStyle/>
           <a:p>
             <a:r>
-              <a:rPr lang="en-US"/>
-              <a:t>Copyright © 2021 Luyu Liu, Liu.6544@osu.edu</a:t>
-            </a:r>
-            <a:endParaRPr lang="en-US" dirty="0"/>
+              <a:rPr lang="en-US" dirty="0"/>
+              <a:t>Copyright © 2021 Luyu Liu, </a:t>
+            </a:r>
+          </a:p>
+          <a:p>
+            <a:r>
+              <a:rPr lang="en-US" dirty="0"/>
+              <a:t>Liu.6544@osu.edu</a:t>
+            </a:r>
           </a:p>
         </p:txBody>
       </p:sp>
@@ -17222,7 +17153,7 @@
           <a:p>
             <a:r>
               <a:rPr lang="en-US" dirty="0"/>
-              <a:t>4:05 – 4:45</a:t>
+              <a:t>4:05 – 4:50</a:t>
             </a:r>
           </a:p>
         </p:txBody>
@@ -17278,10 +17209,15 @@
           <a:lstStyle/>
           <a:p>
             <a:r>
-              <a:rPr lang="en-US"/>
-              <a:t>Copyright © 2021 Luyu Liu, Liu.6544@osu.edu</a:t>
-            </a:r>
-            <a:endParaRPr lang="en-US" dirty="0"/>
+              <a:rPr lang="en-US" dirty="0"/>
+              <a:t>Copyright © 2021 Luyu Liu, </a:t>
+            </a:r>
+          </a:p>
+          <a:p>
+            <a:r>
+              <a:rPr lang="en-US" dirty="0"/>
+              <a:t>Liu.6544@osu.edu</a:t>
+            </a:r>
           </a:p>
         </p:txBody>
       </p:sp>

--- a/doc/presentation.pptx
+++ b/doc/presentation.pptx
@@ -243,7 +243,7 @@
           <a:p>
             <a:fld id="{A665B8CE-B7EA-48CF-8C87-0BE3186CB14D}" type="datetimeFigureOut">
               <a:rPr lang="en-US" smtClean="0"/>
-              <a:t>6/8/2021</a:t>
+              <a:t>6/10/2021</a:t>
             </a:fld>
             <a:endParaRPr lang="en-US"/>
           </a:p>
@@ -663,7 +663,7 @@
           <a:p>
             <a:fld id="{8CE0AF47-EA74-41A7-80E0-2F285A07CDF7}" type="datetime1">
               <a:rPr lang="en-US" smtClean="0"/>
-              <a:t>6/8/2021</a:t>
+              <a:t>6/10/2021</a:t>
             </a:fld>
             <a:endParaRPr lang="en-US"/>
           </a:p>
@@ -865,7 +865,7 @@
           <a:p>
             <a:fld id="{5BE0D661-6592-45BF-9F9B-140A66F2A8DF}" type="datetime1">
               <a:rPr lang="en-US" smtClean="0"/>
-              <a:t>6/8/2021</a:t>
+              <a:t>6/10/2021</a:t>
             </a:fld>
             <a:endParaRPr lang="en-US"/>
           </a:p>
@@ -1113,7 +1113,7 @@
           <a:p>
             <a:fld id="{8489D436-87DA-4914-B4D7-7F95396E6290}" type="datetime1">
               <a:rPr lang="en-US" smtClean="0"/>
-              <a:t>6/8/2021</a:t>
+              <a:t>6/10/2021</a:t>
             </a:fld>
             <a:endParaRPr lang="en-US"/>
           </a:p>
@@ -1353,7 +1353,7 @@
           <a:p>
             <a:fld id="{31026531-1782-42E1-BA6D-EB320236770C}" type="datetime1">
               <a:rPr lang="en-US" smtClean="0"/>
-              <a:t>6/8/2021</a:t>
+              <a:t>6/10/2021</a:t>
             </a:fld>
             <a:endParaRPr lang="en-US"/>
           </a:p>
@@ -1673,7 +1673,7 @@
           <a:p>
             <a:fld id="{870F9AF4-A28F-43E1-8B38-899E40FB890C}" type="datetime1">
               <a:rPr lang="en-US" smtClean="0"/>
-              <a:t>6/8/2021</a:t>
+              <a:t>6/10/2021</a:t>
             </a:fld>
             <a:endParaRPr lang="en-US"/>
           </a:p>
@@ -1941,7 +1941,7 @@
           <a:p>
             <a:fld id="{8DF15B70-4CF4-49DB-B971-0C528B80EBB8}" type="datetime1">
               <a:rPr lang="en-US" smtClean="0"/>
-              <a:t>6/8/2021</a:t>
+              <a:t>6/10/2021</a:t>
             </a:fld>
             <a:endParaRPr lang="en-US"/>
           </a:p>
@@ -2392,7 +2392,7 @@
           <a:p>
             <a:fld id="{58138131-BC32-479A-89CD-5B914C6E5F6B}" type="datetime1">
               <a:rPr lang="en-US" smtClean="0"/>
-              <a:t>6/8/2021</a:t>
+              <a:t>6/10/2021</a:t>
             </a:fld>
             <a:endParaRPr lang="en-US"/>
           </a:p>
@@ -2572,7 +2572,7 @@
           <a:p>
             <a:fld id="{678A65FA-25E4-41C2-86FF-29B58CDBC364}" type="datetime1">
               <a:rPr lang="en-US" smtClean="0"/>
-              <a:t>6/8/2021</a:t>
+              <a:t>6/10/2021</a:t>
             </a:fld>
             <a:endParaRPr lang="en-US"/>
           </a:p>
@@ -2724,7 +2724,7 @@
           <a:p>
             <a:fld id="{AA622C73-11C5-4109-A690-C0E12F23091D}" type="datetime1">
               <a:rPr lang="en-US" smtClean="0"/>
-              <a:t>6/8/2021</a:t>
+              <a:t>6/10/2021</a:t>
             </a:fld>
             <a:endParaRPr lang="en-US"/>
           </a:p>
@@ -3038,7 +3038,7 @@
           <a:p>
             <a:fld id="{D885AEDE-0B12-4C8F-8699-CD2CAA720354}" type="datetime1">
               <a:rPr lang="en-US" smtClean="0"/>
-              <a:t>6/8/2021</a:t>
+              <a:t>6/10/2021</a:t>
             </a:fld>
             <a:endParaRPr lang="en-US"/>
           </a:p>
@@ -3365,7 +3365,7 @@
           <a:p>
             <a:fld id="{5BD475CC-F05D-4FDA-AF67-3B2C90729A6E}" type="datetime1">
               <a:rPr lang="en-US" smtClean="0"/>
-              <a:t>6/8/2021</a:t>
+              <a:t>6/10/2021</a:t>
             </a:fld>
             <a:endParaRPr lang="en-US"/>
           </a:p>
@@ -3645,7 +3645,7 @@
           <a:p>
             <a:fld id="{918F5A97-4E10-40B9-B25D-F19CB7779816}" type="datetime1">
               <a:rPr lang="en-US" smtClean="0"/>
-              <a:t>6/8/2021</a:t>
+              <a:t>6/10/2021</a:t>
             </a:fld>
             <a:endParaRPr lang="en-US"/>
           </a:p>
@@ -11405,7 +11405,7 @@
             </a:pPr>
             <a:r>
               <a:rPr lang="en-US" dirty="0"/>
-              <a:t>0.  Short survey (4:00 – 4:05pm EST)</a:t>
+              <a:t>0.  Short survey (2:00 – 2:05pm EST)</a:t>
             </a:r>
           </a:p>
           <a:p>
@@ -11415,7 +11415,7 @@
             </a:pPr>
             <a:r>
               <a:rPr lang="en-US" dirty="0"/>
-              <a:t>Frontend minilecture (4:05 – 4:45pm)</a:t>
+              <a:t>Frontend minilecture (2:05 – 2:50pm)</a:t>
             </a:r>
           </a:p>
           <a:p>
@@ -11425,7 +11425,7 @@
             </a:pPr>
             <a:r>
               <a:rPr lang="en-US" dirty="0"/>
-              <a:t>Frontend lab (4:45pm – 5:20pm)</a:t>
+              <a:t>Frontend lab (2:50pm – 3:30pm)</a:t>
             </a:r>
           </a:p>
           <a:p>
@@ -11435,7 +11435,7 @@
             </a:pPr>
             <a:r>
               <a:rPr lang="en-US" dirty="0"/>
-              <a:t>Short break and Q&amp;A for frontend part (5:20 – 5:30pm)</a:t>
+              <a:t>Backend minilecture (3:30 – 3:40pm)</a:t>
             </a:r>
           </a:p>
           <a:p>
@@ -11445,7 +11445,7 @@
             </a:pPr>
             <a:r>
               <a:rPr lang="en-US" dirty="0"/>
-              <a:t>Backend lab (5:30pm – 5:50pm)</a:t>
+              <a:t>Backend lab (3:40pm – 3:55pm)</a:t>
             </a:r>
           </a:p>
           <a:p>
@@ -11455,7 +11455,7 @@
             </a:pPr>
             <a:r>
               <a:rPr lang="en-US" dirty="0"/>
-              <a:t>Free Q&amp;A time and short survey (5:50pm – 6:00pm)</a:t>
+              <a:t>Free Q&amp;A time and short survey (3:55pm – 4:00pm)</a:t>
             </a:r>
           </a:p>
           <a:p>
@@ -13804,7 +13804,7 @@
           <a:p>
             <a:r>
               <a:rPr lang="en-US" dirty="0"/>
-              <a:t>2:50 – 3:35</a:t>
+              <a:t>2:50 – 3:30</a:t>
             </a:r>
           </a:p>
         </p:txBody>
@@ -14178,7 +14178,7 @@
           <a:p>
             <a:r>
               <a:rPr lang="en-US" dirty="0"/>
-              <a:t>3:35 – 3:45</a:t>
+              <a:t>3:30 – 3:40</a:t>
             </a:r>
           </a:p>
         </p:txBody>
@@ -14554,7 +14554,7 @@
           <a:p>
             <a:r>
               <a:rPr lang="en-US" dirty="0"/>
-              <a:t>4:00 – 4:05</a:t>
+              <a:t>2:00 – 2:05</a:t>
             </a:r>
           </a:p>
         </p:txBody>
@@ -16658,7 +16658,7 @@
           <a:p>
             <a:r>
               <a:rPr lang="en-US" dirty="0"/>
-              <a:t>3:45 – 4:00</a:t>
+              <a:t>3:40 – 4:55</a:t>
             </a:r>
           </a:p>
         </p:txBody>
@@ -17153,7 +17153,7 @@
           <a:p>
             <a:r>
               <a:rPr lang="en-US" dirty="0"/>
-              <a:t>4:05 – 4:50</a:t>
+              <a:t>2:05 – 2:50</a:t>
             </a:r>
           </a:p>
         </p:txBody>

--- a/doc/presentation.pptx
+++ b/doc/presentation.pptx
@@ -5417,6 +5417,91 @@
           </a:p>
         </p:txBody>
       </p:sp>
+      <p:sp>
+        <p:nvSpPr>
+          <p:cNvPr id="9" name="Arrow: Right 8">
+            <a:extLst>
+              <a:ext uri="{FF2B5EF4-FFF2-40B4-BE49-F238E27FC236}">
+                <a16:creationId xmlns:a16="http://schemas.microsoft.com/office/drawing/2014/main" id="{B6C0986B-2E69-4413-B4A1-773BC28B8356}"/>
+              </a:ext>
+            </a:extLst>
+          </p:cNvPr>
+          <p:cNvSpPr/>
+          <p:nvPr/>
+        </p:nvSpPr>
+        <p:spPr>
+          <a:xfrm rot="428416">
+            <a:off x="5868954" y="2971354"/>
+            <a:ext cx="3474499" cy="360940"/>
+          </a:xfrm>
+          <a:prstGeom prst="rightArrow">
+            <a:avLst>
+              <a:gd name="adj1" fmla="val 50000"/>
+              <a:gd name="adj2" fmla="val 60332"/>
+            </a:avLst>
+          </a:prstGeom>
+          <a:solidFill>
+            <a:srgbClr val="0070C0"/>
+          </a:solidFill>
+        </p:spPr>
+        <p:style>
+          <a:lnRef idx="1">
+            <a:schemeClr val="accent1"/>
+          </a:lnRef>
+          <a:fillRef idx="3">
+            <a:schemeClr val="accent1"/>
+          </a:fillRef>
+          <a:effectRef idx="2">
+            <a:schemeClr val="accent1"/>
+          </a:effectRef>
+          <a:fontRef idx="minor">
+            <a:schemeClr val="lt1"/>
+          </a:fontRef>
+        </p:style>
+        <p:txBody>
+          <a:bodyPr rtlCol="0" anchor="ctr"/>
+          <a:lstStyle/>
+          <a:p>
+            <a:pPr algn="ctr"/>
+            <a:endParaRPr lang="en-US"/>
+          </a:p>
+        </p:txBody>
+      </p:sp>
+      <p:pic>
+        <p:nvPicPr>
+          <p:cNvPr id="10" name="Picture 9">
+            <a:extLst>
+              <a:ext uri="{FF2B5EF4-FFF2-40B4-BE49-F238E27FC236}">
+                <a16:creationId xmlns:a16="http://schemas.microsoft.com/office/drawing/2014/main" id="{64D4AE4C-5F90-46AF-9CB6-A2D38982CF60}"/>
+              </a:ext>
+            </a:extLst>
+          </p:cNvPr>
+          <p:cNvPicPr>
+            <a:picLocks noChangeAspect="1"/>
+          </p:cNvPicPr>
+          <p:nvPr/>
+        </p:nvPicPr>
+        <p:blipFill>
+          <a:blip r:embed="rId4"/>
+          <a:stretch>
+            <a:fillRect/>
+          </a:stretch>
+        </p:blipFill>
+        <p:spPr>
+          <a:xfrm>
+            <a:off x="9472289" y="2609923"/>
+            <a:ext cx="2105025" cy="1285875"/>
+          </a:xfrm>
+          <a:prstGeom prst="rect">
+            <a:avLst/>
+          </a:prstGeom>
+          <a:ln>
+            <a:solidFill>
+              <a:schemeClr val="tx1"/>
+            </a:solidFill>
+          </a:ln>
+        </p:spPr>
+      </p:pic>
     </p:spTree>
     <p:extLst>
       <p:ext uri="{BB962C8B-B14F-4D97-AF65-F5344CB8AC3E}">
@@ -5653,20 +5738,14 @@
             <a:r>
               <a:rPr lang="en-US" sz="2000" dirty="0">
                 <a:solidFill>
-                  <a:srgbClr val="D4D4D4"/>
+                  <a:schemeClr val="tx1">
+                    <a:lumMod val="85000"/>
+                    <a:lumOff val="15000"/>
+                  </a:schemeClr>
                 </a:solidFill>
                 <a:latin typeface="Consolas" panose="020B0609020204030204" pitchFamily="49" charset="0"/>
               </a:rPr>
-              <a:t>I am a link!</a:t>
-            </a:r>
-            <a:r>
-              <a:rPr lang="en-US" sz="2000" dirty="0">
-                <a:solidFill>
-                  <a:srgbClr val="808080"/>
-                </a:solidFill>
-                <a:latin typeface="Consolas" panose="020B0609020204030204" pitchFamily="49" charset="0"/>
-              </a:rPr>
-              <a:t>&lt;/</a:t>
+              <a:t>I am a link!&lt;/</a:t>
             </a:r>
             <a:r>
               <a:rPr lang="en-US" sz="2000" dirty="0">
@@ -5886,6 +5965,36 @@
           </a:p>
         </p:txBody>
       </p:sp>
+      <p:pic>
+        <p:nvPicPr>
+          <p:cNvPr id="7" name="Picture 6">
+            <a:extLst>
+              <a:ext uri="{FF2B5EF4-FFF2-40B4-BE49-F238E27FC236}">
+                <a16:creationId xmlns:a16="http://schemas.microsoft.com/office/drawing/2014/main" id="{E17B31F4-0EDF-43CF-9F7E-7396B98FC14C}"/>
+              </a:ext>
+            </a:extLst>
+          </p:cNvPr>
+          <p:cNvPicPr>
+            <a:picLocks noChangeAspect="1"/>
+          </p:cNvPicPr>
+          <p:nvPr/>
+        </p:nvPicPr>
+        <p:blipFill>
+          <a:blip r:embed="rId2"/>
+          <a:stretch>
+            <a:fillRect/>
+          </a:stretch>
+        </p:blipFill>
+        <p:spPr>
+          <a:xfrm>
+            <a:off x="9196050" y="2882966"/>
+            <a:ext cx="2477994" cy="805348"/>
+          </a:xfrm>
+          <a:prstGeom prst="rect">
+            <a:avLst/>
+          </a:prstGeom>
+        </p:spPr>
+      </p:pic>
     </p:spTree>
     <p:extLst>
       <p:ext uri="{BB962C8B-B14F-4D97-AF65-F5344CB8AC3E}">
@@ -6857,7 +6966,7 @@
 </file>
 
 <file path=ppt/slides/slide17.xml><?xml version="1.0" encoding="utf-8"?>
-<p:sld xmlns:a="http://schemas.openxmlformats.org/drawingml/2006/main" xmlns:r="http://schemas.openxmlformats.org/officeDocument/2006/relationships" xmlns:p="http://schemas.openxmlformats.org/presentationml/2006/main">
+<p:sld xmlns:a="http://schemas.openxmlformats.org/drawingml/2006/main" xmlns:r="http://schemas.openxmlformats.org/officeDocument/2006/relationships" xmlns:p="http://schemas.openxmlformats.org/presentationml/2006/main" show="0">
   <p:cSld>
     <p:spTree>
       <p:nvGrpSpPr>
@@ -7186,7 +7295,7 @@
 </file>
 
 <file path=ppt/slides/slide18.xml><?xml version="1.0" encoding="utf-8"?>
-<p:sld xmlns:a="http://schemas.openxmlformats.org/drawingml/2006/main" xmlns:r="http://schemas.openxmlformats.org/officeDocument/2006/relationships" xmlns:p="http://schemas.openxmlformats.org/presentationml/2006/main">
+<p:sld xmlns:a="http://schemas.openxmlformats.org/drawingml/2006/main" xmlns:r="http://schemas.openxmlformats.org/officeDocument/2006/relationships" xmlns:p="http://schemas.openxmlformats.org/presentationml/2006/main" show="0">
   <p:cSld>
     <p:spTree>
       <p:nvGrpSpPr>
@@ -12342,7 +12451,7 @@
           <a:p>
             <a:r>
               <a:rPr lang="en-US" dirty="0"/>
-              <a:t>Other Leaflet Components</a:t>
+              <a:t>Leaflet Function Logic</a:t>
             </a:r>
           </a:p>
         </p:txBody>
@@ -12366,12 +12475,78 @@
         <p:spPr>
           <a:xfrm>
             <a:off x="838200" y="1625634"/>
-            <a:ext cx="10515600" cy="4351338"/>
+            <a:ext cx="10515600" cy="2533591"/>
           </a:xfrm>
         </p:spPr>
         <p:txBody>
-          <a:bodyPr/>
-          <a:lstStyle/>
+          <a:bodyPr>
+            <a:normAutofit lnSpcReduction="10000"/>
+          </a:bodyPr>
+          <a:lstStyle/>
+          <a:p>
+            <a:pPr marL="457200" indent="-457200"/>
+            <a:r>
+              <a:rPr lang="en-US" dirty="0"/>
+              <a:t>A</a:t>
+            </a:r>
+            <a:r>
+              <a:rPr lang="en-US" sz="2800" dirty="0"/>
+              <a:t>ll elements must </a:t>
+            </a:r>
+            <a:r>
+              <a:rPr lang="en-US" sz="2800" dirty="0" err="1"/>
+              <a:t>addTo</a:t>
+            </a:r>
+            <a:r>
+              <a:rPr lang="en-US" sz="2800" dirty="0"/>
+              <a:t>(</a:t>
+            </a:r>
+            <a:r>
+              <a:rPr lang="en-US" sz="2800" dirty="0" err="1"/>
+              <a:t>mymap</a:t>
+            </a:r>
+            <a:r>
+              <a:rPr lang="en-US" sz="2800" dirty="0"/>
+              <a:t>) to show on the map</a:t>
+            </a:r>
+          </a:p>
+          <a:p>
+            <a:pPr marL="914400" lvl="1" indent="-457200"/>
+            <a:r>
+              <a:rPr lang="en-US" dirty="0"/>
+              <a:t>Layer: Raster layer (</a:t>
+            </a:r>
+            <a:r>
+              <a:rPr lang="en-US" dirty="0" err="1"/>
+              <a:t>L.tileLayer</a:t>
+            </a:r>
+            <a:r>
+              <a:rPr lang="en-US" dirty="0"/>
+              <a:t>, including base layers), vector layer…</a:t>
+            </a:r>
+          </a:p>
+          <a:p>
+            <a:pPr marL="914400" lvl="1" indent="-457200"/>
+            <a:r>
+              <a:rPr lang="en-US" dirty="0"/>
+              <a:t>Other single symbols: circle (</a:t>
+            </a:r>
+            <a:r>
+              <a:rPr lang="en-US" dirty="0" err="1"/>
+              <a:t>L.circle</a:t>
+            </a:r>
+            <a:r>
+              <a:rPr lang="en-US" dirty="0"/>
+              <a:t>), polygon…</a:t>
+            </a:r>
+          </a:p>
+          <a:p>
+            <a:pPr marL="914400" lvl="1" indent="-457200"/>
+            <a:r>
+              <a:rPr lang="en-US" dirty="0"/>
+              <a:t>Information media: popup</a:t>
+            </a:r>
+          </a:p>
           <a:p>
             <a:pPr marL="457200" indent="-457200">
               <a:buFont typeface="Arial" panose="020B0604020202020204" pitchFamily="34" charset="0"/>
@@ -12379,66 +12554,20 @@
             </a:pPr>
             <a:r>
               <a:rPr lang="en-US" sz="2800" dirty="0"/>
-              <a:t>Layer: Raster layer (</a:t>
+              <a:t>Structure: </a:t>
             </a:r>
             <a:r>
               <a:rPr lang="en-US" sz="2800" dirty="0" err="1"/>
-              <a:t>L.tileLayer</a:t>
-            </a:r>
-            <a:r>
-              <a:rPr lang="en-US" sz="2800" dirty="0"/>
-              <a:t>, including base layers), vector layer…</a:t>
-            </a:r>
-          </a:p>
-          <a:p>
-            <a:pPr marL="457200" indent="-457200">
-              <a:buFont typeface="Arial" panose="020B0604020202020204" pitchFamily="34" charset="0"/>
-              <a:buChar char="•"/>
-            </a:pPr>
-            <a:r>
-              <a:rPr lang="en-US" sz="2800" dirty="0"/>
-              <a:t>Other single symbols: circle (</a:t>
-            </a:r>
-            <a:r>
-              <a:rPr lang="en-US" sz="2800" dirty="0" err="1"/>
-              <a:t>L.circle</a:t>
-            </a:r>
-            <a:r>
-              <a:rPr lang="en-US" sz="2800" dirty="0"/>
-              <a:t>), polygon…</a:t>
-            </a:r>
-          </a:p>
-          <a:p>
-            <a:pPr marL="457200" indent="-457200">
-              <a:buFont typeface="Arial" panose="020B0604020202020204" pitchFamily="34" charset="0"/>
-              <a:buChar char="•"/>
-            </a:pPr>
-            <a:r>
-              <a:rPr lang="en-US" sz="2800" dirty="0"/>
-              <a:t>Information media: popup</a:t>
-            </a:r>
-          </a:p>
-          <a:p>
-            <a:r>
-              <a:rPr lang="en-US" sz="2800" dirty="0"/>
-              <a:t>All elements must </a:t>
-            </a:r>
-            <a:r>
-              <a:rPr lang="en-US" sz="2800" dirty="0" err="1"/>
-              <a:t>addTo</a:t>
-            </a:r>
-            <a:r>
-              <a:rPr lang="en-US" sz="2800" dirty="0"/>
-              <a:t>(</a:t>
-            </a:r>
-            <a:r>
-              <a:rPr lang="en-US" sz="2800" dirty="0" err="1"/>
-              <a:t>mymap</a:t>
-            </a:r>
-            <a:r>
-              <a:rPr lang="en-US" sz="2800" dirty="0"/>
-              <a:t>) to show on the map</a:t>
-            </a:r>
+              <a:t>L.function</a:t>
+            </a:r>
+            <a:r>
+              <a:rPr lang="en-US" dirty="0"/>
+              <a:t>(important parameters, {optional parameters...})</a:t>
+            </a:r>
+            <a:endParaRPr lang="en-US" sz="2800" dirty="0"/>
+          </a:p>
+          <a:p>
+            <a:endParaRPr lang="en-US" sz="2800" dirty="0"/>
           </a:p>
           <a:p>
             <a:pPr marL="0" indent="0">
@@ -12934,8 +13063,8 @@
         </p:blipFill>
         <p:spPr>
           <a:xfrm>
-            <a:off x="468330" y="2037979"/>
-            <a:ext cx="7685070" cy="4110712"/>
+            <a:off x="1029486" y="2390686"/>
+            <a:ext cx="7241435" cy="3873414"/>
           </a:xfrm>
           <a:prstGeom prst="rect">
             <a:avLst/>
@@ -12964,7 +13093,7 @@
         </p:blipFill>
         <p:spPr>
           <a:xfrm>
-            <a:off x="3270607" y="175555"/>
+            <a:off x="3501427" y="402772"/>
             <a:ext cx="7315200" cy="1654765"/>
           </a:xfrm>
           <a:prstGeom prst="rect">
@@ -13021,7 +13150,7 @@
         </p:nvSpPr>
         <p:spPr>
           <a:xfrm>
-            <a:off x="8809076" y="3539336"/>
+            <a:off x="8913396" y="4249550"/>
             <a:ext cx="2743200" cy="369332"/>
           </a:xfrm>
           <a:prstGeom prst="rect">
@@ -17347,6 +17476,16 @@
             <a:r>
               <a:rPr lang="en-US" sz="1800" dirty="0"/>
               <a:t> </a:t>
+            </a:r>
+          </a:p>
+          <a:p>
+            <a:pPr marL="457200" indent="-457200">
+              <a:buFont typeface="Arial" panose="020B0604020202020204" pitchFamily="34" charset="0"/>
+              <a:buChar char="•"/>
+            </a:pPr>
+            <a:r>
+              <a:rPr lang="en-US" dirty="0"/>
+              <a:t>Open the GitHub Pages option</a:t>
             </a:r>
           </a:p>
           <a:p>
